--- a/presentation/Introduction to XProc 3.0.pptx
+++ b/presentation/Introduction to XProc 3.0.pptx
@@ -5,10 +5,10 @@
     <p:sldMasterId id="2147483648" r:id="rId1"/>
   </p:sldMasterIdLst>
   <p:notesMasterIdLst>
-    <p:notesMasterId r:id="rId65"/>
+    <p:notesMasterId r:id="rId71"/>
   </p:notesMasterIdLst>
   <p:handoutMasterIdLst>
-    <p:handoutMasterId r:id="rId66"/>
+    <p:handoutMasterId r:id="rId72"/>
   </p:handoutMasterIdLst>
   <p:sldIdLst>
     <p:sldId id="256" r:id="rId2"/>
@@ -42,38 +42,44 @@
     <p:sldId id="336" r:id="rId30"/>
     <p:sldId id="335" r:id="rId31"/>
     <p:sldId id="341" r:id="rId32"/>
-    <p:sldId id="342" r:id="rId33"/>
-    <p:sldId id="343" r:id="rId34"/>
-    <p:sldId id="357" r:id="rId35"/>
-    <p:sldId id="340" r:id="rId36"/>
-    <p:sldId id="312" r:id="rId37"/>
-    <p:sldId id="346" r:id="rId38"/>
-    <p:sldId id="347" r:id="rId39"/>
-    <p:sldId id="313" r:id="rId40"/>
-    <p:sldId id="321" r:id="rId41"/>
-    <p:sldId id="348" r:id="rId42"/>
-    <p:sldId id="349" r:id="rId43"/>
-    <p:sldId id="350" r:id="rId44"/>
-    <p:sldId id="351" r:id="rId45"/>
-    <p:sldId id="352" r:id="rId46"/>
-    <p:sldId id="353" r:id="rId47"/>
-    <p:sldId id="354" r:id="rId48"/>
-    <p:sldId id="358" r:id="rId49"/>
-    <p:sldId id="355" r:id="rId50"/>
-    <p:sldId id="322" r:id="rId51"/>
-    <p:sldId id="360" r:id="rId52"/>
-    <p:sldId id="361" r:id="rId53"/>
-    <p:sldId id="362" r:id="rId54"/>
-    <p:sldId id="363" r:id="rId55"/>
-    <p:sldId id="324" r:id="rId56"/>
-    <p:sldId id="323" r:id="rId57"/>
-    <p:sldId id="325" r:id="rId58"/>
-    <p:sldId id="326" r:id="rId59"/>
-    <p:sldId id="329" r:id="rId60"/>
-    <p:sldId id="327" r:id="rId61"/>
-    <p:sldId id="328" r:id="rId62"/>
-    <p:sldId id="356" r:id="rId63"/>
-    <p:sldId id="330" r:id="rId64"/>
+    <p:sldId id="365" r:id="rId33"/>
+    <p:sldId id="366" r:id="rId34"/>
+    <p:sldId id="367" r:id="rId35"/>
+    <p:sldId id="357" r:id="rId36"/>
+    <p:sldId id="340" r:id="rId37"/>
+    <p:sldId id="312" r:id="rId38"/>
+    <p:sldId id="346" r:id="rId39"/>
+    <p:sldId id="347" r:id="rId40"/>
+    <p:sldId id="313" r:id="rId41"/>
+    <p:sldId id="321" r:id="rId42"/>
+    <p:sldId id="348" r:id="rId43"/>
+    <p:sldId id="349" r:id="rId44"/>
+    <p:sldId id="350" r:id="rId45"/>
+    <p:sldId id="351" r:id="rId46"/>
+    <p:sldId id="352" r:id="rId47"/>
+    <p:sldId id="353" r:id="rId48"/>
+    <p:sldId id="354" r:id="rId49"/>
+    <p:sldId id="358" r:id="rId50"/>
+    <p:sldId id="355" r:id="rId51"/>
+    <p:sldId id="322" r:id="rId52"/>
+    <p:sldId id="360" r:id="rId53"/>
+    <p:sldId id="361" r:id="rId54"/>
+    <p:sldId id="362" r:id="rId55"/>
+    <p:sldId id="363" r:id="rId56"/>
+    <p:sldId id="324" r:id="rId57"/>
+    <p:sldId id="323" r:id="rId58"/>
+    <p:sldId id="325" r:id="rId59"/>
+    <p:sldId id="326" r:id="rId60"/>
+    <p:sldId id="329" r:id="rId61"/>
+    <p:sldId id="327" r:id="rId62"/>
+    <p:sldId id="328" r:id="rId63"/>
+    <p:sldId id="368" r:id="rId64"/>
+    <p:sldId id="370" r:id="rId65"/>
+    <p:sldId id="371" r:id="rId66"/>
+    <p:sldId id="372" r:id="rId67"/>
+    <p:sldId id="373" r:id="rId68"/>
+    <p:sldId id="356" r:id="rId69"/>
+    <p:sldId id="330" r:id="rId70"/>
   </p:sldIdLst>
   <p:sldSz cx="12192000" cy="6858000"/>
   <p:notesSz cx="6858000" cy="9144000"/>
@@ -216,8 +222,9 @@
             <p14:sldId id="336"/>
             <p14:sldId id="335"/>
             <p14:sldId id="341"/>
-            <p14:sldId id="342"/>
-            <p14:sldId id="343"/>
+            <p14:sldId id="365"/>
+            <p14:sldId id="366"/>
+            <p14:sldId id="367"/>
             <p14:sldId id="357"/>
           </p14:sldIdLst>
         </p14:section>
@@ -254,6 +261,11 @@
             <p14:sldId id="329"/>
             <p14:sldId id="327"/>
             <p14:sldId id="328"/>
+            <p14:sldId id="368"/>
+            <p14:sldId id="370"/>
+            <p14:sldId id="371"/>
+            <p14:sldId id="372"/>
+            <p14:sldId id="373"/>
           </p14:sldIdLst>
         </p14:section>
         <p14:section name="Finish" id="{193BEA4A-F351-419B-B2C0-399BC03DC4F8}">
@@ -1895,7 +1907,7 @@
     </p:spTree>
     <p:extLst>
       <p:ext uri="{BB962C8B-B14F-4D97-AF65-F5344CB8AC3E}">
-        <p14:creationId xmlns:p14="http://schemas.microsoft.com/office/powerpoint/2010/main" val="1666156265"/>
+        <p14:creationId xmlns:p14="http://schemas.microsoft.com/office/powerpoint/2010/main" val="694163689"/>
       </p:ext>
     </p:extLst>
   </p:cSld>
@@ -1979,7 +1991,7 @@
     </p:spTree>
     <p:extLst>
       <p:ext uri="{BB962C8B-B14F-4D97-AF65-F5344CB8AC3E}">
-        <p14:creationId xmlns:p14="http://schemas.microsoft.com/office/powerpoint/2010/main" val="4089076473"/>
+        <p14:creationId xmlns:p14="http://schemas.microsoft.com/office/powerpoint/2010/main" val="1660349613"/>
       </p:ext>
     </p:extLst>
   </p:cSld>
@@ -2054,7 +2066,7 @@
           <a:p>
             <a:fld id="{210C85D1-D769-4E3C-BD67-6FCFE11EFBEA}" type="slidenum">
               <a:rPr lang="en-NL" smtClean="0"/>
-              <a:t>37</a:t>
+              <a:t>34</a:t>
             </a:fld>
             <a:endParaRPr lang="en-NL"/>
           </a:p>
@@ -2063,7 +2075,7 @@
     </p:spTree>
     <p:extLst>
       <p:ext uri="{BB962C8B-B14F-4D97-AF65-F5344CB8AC3E}">
-        <p14:creationId xmlns:p14="http://schemas.microsoft.com/office/powerpoint/2010/main" val="2446092660"/>
+        <p14:creationId xmlns:p14="http://schemas.microsoft.com/office/powerpoint/2010/main" val="380144518"/>
       </p:ext>
     </p:extLst>
   </p:cSld>
@@ -2147,7 +2159,7 @@
     </p:spTree>
     <p:extLst>
       <p:ext uri="{BB962C8B-B14F-4D97-AF65-F5344CB8AC3E}">
-        <p14:creationId xmlns:p14="http://schemas.microsoft.com/office/powerpoint/2010/main" val="2894707093"/>
+        <p14:creationId xmlns:p14="http://schemas.microsoft.com/office/powerpoint/2010/main" val="2446092660"/>
       </p:ext>
     </p:extLst>
   </p:cSld>
@@ -2222,7 +2234,7 @@
           <a:p>
             <a:fld id="{210C85D1-D769-4E3C-BD67-6FCFE11EFBEA}" type="slidenum">
               <a:rPr lang="en-NL" smtClean="0"/>
-              <a:t>41</a:t>
+              <a:t>39</a:t>
             </a:fld>
             <a:endParaRPr lang="en-NL"/>
           </a:p>
@@ -2231,7 +2243,7 @@
     </p:spTree>
     <p:extLst>
       <p:ext uri="{BB962C8B-B14F-4D97-AF65-F5344CB8AC3E}">
-        <p14:creationId xmlns:p14="http://schemas.microsoft.com/office/powerpoint/2010/main" val="1198317687"/>
+        <p14:creationId xmlns:p14="http://schemas.microsoft.com/office/powerpoint/2010/main" val="2894707093"/>
       </p:ext>
     </p:extLst>
   </p:cSld>
@@ -2315,7 +2327,7 @@
     </p:spTree>
     <p:extLst>
       <p:ext uri="{BB962C8B-B14F-4D97-AF65-F5344CB8AC3E}">
-        <p14:creationId xmlns:p14="http://schemas.microsoft.com/office/powerpoint/2010/main" val="1815886586"/>
+        <p14:creationId xmlns:p14="http://schemas.microsoft.com/office/powerpoint/2010/main" val="1198317687"/>
       </p:ext>
     </p:extLst>
   </p:cSld>
@@ -2390,7 +2402,7 @@
           <a:p>
             <a:fld id="{210C85D1-D769-4E3C-BD67-6FCFE11EFBEA}" type="slidenum">
               <a:rPr lang="en-NL" smtClean="0"/>
-              <a:t>45</a:t>
+              <a:t>43</a:t>
             </a:fld>
             <a:endParaRPr lang="en-NL"/>
           </a:p>
@@ -2399,7 +2411,7 @@
     </p:spTree>
     <p:extLst>
       <p:ext uri="{BB962C8B-B14F-4D97-AF65-F5344CB8AC3E}">
-        <p14:creationId xmlns:p14="http://schemas.microsoft.com/office/powerpoint/2010/main" val="3185361867"/>
+        <p14:creationId xmlns:p14="http://schemas.microsoft.com/office/powerpoint/2010/main" val="1815886586"/>
       </p:ext>
     </p:extLst>
   </p:cSld>
@@ -2483,7 +2495,7 @@
     </p:spTree>
     <p:extLst>
       <p:ext uri="{BB962C8B-B14F-4D97-AF65-F5344CB8AC3E}">
-        <p14:creationId xmlns:p14="http://schemas.microsoft.com/office/powerpoint/2010/main" val="1992644706"/>
+        <p14:creationId xmlns:p14="http://schemas.microsoft.com/office/powerpoint/2010/main" val="3185361867"/>
       </p:ext>
     </p:extLst>
   </p:cSld>
@@ -2558,7 +2570,7 @@
           <a:p>
             <a:fld id="{210C85D1-D769-4E3C-BD67-6FCFE11EFBEA}" type="slidenum">
               <a:rPr lang="en-NL" smtClean="0"/>
-              <a:t>52</a:t>
+              <a:t>47</a:t>
             </a:fld>
             <a:endParaRPr lang="en-NL"/>
           </a:p>
@@ -2567,7 +2579,7 @@
     </p:spTree>
     <p:extLst>
       <p:ext uri="{BB962C8B-B14F-4D97-AF65-F5344CB8AC3E}">
-        <p14:creationId xmlns:p14="http://schemas.microsoft.com/office/powerpoint/2010/main" val="1848753512"/>
+        <p14:creationId xmlns:p14="http://schemas.microsoft.com/office/powerpoint/2010/main" val="1992644706"/>
       </p:ext>
     </p:extLst>
   </p:cSld>
@@ -2651,7 +2663,7 @@
     </p:spTree>
     <p:extLst>
       <p:ext uri="{BB962C8B-B14F-4D97-AF65-F5344CB8AC3E}">
-        <p14:creationId xmlns:p14="http://schemas.microsoft.com/office/powerpoint/2010/main" val="2476385685"/>
+        <p14:creationId xmlns:p14="http://schemas.microsoft.com/office/powerpoint/2010/main" val="1848753512"/>
       </p:ext>
     </p:extLst>
   </p:cSld>
@@ -2819,7 +2831,7 @@
     </p:spTree>
     <p:extLst>
       <p:ext uri="{BB962C8B-B14F-4D97-AF65-F5344CB8AC3E}">
-        <p14:creationId xmlns:p14="http://schemas.microsoft.com/office/powerpoint/2010/main" val="2060625652"/>
+        <p14:creationId xmlns:p14="http://schemas.microsoft.com/office/powerpoint/2010/main" val="2476385685"/>
       </p:ext>
     </p:extLst>
   </p:cSld>
@@ -2903,7 +2915,7 @@
     </p:spTree>
     <p:extLst>
       <p:ext uri="{BB962C8B-B14F-4D97-AF65-F5344CB8AC3E}">
-        <p14:creationId xmlns:p14="http://schemas.microsoft.com/office/powerpoint/2010/main" val="2413318873"/>
+        <p14:creationId xmlns:p14="http://schemas.microsoft.com/office/powerpoint/2010/main" val="2060625652"/>
       </p:ext>
     </p:extLst>
   </p:cSld>
@@ -2987,7 +2999,7 @@
     </p:spTree>
     <p:extLst>
       <p:ext uri="{BB962C8B-B14F-4D97-AF65-F5344CB8AC3E}">
-        <p14:creationId xmlns:p14="http://schemas.microsoft.com/office/powerpoint/2010/main" val="560483706"/>
+        <p14:creationId xmlns:p14="http://schemas.microsoft.com/office/powerpoint/2010/main" val="2413318873"/>
       </p:ext>
     </p:extLst>
   </p:cSld>
@@ -3071,7 +3083,7 @@
     </p:spTree>
     <p:extLst>
       <p:ext uri="{BB962C8B-B14F-4D97-AF65-F5344CB8AC3E}">
-        <p14:creationId xmlns:p14="http://schemas.microsoft.com/office/powerpoint/2010/main" val="1100069351"/>
+        <p14:creationId xmlns:p14="http://schemas.microsoft.com/office/powerpoint/2010/main" val="560483706"/>
       </p:ext>
     </p:extLst>
   </p:cSld>
@@ -3155,7 +3167,7 @@
     </p:spTree>
     <p:extLst>
       <p:ext uri="{BB962C8B-B14F-4D97-AF65-F5344CB8AC3E}">
-        <p14:creationId xmlns:p14="http://schemas.microsoft.com/office/powerpoint/2010/main" val="1715813653"/>
+        <p14:creationId xmlns:p14="http://schemas.microsoft.com/office/powerpoint/2010/main" val="1100069351"/>
       </p:ext>
     </p:extLst>
   </p:cSld>
@@ -3230,7 +3242,7 @@
           <a:p>
             <a:fld id="{210C85D1-D769-4E3C-BD67-6FCFE11EFBEA}" type="slidenum">
               <a:rPr lang="en-NL" smtClean="0"/>
-              <a:t>60</a:t>
+              <a:t>59</a:t>
             </a:fld>
             <a:endParaRPr lang="en-NL"/>
           </a:p>
@@ -3239,7 +3251,7 @@
     </p:spTree>
     <p:extLst>
       <p:ext uri="{BB962C8B-B14F-4D97-AF65-F5344CB8AC3E}">
-        <p14:creationId xmlns:p14="http://schemas.microsoft.com/office/powerpoint/2010/main" val="3065958474"/>
+        <p14:creationId xmlns:p14="http://schemas.microsoft.com/office/powerpoint/2010/main" val="1715813653"/>
       </p:ext>
     </p:extLst>
   </p:cSld>
@@ -3323,7 +3335,259 @@
     </p:spTree>
     <p:extLst>
       <p:ext uri="{BB962C8B-B14F-4D97-AF65-F5344CB8AC3E}">
+        <p14:creationId xmlns:p14="http://schemas.microsoft.com/office/powerpoint/2010/main" val="3065958474"/>
+      </p:ext>
+    </p:extLst>
+  </p:cSld>
+  <p:clrMapOvr>
+    <a:masterClrMapping/>
+  </p:clrMapOvr>
+</p:notes>
+</file>
+
+<file path=ppt/notesSlides/notesSlide37.xml><?xml version="1.0" encoding="utf-8"?>
+<p:notes xmlns:a="http://schemas.openxmlformats.org/drawingml/2006/main" xmlns:r="http://schemas.openxmlformats.org/officeDocument/2006/relationships" xmlns:p="http://schemas.openxmlformats.org/presentationml/2006/main">
+  <p:cSld>
+    <p:spTree>
+      <p:nvGrpSpPr>
+        <p:cNvPr id="1" name=""/>
+        <p:cNvGrpSpPr/>
+        <p:nvPr/>
+      </p:nvGrpSpPr>
+      <p:grpSpPr>
+        <a:xfrm>
+          <a:off x="0" y="0"/>
+          <a:ext cx="0" cy="0"/>
+          <a:chOff x="0" y="0"/>
+          <a:chExt cx="0" cy="0"/>
+        </a:xfrm>
+      </p:grpSpPr>
+      <p:sp>
+        <p:nvSpPr>
+          <p:cNvPr id="2" name="Slide Image Placeholder 1"/>
+          <p:cNvSpPr>
+            <a:spLocks noGrp="1" noRot="1" noChangeAspect="1"/>
+          </p:cNvSpPr>
+          <p:nvPr>
+            <p:ph type="sldImg"/>
+          </p:nvPr>
+        </p:nvSpPr>
+        <p:spPr/>
+      </p:sp>
+      <p:sp>
+        <p:nvSpPr>
+          <p:cNvPr id="3" name="Notes Placeholder 2"/>
+          <p:cNvSpPr>
+            <a:spLocks noGrp="1"/>
+          </p:cNvSpPr>
+          <p:nvPr>
+            <p:ph type="body" idx="1"/>
+          </p:nvPr>
+        </p:nvSpPr>
+        <p:spPr/>
+        <p:txBody>
+          <a:bodyPr/>
+          <a:lstStyle/>
+          <a:p>
+            <a:endParaRPr lang="en-NL" dirty="0"/>
+          </a:p>
+        </p:txBody>
+      </p:sp>
+      <p:sp>
+        <p:nvSpPr>
+          <p:cNvPr id="4" name="Slide Number Placeholder 3"/>
+          <p:cNvSpPr>
+            <a:spLocks noGrp="1"/>
+          </p:cNvSpPr>
+          <p:nvPr>
+            <p:ph type="sldNum" sz="quarter" idx="5"/>
+          </p:nvPr>
+        </p:nvSpPr>
+        <p:spPr/>
+        <p:txBody>
+          <a:bodyPr/>
+          <a:lstStyle/>
+          <a:p>
+            <a:fld id="{210C85D1-D769-4E3C-BD67-6FCFE11EFBEA}" type="slidenum">
+              <a:rPr lang="en-NL" smtClean="0"/>
+              <a:t>62</a:t>
+            </a:fld>
+            <a:endParaRPr lang="en-NL"/>
+          </a:p>
+        </p:txBody>
+      </p:sp>
+    </p:spTree>
+    <p:extLst>
+      <p:ext uri="{BB962C8B-B14F-4D97-AF65-F5344CB8AC3E}">
         <p14:creationId xmlns:p14="http://schemas.microsoft.com/office/powerpoint/2010/main" val="2265448447"/>
+      </p:ext>
+    </p:extLst>
+  </p:cSld>
+  <p:clrMapOvr>
+    <a:masterClrMapping/>
+  </p:clrMapOvr>
+</p:notes>
+</file>
+
+<file path=ppt/notesSlides/notesSlide38.xml><?xml version="1.0" encoding="utf-8"?>
+<p:notes xmlns:a="http://schemas.openxmlformats.org/drawingml/2006/main" xmlns:r="http://schemas.openxmlformats.org/officeDocument/2006/relationships" xmlns:p="http://schemas.openxmlformats.org/presentationml/2006/main">
+  <p:cSld>
+    <p:spTree>
+      <p:nvGrpSpPr>
+        <p:cNvPr id="1" name=""/>
+        <p:cNvGrpSpPr/>
+        <p:nvPr/>
+      </p:nvGrpSpPr>
+      <p:grpSpPr>
+        <a:xfrm>
+          <a:off x="0" y="0"/>
+          <a:ext cx="0" cy="0"/>
+          <a:chOff x="0" y="0"/>
+          <a:chExt cx="0" cy="0"/>
+        </a:xfrm>
+      </p:grpSpPr>
+      <p:sp>
+        <p:nvSpPr>
+          <p:cNvPr id="2" name="Slide Image Placeholder 1"/>
+          <p:cNvSpPr>
+            <a:spLocks noGrp="1" noRot="1" noChangeAspect="1"/>
+          </p:cNvSpPr>
+          <p:nvPr>
+            <p:ph type="sldImg"/>
+          </p:nvPr>
+        </p:nvSpPr>
+        <p:spPr/>
+      </p:sp>
+      <p:sp>
+        <p:nvSpPr>
+          <p:cNvPr id="3" name="Notes Placeholder 2"/>
+          <p:cNvSpPr>
+            <a:spLocks noGrp="1"/>
+          </p:cNvSpPr>
+          <p:nvPr>
+            <p:ph type="body" idx="1"/>
+          </p:nvPr>
+        </p:nvSpPr>
+        <p:spPr/>
+        <p:txBody>
+          <a:bodyPr/>
+          <a:lstStyle/>
+          <a:p>
+            <a:endParaRPr lang="en-NL" dirty="0"/>
+          </a:p>
+        </p:txBody>
+      </p:sp>
+      <p:sp>
+        <p:nvSpPr>
+          <p:cNvPr id="4" name="Slide Number Placeholder 3"/>
+          <p:cNvSpPr>
+            <a:spLocks noGrp="1"/>
+          </p:cNvSpPr>
+          <p:nvPr>
+            <p:ph type="sldNum" sz="quarter" idx="5"/>
+          </p:nvPr>
+        </p:nvSpPr>
+        <p:spPr/>
+        <p:txBody>
+          <a:bodyPr/>
+          <a:lstStyle/>
+          <a:p>
+            <a:fld id="{210C85D1-D769-4E3C-BD67-6FCFE11EFBEA}" type="slidenum">
+              <a:rPr lang="en-NL" smtClean="0"/>
+              <a:t>63</a:t>
+            </a:fld>
+            <a:endParaRPr lang="en-NL"/>
+          </a:p>
+        </p:txBody>
+      </p:sp>
+    </p:spTree>
+    <p:extLst>
+      <p:ext uri="{BB962C8B-B14F-4D97-AF65-F5344CB8AC3E}">
+        <p14:creationId xmlns:p14="http://schemas.microsoft.com/office/powerpoint/2010/main" val="3892310813"/>
+      </p:ext>
+    </p:extLst>
+  </p:cSld>
+  <p:clrMapOvr>
+    <a:masterClrMapping/>
+  </p:clrMapOvr>
+</p:notes>
+</file>
+
+<file path=ppt/notesSlides/notesSlide39.xml><?xml version="1.0" encoding="utf-8"?>
+<p:notes xmlns:a="http://schemas.openxmlformats.org/drawingml/2006/main" xmlns:r="http://schemas.openxmlformats.org/officeDocument/2006/relationships" xmlns:p="http://schemas.openxmlformats.org/presentationml/2006/main">
+  <p:cSld>
+    <p:spTree>
+      <p:nvGrpSpPr>
+        <p:cNvPr id="1" name=""/>
+        <p:cNvGrpSpPr/>
+        <p:nvPr/>
+      </p:nvGrpSpPr>
+      <p:grpSpPr>
+        <a:xfrm>
+          <a:off x="0" y="0"/>
+          <a:ext cx="0" cy="0"/>
+          <a:chOff x="0" y="0"/>
+          <a:chExt cx="0" cy="0"/>
+        </a:xfrm>
+      </p:grpSpPr>
+      <p:sp>
+        <p:nvSpPr>
+          <p:cNvPr id="2" name="Slide Image Placeholder 1"/>
+          <p:cNvSpPr>
+            <a:spLocks noGrp="1" noRot="1" noChangeAspect="1"/>
+          </p:cNvSpPr>
+          <p:nvPr>
+            <p:ph type="sldImg"/>
+          </p:nvPr>
+        </p:nvSpPr>
+        <p:spPr/>
+      </p:sp>
+      <p:sp>
+        <p:nvSpPr>
+          <p:cNvPr id="3" name="Notes Placeholder 2"/>
+          <p:cNvSpPr>
+            <a:spLocks noGrp="1"/>
+          </p:cNvSpPr>
+          <p:nvPr>
+            <p:ph type="body" idx="1"/>
+          </p:nvPr>
+        </p:nvSpPr>
+        <p:spPr/>
+        <p:txBody>
+          <a:bodyPr/>
+          <a:lstStyle/>
+          <a:p>
+            <a:endParaRPr lang="en-NL" dirty="0"/>
+          </a:p>
+        </p:txBody>
+      </p:sp>
+      <p:sp>
+        <p:nvSpPr>
+          <p:cNvPr id="4" name="Slide Number Placeholder 3"/>
+          <p:cNvSpPr>
+            <a:spLocks noGrp="1"/>
+          </p:cNvSpPr>
+          <p:nvPr>
+            <p:ph type="sldNum" sz="quarter" idx="5"/>
+          </p:nvPr>
+        </p:nvSpPr>
+        <p:spPr/>
+        <p:txBody>
+          <a:bodyPr/>
+          <a:lstStyle/>
+          <a:p>
+            <a:fld id="{210C85D1-D769-4E3C-BD67-6FCFE11EFBEA}" type="slidenum">
+              <a:rPr lang="en-NL" smtClean="0"/>
+              <a:t>64</a:t>
+            </a:fld>
+            <a:endParaRPr lang="en-NL"/>
+          </a:p>
+        </p:txBody>
+      </p:sp>
+    </p:spTree>
+    <p:extLst>
+      <p:ext uri="{BB962C8B-B14F-4D97-AF65-F5344CB8AC3E}">
+        <p14:creationId xmlns:p14="http://schemas.microsoft.com/office/powerpoint/2010/main" val="3769947905"/>
       </p:ext>
     </p:extLst>
   </p:cSld>
@@ -3408,6 +3672,174 @@
     <p:extLst>
       <p:ext uri="{BB962C8B-B14F-4D97-AF65-F5344CB8AC3E}">
         <p14:creationId xmlns:p14="http://schemas.microsoft.com/office/powerpoint/2010/main" val="1796376665"/>
+      </p:ext>
+    </p:extLst>
+  </p:cSld>
+  <p:clrMapOvr>
+    <a:masterClrMapping/>
+  </p:clrMapOvr>
+</p:notes>
+</file>
+
+<file path=ppt/notesSlides/notesSlide40.xml><?xml version="1.0" encoding="utf-8"?>
+<p:notes xmlns:a="http://schemas.openxmlformats.org/drawingml/2006/main" xmlns:r="http://schemas.openxmlformats.org/officeDocument/2006/relationships" xmlns:p="http://schemas.openxmlformats.org/presentationml/2006/main">
+  <p:cSld>
+    <p:spTree>
+      <p:nvGrpSpPr>
+        <p:cNvPr id="1" name=""/>
+        <p:cNvGrpSpPr/>
+        <p:nvPr/>
+      </p:nvGrpSpPr>
+      <p:grpSpPr>
+        <a:xfrm>
+          <a:off x="0" y="0"/>
+          <a:ext cx="0" cy="0"/>
+          <a:chOff x="0" y="0"/>
+          <a:chExt cx="0" cy="0"/>
+        </a:xfrm>
+      </p:grpSpPr>
+      <p:sp>
+        <p:nvSpPr>
+          <p:cNvPr id="2" name="Slide Image Placeholder 1"/>
+          <p:cNvSpPr>
+            <a:spLocks noGrp="1" noRot="1" noChangeAspect="1"/>
+          </p:cNvSpPr>
+          <p:nvPr>
+            <p:ph type="sldImg"/>
+          </p:nvPr>
+        </p:nvSpPr>
+        <p:spPr/>
+      </p:sp>
+      <p:sp>
+        <p:nvSpPr>
+          <p:cNvPr id="3" name="Notes Placeholder 2"/>
+          <p:cNvSpPr>
+            <a:spLocks noGrp="1"/>
+          </p:cNvSpPr>
+          <p:nvPr>
+            <p:ph type="body" idx="1"/>
+          </p:nvPr>
+        </p:nvSpPr>
+        <p:spPr/>
+        <p:txBody>
+          <a:bodyPr/>
+          <a:lstStyle/>
+          <a:p>
+            <a:endParaRPr lang="en-NL" dirty="0"/>
+          </a:p>
+        </p:txBody>
+      </p:sp>
+      <p:sp>
+        <p:nvSpPr>
+          <p:cNvPr id="4" name="Slide Number Placeholder 3"/>
+          <p:cNvSpPr>
+            <a:spLocks noGrp="1"/>
+          </p:cNvSpPr>
+          <p:nvPr>
+            <p:ph type="sldNum" sz="quarter" idx="5"/>
+          </p:nvPr>
+        </p:nvSpPr>
+        <p:spPr/>
+        <p:txBody>
+          <a:bodyPr/>
+          <a:lstStyle/>
+          <a:p>
+            <a:fld id="{210C85D1-D769-4E3C-BD67-6FCFE11EFBEA}" type="slidenum">
+              <a:rPr lang="en-NL" smtClean="0"/>
+              <a:t>66</a:t>
+            </a:fld>
+            <a:endParaRPr lang="en-NL"/>
+          </a:p>
+        </p:txBody>
+      </p:sp>
+    </p:spTree>
+    <p:extLst>
+      <p:ext uri="{BB962C8B-B14F-4D97-AF65-F5344CB8AC3E}">
+        <p14:creationId xmlns:p14="http://schemas.microsoft.com/office/powerpoint/2010/main" val="1698166047"/>
+      </p:ext>
+    </p:extLst>
+  </p:cSld>
+  <p:clrMapOvr>
+    <a:masterClrMapping/>
+  </p:clrMapOvr>
+</p:notes>
+</file>
+
+<file path=ppt/notesSlides/notesSlide41.xml><?xml version="1.0" encoding="utf-8"?>
+<p:notes xmlns:a="http://schemas.openxmlformats.org/drawingml/2006/main" xmlns:r="http://schemas.openxmlformats.org/officeDocument/2006/relationships" xmlns:p="http://schemas.openxmlformats.org/presentationml/2006/main">
+  <p:cSld>
+    <p:spTree>
+      <p:nvGrpSpPr>
+        <p:cNvPr id="1" name=""/>
+        <p:cNvGrpSpPr/>
+        <p:nvPr/>
+      </p:nvGrpSpPr>
+      <p:grpSpPr>
+        <a:xfrm>
+          <a:off x="0" y="0"/>
+          <a:ext cx="0" cy="0"/>
+          <a:chOff x="0" y="0"/>
+          <a:chExt cx="0" cy="0"/>
+        </a:xfrm>
+      </p:grpSpPr>
+      <p:sp>
+        <p:nvSpPr>
+          <p:cNvPr id="2" name="Slide Image Placeholder 1"/>
+          <p:cNvSpPr>
+            <a:spLocks noGrp="1" noRot="1" noChangeAspect="1"/>
+          </p:cNvSpPr>
+          <p:nvPr>
+            <p:ph type="sldImg"/>
+          </p:nvPr>
+        </p:nvSpPr>
+        <p:spPr/>
+      </p:sp>
+      <p:sp>
+        <p:nvSpPr>
+          <p:cNvPr id="3" name="Notes Placeholder 2"/>
+          <p:cNvSpPr>
+            <a:spLocks noGrp="1"/>
+          </p:cNvSpPr>
+          <p:nvPr>
+            <p:ph type="body" idx="1"/>
+          </p:nvPr>
+        </p:nvSpPr>
+        <p:spPr/>
+        <p:txBody>
+          <a:bodyPr/>
+          <a:lstStyle/>
+          <a:p>
+            <a:endParaRPr lang="en-NL" dirty="0"/>
+          </a:p>
+        </p:txBody>
+      </p:sp>
+      <p:sp>
+        <p:nvSpPr>
+          <p:cNvPr id="4" name="Slide Number Placeholder 3"/>
+          <p:cNvSpPr>
+            <a:spLocks noGrp="1"/>
+          </p:cNvSpPr>
+          <p:nvPr>
+            <p:ph type="sldNum" sz="quarter" idx="5"/>
+          </p:nvPr>
+        </p:nvSpPr>
+        <p:spPr/>
+        <p:txBody>
+          <a:bodyPr/>
+          <a:lstStyle/>
+          <a:p>
+            <a:fld id="{210C85D1-D769-4E3C-BD67-6FCFE11EFBEA}" type="slidenum">
+              <a:rPr lang="en-NL" smtClean="0"/>
+              <a:t>67</a:t>
+            </a:fld>
+            <a:endParaRPr lang="en-NL"/>
+          </a:p>
+        </p:txBody>
+      </p:sp>
+    </p:spTree>
+    <p:extLst>
+      <p:ext uri="{BB962C8B-B14F-4D97-AF65-F5344CB8AC3E}">
+        <p14:creationId xmlns:p14="http://schemas.microsoft.com/office/powerpoint/2010/main" val="1746863112"/>
       </p:ext>
     </p:extLst>
   </p:cSld>
@@ -18689,7 +19121,7 @@
                   <a:schemeClr val="tx1"/>
                 </a:solidFill>
               </a:rPr>
-              <a:t>extra</a:t>
+              <a:t>extra|</a:t>
             </a:r>
           </a:p>
         </p:txBody>
@@ -21866,111 +22298,9 @@
           <a:p>
             <a:r>
               <a:rPr lang="en-US" sz="4000" b="1" dirty="0"/>
-              <a:t>Hands-on </a:t>
-            </a:r>
-            <a:r>
-              <a:rPr lang="en-US" sz="4000" b="1" i="1" dirty="0"/>
-              <a:t>extra</a:t>
-            </a:r>
-            <a:r>
-              <a:rPr lang="en-US" sz="4000" b="1" dirty="0"/>
-              <a:t>: Add the result in itself…</a:t>
+              <a:t>Hands-on: Change a document and insert it into the primary document</a:t>
             </a:r>
             <a:endParaRPr lang="en-NL" sz="4000" b="1" dirty="0"/>
-          </a:p>
-        </p:txBody>
-      </p:sp>
-      <p:sp>
-        <p:nvSpPr>
-          <p:cNvPr id="3" name="Content Placeholder 2">
-            <a:extLst>
-              <a:ext uri="{FF2B5EF4-FFF2-40B4-BE49-F238E27FC236}">
-                <a16:creationId xmlns:a16="http://schemas.microsoft.com/office/drawing/2014/main" id="{B7E5CA6D-D83C-4F14-841A-1F3902B3B2AC}"/>
-              </a:ext>
-            </a:extLst>
-          </p:cNvPr>
-          <p:cNvSpPr>
-            <a:spLocks noGrp="1"/>
-          </p:cNvSpPr>
-          <p:nvPr>
-            <p:ph idx="1"/>
-          </p:nvPr>
-        </p:nvSpPr>
-        <p:spPr>
-          <a:xfrm>
-            <a:off x="283037" y="1295897"/>
-            <a:ext cx="11060799" cy="4631490"/>
-          </a:xfrm>
-        </p:spPr>
-        <p:txBody>
-          <a:bodyPr>
-            <a:normAutofit/>
-          </a:bodyPr>
-          <a:lstStyle/>
-          <a:p>
-            <a:r>
-              <a:rPr lang="en-GB" dirty="0"/>
-              <a:t>Change the previous pipeline so it now inserts its changed document directly after the inserted </a:t>
-            </a:r>
-            <a:r>
-              <a:rPr lang="en-GB" sz="2400" b="1" dirty="0">
-                <a:latin typeface="Courier New" panose="02070309020205020404" pitchFamily="49" charset="0"/>
-                <a:cs typeface="Courier New" panose="02070309020205020404" pitchFamily="49" charset="0"/>
-              </a:rPr>
-              <a:t>&lt;location&gt;</a:t>
-            </a:r>
-            <a:r>
-              <a:rPr lang="en-GB" dirty="0"/>
-              <a:t> element… </a:t>
-            </a:r>
-          </a:p>
-          <a:p>
-            <a:pPr lvl="1"/>
-            <a:r>
-              <a:rPr lang="en-GB" dirty="0"/>
-              <a:t>In other words: re-insert the result of the </a:t>
-            </a:r>
-            <a:r>
-              <a:rPr lang="en-GB" i="1" dirty="0"/>
-              <a:t>first</a:t>
-            </a:r>
-            <a:r>
-              <a:rPr lang="en-GB" dirty="0"/>
-              <a:t> p:insert back into the document</a:t>
-            </a:r>
-          </a:p>
-          <a:p>
-            <a:endParaRPr lang="en-GB" dirty="0"/>
-          </a:p>
-          <a:p>
-            <a:endParaRPr lang="en-GB" dirty="0"/>
-          </a:p>
-          <a:p>
-            <a:endParaRPr lang="en-GB" dirty="0"/>
-          </a:p>
-          <a:p>
-            <a:endParaRPr lang="en-GB" dirty="0"/>
-          </a:p>
-          <a:p>
-            <a:endParaRPr lang="en-GB" dirty="0"/>
-          </a:p>
-          <a:p>
-            <a:endParaRPr lang="en-GB" dirty="0"/>
-          </a:p>
-          <a:p>
-            <a:endParaRPr lang="en-GB" sz="2400" b="1" dirty="0">
-              <a:latin typeface="Courier New" panose="02070309020205020404" pitchFamily="49" charset="0"/>
-              <a:cs typeface="Courier New" panose="02070309020205020404" pitchFamily="49" charset="0"/>
-            </a:endParaRPr>
-          </a:p>
-          <a:p>
-            <a:pPr marL="0" indent="0">
-              <a:buNone/>
-            </a:pPr>
-            <a:endParaRPr lang="en-GB" sz="2400" b="1" dirty="0">
-              <a:latin typeface="Courier New" panose="02070309020205020404" pitchFamily="49" charset="0"/>
-              <a:cs typeface="Courier New" panose="02070309020205020404" pitchFamily="49" charset="0"/>
-            </a:endParaRPr>
           </a:p>
         </p:txBody>
       </p:sp>
@@ -22015,289 +22345,687 @@
       </p:pic>
       <p:sp>
         <p:nvSpPr>
-          <p:cNvPr id="9" name="TextBox 8">
+          <p:cNvPr id="7" name="Rectangle: Rounded Corners 6">
             <a:extLst>
               <a:ext uri="{FF2B5EF4-FFF2-40B4-BE49-F238E27FC236}">
-                <a16:creationId xmlns:a16="http://schemas.microsoft.com/office/drawing/2014/main" id="{EA60C0A0-11AC-41A6-A72A-44D4CFE37DBB}"/>
+                <a16:creationId xmlns:a16="http://schemas.microsoft.com/office/drawing/2014/main" id="{5FCDA560-1BBD-4AA3-BD9E-21F45E662D65}"/>
               </a:ext>
             </a:extLst>
           </p:cNvPr>
-          <p:cNvSpPr txBox="1"/>
+          <p:cNvSpPr/>
           <p:nvPr/>
         </p:nvSpPr>
         <p:spPr>
           <a:xfrm>
-            <a:off x="1221320" y="2748765"/>
-            <a:ext cx="6353283" cy="2554545"/>
+            <a:off x="4211053" y="2360570"/>
+            <a:ext cx="2142907" cy="551432"/>
           </a:xfrm>
-          <a:prstGeom prst="rect">
+          <a:prstGeom prst="roundRect">
+            <a:avLst/>
+          </a:prstGeom>
+        </p:spPr>
+        <p:style>
+          <a:lnRef idx="2">
+            <a:schemeClr val="accent1">
+              <a:shade val="50000"/>
+            </a:schemeClr>
+          </a:lnRef>
+          <a:fillRef idx="1">
+            <a:schemeClr val="accent1"/>
+          </a:fillRef>
+          <a:effectRef idx="0">
+            <a:schemeClr val="accent1"/>
+          </a:effectRef>
+          <a:fontRef idx="minor">
+            <a:schemeClr val="lt1"/>
+          </a:fontRef>
+        </p:style>
+        <p:txBody>
+          <a:bodyPr rtlCol="0" anchor="ctr"/>
+          <a:lstStyle/>
+          <a:p>
+            <a:pPr algn="ctr"/>
+            <a:r>
+              <a:rPr lang="en-US" sz="1600" dirty="0"/>
+              <a:t>Change document</a:t>
+            </a:r>
+          </a:p>
+          <a:p>
+            <a:pPr algn="ctr"/>
+            <a:r>
+              <a:rPr lang="en-US" sz="1600" dirty="0"/>
+              <a:t>(add-attribute)</a:t>
+            </a:r>
+            <a:endParaRPr lang="en-GB" sz="1600" dirty="0"/>
+          </a:p>
+        </p:txBody>
+      </p:sp>
+      <p:sp>
+        <p:nvSpPr>
+          <p:cNvPr id="10" name="Pijl: rechts 40">
+            <a:extLst>
+              <a:ext uri="{FF2B5EF4-FFF2-40B4-BE49-F238E27FC236}">
+                <a16:creationId xmlns:a16="http://schemas.microsoft.com/office/drawing/2014/main" id="{BE2AC9D3-8355-401F-9136-484DE0F22B80}"/>
+              </a:ext>
+            </a:extLst>
+          </p:cNvPr>
+          <p:cNvSpPr/>
+          <p:nvPr/>
+        </p:nvSpPr>
+        <p:spPr>
+          <a:xfrm>
+            <a:off x="904068" y="5117715"/>
+            <a:ext cx="1407385" cy="515923"/>
+          </a:xfrm>
+          <a:prstGeom prst="rightArrow">
             <a:avLst/>
           </a:prstGeom>
           <a:solidFill>
-            <a:schemeClr val="bg1">
-              <a:lumMod val="85000"/>
+            <a:srgbClr val="C00000"/>
+          </a:solidFill>
+        </p:spPr>
+        <p:style>
+          <a:lnRef idx="2">
+            <a:schemeClr val="accent1">
+              <a:shade val="50000"/>
+            </a:schemeClr>
+          </a:lnRef>
+          <a:fillRef idx="1">
+            <a:schemeClr val="accent1"/>
+          </a:fillRef>
+          <a:effectRef idx="0">
+            <a:schemeClr val="accent1"/>
+          </a:effectRef>
+          <a:fontRef idx="minor">
+            <a:schemeClr val="lt1"/>
+          </a:fontRef>
+        </p:style>
+        <p:txBody>
+          <a:bodyPr rot="0" spcFirstLastPara="0" vertOverflow="overflow" horzOverflow="overflow" vert="horz" wrap="square" lIns="91440" tIns="45720" rIns="91440" bIns="45720" numCol="1" spcCol="0" rtlCol="0" fromWordArt="0" anchor="ctr" anchorCtr="0" forceAA="0" compatLnSpc="1">
+            <a:prstTxWarp prst="textNoShape">
+              <a:avLst/>
+            </a:prstTxWarp>
+            <a:noAutofit/>
+          </a:bodyPr>
+          <a:lstStyle/>
+          <a:p>
+            <a:pPr algn="ctr"/>
+            <a:r>
+              <a:rPr lang="en-US" dirty="0">
+                <a:solidFill>
+                  <a:schemeClr val="bg1"/>
+                </a:solidFill>
+              </a:rPr>
+              <a:t>source</a:t>
+            </a:r>
+          </a:p>
+        </p:txBody>
+      </p:sp>
+      <p:sp>
+        <p:nvSpPr>
+          <p:cNvPr id="11" name="Pijl: rechts 41">
+            <a:extLst>
+              <a:ext uri="{FF2B5EF4-FFF2-40B4-BE49-F238E27FC236}">
+                <a16:creationId xmlns:a16="http://schemas.microsoft.com/office/drawing/2014/main" id="{777BCDD2-D123-4074-A7FE-BE947D4BA931}"/>
+              </a:ext>
+            </a:extLst>
+          </p:cNvPr>
+          <p:cNvSpPr/>
+          <p:nvPr/>
+        </p:nvSpPr>
+        <p:spPr>
+          <a:xfrm>
+            <a:off x="904068" y="2346610"/>
+            <a:ext cx="1407387" cy="515923"/>
+          </a:xfrm>
+          <a:prstGeom prst="rightArrow">
+            <a:avLst/>
+          </a:prstGeom>
+          <a:solidFill>
+            <a:schemeClr val="accent1">
+              <a:lumMod val="20000"/>
+              <a:lumOff val="80000"/>
             </a:schemeClr>
           </a:solidFill>
         </p:spPr>
-        <p:txBody>
-          <a:bodyPr wrap="square" rtlCol="0">
-            <a:spAutoFit/>
+        <p:style>
+          <a:lnRef idx="2">
+            <a:schemeClr val="accent1">
+              <a:shade val="50000"/>
+            </a:schemeClr>
+          </a:lnRef>
+          <a:fillRef idx="1">
+            <a:schemeClr val="accent1"/>
+          </a:fillRef>
+          <a:effectRef idx="0">
+            <a:schemeClr val="accent1"/>
+          </a:effectRef>
+          <a:fontRef idx="minor">
+            <a:schemeClr val="lt1"/>
+          </a:fontRef>
+        </p:style>
+        <p:txBody>
+          <a:bodyPr rot="0" spcFirstLastPara="0" vertOverflow="overflow" horzOverflow="overflow" vert="horz" wrap="square" lIns="91440" tIns="45720" rIns="91440" bIns="45720" numCol="1" spcCol="0" rtlCol="0" fromWordArt="0" anchor="ctr" anchorCtr="0" forceAA="0" compatLnSpc="1">
+            <a:prstTxWarp prst="textNoShape">
+              <a:avLst/>
+            </a:prstTxWarp>
+            <a:noAutofit/>
           </a:bodyPr>
           <a:lstStyle/>
           <a:p>
-            <a:r>
-              <a:rPr lang="nl-NL" sz="1600" b="1" dirty="0">
-                <a:latin typeface="Courier New" panose="02070309020205020404" pitchFamily="49" charset="0"/>
-                <a:cs typeface="Courier New" panose="02070309020205020404" pitchFamily="49" charset="0"/>
-              </a:rPr>
-              <a:t>&lt;tutorial&gt;</a:t>
-            </a:r>
-          </a:p>
-          <a:p>
-            <a:r>
-              <a:rPr lang="nl-NL" sz="1600" b="1" dirty="0">
-                <a:latin typeface="Courier New" panose="02070309020205020404" pitchFamily="49" charset="0"/>
-                <a:cs typeface="Courier New" panose="02070309020205020404" pitchFamily="49" charset="0"/>
-              </a:rPr>
-              <a:t>  &lt;name&gt;</a:t>
-            </a:r>
-            <a:r>
-              <a:rPr lang="nl-NL" sz="1600" b="1" dirty="0" err="1">
-                <a:latin typeface="Courier New" panose="02070309020205020404" pitchFamily="49" charset="0"/>
-                <a:cs typeface="Courier New" panose="02070309020205020404" pitchFamily="49" charset="0"/>
-              </a:rPr>
-              <a:t>Introduction</a:t>
-            </a:r>
-            <a:r>
-              <a:rPr lang="nl-NL" sz="1600" b="1" dirty="0">
-                <a:latin typeface="Courier New" panose="02070309020205020404" pitchFamily="49" charset="0"/>
-                <a:cs typeface="Courier New" panose="02070309020205020404" pitchFamily="49" charset="0"/>
-              </a:rPr>
-              <a:t> </a:t>
-            </a:r>
-            <a:r>
-              <a:rPr lang="nl-NL" sz="1600" b="1" dirty="0" err="1">
-                <a:latin typeface="Courier New" panose="02070309020205020404" pitchFamily="49" charset="0"/>
-                <a:cs typeface="Courier New" panose="02070309020205020404" pitchFamily="49" charset="0"/>
-              </a:rPr>
-              <a:t>to</a:t>
-            </a:r>
-            <a:r>
-              <a:rPr lang="nl-NL" sz="1600" b="1" dirty="0">
-                <a:latin typeface="Courier New" panose="02070309020205020404" pitchFamily="49" charset="0"/>
-                <a:cs typeface="Courier New" panose="02070309020205020404" pitchFamily="49" charset="0"/>
-              </a:rPr>
-              <a:t> XProc 3.0&lt;/name&gt;</a:t>
-            </a:r>
-          </a:p>
-          <a:p>
-            <a:r>
-              <a:rPr lang="nl-NL" sz="1600" b="1" dirty="0">
-                <a:latin typeface="Courier New" panose="02070309020205020404" pitchFamily="49" charset="0"/>
-                <a:cs typeface="Courier New" panose="02070309020205020404" pitchFamily="49" charset="0"/>
-              </a:rPr>
-              <a:t>  &lt;presenter&gt;Erik Siegel&lt;/presenter&gt;</a:t>
-            </a:r>
-          </a:p>
-          <a:p>
-            <a:r>
-              <a:rPr lang="nl-NL" sz="1600" b="1" dirty="0">
-                <a:latin typeface="Courier New" panose="02070309020205020404" pitchFamily="49" charset="0"/>
-                <a:cs typeface="Courier New" panose="02070309020205020404" pitchFamily="49" charset="0"/>
-              </a:rPr>
-              <a:t>  &lt;</a:t>
-            </a:r>
-            <a:r>
-              <a:rPr lang="nl-NL" sz="1600" b="1" dirty="0" err="1">
-                <a:latin typeface="Courier New" panose="02070309020205020404" pitchFamily="49" charset="0"/>
-                <a:cs typeface="Courier New" panose="02070309020205020404" pitchFamily="49" charset="0"/>
-              </a:rPr>
-              <a:t>location</a:t>
-            </a:r>
-            <a:r>
-              <a:rPr lang="nl-NL" sz="1600" b="1" dirty="0">
-                <a:latin typeface="Courier New" panose="02070309020205020404" pitchFamily="49" charset="0"/>
-                <a:cs typeface="Courier New" panose="02070309020205020404" pitchFamily="49" charset="0"/>
-              </a:rPr>
-              <a:t>&gt;Amsterdam&lt;/</a:t>
-            </a:r>
-            <a:r>
-              <a:rPr lang="nl-NL" sz="1600" b="1" dirty="0" err="1">
-                <a:latin typeface="Courier New" panose="02070309020205020404" pitchFamily="49" charset="0"/>
-                <a:cs typeface="Courier New" panose="02070309020205020404" pitchFamily="49" charset="0"/>
-              </a:rPr>
-              <a:t>location</a:t>
-            </a:r>
-            <a:r>
-              <a:rPr lang="nl-NL" sz="1600" b="1" dirty="0">
-                <a:latin typeface="Courier New" panose="02070309020205020404" pitchFamily="49" charset="0"/>
-                <a:cs typeface="Courier New" panose="02070309020205020404" pitchFamily="49" charset="0"/>
-              </a:rPr>
-              <a:t>&gt;</a:t>
-            </a:r>
-          </a:p>
-          <a:p>
-            <a:r>
-              <a:rPr lang="nl-NL" sz="1600" b="1" dirty="0">
-                <a:latin typeface="Courier New" panose="02070309020205020404" pitchFamily="49" charset="0"/>
-                <a:cs typeface="Courier New" panose="02070309020205020404" pitchFamily="49" charset="0"/>
-              </a:rPr>
-              <a:t>  </a:t>
-            </a:r>
-            <a:r>
-              <a:rPr lang="nl-NL" sz="1600" b="1" dirty="0">
-                <a:highlight>
-                  <a:srgbClr val="FFFF00"/>
-                </a:highlight>
-                <a:latin typeface="Courier New" panose="02070309020205020404" pitchFamily="49" charset="0"/>
-                <a:cs typeface="Courier New" panose="02070309020205020404" pitchFamily="49" charset="0"/>
-              </a:rPr>
-              <a:t>&lt;tutorial&gt;</a:t>
-            </a:r>
-          </a:p>
-          <a:p>
-            <a:r>
-              <a:rPr lang="nl-NL" sz="1600" b="1" dirty="0">
-                <a:highlight>
-                  <a:srgbClr val="FFFF00"/>
-                </a:highlight>
-                <a:latin typeface="Courier New" panose="02070309020205020404" pitchFamily="49" charset="0"/>
-                <a:cs typeface="Courier New" panose="02070309020205020404" pitchFamily="49" charset="0"/>
-              </a:rPr>
-              <a:t>    &lt;name&gt;</a:t>
-            </a:r>
-            <a:r>
-              <a:rPr lang="nl-NL" sz="1600" b="1" dirty="0" err="1">
-                <a:highlight>
-                  <a:srgbClr val="FFFF00"/>
-                </a:highlight>
-                <a:latin typeface="Courier New" panose="02070309020205020404" pitchFamily="49" charset="0"/>
-                <a:cs typeface="Courier New" panose="02070309020205020404" pitchFamily="49" charset="0"/>
-              </a:rPr>
-              <a:t>Introduction</a:t>
-            </a:r>
-            <a:r>
-              <a:rPr lang="nl-NL" sz="1600" b="1" dirty="0">
-                <a:highlight>
-                  <a:srgbClr val="FFFF00"/>
-                </a:highlight>
-                <a:latin typeface="Courier New" panose="02070309020205020404" pitchFamily="49" charset="0"/>
-                <a:cs typeface="Courier New" panose="02070309020205020404" pitchFamily="49" charset="0"/>
-              </a:rPr>
-              <a:t> </a:t>
-            </a:r>
-            <a:r>
-              <a:rPr lang="nl-NL" sz="1600" b="1" dirty="0" err="1">
-                <a:highlight>
-                  <a:srgbClr val="FFFF00"/>
-                </a:highlight>
-                <a:latin typeface="Courier New" panose="02070309020205020404" pitchFamily="49" charset="0"/>
-                <a:cs typeface="Courier New" panose="02070309020205020404" pitchFamily="49" charset="0"/>
-              </a:rPr>
-              <a:t>to</a:t>
-            </a:r>
-            <a:r>
-              <a:rPr lang="nl-NL" sz="1600" b="1" dirty="0">
-                <a:highlight>
-                  <a:srgbClr val="FFFF00"/>
-                </a:highlight>
-                <a:latin typeface="Courier New" panose="02070309020205020404" pitchFamily="49" charset="0"/>
-                <a:cs typeface="Courier New" panose="02070309020205020404" pitchFamily="49" charset="0"/>
-              </a:rPr>
-              <a:t> XProc 3.0&lt;/name&gt;</a:t>
-            </a:r>
-          </a:p>
-          <a:p>
-            <a:r>
-              <a:rPr lang="nl-NL" sz="1600" b="1" dirty="0">
-                <a:highlight>
-                  <a:srgbClr val="FFFF00"/>
-                </a:highlight>
-                <a:latin typeface="Courier New" panose="02070309020205020404" pitchFamily="49" charset="0"/>
-                <a:cs typeface="Courier New" panose="02070309020205020404" pitchFamily="49" charset="0"/>
-              </a:rPr>
-              <a:t>    &lt;presenter&gt;Erik Siegel&lt;/presenter&gt;</a:t>
-            </a:r>
-          </a:p>
-          <a:p>
-            <a:r>
-              <a:rPr lang="nl-NL" sz="1600" b="1" dirty="0">
-                <a:highlight>
-                  <a:srgbClr val="FFFF00"/>
-                </a:highlight>
-                <a:latin typeface="Courier New" panose="02070309020205020404" pitchFamily="49" charset="0"/>
-                <a:cs typeface="Courier New" panose="02070309020205020404" pitchFamily="49" charset="0"/>
-              </a:rPr>
-              <a:t>    &lt;</a:t>
-            </a:r>
-            <a:r>
-              <a:rPr lang="nl-NL" sz="1600" b="1" dirty="0" err="1">
-                <a:highlight>
-                  <a:srgbClr val="FFFF00"/>
-                </a:highlight>
-                <a:latin typeface="Courier New" panose="02070309020205020404" pitchFamily="49" charset="0"/>
-                <a:cs typeface="Courier New" panose="02070309020205020404" pitchFamily="49" charset="0"/>
-              </a:rPr>
-              <a:t>location</a:t>
-            </a:r>
-            <a:r>
-              <a:rPr lang="nl-NL" sz="1600" b="1" dirty="0">
-                <a:highlight>
-                  <a:srgbClr val="FFFF00"/>
-                </a:highlight>
-                <a:latin typeface="Courier New" panose="02070309020205020404" pitchFamily="49" charset="0"/>
-                <a:cs typeface="Courier New" panose="02070309020205020404" pitchFamily="49" charset="0"/>
-              </a:rPr>
-              <a:t>&gt;Amsterdam&lt;/</a:t>
-            </a:r>
-            <a:r>
-              <a:rPr lang="nl-NL" sz="1600" b="1" dirty="0" err="1">
-                <a:highlight>
-                  <a:srgbClr val="FFFF00"/>
-                </a:highlight>
-                <a:latin typeface="Courier New" panose="02070309020205020404" pitchFamily="49" charset="0"/>
-                <a:cs typeface="Courier New" panose="02070309020205020404" pitchFamily="49" charset="0"/>
-              </a:rPr>
-              <a:t>location</a:t>
-            </a:r>
-            <a:r>
-              <a:rPr lang="nl-NL" sz="1600" b="1" dirty="0">
-                <a:highlight>
-                  <a:srgbClr val="FFFF00"/>
-                </a:highlight>
-                <a:latin typeface="Courier New" panose="02070309020205020404" pitchFamily="49" charset="0"/>
-                <a:cs typeface="Courier New" panose="02070309020205020404" pitchFamily="49" charset="0"/>
-              </a:rPr>
-              <a:t>&gt;</a:t>
-            </a:r>
-          </a:p>
-          <a:p>
-            <a:r>
-              <a:rPr lang="nl-NL" sz="1600" b="1" dirty="0">
-                <a:highlight>
-                  <a:srgbClr val="FFFF00"/>
-                </a:highlight>
-                <a:latin typeface="Courier New" panose="02070309020205020404" pitchFamily="49" charset="0"/>
-                <a:cs typeface="Courier New" panose="02070309020205020404" pitchFamily="49" charset="0"/>
-              </a:rPr>
-              <a:t>  &lt;/tutorial&gt;</a:t>
-            </a:r>
-          </a:p>
-          <a:p>
-            <a:r>
-              <a:rPr lang="nl-NL" sz="1600" b="1" dirty="0">
-                <a:latin typeface="Courier New" panose="02070309020205020404" pitchFamily="49" charset="0"/>
-                <a:cs typeface="Courier New" panose="02070309020205020404" pitchFamily="49" charset="0"/>
-              </a:rPr>
-              <a:t>&lt;/tutorial&gt;</a:t>
-            </a:r>
+            <a:pPr algn="ctr"/>
+            <a:r>
+              <a:rPr lang="en-US" dirty="0">
+                <a:solidFill>
+                  <a:schemeClr val="tx1"/>
+                </a:solidFill>
+              </a:rPr>
+              <a:t>extra</a:t>
+            </a:r>
+          </a:p>
+        </p:txBody>
+      </p:sp>
+      <p:sp>
+        <p:nvSpPr>
+          <p:cNvPr id="12" name="Pijl: rechts 42">
+            <a:extLst>
+              <a:ext uri="{FF2B5EF4-FFF2-40B4-BE49-F238E27FC236}">
+                <a16:creationId xmlns:a16="http://schemas.microsoft.com/office/drawing/2014/main" id="{B421BF62-F874-4CC1-8CA0-E1D8363B611F}"/>
+              </a:ext>
+            </a:extLst>
+          </p:cNvPr>
+          <p:cNvSpPr/>
+          <p:nvPr/>
+        </p:nvSpPr>
+        <p:spPr>
+          <a:xfrm>
+            <a:off x="2311456" y="2396079"/>
+            <a:ext cx="2065054" cy="515923"/>
+          </a:xfrm>
+          <a:prstGeom prst="rightArrow">
+            <a:avLst/>
+          </a:prstGeom>
+          <a:solidFill>
+            <a:srgbClr val="C00000"/>
+          </a:solidFill>
+        </p:spPr>
+        <p:style>
+          <a:lnRef idx="2">
+            <a:schemeClr val="accent1">
+              <a:shade val="50000"/>
+            </a:schemeClr>
+          </a:lnRef>
+          <a:fillRef idx="1">
+            <a:schemeClr val="accent1"/>
+          </a:fillRef>
+          <a:effectRef idx="0">
+            <a:schemeClr val="accent1"/>
+          </a:effectRef>
+          <a:fontRef idx="minor">
+            <a:schemeClr val="lt1"/>
+          </a:fontRef>
+        </p:style>
+        <p:txBody>
+          <a:bodyPr rot="0" spcFirstLastPara="0" vertOverflow="overflow" horzOverflow="overflow" vert="horz" wrap="square" lIns="91440" tIns="45720" rIns="91440" bIns="45720" numCol="1" spcCol="0" rtlCol="0" fromWordArt="0" anchor="ctr" anchorCtr="0" forceAA="0" compatLnSpc="1">
+            <a:prstTxWarp prst="textNoShape">
+              <a:avLst/>
+            </a:prstTxWarp>
+            <a:noAutofit/>
+          </a:bodyPr>
+          <a:lstStyle/>
+          <a:p>
+            <a:pPr algn="ctr"/>
+            <a:r>
+              <a:rPr lang="en-US" dirty="0">
+                <a:solidFill>
+                  <a:schemeClr val="bg1"/>
+                </a:solidFill>
+              </a:rPr>
+              <a:t>source</a:t>
+            </a:r>
+          </a:p>
+        </p:txBody>
+      </p:sp>
+      <p:sp>
+        <p:nvSpPr>
+          <p:cNvPr id="16" name="Rectangle: Rounded Corners 15">
+            <a:extLst>
+              <a:ext uri="{FF2B5EF4-FFF2-40B4-BE49-F238E27FC236}">
+                <a16:creationId xmlns:a16="http://schemas.microsoft.com/office/drawing/2014/main" id="{7A906B01-F523-4B4A-BA3B-E41C57B48389}"/>
+              </a:ext>
+            </a:extLst>
+          </p:cNvPr>
+          <p:cNvSpPr/>
+          <p:nvPr/>
+        </p:nvSpPr>
+        <p:spPr>
+          <a:xfrm>
+            <a:off x="4211052" y="5117715"/>
+            <a:ext cx="2142907" cy="551432"/>
+          </a:xfrm>
+          <a:prstGeom prst="roundRect">
+            <a:avLst/>
+          </a:prstGeom>
+        </p:spPr>
+        <p:style>
+          <a:lnRef idx="2">
+            <a:schemeClr val="accent1">
+              <a:shade val="50000"/>
+            </a:schemeClr>
+          </a:lnRef>
+          <a:fillRef idx="1">
+            <a:schemeClr val="accent1"/>
+          </a:fillRef>
+          <a:effectRef idx="0">
+            <a:schemeClr val="accent1"/>
+          </a:effectRef>
+          <a:fontRef idx="minor">
+            <a:schemeClr val="lt1"/>
+          </a:fontRef>
+        </p:style>
+        <p:txBody>
+          <a:bodyPr rtlCol="0" anchor="ctr"/>
+          <a:lstStyle/>
+          <a:p>
+            <a:pPr algn="ctr"/>
+            <a:r>
+              <a:rPr lang="en-US" sz="1600" dirty="0"/>
+              <a:t>Insert changed document</a:t>
+            </a:r>
+            <a:endParaRPr lang="en-GB" sz="1600" dirty="0"/>
+          </a:p>
+        </p:txBody>
+      </p:sp>
+      <p:sp>
+        <p:nvSpPr>
+          <p:cNvPr id="17" name="Pijl: rechts 42">
+            <a:extLst>
+              <a:ext uri="{FF2B5EF4-FFF2-40B4-BE49-F238E27FC236}">
+                <a16:creationId xmlns:a16="http://schemas.microsoft.com/office/drawing/2014/main" id="{2C8BE42F-AFE7-4C48-8C25-7287477F207F}"/>
+              </a:ext>
+            </a:extLst>
+          </p:cNvPr>
+          <p:cNvSpPr/>
+          <p:nvPr/>
+        </p:nvSpPr>
+        <p:spPr>
+          <a:xfrm>
+            <a:off x="2311456" y="5119601"/>
+            <a:ext cx="2065054" cy="515923"/>
+          </a:xfrm>
+          <a:prstGeom prst="rightArrow">
+            <a:avLst/>
+          </a:prstGeom>
+          <a:solidFill>
+            <a:srgbClr val="C00000"/>
+          </a:solidFill>
+        </p:spPr>
+        <p:style>
+          <a:lnRef idx="2">
+            <a:schemeClr val="accent1">
+              <a:shade val="50000"/>
+            </a:schemeClr>
+          </a:lnRef>
+          <a:fillRef idx="1">
+            <a:schemeClr val="accent1"/>
+          </a:fillRef>
+          <a:effectRef idx="0">
+            <a:schemeClr val="accent1"/>
+          </a:effectRef>
+          <a:fontRef idx="minor">
+            <a:schemeClr val="lt1"/>
+          </a:fontRef>
+        </p:style>
+        <p:txBody>
+          <a:bodyPr rot="0" spcFirstLastPara="0" vertOverflow="overflow" horzOverflow="overflow" vert="horz" wrap="square" lIns="91440" tIns="45720" rIns="91440" bIns="45720" numCol="1" spcCol="0" rtlCol="0" fromWordArt="0" anchor="ctr" anchorCtr="0" forceAA="0" compatLnSpc="1">
+            <a:prstTxWarp prst="textNoShape">
+              <a:avLst/>
+            </a:prstTxWarp>
+            <a:noAutofit/>
+          </a:bodyPr>
+          <a:lstStyle/>
+          <a:p>
+            <a:pPr algn="ctr"/>
+            <a:r>
+              <a:rPr lang="en-US" dirty="0">
+                <a:solidFill>
+                  <a:schemeClr val="bg1"/>
+                </a:solidFill>
+              </a:rPr>
+              <a:t>source</a:t>
+            </a:r>
+          </a:p>
+        </p:txBody>
+      </p:sp>
+      <p:sp>
+        <p:nvSpPr>
+          <p:cNvPr id="18" name="Pijl: rechts 42">
+            <a:extLst>
+              <a:ext uri="{FF2B5EF4-FFF2-40B4-BE49-F238E27FC236}">
+                <a16:creationId xmlns:a16="http://schemas.microsoft.com/office/drawing/2014/main" id="{3AE71B64-E1D7-4429-81C4-A7DE7AC39D05}"/>
+              </a:ext>
+            </a:extLst>
+          </p:cNvPr>
+          <p:cNvSpPr/>
+          <p:nvPr/>
+        </p:nvSpPr>
+        <p:spPr>
+          <a:xfrm rot="5400000">
+            <a:off x="4768819" y="3118257"/>
+            <a:ext cx="1027370" cy="515923"/>
+          </a:xfrm>
+          <a:prstGeom prst="rightArrow">
+            <a:avLst/>
+          </a:prstGeom>
+          <a:solidFill>
+            <a:srgbClr val="C00000"/>
+          </a:solidFill>
+        </p:spPr>
+        <p:style>
+          <a:lnRef idx="2">
+            <a:schemeClr val="accent1">
+              <a:shade val="50000"/>
+            </a:schemeClr>
+          </a:lnRef>
+          <a:fillRef idx="1">
+            <a:schemeClr val="accent1"/>
+          </a:fillRef>
+          <a:effectRef idx="0">
+            <a:schemeClr val="accent1"/>
+          </a:effectRef>
+          <a:fontRef idx="minor">
+            <a:schemeClr val="lt1"/>
+          </a:fontRef>
+        </p:style>
+        <p:txBody>
+          <a:bodyPr rot="0" spcFirstLastPara="0" vertOverflow="overflow" horzOverflow="overflow" vert="horz" wrap="square" lIns="91440" tIns="45720" rIns="91440" bIns="45720" numCol="1" spcCol="0" rtlCol="0" fromWordArt="0" anchor="ctr" anchorCtr="0" forceAA="0" compatLnSpc="1">
+            <a:prstTxWarp prst="textNoShape">
+              <a:avLst/>
+            </a:prstTxWarp>
+            <a:noAutofit/>
+          </a:bodyPr>
+          <a:lstStyle/>
+          <a:p>
+            <a:pPr algn="ctr"/>
+            <a:r>
+              <a:rPr lang="en-US">
+                <a:solidFill>
+                  <a:schemeClr val="bg1"/>
+                </a:solidFill>
+              </a:rPr>
+              <a:t>result</a:t>
+            </a:r>
+            <a:endParaRPr lang="en-US" dirty="0">
+              <a:solidFill>
+                <a:schemeClr val="bg1"/>
+              </a:solidFill>
+            </a:endParaRPr>
+          </a:p>
+        </p:txBody>
+      </p:sp>
+      <p:sp>
+        <p:nvSpPr>
+          <p:cNvPr id="20" name="Pijl: rechts 42">
+            <a:extLst>
+              <a:ext uri="{FF2B5EF4-FFF2-40B4-BE49-F238E27FC236}">
+                <a16:creationId xmlns:a16="http://schemas.microsoft.com/office/drawing/2014/main" id="{42621ECF-5505-47B5-B999-1B0076171178}"/>
+              </a:ext>
+            </a:extLst>
+          </p:cNvPr>
+          <p:cNvSpPr/>
+          <p:nvPr/>
+        </p:nvSpPr>
+        <p:spPr>
+          <a:xfrm rot="5400000">
+            <a:off x="4608204" y="4290904"/>
+            <a:ext cx="1348596" cy="515923"/>
+          </a:xfrm>
+          <a:prstGeom prst="rightArrow">
+            <a:avLst/>
+          </a:prstGeom>
+          <a:solidFill>
+            <a:schemeClr val="accent1">
+              <a:lumMod val="20000"/>
+              <a:lumOff val="80000"/>
+            </a:schemeClr>
+          </a:solidFill>
+        </p:spPr>
+        <p:style>
+          <a:lnRef idx="2">
+            <a:schemeClr val="accent1">
+              <a:shade val="50000"/>
+            </a:schemeClr>
+          </a:lnRef>
+          <a:fillRef idx="1">
+            <a:schemeClr val="accent1"/>
+          </a:fillRef>
+          <a:effectRef idx="0">
+            <a:schemeClr val="accent1"/>
+          </a:effectRef>
+          <a:fontRef idx="minor">
+            <a:schemeClr val="lt1"/>
+          </a:fontRef>
+        </p:style>
+        <p:txBody>
+          <a:bodyPr rot="0" spcFirstLastPara="0" vertOverflow="overflow" horzOverflow="overflow" vert="horz" wrap="square" lIns="91440" tIns="45720" rIns="91440" bIns="45720" numCol="1" spcCol="0" rtlCol="0" fromWordArt="0" anchor="ctr" anchorCtr="0" forceAA="0" compatLnSpc="1">
+            <a:prstTxWarp prst="textNoShape">
+              <a:avLst/>
+            </a:prstTxWarp>
+            <a:noAutofit/>
+          </a:bodyPr>
+          <a:lstStyle/>
+          <a:p>
+            <a:pPr algn="ctr"/>
+            <a:r>
+              <a:rPr lang="en-US" dirty="0">
+                <a:solidFill>
+                  <a:schemeClr val="tx1"/>
+                </a:solidFill>
+              </a:rPr>
+              <a:t>insertion</a:t>
+            </a:r>
+          </a:p>
+        </p:txBody>
+      </p:sp>
+      <p:sp>
+        <p:nvSpPr>
+          <p:cNvPr id="21" name="Pijl: rechts 42">
+            <a:extLst>
+              <a:ext uri="{FF2B5EF4-FFF2-40B4-BE49-F238E27FC236}">
+                <a16:creationId xmlns:a16="http://schemas.microsoft.com/office/drawing/2014/main" id="{15D78DEE-66A7-40B8-BFFD-77D187D18604}"/>
+              </a:ext>
+            </a:extLst>
+          </p:cNvPr>
+          <p:cNvSpPr/>
+          <p:nvPr/>
+        </p:nvSpPr>
+        <p:spPr>
+          <a:xfrm>
+            <a:off x="6276109" y="5117714"/>
+            <a:ext cx="1646364" cy="515923"/>
+          </a:xfrm>
+          <a:prstGeom prst="rightArrow">
+            <a:avLst/>
+          </a:prstGeom>
+          <a:solidFill>
+            <a:srgbClr val="C00000"/>
+          </a:solidFill>
+        </p:spPr>
+        <p:style>
+          <a:lnRef idx="2">
+            <a:schemeClr val="accent1">
+              <a:shade val="50000"/>
+            </a:schemeClr>
+          </a:lnRef>
+          <a:fillRef idx="1">
+            <a:schemeClr val="accent1"/>
+          </a:fillRef>
+          <a:effectRef idx="0">
+            <a:schemeClr val="accent1"/>
+          </a:effectRef>
+          <a:fontRef idx="minor">
+            <a:schemeClr val="lt1"/>
+          </a:fontRef>
+        </p:style>
+        <p:txBody>
+          <a:bodyPr rot="0" spcFirstLastPara="0" vertOverflow="overflow" horzOverflow="overflow" vert="horz" wrap="square" lIns="91440" tIns="45720" rIns="91440" bIns="45720" numCol="1" spcCol="0" rtlCol="0" fromWordArt="0" anchor="ctr" anchorCtr="0" forceAA="0" compatLnSpc="1">
+            <a:prstTxWarp prst="textNoShape">
+              <a:avLst/>
+            </a:prstTxWarp>
+            <a:noAutofit/>
+          </a:bodyPr>
+          <a:lstStyle/>
+          <a:p>
+            <a:pPr algn="ctr"/>
+            <a:r>
+              <a:rPr lang="en-US">
+                <a:solidFill>
+                  <a:schemeClr val="bg1"/>
+                </a:solidFill>
+              </a:rPr>
+              <a:t>result</a:t>
+            </a:r>
+            <a:endParaRPr lang="en-US" dirty="0">
+              <a:solidFill>
+                <a:schemeClr val="bg1"/>
+              </a:solidFill>
+            </a:endParaRPr>
+          </a:p>
+        </p:txBody>
+      </p:sp>
+      <p:sp>
+        <p:nvSpPr>
+          <p:cNvPr id="22" name="Pijl: rechts 42">
+            <a:extLst>
+              <a:ext uri="{FF2B5EF4-FFF2-40B4-BE49-F238E27FC236}">
+                <a16:creationId xmlns:a16="http://schemas.microsoft.com/office/drawing/2014/main" id="{B9F4B81D-A186-44DE-96E4-7BE4F3CDD4D4}"/>
+              </a:ext>
+            </a:extLst>
+          </p:cNvPr>
+          <p:cNvSpPr/>
+          <p:nvPr/>
+        </p:nvSpPr>
+        <p:spPr>
+          <a:xfrm>
+            <a:off x="7922473" y="5117713"/>
+            <a:ext cx="1568522" cy="515923"/>
+          </a:xfrm>
+          <a:prstGeom prst="rightArrow">
+            <a:avLst/>
+          </a:prstGeom>
+          <a:solidFill>
+            <a:srgbClr val="C00000"/>
+          </a:solidFill>
+        </p:spPr>
+        <p:style>
+          <a:lnRef idx="2">
+            <a:schemeClr val="accent1">
+              <a:shade val="50000"/>
+            </a:schemeClr>
+          </a:lnRef>
+          <a:fillRef idx="1">
+            <a:schemeClr val="accent1"/>
+          </a:fillRef>
+          <a:effectRef idx="0">
+            <a:schemeClr val="accent1"/>
+          </a:effectRef>
+          <a:fontRef idx="minor">
+            <a:schemeClr val="lt1"/>
+          </a:fontRef>
+        </p:style>
+        <p:txBody>
+          <a:bodyPr rot="0" spcFirstLastPara="0" vertOverflow="overflow" horzOverflow="overflow" vert="horz" wrap="square" lIns="91440" tIns="45720" rIns="91440" bIns="45720" numCol="1" spcCol="0" rtlCol="0" fromWordArt="0" anchor="ctr" anchorCtr="0" forceAA="0" compatLnSpc="1">
+            <a:prstTxWarp prst="textNoShape">
+              <a:avLst/>
+            </a:prstTxWarp>
+            <a:noAutofit/>
+          </a:bodyPr>
+          <a:lstStyle/>
+          <a:p>
+            <a:pPr algn="ctr"/>
+            <a:r>
+              <a:rPr lang="en-US">
+                <a:solidFill>
+                  <a:schemeClr val="bg1"/>
+                </a:solidFill>
+              </a:rPr>
+              <a:t>result</a:t>
+            </a:r>
+            <a:endParaRPr lang="en-US" dirty="0">
+              <a:solidFill>
+                <a:schemeClr val="bg1"/>
+              </a:solidFill>
+            </a:endParaRPr>
+          </a:p>
+        </p:txBody>
+      </p:sp>
+      <p:sp>
+        <p:nvSpPr>
+          <p:cNvPr id="23" name="Rectangle: Rounded Corners 22">
+            <a:extLst>
+              <a:ext uri="{FF2B5EF4-FFF2-40B4-BE49-F238E27FC236}">
+                <a16:creationId xmlns:a16="http://schemas.microsoft.com/office/drawing/2014/main" id="{688A2D30-6F52-4F2D-B439-B9B63BE18F85}"/>
+              </a:ext>
+            </a:extLst>
+          </p:cNvPr>
+          <p:cNvSpPr/>
+          <p:nvPr/>
+        </p:nvSpPr>
+        <p:spPr>
+          <a:xfrm>
+            <a:off x="1895114" y="1510736"/>
+            <a:ext cx="6355268" cy="4727662"/>
+          </a:xfrm>
+          <a:prstGeom prst="roundRect">
+            <a:avLst/>
+          </a:prstGeom>
+          <a:solidFill>
+            <a:schemeClr val="accent1">
+              <a:alpha val="25000"/>
+            </a:schemeClr>
+          </a:solidFill>
+        </p:spPr>
+        <p:style>
+          <a:lnRef idx="2">
+            <a:schemeClr val="accent1">
+              <a:shade val="50000"/>
+            </a:schemeClr>
+          </a:lnRef>
+          <a:fillRef idx="1">
+            <a:schemeClr val="accent1"/>
+          </a:fillRef>
+          <a:effectRef idx="0">
+            <a:schemeClr val="accent1"/>
+          </a:effectRef>
+          <a:fontRef idx="minor">
+            <a:schemeClr val="lt1"/>
+          </a:fontRef>
+        </p:style>
+        <p:txBody>
+          <a:bodyPr rtlCol="0" anchor="t"/>
+          <a:lstStyle/>
+          <a:p>
+            <a:pPr algn="ctr"/>
+            <a:r>
+              <a:rPr lang="en-US" sz="2000" b="1" dirty="0">
+                <a:solidFill>
+                  <a:schemeClr val="tx1"/>
+                </a:solidFill>
+              </a:rPr>
+              <a:t>Our pipeline</a:t>
+            </a:r>
+            <a:endParaRPr lang="en-GB" sz="2000" b="1" dirty="0">
+              <a:solidFill>
+                <a:schemeClr val="tx1"/>
+              </a:solidFill>
+            </a:endParaRPr>
           </a:p>
         </p:txBody>
       </p:sp>
     </p:spTree>
     <p:extLst>
       <p:ext uri="{BB962C8B-B14F-4D97-AF65-F5344CB8AC3E}">
-        <p14:creationId xmlns:p14="http://schemas.microsoft.com/office/powerpoint/2010/main" val="459005411"/>
+        <p14:creationId xmlns:p14="http://schemas.microsoft.com/office/powerpoint/2010/main" val="2237726670"/>
       </p:ext>
     </p:extLst>
   </p:cSld>
@@ -22329,7 +23057,7 @@
           <p:cNvPr id="2" name="Title 1">
             <a:extLst>
               <a:ext uri="{FF2B5EF4-FFF2-40B4-BE49-F238E27FC236}">
-                <a16:creationId xmlns:a16="http://schemas.microsoft.com/office/drawing/2014/main" id="{4123861A-F328-4BB9-8F10-4F9FB0F7E245}"/>
+                <a16:creationId xmlns:a16="http://schemas.microsoft.com/office/drawing/2014/main" id="{A70F358F-267E-458C-A8D5-5959F20DB9D5}"/>
               </a:ext>
             </a:extLst>
           </p:cNvPr>
@@ -22342,21 +23070,294 @@
         </p:nvSpPr>
         <p:spPr>
           <a:xfrm>
-            <a:off x="377614" y="109433"/>
+            <a:off x="1137073" y="72441"/>
+            <a:ext cx="9917853" cy="1325563"/>
+          </a:xfrm>
+        </p:spPr>
+        <p:txBody>
+          <a:bodyPr>
+            <a:normAutofit/>
+          </a:bodyPr>
+          <a:lstStyle/>
+          <a:p>
+            <a:r>
+              <a:rPr lang="en-US" sz="4000" b="1" dirty="0"/>
+              <a:t>Hands-on: Change a document and insert it into the primary document</a:t>
+            </a:r>
+            <a:endParaRPr lang="en-NL" sz="4000" b="1" dirty="0"/>
+          </a:p>
+        </p:txBody>
+      </p:sp>
+      <p:sp>
+        <p:nvSpPr>
+          <p:cNvPr id="3" name="Content Placeholder 2">
+            <a:extLst>
+              <a:ext uri="{FF2B5EF4-FFF2-40B4-BE49-F238E27FC236}">
+                <a16:creationId xmlns:a16="http://schemas.microsoft.com/office/drawing/2014/main" id="{B7E5CA6D-D83C-4F14-841A-1F3902B3B2AC}"/>
+              </a:ext>
+            </a:extLst>
+          </p:cNvPr>
+          <p:cNvSpPr>
+            <a:spLocks noGrp="1"/>
+          </p:cNvSpPr>
+          <p:nvPr>
+            <p:ph idx="1"/>
+          </p:nvPr>
+        </p:nvSpPr>
+        <p:spPr>
+          <a:xfrm>
+            <a:off x="250612" y="1736884"/>
+            <a:ext cx="11060799" cy="2689643"/>
+          </a:xfrm>
+        </p:spPr>
+        <p:txBody>
+          <a:bodyPr>
+            <a:normAutofit/>
+          </a:bodyPr>
+          <a:lstStyle/>
+          <a:p>
+            <a:r>
+              <a:rPr lang="en-GB" dirty="0"/>
+              <a:t>Open a command window in </a:t>
+            </a:r>
+            <a:r>
+              <a:rPr lang="en-GB" sz="2400" b="1" dirty="0">
+                <a:latin typeface="Courier New" panose="02070309020205020404" pitchFamily="49" charset="0"/>
+                <a:cs typeface="Courier New" panose="02070309020205020404" pitchFamily="49" charset="0"/>
+              </a:rPr>
+              <a:t>exercises/05b-connect-internal/</a:t>
+            </a:r>
+          </a:p>
+          <a:p>
+            <a:r>
+              <a:rPr lang="en-GB" dirty="0"/>
+              <a:t>Change this pipeline so the extra document is changed first before the insert</a:t>
+            </a:r>
+          </a:p>
+          <a:p>
+            <a:r>
+              <a:rPr lang="en-GB" sz="2400" dirty="0"/>
+              <a:t>Command: </a:t>
+            </a:r>
+            <a:r>
+              <a:rPr lang="en-US" sz="2400" b="1" dirty="0">
+                <a:latin typeface="Courier New" panose="02070309020205020404" pitchFamily="49" charset="0"/>
+                <a:cs typeface="Courier New" panose="02070309020205020404" pitchFamily="49" charset="0"/>
+              </a:rPr>
+              <a:t>morgana </a:t>
+            </a:r>
+            <a:r>
+              <a:rPr lang="en-US" sz="2400" b="1" dirty="0" err="1">
+                <a:latin typeface="Courier New" panose="02070309020205020404" pitchFamily="49" charset="0"/>
+                <a:cs typeface="Courier New" panose="02070309020205020404" pitchFamily="49" charset="0"/>
+              </a:rPr>
+              <a:t>pipeline.xpl</a:t>
+            </a:r>
+            <a:r>
+              <a:rPr lang="en-US" sz="2400" b="1" dirty="0">
+                <a:latin typeface="Courier New" panose="02070309020205020404" pitchFamily="49" charset="0"/>
+                <a:cs typeface="Courier New" panose="02070309020205020404" pitchFamily="49" charset="0"/>
+              </a:rPr>
+              <a:t> -</a:t>
+            </a:r>
+            <a:r>
+              <a:rPr lang="en-US" sz="2400" b="1" dirty="0" err="1">
+                <a:latin typeface="Courier New" panose="02070309020205020404" pitchFamily="49" charset="0"/>
+                <a:cs typeface="Courier New" panose="02070309020205020404" pitchFamily="49" charset="0"/>
+              </a:rPr>
+              <a:t>input:source</a:t>
+            </a:r>
+            <a:r>
+              <a:rPr lang="en-US" sz="2400" b="1" dirty="0">
+                <a:latin typeface="Courier New" panose="02070309020205020404" pitchFamily="49" charset="0"/>
+                <a:cs typeface="Courier New" panose="02070309020205020404" pitchFamily="49" charset="0"/>
+              </a:rPr>
+              <a:t>=input.xml </a:t>
+            </a:r>
+            <a:br>
+              <a:rPr lang="en-US" sz="2400" b="1" dirty="0">
+                <a:latin typeface="Courier New" panose="02070309020205020404" pitchFamily="49" charset="0"/>
+                <a:cs typeface="Courier New" panose="02070309020205020404" pitchFamily="49" charset="0"/>
+              </a:rPr>
+            </a:br>
+            <a:r>
+              <a:rPr lang="en-US" sz="2400" b="1" dirty="0">
+                <a:latin typeface="Courier New" panose="02070309020205020404" pitchFamily="49" charset="0"/>
+                <a:cs typeface="Courier New" panose="02070309020205020404" pitchFamily="49" charset="0"/>
+              </a:rPr>
+              <a:t>–</a:t>
+            </a:r>
+            <a:r>
+              <a:rPr lang="en-US" sz="2400" b="1" dirty="0" err="1">
+                <a:latin typeface="Courier New" panose="02070309020205020404" pitchFamily="49" charset="0"/>
+                <a:cs typeface="Courier New" panose="02070309020205020404" pitchFamily="49" charset="0"/>
+              </a:rPr>
+              <a:t>input:extra</a:t>
+            </a:r>
+            <a:r>
+              <a:rPr lang="en-US" sz="2400" b="1" dirty="0">
+                <a:latin typeface="Courier New" panose="02070309020205020404" pitchFamily="49" charset="0"/>
+                <a:cs typeface="Courier New" panose="02070309020205020404" pitchFamily="49" charset="0"/>
+              </a:rPr>
+              <a:t>=insert.xml</a:t>
+            </a:r>
+            <a:endParaRPr lang="en-GB" sz="2400" dirty="0"/>
+          </a:p>
+          <a:p>
+            <a:r>
+              <a:rPr lang="en-GB" sz="2400" dirty="0"/>
+              <a:t>Try it!</a:t>
+            </a:r>
+          </a:p>
+          <a:p>
+            <a:endParaRPr lang="en-GB" sz="2400" b="1" dirty="0">
+              <a:latin typeface="Courier New" panose="02070309020205020404" pitchFamily="49" charset="0"/>
+              <a:cs typeface="Courier New" panose="02070309020205020404" pitchFamily="49" charset="0"/>
+            </a:endParaRPr>
+          </a:p>
+          <a:p>
+            <a:pPr marL="0" indent="0">
+              <a:buNone/>
+            </a:pPr>
+            <a:endParaRPr lang="en-GB" sz="2400" b="1" dirty="0">
+              <a:latin typeface="Courier New" panose="02070309020205020404" pitchFamily="49" charset="0"/>
+              <a:cs typeface="Courier New" panose="02070309020205020404" pitchFamily="49" charset="0"/>
+            </a:endParaRPr>
+          </a:p>
+        </p:txBody>
+      </p:sp>
+      <p:pic>
+        <p:nvPicPr>
+          <p:cNvPr id="6" name="Graphic 5" descr="Right pointing backhand index ">
+            <a:extLst>
+              <a:ext uri="{FF2B5EF4-FFF2-40B4-BE49-F238E27FC236}">
+                <a16:creationId xmlns:a16="http://schemas.microsoft.com/office/drawing/2014/main" id="{BA7FB8C5-2AEE-41C3-980A-64845E036DE8}"/>
+              </a:ext>
+            </a:extLst>
+          </p:cNvPr>
+          <p:cNvPicPr>
+            <a:picLocks noChangeAspect="1"/>
+          </p:cNvPicPr>
+          <p:nvPr/>
+        </p:nvPicPr>
+        <p:blipFill>
+          <a:blip r:embed="rId3">
+            <a:extLst>
+              <a:ext uri="{28A0092B-C50C-407E-A947-70E740481C1C}">
+                <a14:useLocalDpi xmlns:a14="http://schemas.microsoft.com/office/drawing/2010/main" val="0"/>
+              </a:ext>
+              <a:ext uri="{96DAC541-7B7A-43D3-8B79-37D633B846F1}">
+                <asvg:svgBlip xmlns:asvg="http://schemas.microsoft.com/office/drawing/2016/SVG/main" r:embed="rId4"/>
+              </a:ext>
+            </a:extLst>
+          </a:blip>
+          <a:stretch>
+            <a:fillRect/>
+          </a:stretch>
+        </p:blipFill>
+        <p:spPr>
+          <a:xfrm>
+            <a:off x="124838" y="278023"/>
+            <a:ext cx="914400" cy="914400"/>
+          </a:xfrm>
+          <a:prstGeom prst="rect">
+            <a:avLst/>
+          </a:prstGeom>
+        </p:spPr>
+      </p:pic>
+      <p:pic>
+        <p:nvPicPr>
+          <p:cNvPr id="5" name="Picture 4">
+            <a:extLst>
+              <a:ext uri="{FF2B5EF4-FFF2-40B4-BE49-F238E27FC236}">
+                <a16:creationId xmlns:a16="http://schemas.microsoft.com/office/drawing/2014/main" id="{DD45BC18-056D-4E4B-8E2B-E13FF23D43B5}"/>
+              </a:ext>
+            </a:extLst>
+          </p:cNvPr>
+          <p:cNvPicPr>
+            <a:picLocks noChangeAspect="1"/>
+          </p:cNvPicPr>
+          <p:nvPr/>
+        </p:nvPicPr>
+        <p:blipFill>
+          <a:blip r:embed="rId5"/>
+          <a:stretch>
+            <a:fillRect/>
+          </a:stretch>
+        </p:blipFill>
+        <p:spPr>
+          <a:xfrm>
+            <a:off x="5992091" y="3798723"/>
+            <a:ext cx="4799301" cy="2641476"/>
+          </a:xfrm>
+          <a:prstGeom prst="rect">
+            <a:avLst/>
+          </a:prstGeom>
+        </p:spPr>
+      </p:pic>
+    </p:spTree>
+    <p:extLst>
+      <p:ext uri="{BB962C8B-B14F-4D97-AF65-F5344CB8AC3E}">
+        <p14:creationId xmlns:p14="http://schemas.microsoft.com/office/powerpoint/2010/main" val="3266448447"/>
+      </p:ext>
+    </p:extLst>
+  </p:cSld>
+  <p:clrMapOvr>
+    <a:masterClrMapping/>
+  </p:clrMapOvr>
+</p:sld>
+</file>
+
+<file path=ppt/slides/slide34.xml><?xml version="1.0" encoding="utf-8"?>
+<p:sld xmlns:a="http://schemas.openxmlformats.org/drawingml/2006/main" xmlns:r="http://schemas.openxmlformats.org/officeDocument/2006/relationships" xmlns:p="http://schemas.openxmlformats.org/presentationml/2006/main">
+  <p:cSld>
+    <p:spTree>
+      <p:nvGrpSpPr>
+        <p:cNvPr id="1" name=""/>
+        <p:cNvGrpSpPr/>
+        <p:nvPr/>
+      </p:nvGrpSpPr>
+      <p:grpSpPr>
+        <a:xfrm>
+          <a:off x="0" y="0"/>
+          <a:ext cx="0" cy="0"/>
+          <a:chOff x="0" y="0"/>
+          <a:chExt cx="0" cy="0"/>
+        </a:xfrm>
+      </p:grpSpPr>
+      <p:sp>
+        <p:nvSpPr>
+          <p:cNvPr id="2" name="Title 1">
+            <a:extLst>
+              <a:ext uri="{FF2B5EF4-FFF2-40B4-BE49-F238E27FC236}">
+                <a16:creationId xmlns:a16="http://schemas.microsoft.com/office/drawing/2014/main" id="{4123861A-F328-4BB9-8F10-4F9FB0F7E245}"/>
+              </a:ext>
+            </a:extLst>
+          </p:cNvPr>
+          <p:cNvSpPr>
+            <a:spLocks noGrp="1"/>
+          </p:cNvSpPr>
+          <p:nvPr>
+            <p:ph type="title"/>
+          </p:nvPr>
+        </p:nvSpPr>
+        <p:spPr>
+          <a:xfrm>
+            <a:off x="135160" y="-29112"/>
             <a:ext cx="11617960" cy="860848"/>
           </a:xfrm>
         </p:spPr>
         <p:txBody>
           <a:bodyPr>
-            <a:normAutofit/>
+            <a:noAutofit/>
           </a:bodyPr>
           <a:lstStyle/>
           <a:p>
             <a:r>
-              <a:rPr lang="en-US" b="1" dirty="0"/>
-              <a:t>Insert external document - solution</a:t>
-            </a:r>
-            <a:endParaRPr lang="en-NL" b="1" dirty="0"/>
+              <a:rPr lang="en-US" sz="3200" b="1" dirty="0"/>
+              <a:t>Change a document and insert it into the primary document - solution</a:t>
+            </a:r>
+            <a:endParaRPr lang="en-NL" sz="3200" b="1" dirty="0"/>
           </a:p>
         </p:txBody>
       </p:sp>
@@ -22374,8 +23375,8 @@
         </p:nvSpPr>
         <p:spPr>
           <a:xfrm>
-            <a:off x="423010" y="1138894"/>
-            <a:ext cx="11007075" cy="5324535"/>
+            <a:off x="131617" y="831736"/>
+            <a:ext cx="11925223" cy="5078313"/>
           </a:xfrm>
           <a:prstGeom prst="rect">
             <a:avLst/>
@@ -22393,72 +23394,63 @@
           <a:lstStyle/>
           <a:p>
             <a:r>
-              <a:rPr lang="nl-NL" sz="2000" b="1" dirty="0">
+              <a:rPr lang="nl-NL" b="1" dirty="0">
                 <a:latin typeface="Courier New" panose="02070309020205020404" pitchFamily="49" charset="0"/>
                 <a:cs typeface="Courier New" panose="02070309020205020404" pitchFamily="49" charset="0"/>
               </a:rPr>
               <a:t>&lt;</a:t>
             </a:r>
             <a:r>
-              <a:rPr lang="nl-NL" sz="2000" b="1" dirty="0" err="1">
+              <a:rPr lang="nl-NL" b="1" dirty="0" err="1">
                 <a:latin typeface="Courier New" panose="02070309020205020404" pitchFamily="49" charset="0"/>
                 <a:cs typeface="Courier New" panose="02070309020205020404" pitchFamily="49" charset="0"/>
               </a:rPr>
               <a:t>p:declare-step</a:t>
             </a:r>
             <a:r>
-              <a:rPr lang="nl-NL" sz="2000" b="1" dirty="0">
+              <a:rPr lang="nl-NL" b="1" dirty="0">
                 <a:latin typeface="Courier New" panose="02070309020205020404" pitchFamily="49" charset="0"/>
                 <a:cs typeface="Courier New" panose="02070309020205020404" pitchFamily="49" charset="0"/>
               </a:rPr>
               <a:t> </a:t>
             </a:r>
             <a:r>
-              <a:rPr lang="nl-NL" sz="2000" b="1" dirty="0" err="1">
+              <a:rPr lang="nl-NL" b="1" dirty="0" err="1">
                 <a:latin typeface="Courier New" panose="02070309020205020404" pitchFamily="49" charset="0"/>
                 <a:cs typeface="Courier New" panose="02070309020205020404" pitchFamily="49" charset="0"/>
               </a:rPr>
               <a:t>xmlns:p</a:t>
             </a:r>
             <a:r>
-              <a:rPr lang="nl-NL" sz="2000" b="1" dirty="0">
+              <a:rPr lang="nl-NL" b="1" dirty="0">
                 <a:latin typeface="Courier New" panose="02070309020205020404" pitchFamily="49" charset="0"/>
                 <a:cs typeface="Courier New" panose="02070309020205020404" pitchFamily="49" charset="0"/>
               </a:rPr>
               <a:t>="http://www.w3.org/ns/xproc" </a:t>
             </a:r>
             <a:r>
-              <a:rPr lang="nl-NL" sz="2000" b="1" dirty="0" err="1">
+              <a:rPr lang="nl-NL" b="1" dirty="0" err="1">
                 <a:latin typeface="Courier New" panose="02070309020205020404" pitchFamily="49" charset="0"/>
                 <a:cs typeface="Courier New" panose="02070309020205020404" pitchFamily="49" charset="0"/>
               </a:rPr>
               <a:t>version</a:t>
             </a:r>
             <a:r>
-              <a:rPr lang="nl-NL" sz="2000" b="1" dirty="0">
-                <a:latin typeface="Courier New" panose="02070309020205020404" pitchFamily="49" charset="0"/>
-                <a:cs typeface="Courier New" panose="02070309020205020404" pitchFamily="49" charset="0"/>
-              </a:rPr>
-              <a:t>="3.0"</a:t>
-            </a:r>
-          </a:p>
-          <a:p>
-            <a:r>
-              <a:rPr lang="nl-NL" sz="2000" b="1" dirty="0">
-                <a:latin typeface="Courier New" panose="02070309020205020404" pitchFamily="49" charset="0"/>
-                <a:cs typeface="Courier New" panose="02070309020205020404" pitchFamily="49" charset="0"/>
-              </a:rPr>
-              <a:t>   name="</a:t>
-            </a:r>
-            <a:r>
-              <a:rPr lang="nl-NL" sz="2000" b="1" dirty="0" err="1">
+              <a:rPr lang="nl-NL" b="1" dirty="0">
+                <a:latin typeface="Courier New" panose="02070309020205020404" pitchFamily="49" charset="0"/>
+                <a:cs typeface="Courier New" panose="02070309020205020404" pitchFamily="49" charset="0"/>
+              </a:rPr>
+              <a:t>="3.0" name="</a:t>
+            </a:r>
+            <a:r>
+              <a:rPr lang="nl-NL" b="1" dirty="0" err="1">
                 <a:latin typeface="Courier New" panose="02070309020205020404" pitchFamily="49" charset="0"/>
                 <a:cs typeface="Courier New" panose="02070309020205020404" pitchFamily="49" charset="0"/>
               </a:rPr>
               <a:t>my</a:t>
             </a:r>
             <a:r>
-              <a:rPr lang="nl-NL" sz="2000" b="1" dirty="0">
+              <a:rPr lang="nl-NL" b="1" dirty="0">
                 <a:latin typeface="Courier New" panose="02070309020205020404" pitchFamily="49" charset="0"/>
                 <a:cs typeface="Courier New" panose="02070309020205020404" pitchFamily="49" charset="0"/>
               </a:rPr>
@@ -22466,56 +23458,59 @@
             </a:r>
           </a:p>
           <a:p>
-            <a:endParaRPr lang="nl-NL" sz="2000" b="1" dirty="0">
-              <a:latin typeface="Courier New" panose="02070309020205020404" pitchFamily="49" charset="0"/>
-              <a:cs typeface="Courier New" panose="02070309020205020404" pitchFamily="49" charset="0"/>
-            </a:endParaRPr>
-          </a:p>
-          <a:p>
-            <a:r>
-              <a:rPr lang="nl-NL" sz="2000" b="1" dirty="0">
+            <a:r>
+              <a:rPr lang="nl-NL" b="1" dirty="0">
+                <a:latin typeface="Courier New" panose="02070309020205020404" pitchFamily="49" charset="0"/>
+                <a:cs typeface="Courier New" panose="02070309020205020404" pitchFamily="49" charset="0"/>
+              </a:rPr>
+              <a:t>  </a:t>
+            </a:r>
+          </a:p>
+          <a:p>
+            <a:r>
+              <a:rPr lang="nl-NL" b="1" dirty="0">
                 <a:latin typeface="Courier New" panose="02070309020205020404" pitchFamily="49" charset="0"/>
                 <a:cs typeface="Courier New" panose="02070309020205020404" pitchFamily="49" charset="0"/>
               </a:rPr>
               <a:t>  &lt;</a:t>
             </a:r>
             <a:r>
-              <a:rPr lang="nl-NL" sz="2000" b="1" dirty="0" err="1">
+              <a:rPr lang="nl-NL" b="1" dirty="0" err="1">
                 <a:latin typeface="Courier New" panose="02070309020205020404" pitchFamily="49" charset="0"/>
                 <a:cs typeface="Courier New" panose="02070309020205020404" pitchFamily="49" charset="0"/>
               </a:rPr>
               <a:t>p:input</a:t>
             </a:r>
             <a:r>
-              <a:rPr lang="nl-NL" sz="2000" b="1" dirty="0">
+              <a:rPr lang="nl-NL" b="1" dirty="0">
                 <a:latin typeface="Courier New" panose="02070309020205020404" pitchFamily="49" charset="0"/>
                 <a:cs typeface="Courier New" panose="02070309020205020404" pitchFamily="49" charset="0"/>
               </a:rPr>
               <a:t> </a:t>
             </a:r>
             <a:r>
-              <a:rPr lang="nl-NL" sz="2000" b="1" dirty="0" err="1">
+              <a:rPr lang="nl-NL" b="1" dirty="0" err="1">
                 <a:latin typeface="Courier New" panose="02070309020205020404" pitchFamily="49" charset="0"/>
                 <a:cs typeface="Courier New" panose="02070309020205020404" pitchFamily="49" charset="0"/>
               </a:rPr>
               <a:t>primary</a:t>
             </a:r>
             <a:r>
-              <a:rPr lang="nl-NL" sz="2000" b="1" dirty="0">
+              <a:rPr lang="nl-NL" b="1" dirty="0">
                 <a:latin typeface="Courier New" panose="02070309020205020404" pitchFamily="49" charset="0"/>
                 <a:cs typeface="Courier New" panose="02070309020205020404" pitchFamily="49" charset="0"/>
               </a:rPr>
               <a:t>="</a:t>
             </a:r>
             <a:r>
-              <a:rPr lang="nl-NL" sz="2000" b="1" dirty="0" err="1">
+              <a:rPr lang="nl-NL" b="1" dirty="0" err="1">
                 <a:latin typeface="Courier New" panose="02070309020205020404" pitchFamily="49" charset="0"/>
                 <a:cs typeface="Courier New" panose="02070309020205020404" pitchFamily="49" charset="0"/>
               </a:rPr>
               <a:t>true</a:t>
             </a:r>
             <a:r>
-              <a:rPr lang="nl-NL" sz="2000" b="1" dirty="0">
+              <a:rPr lang="nl-NL" b="1" dirty="0">
                 <a:latin typeface="Courier New" panose="02070309020205020404" pitchFamily="49" charset="0"/>
                 <a:cs typeface="Courier New" panose="02070309020205020404" pitchFamily="49" charset="0"/>
               </a:rPr>
@@ -22524,63 +23519,63 @@
           </a:p>
           <a:p>
             <a:r>
-              <a:rPr lang="nl-NL" sz="2000" b="1" dirty="0">
+              <a:rPr lang="nl-NL" b="1" dirty="0">
                 <a:latin typeface="Courier New" panose="02070309020205020404" pitchFamily="49" charset="0"/>
                 <a:cs typeface="Courier New" panose="02070309020205020404" pitchFamily="49" charset="0"/>
               </a:rPr>
               <a:t>  &lt;</a:t>
             </a:r>
             <a:r>
-              <a:rPr lang="nl-NL" sz="2000" b="1" dirty="0" err="1">
+              <a:rPr lang="nl-NL" b="1" dirty="0" err="1">
                 <a:latin typeface="Courier New" panose="02070309020205020404" pitchFamily="49" charset="0"/>
                 <a:cs typeface="Courier New" panose="02070309020205020404" pitchFamily="49" charset="0"/>
               </a:rPr>
               <a:t>p:output</a:t>
             </a:r>
             <a:r>
-              <a:rPr lang="nl-NL" sz="2000" b="1" dirty="0">
+              <a:rPr lang="nl-NL" b="1" dirty="0">
                 <a:latin typeface="Courier New" panose="02070309020205020404" pitchFamily="49" charset="0"/>
                 <a:cs typeface="Courier New" panose="02070309020205020404" pitchFamily="49" charset="0"/>
               </a:rPr>
               <a:t> </a:t>
             </a:r>
             <a:r>
-              <a:rPr lang="nl-NL" sz="2000" b="1" dirty="0" err="1">
+              <a:rPr lang="nl-NL" b="1" dirty="0" err="1">
                 <a:latin typeface="Courier New" panose="02070309020205020404" pitchFamily="49" charset="0"/>
                 <a:cs typeface="Courier New" panose="02070309020205020404" pitchFamily="49" charset="0"/>
               </a:rPr>
               <a:t>primary</a:t>
             </a:r>
             <a:r>
-              <a:rPr lang="nl-NL" sz="2000" b="1" dirty="0">
+              <a:rPr lang="nl-NL" b="1" dirty="0">
                 <a:latin typeface="Courier New" panose="02070309020205020404" pitchFamily="49" charset="0"/>
                 <a:cs typeface="Courier New" panose="02070309020205020404" pitchFamily="49" charset="0"/>
               </a:rPr>
               <a:t>="</a:t>
             </a:r>
             <a:r>
-              <a:rPr lang="nl-NL" sz="2000" b="1" dirty="0" err="1">
+              <a:rPr lang="nl-NL" b="1" dirty="0" err="1">
                 <a:latin typeface="Courier New" panose="02070309020205020404" pitchFamily="49" charset="0"/>
                 <a:cs typeface="Courier New" panose="02070309020205020404" pitchFamily="49" charset="0"/>
               </a:rPr>
               <a:t>true</a:t>
             </a:r>
             <a:r>
-              <a:rPr lang="nl-NL" sz="2000" b="1" dirty="0">
+              <a:rPr lang="nl-NL" b="1" dirty="0">
                 <a:latin typeface="Courier New" panose="02070309020205020404" pitchFamily="49" charset="0"/>
                 <a:cs typeface="Courier New" panose="02070309020205020404" pitchFamily="49" charset="0"/>
               </a:rPr>
               <a:t>" port="</a:t>
             </a:r>
             <a:r>
-              <a:rPr lang="nl-NL" sz="2000" b="1" dirty="0" err="1">
+              <a:rPr lang="nl-NL" b="1" dirty="0" err="1">
                 <a:latin typeface="Courier New" panose="02070309020205020404" pitchFamily="49" charset="0"/>
                 <a:cs typeface="Courier New" panose="02070309020205020404" pitchFamily="49" charset="0"/>
               </a:rPr>
               <a:t>result</a:t>
             </a:r>
             <a:r>
-              <a:rPr lang="nl-NL" sz="2000" b="1" dirty="0">
+              <a:rPr lang="nl-NL" b="1" dirty="0">
                 <a:latin typeface="Courier New" panose="02070309020205020404" pitchFamily="49" charset="0"/>
                 <a:cs typeface="Courier New" panose="02070309020205020404" pitchFamily="49" charset="0"/>
               </a:rPr>
@@ -22589,7 +23584,7 @@
           </a:p>
           <a:p>
             <a:r>
-              <a:rPr lang="nl-NL" sz="2000" b="1" dirty="0">
+              <a:rPr lang="nl-NL" b="1" dirty="0">
                 <a:latin typeface="Courier New" panose="02070309020205020404" pitchFamily="49" charset="0"/>
                 <a:cs typeface="Courier New" panose="02070309020205020404" pitchFamily="49" charset="0"/>
               </a:rPr>
@@ -22598,49 +23593,49 @@
           </a:p>
           <a:p>
             <a:r>
-              <a:rPr lang="nl-NL" sz="2000" b="1" dirty="0">
+              <a:rPr lang="nl-NL" b="1" dirty="0">
                 <a:latin typeface="Courier New" panose="02070309020205020404" pitchFamily="49" charset="0"/>
                 <a:cs typeface="Courier New" panose="02070309020205020404" pitchFamily="49" charset="0"/>
               </a:rPr>
               <a:t>  &lt;</a:t>
             </a:r>
             <a:r>
-              <a:rPr lang="nl-NL" sz="2000" b="1" dirty="0" err="1">
+              <a:rPr lang="nl-NL" b="1" dirty="0" err="1">
                 <a:latin typeface="Courier New" panose="02070309020205020404" pitchFamily="49" charset="0"/>
                 <a:cs typeface="Courier New" panose="02070309020205020404" pitchFamily="49" charset="0"/>
               </a:rPr>
               <a:t>p:input</a:t>
             </a:r>
             <a:r>
-              <a:rPr lang="nl-NL" sz="2000" b="1" dirty="0">
+              <a:rPr lang="nl-NL" b="1" dirty="0">
                 <a:latin typeface="Courier New" panose="02070309020205020404" pitchFamily="49" charset="0"/>
                 <a:cs typeface="Courier New" panose="02070309020205020404" pitchFamily="49" charset="0"/>
               </a:rPr>
               <a:t> </a:t>
             </a:r>
             <a:r>
-              <a:rPr lang="nl-NL" sz="2000" b="1" dirty="0" err="1">
+              <a:rPr lang="nl-NL" b="1" dirty="0" err="1">
                 <a:latin typeface="Courier New" panose="02070309020205020404" pitchFamily="49" charset="0"/>
                 <a:cs typeface="Courier New" panose="02070309020205020404" pitchFamily="49" charset="0"/>
               </a:rPr>
               <a:t>primary</a:t>
             </a:r>
             <a:r>
-              <a:rPr lang="nl-NL" sz="2000" b="1" dirty="0">
+              <a:rPr lang="nl-NL" b="1" dirty="0">
                 <a:latin typeface="Courier New" panose="02070309020205020404" pitchFamily="49" charset="0"/>
                 <a:cs typeface="Courier New" panose="02070309020205020404" pitchFamily="49" charset="0"/>
               </a:rPr>
               <a:t>="</a:t>
             </a:r>
             <a:r>
-              <a:rPr lang="nl-NL" sz="2000" b="1" dirty="0" err="1">
+              <a:rPr lang="nl-NL" b="1" dirty="0" err="1">
                 <a:latin typeface="Courier New" panose="02070309020205020404" pitchFamily="49" charset="0"/>
                 <a:cs typeface="Courier New" panose="02070309020205020404" pitchFamily="49" charset="0"/>
               </a:rPr>
               <a:t>false</a:t>
             </a:r>
             <a:r>
-              <a:rPr lang="nl-NL" sz="2000" b="1" dirty="0">
+              <a:rPr lang="nl-NL" b="1" dirty="0">
                 <a:latin typeface="Courier New" panose="02070309020205020404" pitchFamily="49" charset="0"/>
                 <a:cs typeface="Courier New" panose="02070309020205020404" pitchFamily="49" charset="0"/>
               </a:rPr>
@@ -22649,7 +23644,7 @@
           </a:p>
           <a:p>
             <a:r>
-              <a:rPr lang="nl-NL" sz="2000" b="1" dirty="0">
+              <a:rPr lang="nl-NL" b="1" dirty="0">
                 <a:latin typeface="Courier New" panose="02070309020205020404" pitchFamily="49" charset="0"/>
                 <a:cs typeface="Courier New" panose="02070309020205020404" pitchFamily="49" charset="0"/>
               </a:rPr>
@@ -22658,100 +23653,280 @@
           </a:p>
           <a:p>
             <a:r>
-              <a:rPr lang="nl-NL" sz="2000" b="1" dirty="0">
+              <a:rPr lang="nl-NL" b="1" dirty="0">
                 <a:latin typeface="Courier New" panose="02070309020205020404" pitchFamily="49" charset="0"/>
                 <a:cs typeface="Courier New" panose="02070309020205020404" pitchFamily="49" charset="0"/>
               </a:rPr>
               <a:t>  &lt;</a:t>
             </a:r>
             <a:r>
-              <a:rPr lang="nl-NL" sz="2000" b="1" dirty="0" err="1">
+              <a:rPr lang="nl-NL" b="1" dirty="0" err="1">
+                <a:latin typeface="Courier New" panose="02070309020205020404" pitchFamily="49" charset="0"/>
+                <a:cs typeface="Courier New" panose="02070309020205020404" pitchFamily="49" charset="0"/>
+              </a:rPr>
+              <a:t>p:add-attribute</a:t>
+            </a:r>
+            <a:r>
+              <a:rPr lang="nl-NL" b="1" dirty="0">
+                <a:latin typeface="Courier New" panose="02070309020205020404" pitchFamily="49" charset="0"/>
+                <a:cs typeface="Courier New" panose="02070309020205020404" pitchFamily="49" charset="0"/>
+              </a:rPr>
+              <a:t> match="/*" </a:t>
+            </a:r>
+            <a:r>
+              <a:rPr lang="nl-NL" b="1" dirty="0" err="1">
+                <a:latin typeface="Courier New" panose="02070309020205020404" pitchFamily="49" charset="0"/>
+                <a:cs typeface="Courier New" panose="02070309020205020404" pitchFamily="49" charset="0"/>
+              </a:rPr>
+              <a:t>attribute</a:t>
+            </a:r>
+            <a:r>
+              <a:rPr lang="nl-NL" b="1" dirty="0">
+                <a:latin typeface="Courier New" panose="02070309020205020404" pitchFamily="49" charset="0"/>
+                <a:cs typeface="Courier New" panose="02070309020205020404" pitchFamily="49" charset="0"/>
+              </a:rPr>
+              <a:t>-name="extra" </a:t>
+            </a:r>
+            <a:r>
+              <a:rPr lang="nl-NL" b="1" dirty="0" err="1">
+                <a:latin typeface="Courier New" panose="02070309020205020404" pitchFamily="49" charset="0"/>
+                <a:cs typeface="Courier New" panose="02070309020205020404" pitchFamily="49" charset="0"/>
+              </a:rPr>
+              <a:t>attribute-value</a:t>
+            </a:r>
+            <a:r>
+              <a:rPr lang="nl-NL" b="1" dirty="0">
+                <a:latin typeface="Courier New" panose="02070309020205020404" pitchFamily="49" charset="0"/>
+                <a:cs typeface="Courier New" panose="02070309020205020404" pitchFamily="49" charset="0"/>
+              </a:rPr>
+              <a:t>="</a:t>
+            </a:r>
+            <a:r>
+              <a:rPr lang="nl-NL" b="1" dirty="0" err="1">
+                <a:latin typeface="Courier New" panose="02070309020205020404" pitchFamily="49" charset="0"/>
+                <a:cs typeface="Courier New" panose="02070309020205020404" pitchFamily="49" charset="0"/>
+              </a:rPr>
+              <a:t>true</a:t>
+            </a:r>
+            <a:r>
+              <a:rPr lang="nl-NL" b="1" dirty="0">
+                <a:latin typeface="Courier New" panose="02070309020205020404" pitchFamily="49" charset="0"/>
+                <a:cs typeface="Courier New" panose="02070309020205020404" pitchFamily="49" charset="0"/>
+              </a:rPr>
+              <a:t>" </a:t>
+            </a:r>
+          </a:p>
+          <a:p>
+            <a:r>
+              <a:rPr lang="nl-NL" b="1" dirty="0">
+                <a:latin typeface="Courier New" panose="02070309020205020404" pitchFamily="49" charset="0"/>
+                <a:cs typeface="Courier New" panose="02070309020205020404" pitchFamily="49" charset="0"/>
+              </a:rPr>
+              <a:t>    name="change-extra-document"&gt;</a:t>
+            </a:r>
+          </a:p>
+          <a:p>
+            <a:r>
+              <a:rPr lang="nl-NL" b="1" dirty="0">
+                <a:latin typeface="Courier New" panose="02070309020205020404" pitchFamily="49" charset="0"/>
+                <a:cs typeface="Courier New" panose="02070309020205020404" pitchFamily="49" charset="0"/>
+              </a:rPr>
+              <a:t>    &lt;</a:t>
+            </a:r>
+            <a:r>
+              <a:rPr lang="nl-NL" b="1" dirty="0" err="1">
+                <a:latin typeface="Courier New" panose="02070309020205020404" pitchFamily="49" charset="0"/>
+                <a:cs typeface="Courier New" panose="02070309020205020404" pitchFamily="49" charset="0"/>
+              </a:rPr>
+              <a:t>p:with-input</a:t>
+            </a:r>
+            <a:r>
+              <a:rPr lang="nl-NL" b="1" dirty="0">
+                <a:latin typeface="Courier New" panose="02070309020205020404" pitchFamily="49" charset="0"/>
+                <a:cs typeface="Courier New" panose="02070309020205020404" pitchFamily="49" charset="0"/>
+              </a:rPr>
+              <a:t> port="source" pipe="</a:t>
+            </a:r>
+            <a:r>
+              <a:rPr lang="nl-NL" b="1" dirty="0" err="1">
+                <a:latin typeface="Courier New" panose="02070309020205020404" pitchFamily="49" charset="0"/>
+                <a:cs typeface="Courier New" panose="02070309020205020404" pitchFamily="49" charset="0"/>
+              </a:rPr>
+              <a:t>extra@my-pipeline</a:t>
+            </a:r>
+            <a:r>
+              <a:rPr lang="nl-NL" b="1" dirty="0">
+                <a:latin typeface="Courier New" panose="02070309020205020404" pitchFamily="49" charset="0"/>
+                <a:cs typeface="Courier New" panose="02070309020205020404" pitchFamily="49" charset="0"/>
+              </a:rPr>
+              <a:t>"/&gt;</a:t>
+            </a:r>
+          </a:p>
+          <a:p>
+            <a:r>
+              <a:rPr lang="nl-NL" b="1" dirty="0">
+                <a:latin typeface="Courier New" panose="02070309020205020404" pitchFamily="49" charset="0"/>
+                <a:cs typeface="Courier New" panose="02070309020205020404" pitchFamily="49" charset="0"/>
+              </a:rPr>
+              <a:t>  &lt;/</a:t>
+            </a:r>
+            <a:r>
+              <a:rPr lang="nl-NL" b="1" dirty="0" err="1">
+                <a:latin typeface="Courier New" panose="02070309020205020404" pitchFamily="49" charset="0"/>
+                <a:cs typeface="Courier New" panose="02070309020205020404" pitchFamily="49" charset="0"/>
+              </a:rPr>
+              <a:t>p:add-attribute</a:t>
+            </a:r>
+            <a:r>
+              <a:rPr lang="nl-NL" b="1" dirty="0">
+                <a:latin typeface="Courier New" panose="02070309020205020404" pitchFamily="49" charset="0"/>
+                <a:cs typeface="Courier New" panose="02070309020205020404" pitchFamily="49" charset="0"/>
+              </a:rPr>
+              <a:t>&gt;</a:t>
+            </a:r>
+          </a:p>
+          <a:p>
+            <a:r>
+              <a:rPr lang="nl-NL" b="1" dirty="0">
+                <a:latin typeface="Courier New" panose="02070309020205020404" pitchFamily="49" charset="0"/>
+                <a:cs typeface="Courier New" panose="02070309020205020404" pitchFamily="49" charset="0"/>
+              </a:rPr>
+              <a:t>  </a:t>
+            </a:r>
+          </a:p>
+          <a:p>
+            <a:r>
+              <a:rPr lang="nl-NL" b="1" dirty="0">
+                <a:latin typeface="Courier New" panose="02070309020205020404" pitchFamily="49" charset="0"/>
+                <a:cs typeface="Courier New" panose="02070309020205020404" pitchFamily="49" charset="0"/>
+              </a:rPr>
+              <a:t>  &lt;</a:t>
+            </a:r>
+            <a:r>
+              <a:rPr lang="nl-NL" b="1" dirty="0" err="1">
                 <a:latin typeface="Courier New" panose="02070309020205020404" pitchFamily="49" charset="0"/>
                 <a:cs typeface="Courier New" panose="02070309020205020404" pitchFamily="49" charset="0"/>
               </a:rPr>
               <a:t>p:insert</a:t>
             </a:r>
             <a:r>
-              <a:rPr lang="nl-NL" sz="2000" b="1" dirty="0">
+              <a:rPr lang="nl-NL" b="1" dirty="0">
                 <a:latin typeface="Courier New" panose="02070309020205020404" pitchFamily="49" charset="0"/>
                 <a:cs typeface="Courier New" panose="02070309020205020404" pitchFamily="49" charset="0"/>
               </a:rPr>
               <a:t> match="/*" </a:t>
             </a:r>
             <a:r>
-              <a:rPr lang="nl-NL" sz="2000" b="1" dirty="0" err="1">
+              <a:rPr lang="nl-NL" b="1" dirty="0" err="1">
                 <a:latin typeface="Courier New" panose="02070309020205020404" pitchFamily="49" charset="0"/>
                 <a:cs typeface="Courier New" panose="02070309020205020404" pitchFamily="49" charset="0"/>
               </a:rPr>
               <a:t>position</a:t>
             </a:r>
             <a:r>
-              <a:rPr lang="nl-NL" sz="2000" b="1" dirty="0">
+              <a:rPr lang="nl-NL" b="1" dirty="0">
                 <a:latin typeface="Courier New" panose="02070309020205020404" pitchFamily="49" charset="0"/>
                 <a:cs typeface="Courier New" panose="02070309020205020404" pitchFamily="49" charset="0"/>
               </a:rPr>
               <a:t>="last-</a:t>
             </a:r>
             <a:r>
-              <a:rPr lang="nl-NL" sz="2000" b="1" dirty="0" err="1">
+              <a:rPr lang="nl-NL" b="1" dirty="0" err="1">
                 <a:latin typeface="Courier New" panose="02070309020205020404" pitchFamily="49" charset="0"/>
                 <a:cs typeface="Courier New" panose="02070309020205020404" pitchFamily="49" charset="0"/>
               </a:rPr>
               <a:t>child</a:t>
             </a:r>
             <a:r>
-              <a:rPr lang="nl-NL" sz="2000" b="1" dirty="0">
-                <a:latin typeface="Courier New" panose="02070309020205020404" pitchFamily="49" charset="0"/>
-                <a:cs typeface="Courier New" panose="02070309020205020404" pitchFamily="49" charset="0"/>
-              </a:rPr>
-              <a:t>" name="insert-1"&gt;</a:t>
-            </a:r>
-          </a:p>
-          <a:p>
-            <a:r>
-              <a:rPr lang="nl-NL" sz="2000" b="1" dirty="0">
+              <a:rPr lang="nl-NL" b="1" dirty="0">
+                <a:latin typeface="Courier New" panose="02070309020205020404" pitchFamily="49" charset="0"/>
+                <a:cs typeface="Courier New" panose="02070309020205020404" pitchFamily="49" charset="0"/>
+              </a:rPr>
+              <a:t>"&gt;</a:t>
+            </a:r>
+          </a:p>
+          <a:p>
+            <a:r>
+              <a:rPr lang="nl-NL" b="1" dirty="0">
                 <a:latin typeface="Courier New" panose="02070309020205020404" pitchFamily="49" charset="0"/>
                 <a:cs typeface="Courier New" panose="02070309020205020404" pitchFamily="49" charset="0"/>
               </a:rPr>
               <a:t>    &lt;</a:t>
             </a:r>
             <a:r>
-              <a:rPr lang="nl-NL" sz="2000" b="1" dirty="0" err="1">
+              <a:rPr lang="nl-NL" b="1" dirty="0" err="1">
                 <a:latin typeface="Courier New" panose="02070309020205020404" pitchFamily="49" charset="0"/>
                 <a:cs typeface="Courier New" panose="02070309020205020404" pitchFamily="49" charset="0"/>
               </a:rPr>
               <a:t>p:with-input</a:t>
             </a:r>
             <a:r>
-              <a:rPr lang="nl-NL" sz="2000" b="1" dirty="0">
+              <a:rPr lang="nl-NL" b="1" dirty="0">
+                <a:latin typeface="Courier New" panose="02070309020205020404" pitchFamily="49" charset="0"/>
+                <a:cs typeface="Courier New" panose="02070309020205020404" pitchFamily="49" charset="0"/>
+              </a:rPr>
+              <a:t> port="source" pipe="</a:t>
+            </a:r>
+            <a:r>
+              <a:rPr lang="nl-NL" b="1" dirty="0" err="1">
+                <a:latin typeface="Courier New" panose="02070309020205020404" pitchFamily="49" charset="0"/>
+                <a:cs typeface="Courier New" panose="02070309020205020404" pitchFamily="49" charset="0"/>
+              </a:rPr>
+              <a:t>source@my-pipeline</a:t>
+            </a:r>
+            <a:r>
+              <a:rPr lang="nl-NL" b="1" dirty="0">
+                <a:latin typeface="Courier New" panose="02070309020205020404" pitchFamily="49" charset="0"/>
+                <a:cs typeface="Courier New" panose="02070309020205020404" pitchFamily="49" charset="0"/>
+              </a:rPr>
+              <a:t>"/&gt;</a:t>
+            </a:r>
+          </a:p>
+          <a:p>
+            <a:r>
+              <a:rPr lang="nl-NL" b="1" dirty="0">
+                <a:latin typeface="Courier New" panose="02070309020205020404" pitchFamily="49" charset="0"/>
+                <a:cs typeface="Courier New" panose="02070309020205020404" pitchFamily="49" charset="0"/>
+              </a:rPr>
+              <a:t>    &lt;</a:t>
+            </a:r>
+            <a:r>
+              <a:rPr lang="nl-NL" b="1" dirty="0" err="1">
+                <a:latin typeface="Courier New" panose="02070309020205020404" pitchFamily="49" charset="0"/>
+                <a:cs typeface="Courier New" panose="02070309020205020404" pitchFamily="49" charset="0"/>
+              </a:rPr>
+              <a:t>p:with-input</a:t>
+            </a:r>
+            <a:r>
+              <a:rPr lang="nl-NL" b="1" dirty="0">
                 <a:latin typeface="Courier New" panose="02070309020205020404" pitchFamily="49" charset="0"/>
                 <a:cs typeface="Courier New" panose="02070309020205020404" pitchFamily="49" charset="0"/>
               </a:rPr>
               <a:t> port="</a:t>
             </a:r>
             <a:r>
-              <a:rPr lang="nl-NL" sz="2000" b="1" dirty="0" err="1">
+              <a:rPr lang="nl-NL" b="1" dirty="0" err="1">
                 <a:latin typeface="Courier New" panose="02070309020205020404" pitchFamily="49" charset="0"/>
                 <a:cs typeface="Courier New" panose="02070309020205020404" pitchFamily="49" charset="0"/>
               </a:rPr>
               <a:t>insertion</a:t>
             </a:r>
             <a:r>
-              <a:rPr lang="nl-NL" sz="2000" b="1" dirty="0">
+              <a:rPr lang="nl-NL" b="1" dirty="0">
                 <a:latin typeface="Courier New" panose="02070309020205020404" pitchFamily="49" charset="0"/>
                 <a:cs typeface="Courier New" panose="02070309020205020404" pitchFamily="49" charset="0"/>
               </a:rPr>
               <a:t>" pipe="</a:t>
             </a:r>
             <a:r>
-              <a:rPr lang="nl-NL" sz="2000" b="1" dirty="0" err="1">
-                <a:latin typeface="Courier New" panose="02070309020205020404" pitchFamily="49" charset="0"/>
-                <a:cs typeface="Courier New" panose="02070309020205020404" pitchFamily="49" charset="0"/>
-              </a:rPr>
-              <a:t>extra@my-pipeline</a:t>
-            </a:r>
-            <a:r>
-              <a:rPr lang="nl-NL" sz="2000" b="1" dirty="0">
+              <a:rPr lang="nl-NL" b="1" dirty="0" err="1">
+                <a:latin typeface="Courier New" panose="02070309020205020404" pitchFamily="49" charset="0"/>
+                <a:cs typeface="Courier New" panose="02070309020205020404" pitchFamily="49" charset="0"/>
+              </a:rPr>
+              <a:t>result@change-extra-document</a:t>
+            </a:r>
+            <a:r>
+              <a:rPr lang="nl-NL" b="1" dirty="0">
                 <a:latin typeface="Courier New" panose="02070309020205020404" pitchFamily="49" charset="0"/>
                 <a:cs typeface="Courier New" panose="02070309020205020404" pitchFamily="49" charset="0"/>
               </a:rPr>
@@ -22760,21 +23935,21 @@
           </a:p>
           <a:p>
             <a:r>
-              <a:rPr lang="nl-NL" sz="2000" b="1" dirty="0">
+              <a:rPr lang="nl-NL" b="1" dirty="0">
                 <a:latin typeface="Courier New" panose="02070309020205020404" pitchFamily="49" charset="0"/>
                 <a:cs typeface="Courier New" panose="02070309020205020404" pitchFamily="49" charset="0"/>
               </a:rPr>
               <a:t>  &lt;/</a:t>
             </a:r>
             <a:r>
-              <a:rPr lang="nl-NL" sz="2000" b="1" dirty="0" err="1">
+              <a:rPr lang="nl-NL" b="1" dirty="0" err="1">
                 <a:latin typeface="Courier New" panose="02070309020205020404" pitchFamily="49" charset="0"/>
                 <a:cs typeface="Courier New" panose="02070309020205020404" pitchFamily="49" charset="0"/>
               </a:rPr>
               <a:t>p:insert</a:t>
             </a:r>
             <a:r>
-              <a:rPr lang="nl-NL" sz="2000" b="1" dirty="0">
+              <a:rPr lang="nl-NL" b="1" dirty="0">
                 <a:latin typeface="Courier New" panose="02070309020205020404" pitchFamily="49" charset="0"/>
                 <a:cs typeface="Courier New" panose="02070309020205020404" pitchFamily="49" charset="0"/>
               </a:rPr>
@@ -22783,164 +23958,44 @@
           </a:p>
           <a:p>
             <a:r>
-              <a:rPr lang="nl-NL" sz="2000" b="1" dirty="0">
-                <a:latin typeface="Courier New" panose="02070309020205020404" pitchFamily="49" charset="0"/>
-                <a:cs typeface="Courier New" panose="02070309020205020404" pitchFamily="49" charset="0"/>
-              </a:rPr>
-              <a:t>  </a:t>
-            </a:r>
-          </a:p>
-          <a:p>
-            <a:r>
-              <a:rPr lang="nl-NL" sz="2000" b="1" dirty="0">
-                <a:latin typeface="Courier New" panose="02070309020205020404" pitchFamily="49" charset="0"/>
-                <a:cs typeface="Courier New" panose="02070309020205020404" pitchFamily="49" charset="0"/>
-              </a:rPr>
-              <a:t>  &lt;</a:t>
-            </a:r>
-            <a:r>
-              <a:rPr lang="nl-NL" sz="2000" b="1" dirty="0" err="1">
-                <a:latin typeface="Courier New" panose="02070309020205020404" pitchFamily="49" charset="0"/>
-                <a:cs typeface="Courier New" panose="02070309020205020404" pitchFamily="49" charset="0"/>
-              </a:rPr>
-              <a:t>p:insert</a:t>
-            </a:r>
-            <a:r>
-              <a:rPr lang="nl-NL" sz="2000" b="1" dirty="0">
-                <a:latin typeface="Courier New" panose="02070309020205020404" pitchFamily="49" charset="0"/>
-                <a:cs typeface="Courier New" panose="02070309020205020404" pitchFamily="49" charset="0"/>
-              </a:rPr>
-              <a:t> match="/*" </a:t>
-            </a:r>
-            <a:r>
-              <a:rPr lang="nl-NL" sz="2000" b="1" dirty="0" err="1">
-                <a:latin typeface="Courier New" panose="02070309020205020404" pitchFamily="49" charset="0"/>
-                <a:cs typeface="Courier New" panose="02070309020205020404" pitchFamily="49" charset="0"/>
-              </a:rPr>
-              <a:t>position</a:t>
-            </a:r>
-            <a:r>
-              <a:rPr lang="nl-NL" sz="2000" b="1" dirty="0">
-                <a:latin typeface="Courier New" panose="02070309020205020404" pitchFamily="49" charset="0"/>
-                <a:cs typeface="Courier New" panose="02070309020205020404" pitchFamily="49" charset="0"/>
-              </a:rPr>
-              <a:t>="last-</a:t>
-            </a:r>
-            <a:r>
-              <a:rPr lang="nl-NL" sz="2000" b="1" dirty="0" err="1">
-                <a:latin typeface="Courier New" panose="02070309020205020404" pitchFamily="49" charset="0"/>
-                <a:cs typeface="Courier New" panose="02070309020205020404" pitchFamily="49" charset="0"/>
-              </a:rPr>
-              <a:t>child</a:t>
-            </a:r>
-            <a:r>
-              <a:rPr lang="nl-NL" sz="2000" b="1" dirty="0">
-                <a:latin typeface="Courier New" panose="02070309020205020404" pitchFamily="49" charset="0"/>
-                <a:cs typeface="Courier New" panose="02070309020205020404" pitchFamily="49" charset="0"/>
-              </a:rPr>
-              <a:t>"&gt;</a:t>
-            </a:r>
-          </a:p>
-          <a:p>
-            <a:r>
-              <a:rPr lang="nl-NL" sz="2000" b="1" dirty="0">
-                <a:latin typeface="Courier New" panose="02070309020205020404" pitchFamily="49" charset="0"/>
-                <a:cs typeface="Courier New" panose="02070309020205020404" pitchFamily="49" charset="0"/>
-              </a:rPr>
-              <a:t>    &lt;</a:t>
-            </a:r>
-            <a:r>
-              <a:rPr lang="nl-NL" sz="2000" b="1" dirty="0" err="1">
-                <a:latin typeface="Courier New" panose="02070309020205020404" pitchFamily="49" charset="0"/>
-                <a:cs typeface="Courier New" panose="02070309020205020404" pitchFamily="49" charset="0"/>
-              </a:rPr>
-              <a:t>p:with-input</a:t>
-            </a:r>
-            <a:r>
-              <a:rPr lang="nl-NL" sz="2000" b="1" dirty="0">
-                <a:latin typeface="Courier New" panose="02070309020205020404" pitchFamily="49" charset="0"/>
-                <a:cs typeface="Courier New" panose="02070309020205020404" pitchFamily="49" charset="0"/>
-              </a:rPr>
-              <a:t> port="</a:t>
-            </a:r>
-            <a:r>
-              <a:rPr lang="nl-NL" sz="2000" b="1" dirty="0" err="1">
-                <a:latin typeface="Courier New" panose="02070309020205020404" pitchFamily="49" charset="0"/>
-                <a:cs typeface="Courier New" panose="02070309020205020404" pitchFamily="49" charset="0"/>
-              </a:rPr>
-              <a:t>insertion</a:t>
-            </a:r>
-            <a:r>
-              <a:rPr lang="nl-NL" sz="2000" b="1" dirty="0">
-                <a:latin typeface="Courier New" panose="02070309020205020404" pitchFamily="49" charset="0"/>
-                <a:cs typeface="Courier New" panose="02070309020205020404" pitchFamily="49" charset="0"/>
-              </a:rPr>
-              <a:t>" pipe="result@insert-1"/&gt;</a:t>
-            </a:r>
-          </a:p>
-          <a:p>
-            <a:r>
-              <a:rPr lang="nl-NL" sz="2000" b="1" dirty="0">
-                <a:latin typeface="Courier New" panose="02070309020205020404" pitchFamily="49" charset="0"/>
-                <a:cs typeface="Courier New" panose="02070309020205020404" pitchFamily="49" charset="0"/>
-              </a:rPr>
-              <a:t>  &lt;/</a:t>
-            </a:r>
-            <a:r>
-              <a:rPr lang="nl-NL" sz="2000" b="1" dirty="0" err="1">
-                <a:latin typeface="Courier New" panose="02070309020205020404" pitchFamily="49" charset="0"/>
-                <a:cs typeface="Courier New" panose="02070309020205020404" pitchFamily="49" charset="0"/>
-              </a:rPr>
-              <a:t>p:insert</a:t>
-            </a:r>
-            <a:r>
-              <a:rPr lang="nl-NL" sz="2000" b="1" dirty="0">
+              <a:rPr lang="nl-NL" b="1" dirty="0">
+                <a:latin typeface="Courier New" panose="02070309020205020404" pitchFamily="49" charset="0"/>
+                <a:cs typeface="Courier New" panose="02070309020205020404" pitchFamily="49" charset="0"/>
+              </a:rPr>
+              <a:t> </a:t>
+            </a:r>
+          </a:p>
+          <a:p>
+            <a:r>
+              <a:rPr lang="nl-NL" b="1" dirty="0">
+                <a:latin typeface="Courier New" panose="02070309020205020404" pitchFamily="49" charset="0"/>
+                <a:cs typeface="Courier New" panose="02070309020205020404" pitchFamily="49" charset="0"/>
+              </a:rPr>
+              <a:t>&lt;/</a:t>
+            </a:r>
+            <a:r>
+              <a:rPr lang="nl-NL" b="1" dirty="0" err="1">
+                <a:latin typeface="Courier New" panose="02070309020205020404" pitchFamily="49" charset="0"/>
+                <a:cs typeface="Courier New" panose="02070309020205020404" pitchFamily="49" charset="0"/>
+              </a:rPr>
+              <a:t>p:declare-step</a:t>
+            </a:r>
+            <a:r>
+              <a:rPr lang="nl-NL" b="1" dirty="0">
                 <a:latin typeface="Courier New" panose="02070309020205020404" pitchFamily="49" charset="0"/>
                 <a:cs typeface="Courier New" panose="02070309020205020404" pitchFamily="49" charset="0"/>
               </a:rPr>
               <a:t>&gt;</a:t>
             </a:r>
           </a:p>
-          <a:p>
-            <a:r>
-              <a:rPr lang="nl-NL" sz="2000" b="1" dirty="0">
-                <a:latin typeface="Courier New" panose="02070309020205020404" pitchFamily="49" charset="0"/>
-                <a:cs typeface="Courier New" panose="02070309020205020404" pitchFamily="49" charset="0"/>
-              </a:rPr>
-              <a:t>  </a:t>
-            </a:r>
-          </a:p>
-          <a:p>
-            <a:r>
-              <a:rPr lang="nl-NL" sz="2000" b="1" dirty="0">
-                <a:latin typeface="Courier New" panose="02070309020205020404" pitchFamily="49" charset="0"/>
-                <a:cs typeface="Courier New" panose="02070309020205020404" pitchFamily="49" charset="0"/>
-              </a:rPr>
-              <a:t>&lt;/</a:t>
-            </a:r>
-            <a:r>
-              <a:rPr lang="nl-NL" sz="2000" b="1" dirty="0" err="1">
-                <a:latin typeface="Courier New" panose="02070309020205020404" pitchFamily="49" charset="0"/>
-                <a:cs typeface="Courier New" panose="02070309020205020404" pitchFamily="49" charset="0"/>
-              </a:rPr>
-              <a:t>p:declare-step</a:t>
-            </a:r>
-            <a:r>
-              <a:rPr lang="nl-NL" sz="2000" b="1" dirty="0">
-                <a:latin typeface="Courier New" panose="02070309020205020404" pitchFamily="49" charset="0"/>
-                <a:cs typeface="Courier New" panose="02070309020205020404" pitchFamily="49" charset="0"/>
-              </a:rPr>
-              <a:t>&gt;</a:t>
-            </a:r>
-          </a:p>
-        </p:txBody>
-      </p:sp>
-      <p:sp>
-        <p:nvSpPr>
-          <p:cNvPr id="5" name="Speech Bubble: Rectangle with Corners Rounded 4">
+        </p:txBody>
+      </p:sp>
+      <p:sp>
+        <p:nvSpPr>
+          <p:cNvPr id="6" name="Pijl: gekromd rechts 2">
             <a:extLst>
               <a:ext uri="{FF2B5EF4-FFF2-40B4-BE49-F238E27FC236}">
-                <a16:creationId xmlns:a16="http://schemas.microsoft.com/office/drawing/2014/main" id="{5328CD3A-A309-4638-AD76-EEAD138E8895}"/>
+                <a16:creationId xmlns:a16="http://schemas.microsoft.com/office/drawing/2014/main" id="{E4553805-B455-490F-AA25-2AC498D246D6}"/>
               </a:ext>
             </a:extLst>
           </p:cNvPr>
@@ -22948,14 +24003,179 @@
           <p:nvPr/>
         </p:nvSpPr>
         <p:spPr>
+          <a:xfrm flipH="1">
+            <a:off x="5944139" y="2319987"/>
+            <a:ext cx="685675" cy="1236013"/>
+          </a:xfrm>
+          <a:prstGeom prst="curvedRightArrow">
+            <a:avLst/>
+          </a:prstGeom>
+          <a:solidFill>
+            <a:schemeClr val="accent1">
+              <a:alpha val="81000"/>
+            </a:schemeClr>
+          </a:solidFill>
+        </p:spPr>
+        <p:style>
+          <a:lnRef idx="2">
+            <a:schemeClr val="accent1">
+              <a:shade val="50000"/>
+            </a:schemeClr>
+          </a:lnRef>
+          <a:fillRef idx="1">
+            <a:schemeClr val="accent1"/>
+          </a:fillRef>
+          <a:effectRef idx="0">
+            <a:schemeClr val="accent1"/>
+          </a:effectRef>
+          <a:fontRef idx="minor">
+            <a:schemeClr val="lt1"/>
+          </a:fontRef>
+        </p:style>
+        <p:txBody>
+          <a:bodyPr rtlCol="0" anchor="ctr"/>
+          <a:lstStyle/>
+          <a:p>
+            <a:pPr algn="ctr"/>
+            <a:endParaRPr lang="nl-NL">
+              <a:solidFill>
+                <a:schemeClr val="tx1"/>
+              </a:solidFill>
+            </a:endParaRPr>
+          </a:p>
+        </p:txBody>
+      </p:sp>
+      <p:sp>
+        <p:nvSpPr>
+          <p:cNvPr id="7" name="Pijl: gekromd rechts 2">
+            <a:extLst>
+              <a:ext uri="{FF2B5EF4-FFF2-40B4-BE49-F238E27FC236}">
+                <a16:creationId xmlns:a16="http://schemas.microsoft.com/office/drawing/2014/main" id="{5B5356A4-5E83-4D98-971D-35D2A863233F}"/>
+              </a:ext>
+            </a:extLst>
+          </p:cNvPr>
+          <p:cNvSpPr/>
+          <p:nvPr/>
+        </p:nvSpPr>
+        <p:spPr>
+          <a:xfrm flipH="1">
+            <a:off x="8488009" y="1473201"/>
+            <a:ext cx="685675" cy="3251199"/>
+          </a:xfrm>
+          <a:prstGeom prst="curvedRightArrow">
+            <a:avLst/>
+          </a:prstGeom>
+          <a:solidFill>
+            <a:schemeClr val="accent1">
+              <a:alpha val="81000"/>
+            </a:schemeClr>
+          </a:solidFill>
+        </p:spPr>
+        <p:style>
+          <a:lnRef idx="2">
+            <a:schemeClr val="accent1">
+              <a:shade val="50000"/>
+            </a:schemeClr>
+          </a:lnRef>
+          <a:fillRef idx="1">
+            <a:schemeClr val="accent1"/>
+          </a:fillRef>
+          <a:effectRef idx="0">
+            <a:schemeClr val="accent1"/>
+          </a:effectRef>
+          <a:fontRef idx="minor">
+            <a:schemeClr val="lt1"/>
+          </a:fontRef>
+        </p:style>
+        <p:txBody>
+          <a:bodyPr rtlCol="0" anchor="ctr"/>
+          <a:lstStyle/>
+          <a:p>
+            <a:pPr algn="ctr"/>
+            <a:endParaRPr lang="nl-NL">
+              <a:solidFill>
+                <a:schemeClr val="tx1"/>
+              </a:solidFill>
+            </a:endParaRPr>
+          </a:p>
+        </p:txBody>
+      </p:sp>
+      <p:sp>
+        <p:nvSpPr>
+          <p:cNvPr id="8" name="Pijl: gekromd rechts 2">
+            <a:extLst>
+              <a:ext uri="{FF2B5EF4-FFF2-40B4-BE49-F238E27FC236}">
+                <a16:creationId xmlns:a16="http://schemas.microsoft.com/office/drawing/2014/main" id="{2EEBFA39-CB87-4BF0-9B28-B40D25372BDA}"/>
+              </a:ext>
+            </a:extLst>
+          </p:cNvPr>
+          <p:cNvSpPr/>
+          <p:nvPr/>
+        </p:nvSpPr>
+        <p:spPr>
+          <a:xfrm flipH="1">
+            <a:off x="6873235" y="3630197"/>
+            <a:ext cx="685675" cy="1442546"/>
+          </a:xfrm>
+          <a:prstGeom prst="curvedRightArrow">
+            <a:avLst/>
+          </a:prstGeom>
+          <a:solidFill>
+            <a:schemeClr val="accent1">
+              <a:alpha val="81000"/>
+            </a:schemeClr>
+          </a:solidFill>
+        </p:spPr>
+        <p:style>
+          <a:lnRef idx="2">
+            <a:schemeClr val="accent1">
+              <a:shade val="50000"/>
+            </a:schemeClr>
+          </a:lnRef>
+          <a:fillRef idx="1">
+            <a:schemeClr val="accent1"/>
+          </a:fillRef>
+          <a:effectRef idx="0">
+            <a:schemeClr val="accent1"/>
+          </a:effectRef>
+          <a:fontRef idx="minor">
+            <a:schemeClr val="lt1"/>
+          </a:fontRef>
+        </p:style>
+        <p:txBody>
+          <a:bodyPr rtlCol="0" anchor="ctr"/>
+          <a:lstStyle/>
+          <a:p>
+            <a:pPr algn="ctr"/>
+            <a:endParaRPr lang="nl-NL">
+              <a:solidFill>
+                <a:schemeClr val="tx1"/>
+              </a:solidFill>
+            </a:endParaRPr>
+          </a:p>
+        </p:txBody>
+      </p:sp>
+      <p:sp>
+        <p:nvSpPr>
+          <p:cNvPr id="9" name="Speech Bubble: Rectangle with Corners Rounded 8">
+            <a:extLst>
+              <a:ext uri="{FF2B5EF4-FFF2-40B4-BE49-F238E27FC236}">
+                <a16:creationId xmlns:a16="http://schemas.microsoft.com/office/drawing/2014/main" id="{3F1E9876-7195-4EFE-9A15-DF4F292EFC3C}"/>
+              </a:ext>
+            </a:extLst>
+          </p:cNvPr>
+          <p:cNvSpPr/>
+          <p:nvPr/>
+        </p:nvSpPr>
+        <p:spPr>
           <a:xfrm>
-            <a:off x="8176240" y="2229500"/>
-            <a:ext cx="2632954" cy="673959"/>
+            <a:off x="9210423" y="1754056"/>
+            <a:ext cx="2818497" cy="673959"/>
           </a:xfrm>
           <a:prstGeom prst="wedgeRoundRectCallout">
             <a:avLst>
-              <a:gd name="adj1" fmla="val -68987"/>
-              <a:gd name="adj2" fmla="val 161803"/>
+              <a:gd name="adj1" fmla="val -49326"/>
+              <a:gd name="adj2" fmla="val 95192"/>
               <a:gd name="adj3" fmla="val 16667"/>
             </a:avLst>
           </a:prstGeom>
@@ -22983,15 +24203,7 @@
             <a:pPr algn="ctr"/>
             <a:r>
               <a:rPr lang="en-US" sz="1400" b="1" dirty="0"/>
-              <a:t>To address a port of a step, you must give the </a:t>
-            </a:r>
-            <a:r>
-              <a:rPr lang="en-US" sz="1400" b="1" i="1" dirty="0"/>
-              <a:t>step</a:t>
-            </a:r>
-            <a:r>
-              <a:rPr lang="en-US" sz="1400" b="1" dirty="0"/>
-              <a:t> a name</a:t>
+              <a:t>Explicit connection because p:insert is no longer the first step!</a:t>
             </a:r>
             <a:endParaRPr lang="en-NL" sz="1400" b="1" dirty="0"/>
           </a:p>
@@ -22999,10 +24211,10 @@
       </p:sp>
       <p:sp>
         <p:nvSpPr>
-          <p:cNvPr id="6" name="Speech Bubble: Rectangle with Corners Rounded 5">
+          <p:cNvPr id="10" name="Pijl: gekromd rechts 2">
             <a:extLst>
               <a:ext uri="{FF2B5EF4-FFF2-40B4-BE49-F238E27FC236}">
-                <a16:creationId xmlns:a16="http://schemas.microsoft.com/office/drawing/2014/main" id="{9179B807-98DD-4161-A458-8E80469D33DE}"/>
+                <a16:creationId xmlns:a16="http://schemas.microsoft.com/office/drawing/2014/main" id="{DB8835CA-B45E-4DA6-8DD0-A984E8D053C6}"/>
               </a:ext>
             </a:extLst>
           </p:cNvPr>
@@ -23010,17 +24222,18 @@
           <p:nvPr/>
         </p:nvSpPr>
         <p:spPr>
-          <a:xfrm>
-            <a:off x="8626956" y="5958083"/>
-            <a:ext cx="2632954" cy="673959"/>
+          <a:xfrm rot="10800000" flipH="1">
+            <a:off x="230345" y="1691666"/>
+            <a:ext cx="685675" cy="3728668"/>
           </a:xfrm>
-          <a:prstGeom prst="wedgeRoundRectCallout">
-            <a:avLst>
-              <a:gd name="adj1" fmla="val -96080"/>
-              <a:gd name="adj2" fmla="val -119171"/>
-              <a:gd name="adj3" fmla="val 16667"/>
-            </a:avLst>
+          <a:prstGeom prst="curvedRightArrow">
+            <a:avLst/>
           </a:prstGeom>
+          <a:solidFill>
+            <a:schemeClr val="accent1">
+              <a:alpha val="81000"/>
+            </a:schemeClr>
+          </a:solidFill>
         </p:spPr>
         <p:style>
           <a:lnRef idx="2">
@@ -23043,18 +24256,18 @@
           <a:lstStyle/>
           <a:p>
             <a:pPr algn="ctr"/>
-            <a:r>
-              <a:rPr lang="en-US" sz="1400" b="1" dirty="0"/>
-              <a:t>Get the results of the first p:insert and re-insert this</a:t>
-            </a:r>
-            <a:endParaRPr lang="en-NL" sz="1400" b="1" dirty="0"/>
+            <a:endParaRPr lang="nl-NL">
+              <a:solidFill>
+                <a:schemeClr val="tx1"/>
+              </a:solidFill>
+            </a:endParaRPr>
           </a:p>
         </p:txBody>
       </p:sp>
     </p:spTree>
     <p:extLst>
       <p:ext uri="{BB962C8B-B14F-4D97-AF65-F5344CB8AC3E}">
-        <p14:creationId xmlns:p14="http://schemas.microsoft.com/office/powerpoint/2010/main" val="2691261350"/>
+        <p14:creationId xmlns:p14="http://schemas.microsoft.com/office/powerpoint/2010/main" val="585043290"/>
       </p:ext>
     </p:extLst>
   </p:cSld>
@@ -23082,7 +24295,7 @@
                             </p:stCondLst>
                             <p:childTnLst>
                               <p:par>
-                                <p:cTn id="5" presetID="1" presetClass="entr" presetSubtype="0" fill="hold" grpId="0" nodeType="clickEffect">
+                                <p:cTn id="5" presetID="10" presetClass="entr" presetSubtype="0" fill="hold" grpId="0" nodeType="clickEffect">
                                   <p:stCondLst>
                                     <p:cond delay="0"/>
                                   </p:stCondLst>
@@ -23095,7 +24308,113 @@
                                           </p:stCondLst>
                                         </p:cTn>
                                         <p:tgtEl>
-                                          <p:spTgt spid="5"/>
+                                          <p:spTgt spid="6"/>
+                                        </p:tgtEl>
+                                        <p:attrNameLst>
+                                          <p:attrName>style.visibility</p:attrName>
+                                        </p:attrNameLst>
+                                      </p:cBhvr>
+                                      <p:to>
+                                        <p:strVal val="visible"/>
+                                      </p:to>
+                                    </p:set>
+                                    <p:animEffect transition="in" filter="fade">
+                                      <p:cBhvr>
+                                        <p:cTn id="7" dur="2000"/>
+                                        <p:tgtEl>
+                                          <p:spTgt spid="6"/>
+                                        </p:tgtEl>
+                                      </p:cBhvr>
+                                    </p:animEffect>
+                                  </p:childTnLst>
+                                </p:cTn>
+                              </p:par>
+                            </p:childTnLst>
+                          </p:cTn>
+                        </p:par>
+                      </p:childTnLst>
+                    </p:cTn>
+                  </p:par>
+                  <p:par>
+                    <p:cTn id="8" fill="hold">
+                      <p:stCondLst>
+                        <p:cond delay="indefinite"/>
+                      </p:stCondLst>
+                      <p:childTnLst>
+                        <p:par>
+                          <p:cTn id="9" fill="hold">
+                            <p:stCondLst>
+                              <p:cond delay="0"/>
+                            </p:stCondLst>
+                            <p:childTnLst>
+                              <p:par>
+                                <p:cTn id="10" presetID="10" presetClass="entr" presetSubtype="0" fill="hold" grpId="0" nodeType="clickEffect">
+                                  <p:stCondLst>
+                                    <p:cond delay="0"/>
+                                  </p:stCondLst>
+                                  <p:childTnLst>
+                                    <p:set>
+                                      <p:cBhvr>
+                                        <p:cTn id="11" dur="1" fill="hold">
+                                          <p:stCondLst>
+                                            <p:cond delay="0"/>
+                                          </p:stCondLst>
+                                        </p:cTn>
+                                        <p:tgtEl>
+                                          <p:spTgt spid="7"/>
+                                        </p:tgtEl>
+                                        <p:attrNameLst>
+                                          <p:attrName>style.visibility</p:attrName>
+                                        </p:attrNameLst>
+                                      </p:cBhvr>
+                                      <p:to>
+                                        <p:strVal val="visible"/>
+                                      </p:to>
+                                    </p:set>
+                                    <p:animEffect transition="in" filter="fade">
+                                      <p:cBhvr>
+                                        <p:cTn id="12" dur="2000"/>
+                                        <p:tgtEl>
+                                          <p:spTgt spid="7"/>
+                                        </p:tgtEl>
+                                      </p:cBhvr>
+                                    </p:animEffect>
+                                  </p:childTnLst>
+                                </p:cTn>
+                              </p:par>
+                            </p:childTnLst>
+                          </p:cTn>
+                        </p:par>
+                      </p:childTnLst>
+                    </p:cTn>
+                  </p:par>
+                  <p:par>
+                    <p:cTn id="13" fill="hold">
+                      <p:stCondLst>
+                        <p:cond delay="indefinite"/>
+                      </p:stCondLst>
+                      <p:childTnLst>
+                        <p:par>
+                          <p:cTn id="14" fill="hold">
+                            <p:stCondLst>
+                              <p:cond delay="0"/>
+                            </p:stCondLst>
+                            <p:childTnLst>
+                              <p:par>
+                                <p:cTn id="15" presetID="1" presetClass="entr" presetSubtype="0" fill="hold" grpId="0" nodeType="clickEffect">
+                                  <p:stCondLst>
+                                    <p:cond delay="0"/>
+                                  </p:stCondLst>
+                                  <p:childTnLst>
+                                    <p:set>
+                                      <p:cBhvr>
+                                        <p:cTn id="16" dur="1" fill="hold">
+                                          <p:stCondLst>
+                                            <p:cond delay="0"/>
+                                          </p:stCondLst>
+                                        </p:cTn>
+                                        <p:tgtEl>
+                                          <p:spTgt spid="9"/>
                                         </p:tgtEl>
                                         <p:attrNameLst>
                                           <p:attrName>style.visibility</p:attrName>
@@ -23115,32 +24434,32 @@
                     </p:cTn>
                   </p:par>
                   <p:par>
-                    <p:cTn id="7" fill="hold">
+                    <p:cTn id="17" fill="hold">
                       <p:stCondLst>
                         <p:cond delay="indefinite"/>
                       </p:stCondLst>
                       <p:childTnLst>
                         <p:par>
-                          <p:cTn id="8" fill="hold">
+                          <p:cTn id="18" fill="hold">
                             <p:stCondLst>
                               <p:cond delay="0"/>
                             </p:stCondLst>
                             <p:childTnLst>
                               <p:par>
-                                <p:cTn id="9" presetID="1" presetClass="entr" presetSubtype="0" fill="hold" grpId="0" nodeType="clickEffect">
+                                <p:cTn id="19" presetID="10" presetClass="entr" presetSubtype="0" fill="hold" grpId="0" nodeType="clickEffect">
                                   <p:stCondLst>
                                     <p:cond delay="0"/>
                                   </p:stCondLst>
                                   <p:childTnLst>
                                     <p:set>
                                       <p:cBhvr>
-                                        <p:cTn id="10" dur="1" fill="hold">
+                                        <p:cTn id="20" dur="1" fill="hold">
                                           <p:stCondLst>
                                             <p:cond delay="0"/>
                                           </p:stCondLst>
                                         </p:cTn>
                                         <p:tgtEl>
-                                          <p:spTgt spid="6"/>
+                                          <p:spTgt spid="8"/>
                                         </p:tgtEl>
                                         <p:attrNameLst>
                                           <p:attrName>style.visibility</p:attrName>
@@ -23150,6 +24469,67 @@
                                         <p:strVal val="visible"/>
                                       </p:to>
                                     </p:set>
+                                    <p:animEffect transition="in" filter="fade">
+                                      <p:cBhvr>
+                                        <p:cTn id="21" dur="2000"/>
+                                        <p:tgtEl>
+                                          <p:spTgt spid="8"/>
+                                        </p:tgtEl>
+                                      </p:cBhvr>
+                                    </p:animEffect>
+                                  </p:childTnLst>
+                                </p:cTn>
+                              </p:par>
+                            </p:childTnLst>
+                          </p:cTn>
+                        </p:par>
+                      </p:childTnLst>
+                    </p:cTn>
+                  </p:par>
+                  <p:par>
+                    <p:cTn id="22" fill="hold">
+                      <p:stCondLst>
+                        <p:cond delay="indefinite"/>
+                      </p:stCondLst>
+                      <p:childTnLst>
+                        <p:par>
+                          <p:cTn id="23" fill="hold">
+                            <p:stCondLst>
+                              <p:cond delay="0"/>
+                            </p:stCondLst>
+                            <p:childTnLst>
+                              <p:par>
+                                <p:cTn id="24" presetID="10" presetClass="entr" presetSubtype="0" fill="hold" grpId="0" nodeType="clickEffect">
+                                  <p:stCondLst>
+                                    <p:cond delay="0"/>
+                                  </p:stCondLst>
+                                  <p:childTnLst>
+                                    <p:set>
+                                      <p:cBhvr>
+                                        <p:cTn id="25" dur="1" fill="hold">
+                                          <p:stCondLst>
+                                            <p:cond delay="0"/>
+                                          </p:stCondLst>
+                                        </p:cTn>
+                                        <p:tgtEl>
+                                          <p:spTgt spid="10"/>
+                                        </p:tgtEl>
+                                        <p:attrNameLst>
+                                          <p:attrName>style.visibility</p:attrName>
+                                        </p:attrNameLst>
+                                      </p:cBhvr>
+                                      <p:to>
+                                        <p:strVal val="visible"/>
+                                      </p:to>
+                                    </p:set>
+                                    <p:animEffect transition="in" filter="fade">
+                                      <p:cBhvr>
+                                        <p:cTn id="26" dur="2000"/>
+                                        <p:tgtEl>
+                                          <p:spTgt spid="10"/>
+                                        </p:tgtEl>
+                                      </p:cBhvr>
+                                    </p:animEffect>
                                   </p:childTnLst>
                                 </p:cTn>
                               </p:par>
@@ -23181,14 +24561,17 @@
       </p:par>
     </p:tnLst>
     <p:bldLst>
-      <p:bldP spid="5" grpId="0" animBg="1"/>
       <p:bldP spid="6" grpId="0" animBg="1"/>
+      <p:bldP spid="7" grpId="0" animBg="1"/>
+      <p:bldP spid="8" grpId="0" animBg="1"/>
+      <p:bldP spid="9" grpId="0" animBg="1"/>
+      <p:bldP spid="10" grpId="0" animBg="1"/>
     </p:bldLst>
   </p:timing>
 </p:sld>
 </file>
 
-<file path=ppt/slides/slide34.xml><?xml version="1.0" encoding="utf-8"?>
+<file path=ppt/slides/slide35.xml><?xml version="1.0" encoding="utf-8"?>
 <p:sld xmlns:a="http://schemas.openxmlformats.org/drawingml/2006/main" xmlns:r="http://schemas.openxmlformats.org/officeDocument/2006/relationships" xmlns:p="http://schemas.openxmlformats.org/presentationml/2006/main">
   <p:cSld>
     <p:spTree>
@@ -23505,7 +24888,7 @@
 </p:sld>
 </file>
 
-<file path=ppt/slides/slide35.xml><?xml version="1.0" encoding="utf-8"?>
+<file path=ppt/slides/slide36.xml><?xml version="1.0" encoding="utf-8"?>
 <p:sld xmlns:a="http://schemas.openxmlformats.org/drawingml/2006/main" xmlns:r="http://schemas.openxmlformats.org/officeDocument/2006/relationships" xmlns:p="http://schemas.openxmlformats.org/presentationml/2006/main">
   <p:cSld>
     <p:spTree>
@@ -23677,7 +25060,7 @@
 </p:sld>
 </file>
 
-<file path=ppt/slides/slide36.xml><?xml version="1.0" encoding="utf-8"?>
+<file path=ppt/slides/slide37.xml><?xml version="1.0" encoding="utf-8"?>
 <p:sld xmlns:a="http://schemas.openxmlformats.org/drawingml/2006/main" xmlns:r="http://schemas.openxmlformats.org/officeDocument/2006/relationships" xmlns:p="http://schemas.openxmlformats.org/presentationml/2006/main">
   <p:cSld>
     <p:spTree>
@@ -24522,7 +25905,7 @@
 </p:sld>
 </file>
 
-<file path=ppt/slides/slide37.xml><?xml version="1.0" encoding="utf-8"?>
+<file path=ppt/slides/slide38.xml><?xml version="1.0" encoding="utf-8"?>
 <p:sld xmlns:a="http://schemas.openxmlformats.org/drawingml/2006/main" xmlns:r="http://schemas.openxmlformats.org/officeDocument/2006/relationships" xmlns:p="http://schemas.openxmlformats.org/presentationml/2006/main">
   <p:cSld>
     <p:spTree>
@@ -24802,7 +26185,7 @@
 </p:sld>
 </file>
 
-<file path=ppt/slides/slide38.xml><?xml version="1.0" encoding="utf-8"?>
+<file path=ppt/slides/slide39.xml><?xml version="1.0" encoding="utf-8"?>
 <p:sld xmlns:a="http://schemas.openxmlformats.org/drawingml/2006/main" xmlns:r="http://schemas.openxmlformats.org/officeDocument/2006/relationships" xmlns:p="http://schemas.openxmlformats.org/presentationml/2006/main">
   <p:cSld>
     <p:spTree>
@@ -25233,7 +26616,373 @@
 </p:sld>
 </file>
 
-<file path=ppt/slides/slide39.xml><?xml version="1.0" encoding="utf-8"?>
+<file path=ppt/slides/slide4.xml><?xml version="1.0" encoding="utf-8"?>
+<p:sld xmlns:a="http://schemas.openxmlformats.org/drawingml/2006/main" xmlns:r="http://schemas.openxmlformats.org/officeDocument/2006/relationships" xmlns:p="http://schemas.openxmlformats.org/presentationml/2006/main">
+  <p:cSld>
+    <p:spTree>
+      <p:nvGrpSpPr>
+        <p:cNvPr id="1" name=""/>
+        <p:cNvGrpSpPr/>
+        <p:nvPr/>
+      </p:nvGrpSpPr>
+      <p:grpSpPr>
+        <a:xfrm>
+          <a:off x="0" y="0"/>
+          <a:ext cx="0" cy="0"/>
+          <a:chOff x="0" y="0"/>
+          <a:chExt cx="0" cy="0"/>
+        </a:xfrm>
+      </p:grpSpPr>
+      <p:sp>
+        <p:nvSpPr>
+          <p:cNvPr id="2" name="Title 1">
+            <a:extLst>
+              <a:ext uri="{FF2B5EF4-FFF2-40B4-BE49-F238E27FC236}">
+                <a16:creationId xmlns:a16="http://schemas.microsoft.com/office/drawing/2014/main" id="{5932F04C-64E6-4073-BD78-F756A1AF117C}"/>
+              </a:ext>
+            </a:extLst>
+          </p:cNvPr>
+          <p:cNvSpPr>
+            <a:spLocks noGrp="1"/>
+          </p:cNvSpPr>
+          <p:nvPr>
+            <p:ph type="title"/>
+          </p:nvPr>
+        </p:nvSpPr>
+        <p:spPr>
+          <a:xfrm>
+            <a:off x="437367" y="89552"/>
+            <a:ext cx="10515600" cy="1325563"/>
+          </a:xfrm>
+        </p:spPr>
+        <p:txBody>
+          <a:bodyPr/>
+          <a:lstStyle/>
+          <a:p>
+            <a:r>
+              <a:rPr lang="en-US" b="1" dirty="0"/>
+              <a:t>Why should I bother?</a:t>
+            </a:r>
+            <a:endParaRPr lang="en-NL" b="1" dirty="0"/>
+          </a:p>
+        </p:txBody>
+      </p:sp>
+      <p:sp>
+        <p:nvSpPr>
+          <p:cNvPr id="3" name="Content Placeholder 2">
+            <a:extLst>
+              <a:ext uri="{FF2B5EF4-FFF2-40B4-BE49-F238E27FC236}">
+                <a16:creationId xmlns:a16="http://schemas.microsoft.com/office/drawing/2014/main" id="{FF031072-9F3A-4533-98E6-F13BF85D65CC}"/>
+              </a:ext>
+            </a:extLst>
+          </p:cNvPr>
+          <p:cNvSpPr>
+            <a:spLocks noGrp="1"/>
+          </p:cNvSpPr>
+          <p:nvPr>
+            <p:ph idx="1"/>
+          </p:nvPr>
+        </p:nvSpPr>
+        <p:spPr>
+          <a:xfrm>
+            <a:off x="806885" y="1656524"/>
+            <a:ext cx="8869471" cy="4351338"/>
+          </a:xfrm>
+        </p:spPr>
+        <p:txBody>
+          <a:bodyPr/>
+          <a:lstStyle/>
+          <a:p>
+            <a:r>
+              <a:rPr lang="en-US" dirty="0"/>
+              <a:t>Pipelines are ubiquitous all around us</a:t>
+            </a:r>
+          </a:p>
+          <a:p>
+            <a:r>
+              <a:rPr lang="en-US" dirty="0"/>
+              <a:t>Solve problems with a set of small, sharp tools that combine in many ways</a:t>
+            </a:r>
+          </a:p>
+          <a:p>
+            <a:pPr lvl="1"/>
+            <a:r>
+              <a:rPr lang="en-US" dirty="0"/>
+              <a:t>Like the UNIX command line</a:t>
+            </a:r>
+          </a:p>
+          <a:p>
+            <a:r>
+              <a:rPr lang="en-US" dirty="0"/>
+              <a:t>Very natural choice for document processing</a:t>
+            </a:r>
+          </a:p>
+          <a:p>
+            <a:r>
+              <a:rPr lang="en-US" dirty="0"/>
+              <a:t>Compose small tools into something bigger, pipelines…</a:t>
+            </a:r>
+          </a:p>
+          <a:p>
+            <a:r>
+              <a:rPr lang="en-US" dirty="0"/>
+              <a:t>XProc beats the alternatives</a:t>
+            </a:r>
+            <a:endParaRPr lang="en-NL" dirty="0"/>
+          </a:p>
+        </p:txBody>
+      </p:sp>
+      <p:pic>
+        <p:nvPicPr>
+          <p:cNvPr id="7" name="Picture 6" descr="A factory next to a fence&#10;&#10;Description automatically generated">
+            <a:extLst>
+              <a:ext uri="{FF2B5EF4-FFF2-40B4-BE49-F238E27FC236}">
+                <a16:creationId xmlns:a16="http://schemas.microsoft.com/office/drawing/2014/main" id="{5A6F02A3-55AE-406D-9533-E86CE4C49388}"/>
+              </a:ext>
+            </a:extLst>
+          </p:cNvPr>
+          <p:cNvPicPr>
+            <a:picLocks noChangeAspect="1"/>
+          </p:cNvPicPr>
+          <p:nvPr/>
+        </p:nvPicPr>
+        <p:blipFill>
+          <a:blip r:embed="rId2">
+            <a:extLst>
+              <a:ext uri="{28A0092B-C50C-407E-A947-70E740481C1C}">
+                <a14:useLocalDpi xmlns:a14="http://schemas.microsoft.com/office/drawing/2010/main" val="0"/>
+              </a:ext>
+            </a:extLst>
+          </a:blip>
+          <a:stretch>
+            <a:fillRect/>
+          </a:stretch>
+        </p:blipFill>
+        <p:spPr>
+          <a:xfrm>
+            <a:off x="6683913" y="70437"/>
+            <a:ext cx="3270144" cy="1839456"/>
+          </a:xfrm>
+          <a:prstGeom prst="roundRect">
+            <a:avLst>
+              <a:gd name="adj" fmla="val 16667"/>
+            </a:avLst>
+          </a:prstGeom>
+          <a:ln>
+            <a:noFill/>
+          </a:ln>
+          <a:effectLst>
+            <a:outerShdw blurRad="76200" dist="38100" dir="7800000" algn="tl" rotWithShape="0">
+              <a:srgbClr val="000000">
+                <a:alpha val="40000"/>
+              </a:srgbClr>
+            </a:outerShdw>
+          </a:effectLst>
+          <a:scene3d>
+            <a:camera prst="orthographicFront"/>
+            <a:lightRig rig="contrasting" dir="t">
+              <a:rot lat="0" lon="0" rev="4200000"/>
+            </a:lightRig>
+          </a:scene3d>
+          <a:sp3d prstMaterial="plastic">
+            <a:bevelT w="381000" h="114300" prst="relaxedInset"/>
+            <a:contourClr>
+              <a:srgbClr val="969696"/>
+            </a:contourClr>
+          </a:sp3d>
+        </p:spPr>
+      </p:pic>
+      <p:pic>
+        <p:nvPicPr>
+          <p:cNvPr id="1026" name="Picture 2">
+            <a:extLst>
+              <a:ext uri="{FF2B5EF4-FFF2-40B4-BE49-F238E27FC236}">
+                <a16:creationId xmlns:a16="http://schemas.microsoft.com/office/drawing/2014/main" id="{3FE5053B-0583-41D9-8FB2-4432BE4FB7E2}"/>
+              </a:ext>
+            </a:extLst>
+          </p:cNvPr>
+          <p:cNvPicPr>
+            <a:picLocks noChangeAspect="1" noChangeArrowheads="1"/>
+          </p:cNvPicPr>
+          <p:nvPr/>
+        </p:nvPicPr>
+        <p:blipFill>
+          <a:blip r:embed="rId3">
+            <a:extLst>
+              <a:ext uri="{28A0092B-C50C-407E-A947-70E740481C1C}">
+                <a14:useLocalDpi xmlns:a14="http://schemas.microsoft.com/office/drawing/2010/main" val="0"/>
+              </a:ext>
+            </a:extLst>
+          </a:blip>
+          <a:srcRect/>
+          <a:stretch>
+            <a:fillRect/>
+          </a:stretch>
+        </p:blipFill>
+        <p:spPr bwMode="auto">
+          <a:xfrm>
+            <a:off x="9954057" y="1596134"/>
+            <a:ext cx="2170576" cy="1358302"/>
+          </a:xfrm>
+          <a:prstGeom prst="rect">
+            <a:avLst/>
+          </a:prstGeom>
+          <a:noFill/>
+          <a:extLst>
+            <a:ext uri="{909E8E84-426E-40DD-AFC4-6F175D3DCCD1}">
+              <a14:hiddenFill xmlns:a14="http://schemas.microsoft.com/office/drawing/2010/main">
+                <a:solidFill>
+                  <a:srgbClr val="FFFFFF"/>
+                </a:solidFill>
+              </a14:hiddenFill>
+            </a:ext>
+          </a:extLst>
+        </p:spPr>
+      </p:pic>
+      <p:sp>
+        <p:nvSpPr>
+          <p:cNvPr id="8" name="Speech Bubble: Oval 7">
+            <a:extLst>
+              <a:ext uri="{FF2B5EF4-FFF2-40B4-BE49-F238E27FC236}">
+                <a16:creationId xmlns:a16="http://schemas.microsoft.com/office/drawing/2014/main" id="{BBE5BE1E-FB12-471A-88C9-6C5F44060095}"/>
+              </a:ext>
+            </a:extLst>
+          </p:cNvPr>
+          <p:cNvSpPr/>
+          <p:nvPr/>
+        </p:nvSpPr>
+        <p:spPr>
+          <a:xfrm>
+            <a:off x="3623982" y="5505189"/>
+            <a:ext cx="7563971" cy="1213111"/>
+          </a:xfrm>
+          <a:prstGeom prst="wedgeEllipseCallout">
+            <a:avLst>
+              <a:gd name="adj1" fmla="val 55382"/>
+              <a:gd name="adj2" fmla="val 42179"/>
+            </a:avLst>
+          </a:prstGeom>
+        </p:spPr>
+        <p:style>
+          <a:lnRef idx="2">
+            <a:schemeClr val="accent1">
+              <a:shade val="50000"/>
+            </a:schemeClr>
+          </a:lnRef>
+          <a:fillRef idx="1">
+            <a:schemeClr val="accent1"/>
+          </a:fillRef>
+          <a:effectRef idx="0">
+            <a:schemeClr val="accent1"/>
+          </a:effectRef>
+          <a:fontRef idx="minor">
+            <a:schemeClr val="lt1"/>
+          </a:fontRef>
+        </p:style>
+        <p:txBody>
+          <a:bodyPr rtlCol="0" anchor="ctr"/>
+          <a:lstStyle/>
+          <a:p>
+            <a:pPr algn="ctr"/>
+            <a:r>
+              <a:rPr lang="en-US" sz="1600" b="1" dirty="0"/>
+              <a:t>A successful example of large-scale application of XProc (1.0) pipelines: </a:t>
+            </a:r>
+          </a:p>
+          <a:p>
+            <a:pPr algn="ctr"/>
+            <a:r>
+              <a:rPr lang="en-US" sz="1600" b="1" dirty="0"/>
+              <a:t>https://www.le-tex.de/en/transpect.html</a:t>
+            </a:r>
+            <a:endParaRPr lang="en-NL" sz="1600" b="1" dirty="0"/>
+          </a:p>
+        </p:txBody>
+      </p:sp>
+      <p:pic>
+        <p:nvPicPr>
+          <p:cNvPr id="1028" name="Picture 4" descr="Afbeeldingsresultaat voor automotive industry">
+            <a:extLst>
+              <a:ext uri="{FF2B5EF4-FFF2-40B4-BE49-F238E27FC236}">
+                <a16:creationId xmlns:a16="http://schemas.microsoft.com/office/drawing/2014/main" id="{9AED3A8E-A72F-4225-9963-5DFF255EEC9E}"/>
+              </a:ext>
+            </a:extLst>
+          </p:cNvPr>
+          <p:cNvPicPr>
+            <a:picLocks noChangeAspect="1" noChangeArrowheads="1"/>
+          </p:cNvPicPr>
+          <p:nvPr/>
+        </p:nvPicPr>
+        <p:blipFill>
+          <a:blip r:embed="rId4">
+            <a:extLst>
+              <a:ext uri="{28A0092B-C50C-407E-A947-70E740481C1C}">
+                <a14:useLocalDpi xmlns:a14="http://schemas.microsoft.com/office/drawing/2010/main" val="0"/>
+              </a:ext>
+            </a:extLst>
+          </a:blip>
+          <a:srcRect/>
+          <a:stretch>
+            <a:fillRect/>
+          </a:stretch>
+        </p:blipFill>
+        <p:spPr bwMode="auto">
+          <a:xfrm>
+            <a:off x="9344938" y="2990665"/>
+            <a:ext cx="2464301" cy="1642867"/>
+          </a:xfrm>
+          <a:prstGeom prst="roundRect">
+            <a:avLst>
+              <a:gd name="adj" fmla="val 16667"/>
+            </a:avLst>
+          </a:prstGeom>
+          <a:ln>
+            <a:noFill/>
+          </a:ln>
+          <a:effectLst>
+            <a:outerShdw blurRad="76200" dist="38100" dir="7800000" algn="tl" rotWithShape="0">
+              <a:srgbClr val="000000">
+                <a:alpha val="40000"/>
+              </a:srgbClr>
+            </a:outerShdw>
+          </a:effectLst>
+          <a:scene3d>
+            <a:camera prst="orthographicFront"/>
+            <a:lightRig rig="contrasting" dir="t">
+              <a:rot lat="0" lon="0" rev="4200000"/>
+            </a:lightRig>
+          </a:scene3d>
+          <a:sp3d prstMaterial="plastic">
+            <a:bevelT w="381000" h="114300" prst="relaxedInset"/>
+            <a:contourClr>
+              <a:srgbClr val="969696"/>
+            </a:contourClr>
+          </a:sp3d>
+          <a:extLst>
+            <a:ext uri="{909E8E84-426E-40DD-AFC4-6F175D3DCCD1}">
+              <a14:hiddenFill xmlns:a14="http://schemas.microsoft.com/office/drawing/2010/main">
+                <a:solidFill>
+                  <a:srgbClr val="FFFFFF"/>
+                </a:solidFill>
+              </a14:hiddenFill>
+            </a:ext>
+          </a:extLst>
+        </p:spPr>
+      </p:pic>
+    </p:spTree>
+    <p:extLst>
+      <p:ext uri="{BB962C8B-B14F-4D97-AF65-F5344CB8AC3E}">
+        <p14:creationId xmlns:p14="http://schemas.microsoft.com/office/powerpoint/2010/main" val="3310173582"/>
+      </p:ext>
+    </p:extLst>
+  </p:cSld>
+  <p:clrMapOvr>
+    <a:masterClrMapping/>
+  </p:clrMapOvr>
+</p:sld>
+</file>
+
+<file path=ppt/slides/slide40.xml><?xml version="1.0" encoding="utf-8"?>
 <p:sld xmlns:a="http://schemas.openxmlformats.org/drawingml/2006/main" xmlns:r="http://schemas.openxmlformats.org/officeDocument/2006/relationships" xmlns:p="http://schemas.openxmlformats.org/presentationml/2006/main">
   <p:cSld>
     <p:spTree>
@@ -26096,373 +27845,7 @@
 </p:sld>
 </file>
 
-<file path=ppt/slides/slide4.xml><?xml version="1.0" encoding="utf-8"?>
-<p:sld xmlns:a="http://schemas.openxmlformats.org/drawingml/2006/main" xmlns:r="http://schemas.openxmlformats.org/officeDocument/2006/relationships" xmlns:p="http://schemas.openxmlformats.org/presentationml/2006/main">
-  <p:cSld>
-    <p:spTree>
-      <p:nvGrpSpPr>
-        <p:cNvPr id="1" name=""/>
-        <p:cNvGrpSpPr/>
-        <p:nvPr/>
-      </p:nvGrpSpPr>
-      <p:grpSpPr>
-        <a:xfrm>
-          <a:off x="0" y="0"/>
-          <a:ext cx="0" cy="0"/>
-          <a:chOff x="0" y="0"/>
-          <a:chExt cx="0" cy="0"/>
-        </a:xfrm>
-      </p:grpSpPr>
-      <p:sp>
-        <p:nvSpPr>
-          <p:cNvPr id="2" name="Title 1">
-            <a:extLst>
-              <a:ext uri="{FF2B5EF4-FFF2-40B4-BE49-F238E27FC236}">
-                <a16:creationId xmlns:a16="http://schemas.microsoft.com/office/drawing/2014/main" id="{5932F04C-64E6-4073-BD78-F756A1AF117C}"/>
-              </a:ext>
-            </a:extLst>
-          </p:cNvPr>
-          <p:cNvSpPr>
-            <a:spLocks noGrp="1"/>
-          </p:cNvSpPr>
-          <p:nvPr>
-            <p:ph type="title"/>
-          </p:nvPr>
-        </p:nvSpPr>
-        <p:spPr>
-          <a:xfrm>
-            <a:off x="437367" y="89552"/>
-            <a:ext cx="10515600" cy="1325563"/>
-          </a:xfrm>
-        </p:spPr>
-        <p:txBody>
-          <a:bodyPr/>
-          <a:lstStyle/>
-          <a:p>
-            <a:r>
-              <a:rPr lang="en-US" b="1" dirty="0"/>
-              <a:t>Why should I bother?</a:t>
-            </a:r>
-            <a:endParaRPr lang="en-NL" b="1" dirty="0"/>
-          </a:p>
-        </p:txBody>
-      </p:sp>
-      <p:sp>
-        <p:nvSpPr>
-          <p:cNvPr id="3" name="Content Placeholder 2">
-            <a:extLst>
-              <a:ext uri="{FF2B5EF4-FFF2-40B4-BE49-F238E27FC236}">
-                <a16:creationId xmlns:a16="http://schemas.microsoft.com/office/drawing/2014/main" id="{FF031072-9F3A-4533-98E6-F13BF85D65CC}"/>
-              </a:ext>
-            </a:extLst>
-          </p:cNvPr>
-          <p:cNvSpPr>
-            <a:spLocks noGrp="1"/>
-          </p:cNvSpPr>
-          <p:nvPr>
-            <p:ph idx="1"/>
-          </p:nvPr>
-        </p:nvSpPr>
-        <p:spPr>
-          <a:xfrm>
-            <a:off x="806885" y="1656524"/>
-            <a:ext cx="8869471" cy="4351338"/>
-          </a:xfrm>
-        </p:spPr>
-        <p:txBody>
-          <a:bodyPr/>
-          <a:lstStyle/>
-          <a:p>
-            <a:r>
-              <a:rPr lang="en-US" dirty="0"/>
-              <a:t>Pipelines are ubiquitous all around us</a:t>
-            </a:r>
-          </a:p>
-          <a:p>
-            <a:r>
-              <a:rPr lang="en-US" dirty="0"/>
-              <a:t>Solve problems with a set of small, sharp tools that combine in many ways</a:t>
-            </a:r>
-          </a:p>
-          <a:p>
-            <a:pPr lvl="1"/>
-            <a:r>
-              <a:rPr lang="en-US" dirty="0"/>
-              <a:t>Like the UNIX command line</a:t>
-            </a:r>
-          </a:p>
-          <a:p>
-            <a:r>
-              <a:rPr lang="en-US" dirty="0"/>
-              <a:t>Very natural choice for document processing</a:t>
-            </a:r>
-          </a:p>
-          <a:p>
-            <a:r>
-              <a:rPr lang="en-US" dirty="0"/>
-              <a:t>Compose small tools into something bigger, pipelines…</a:t>
-            </a:r>
-          </a:p>
-          <a:p>
-            <a:r>
-              <a:rPr lang="en-US" dirty="0"/>
-              <a:t>XProc beats the alternatives</a:t>
-            </a:r>
-            <a:endParaRPr lang="en-NL" dirty="0"/>
-          </a:p>
-        </p:txBody>
-      </p:sp>
-      <p:pic>
-        <p:nvPicPr>
-          <p:cNvPr id="7" name="Picture 6" descr="A factory next to a fence&#10;&#10;Description automatically generated">
-            <a:extLst>
-              <a:ext uri="{FF2B5EF4-FFF2-40B4-BE49-F238E27FC236}">
-                <a16:creationId xmlns:a16="http://schemas.microsoft.com/office/drawing/2014/main" id="{5A6F02A3-55AE-406D-9533-E86CE4C49388}"/>
-              </a:ext>
-            </a:extLst>
-          </p:cNvPr>
-          <p:cNvPicPr>
-            <a:picLocks noChangeAspect="1"/>
-          </p:cNvPicPr>
-          <p:nvPr/>
-        </p:nvPicPr>
-        <p:blipFill>
-          <a:blip r:embed="rId2">
-            <a:extLst>
-              <a:ext uri="{28A0092B-C50C-407E-A947-70E740481C1C}">
-                <a14:useLocalDpi xmlns:a14="http://schemas.microsoft.com/office/drawing/2010/main" val="0"/>
-              </a:ext>
-            </a:extLst>
-          </a:blip>
-          <a:stretch>
-            <a:fillRect/>
-          </a:stretch>
-        </p:blipFill>
-        <p:spPr>
-          <a:xfrm>
-            <a:off x="6683913" y="70437"/>
-            <a:ext cx="3270144" cy="1839456"/>
-          </a:xfrm>
-          <a:prstGeom prst="roundRect">
-            <a:avLst>
-              <a:gd name="adj" fmla="val 16667"/>
-            </a:avLst>
-          </a:prstGeom>
-          <a:ln>
-            <a:noFill/>
-          </a:ln>
-          <a:effectLst>
-            <a:outerShdw blurRad="76200" dist="38100" dir="7800000" algn="tl" rotWithShape="0">
-              <a:srgbClr val="000000">
-                <a:alpha val="40000"/>
-              </a:srgbClr>
-            </a:outerShdw>
-          </a:effectLst>
-          <a:scene3d>
-            <a:camera prst="orthographicFront"/>
-            <a:lightRig rig="contrasting" dir="t">
-              <a:rot lat="0" lon="0" rev="4200000"/>
-            </a:lightRig>
-          </a:scene3d>
-          <a:sp3d prstMaterial="plastic">
-            <a:bevelT w="381000" h="114300" prst="relaxedInset"/>
-            <a:contourClr>
-              <a:srgbClr val="969696"/>
-            </a:contourClr>
-          </a:sp3d>
-        </p:spPr>
-      </p:pic>
-      <p:pic>
-        <p:nvPicPr>
-          <p:cNvPr id="1026" name="Picture 2">
-            <a:extLst>
-              <a:ext uri="{FF2B5EF4-FFF2-40B4-BE49-F238E27FC236}">
-                <a16:creationId xmlns:a16="http://schemas.microsoft.com/office/drawing/2014/main" id="{3FE5053B-0583-41D9-8FB2-4432BE4FB7E2}"/>
-              </a:ext>
-            </a:extLst>
-          </p:cNvPr>
-          <p:cNvPicPr>
-            <a:picLocks noChangeAspect="1" noChangeArrowheads="1"/>
-          </p:cNvPicPr>
-          <p:nvPr/>
-        </p:nvPicPr>
-        <p:blipFill>
-          <a:blip r:embed="rId3">
-            <a:extLst>
-              <a:ext uri="{28A0092B-C50C-407E-A947-70E740481C1C}">
-                <a14:useLocalDpi xmlns:a14="http://schemas.microsoft.com/office/drawing/2010/main" val="0"/>
-              </a:ext>
-            </a:extLst>
-          </a:blip>
-          <a:srcRect/>
-          <a:stretch>
-            <a:fillRect/>
-          </a:stretch>
-        </p:blipFill>
-        <p:spPr bwMode="auto">
-          <a:xfrm>
-            <a:off x="9954057" y="1596134"/>
-            <a:ext cx="2170576" cy="1358302"/>
-          </a:xfrm>
-          <a:prstGeom prst="rect">
-            <a:avLst/>
-          </a:prstGeom>
-          <a:noFill/>
-          <a:extLst>
-            <a:ext uri="{909E8E84-426E-40DD-AFC4-6F175D3DCCD1}">
-              <a14:hiddenFill xmlns:a14="http://schemas.microsoft.com/office/drawing/2010/main">
-                <a:solidFill>
-                  <a:srgbClr val="FFFFFF"/>
-                </a:solidFill>
-              </a14:hiddenFill>
-            </a:ext>
-          </a:extLst>
-        </p:spPr>
-      </p:pic>
-      <p:sp>
-        <p:nvSpPr>
-          <p:cNvPr id="8" name="Speech Bubble: Oval 7">
-            <a:extLst>
-              <a:ext uri="{FF2B5EF4-FFF2-40B4-BE49-F238E27FC236}">
-                <a16:creationId xmlns:a16="http://schemas.microsoft.com/office/drawing/2014/main" id="{BBE5BE1E-FB12-471A-88C9-6C5F44060095}"/>
-              </a:ext>
-            </a:extLst>
-          </p:cNvPr>
-          <p:cNvSpPr/>
-          <p:nvPr/>
-        </p:nvSpPr>
-        <p:spPr>
-          <a:xfrm>
-            <a:off x="3623982" y="5505189"/>
-            <a:ext cx="7563971" cy="1213111"/>
-          </a:xfrm>
-          <a:prstGeom prst="wedgeEllipseCallout">
-            <a:avLst>
-              <a:gd name="adj1" fmla="val 55382"/>
-              <a:gd name="adj2" fmla="val 42179"/>
-            </a:avLst>
-          </a:prstGeom>
-        </p:spPr>
-        <p:style>
-          <a:lnRef idx="2">
-            <a:schemeClr val="accent1">
-              <a:shade val="50000"/>
-            </a:schemeClr>
-          </a:lnRef>
-          <a:fillRef idx="1">
-            <a:schemeClr val="accent1"/>
-          </a:fillRef>
-          <a:effectRef idx="0">
-            <a:schemeClr val="accent1"/>
-          </a:effectRef>
-          <a:fontRef idx="minor">
-            <a:schemeClr val="lt1"/>
-          </a:fontRef>
-        </p:style>
-        <p:txBody>
-          <a:bodyPr rtlCol="0" anchor="ctr"/>
-          <a:lstStyle/>
-          <a:p>
-            <a:pPr algn="ctr"/>
-            <a:r>
-              <a:rPr lang="en-US" sz="1600" b="1" dirty="0"/>
-              <a:t>A successful example of large-scale application of XProc (1.0) pipelines: </a:t>
-            </a:r>
-          </a:p>
-          <a:p>
-            <a:pPr algn="ctr"/>
-            <a:r>
-              <a:rPr lang="en-US" sz="1600" b="1" dirty="0"/>
-              <a:t>https://www.le-tex.de/en/transpect.html</a:t>
-            </a:r>
-            <a:endParaRPr lang="en-NL" sz="1600" b="1" dirty="0"/>
-          </a:p>
-        </p:txBody>
-      </p:sp>
-      <p:pic>
-        <p:nvPicPr>
-          <p:cNvPr id="1028" name="Picture 4" descr="Afbeeldingsresultaat voor automotive industry">
-            <a:extLst>
-              <a:ext uri="{FF2B5EF4-FFF2-40B4-BE49-F238E27FC236}">
-                <a16:creationId xmlns:a16="http://schemas.microsoft.com/office/drawing/2014/main" id="{9AED3A8E-A72F-4225-9963-5DFF255EEC9E}"/>
-              </a:ext>
-            </a:extLst>
-          </p:cNvPr>
-          <p:cNvPicPr>
-            <a:picLocks noChangeAspect="1" noChangeArrowheads="1"/>
-          </p:cNvPicPr>
-          <p:nvPr/>
-        </p:nvPicPr>
-        <p:blipFill>
-          <a:blip r:embed="rId4">
-            <a:extLst>
-              <a:ext uri="{28A0092B-C50C-407E-A947-70E740481C1C}">
-                <a14:useLocalDpi xmlns:a14="http://schemas.microsoft.com/office/drawing/2010/main" val="0"/>
-              </a:ext>
-            </a:extLst>
-          </a:blip>
-          <a:srcRect/>
-          <a:stretch>
-            <a:fillRect/>
-          </a:stretch>
-        </p:blipFill>
-        <p:spPr bwMode="auto">
-          <a:xfrm>
-            <a:off x="9344938" y="2990665"/>
-            <a:ext cx="2464301" cy="1642867"/>
-          </a:xfrm>
-          <a:prstGeom prst="roundRect">
-            <a:avLst>
-              <a:gd name="adj" fmla="val 16667"/>
-            </a:avLst>
-          </a:prstGeom>
-          <a:ln>
-            <a:noFill/>
-          </a:ln>
-          <a:effectLst>
-            <a:outerShdw blurRad="76200" dist="38100" dir="7800000" algn="tl" rotWithShape="0">
-              <a:srgbClr val="000000">
-                <a:alpha val="40000"/>
-              </a:srgbClr>
-            </a:outerShdw>
-          </a:effectLst>
-          <a:scene3d>
-            <a:camera prst="orthographicFront"/>
-            <a:lightRig rig="contrasting" dir="t">
-              <a:rot lat="0" lon="0" rev="4200000"/>
-            </a:lightRig>
-          </a:scene3d>
-          <a:sp3d prstMaterial="plastic">
-            <a:bevelT w="381000" h="114300" prst="relaxedInset"/>
-            <a:contourClr>
-              <a:srgbClr val="969696"/>
-            </a:contourClr>
-          </a:sp3d>
-          <a:extLst>
-            <a:ext uri="{909E8E84-426E-40DD-AFC4-6F175D3DCCD1}">
-              <a14:hiddenFill xmlns:a14="http://schemas.microsoft.com/office/drawing/2010/main">
-                <a:solidFill>
-                  <a:srgbClr val="FFFFFF"/>
-                </a:solidFill>
-              </a14:hiddenFill>
-            </a:ext>
-          </a:extLst>
-        </p:spPr>
-      </p:pic>
-    </p:spTree>
-    <p:extLst>
-      <p:ext uri="{BB962C8B-B14F-4D97-AF65-F5344CB8AC3E}">
-        <p14:creationId xmlns:p14="http://schemas.microsoft.com/office/powerpoint/2010/main" val="3310173582"/>
-      </p:ext>
-    </p:extLst>
-  </p:cSld>
-  <p:clrMapOvr>
-    <a:masterClrMapping/>
-  </p:clrMapOvr>
-</p:sld>
-</file>
-
-<file path=ppt/slides/slide40.xml><?xml version="1.0" encoding="utf-8"?>
+<file path=ppt/slides/slide41.xml><?xml version="1.0" encoding="utf-8"?>
 <p:sld xmlns:a="http://schemas.openxmlformats.org/drawingml/2006/main" xmlns:r="http://schemas.openxmlformats.org/officeDocument/2006/relationships" xmlns:p="http://schemas.openxmlformats.org/presentationml/2006/main">
   <p:cSld>
     <p:spTree>
@@ -26946,7 +28329,7 @@
 </p:sld>
 </file>
 
-<file path=ppt/slides/slide41.xml><?xml version="1.0" encoding="utf-8"?>
+<file path=ppt/slides/slide42.xml><?xml version="1.0" encoding="utf-8"?>
 <p:sld xmlns:a="http://schemas.openxmlformats.org/drawingml/2006/main" xmlns:r="http://schemas.openxmlformats.org/officeDocument/2006/relationships" xmlns:p="http://schemas.openxmlformats.org/presentationml/2006/main">
   <p:cSld>
     <p:spTree>
@@ -27206,7 +28589,7 @@
 </p:sld>
 </file>
 
-<file path=ppt/slides/slide42.xml><?xml version="1.0" encoding="utf-8"?>
+<file path=ppt/slides/slide43.xml><?xml version="1.0" encoding="utf-8"?>
 <p:sld xmlns:a="http://schemas.openxmlformats.org/drawingml/2006/main" xmlns:r="http://schemas.openxmlformats.org/officeDocument/2006/relationships" xmlns:p="http://schemas.openxmlformats.org/presentationml/2006/main">
   <p:cSld>
     <p:spTree>
@@ -27796,7 +29179,7 @@
 </p:sld>
 </file>
 
-<file path=ppt/slides/slide43.xml><?xml version="1.0" encoding="utf-8"?>
+<file path=ppt/slides/slide44.xml><?xml version="1.0" encoding="utf-8"?>
 <p:sld xmlns:a="http://schemas.openxmlformats.org/drawingml/2006/main" xmlns:r="http://schemas.openxmlformats.org/officeDocument/2006/relationships" xmlns:p="http://schemas.openxmlformats.org/presentationml/2006/main">
   <p:cSld>
     <p:spTree>
@@ -28070,7 +29453,7 @@
 </p:sld>
 </file>
 
-<file path=ppt/slides/slide44.xml><?xml version="1.0" encoding="utf-8"?>
+<file path=ppt/slides/slide45.xml><?xml version="1.0" encoding="utf-8"?>
 <p:sld xmlns:a="http://schemas.openxmlformats.org/drawingml/2006/main" xmlns:r="http://schemas.openxmlformats.org/officeDocument/2006/relationships" xmlns:p="http://schemas.openxmlformats.org/presentationml/2006/main">
   <p:cSld>
     <p:spTree>
@@ -28732,7 +30115,7 @@
 </p:sld>
 </file>
 
-<file path=ppt/slides/slide45.xml><?xml version="1.0" encoding="utf-8"?>
+<file path=ppt/slides/slide46.xml><?xml version="1.0" encoding="utf-8"?>
 <p:sld xmlns:a="http://schemas.openxmlformats.org/drawingml/2006/main" xmlns:r="http://schemas.openxmlformats.org/officeDocument/2006/relationships" xmlns:p="http://schemas.openxmlformats.org/presentationml/2006/main">
   <p:cSld>
     <p:spTree>
@@ -29026,423 +30409,6 @@
 </p:sld>
 </file>
 
-<file path=ppt/slides/slide46.xml><?xml version="1.0" encoding="utf-8"?>
-<p:sld xmlns:a="http://schemas.openxmlformats.org/drawingml/2006/main" xmlns:r="http://schemas.openxmlformats.org/officeDocument/2006/relationships" xmlns:p="http://schemas.openxmlformats.org/presentationml/2006/main">
-  <p:cSld>
-    <p:spTree>
-      <p:nvGrpSpPr>
-        <p:cNvPr id="1" name=""/>
-        <p:cNvGrpSpPr/>
-        <p:nvPr/>
-      </p:nvGrpSpPr>
-      <p:grpSpPr>
-        <a:xfrm>
-          <a:off x="0" y="0"/>
-          <a:ext cx="0" cy="0"/>
-          <a:chOff x="0" y="0"/>
-          <a:chExt cx="0" cy="0"/>
-        </a:xfrm>
-      </p:grpSpPr>
-      <p:sp>
-        <p:nvSpPr>
-          <p:cNvPr id="2" name="Title 1">
-            <a:extLst>
-              <a:ext uri="{FF2B5EF4-FFF2-40B4-BE49-F238E27FC236}">
-                <a16:creationId xmlns:a16="http://schemas.microsoft.com/office/drawing/2014/main" id="{4123861A-F328-4BB9-8F10-4F9FB0F7E245}"/>
-              </a:ext>
-            </a:extLst>
-          </p:cNvPr>
-          <p:cNvSpPr>
-            <a:spLocks noGrp="1"/>
-          </p:cNvSpPr>
-          <p:nvPr>
-            <p:ph type="title"/>
-          </p:nvPr>
-        </p:nvSpPr>
-        <p:spPr>
-          <a:xfrm>
-            <a:off x="428016" y="265834"/>
-            <a:ext cx="11617960" cy="860848"/>
-          </a:xfrm>
-        </p:spPr>
-        <p:txBody>
-          <a:bodyPr>
-            <a:normAutofit/>
-          </a:bodyPr>
-          <a:lstStyle/>
-          <a:p>
-            <a:r>
-              <a:rPr lang="en-US" b="1" dirty="0"/>
-              <a:t>Use p:with-option - solution</a:t>
-            </a:r>
-            <a:endParaRPr lang="en-NL" b="1" dirty="0"/>
-          </a:p>
-        </p:txBody>
-      </p:sp>
-      <p:sp>
-        <p:nvSpPr>
-          <p:cNvPr id="4" name="TextBox 3">
-            <a:extLst>
-              <a:ext uri="{FF2B5EF4-FFF2-40B4-BE49-F238E27FC236}">
-                <a16:creationId xmlns:a16="http://schemas.microsoft.com/office/drawing/2014/main" id="{E614C84A-45C6-4C95-859B-4E28BD47CA0C}"/>
-              </a:ext>
-            </a:extLst>
-          </p:cNvPr>
-          <p:cNvSpPr txBox="1"/>
-          <p:nvPr/>
-        </p:nvSpPr>
-        <p:spPr>
-          <a:xfrm>
-            <a:off x="437744" y="1536174"/>
-            <a:ext cx="11316511" cy="4093428"/>
-          </a:xfrm>
-          <a:prstGeom prst="rect">
-            <a:avLst/>
-          </a:prstGeom>
-          <a:solidFill>
-            <a:schemeClr val="bg1">
-              <a:lumMod val="85000"/>
-            </a:schemeClr>
-          </a:solidFill>
-        </p:spPr>
-        <p:txBody>
-          <a:bodyPr wrap="square" rtlCol="0">
-            <a:spAutoFit/>
-          </a:bodyPr>
-          <a:lstStyle/>
-          <a:p>
-            <a:r>
-              <a:rPr lang="nl-NL" sz="2000" b="1" dirty="0">
-                <a:latin typeface="Courier New" panose="02070309020205020404" pitchFamily="49" charset="0"/>
-                <a:cs typeface="Courier New" panose="02070309020205020404" pitchFamily="49" charset="0"/>
-              </a:rPr>
-              <a:t>&lt;</a:t>
-            </a:r>
-            <a:r>
-              <a:rPr lang="nl-NL" sz="2000" b="1" dirty="0" err="1">
-                <a:latin typeface="Courier New" panose="02070309020205020404" pitchFamily="49" charset="0"/>
-                <a:cs typeface="Courier New" panose="02070309020205020404" pitchFamily="49" charset="0"/>
-              </a:rPr>
-              <a:t>p:declare-step</a:t>
-            </a:r>
-            <a:r>
-              <a:rPr lang="nl-NL" sz="2000" b="1" dirty="0">
-                <a:latin typeface="Courier New" panose="02070309020205020404" pitchFamily="49" charset="0"/>
-                <a:cs typeface="Courier New" panose="02070309020205020404" pitchFamily="49" charset="0"/>
-              </a:rPr>
-              <a:t> </a:t>
-            </a:r>
-            <a:r>
-              <a:rPr lang="nl-NL" sz="2000" b="1" dirty="0" err="1">
-                <a:latin typeface="Courier New" panose="02070309020205020404" pitchFamily="49" charset="0"/>
-                <a:cs typeface="Courier New" panose="02070309020205020404" pitchFamily="49" charset="0"/>
-              </a:rPr>
-              <a:t>xmlns:p</a:t>
-            </a:r>
-            <a:r>
-              <a:rPr lang="nl-NL" sz="2000" b="1" dirty="0">
-                <a:latin typeface="Courier New" panose="02070309020205020404" pitchFamily="49" charset="0"/>
-                <a:cs typeface="Courier New" panose="02070309020205020404" pitchFamily="49" charset="0"/>
-              </a:rPr>
-              <a:t>="http://www.w3.org/ns/xproc" </a:t>
-            </a:r>
-            <a:r>
-              <a:rPr lang="nl-NL" sz="2000" b="1" dirty="0" err="1">
-                <a:latin typeface="Courier New" panose="02070309020205020404" pitchFamily="49" charset="0"/>
-                <a:cs typeface="Courier New" panose="02070309020205020404" pitchFamily="49" charset="0"/>
-              </a:rPr>
-              <a:t>version</a:t>
-            </a:r>
-            <a:r>
-              <a:rPr lang="nl-NL" sz="2000" b="1" dirty="0">
-                <a:latin typeface="Courier New" panose="02070309020205020404" pitchFamily="49" charset="0"/>
-                <a:cs typeface="Courier New" panose="02070309020205020404" pitchFamily="49" charset="0"/>
-              </a:rPr>
-              <a:t>="3.0"&gt;</a:t>
-            </a:r>
-          </a:p>
-          <a:p>
-            <a:endParaRPr lang="nl-NL" sz="2000" b="1" dirty="0">
-              <a:latin typeface="Courier New" panose="02070309020205020404" pitchFamily="49" charset="0"/>
-              <a:cs typeface="Courier New" panose="02070309020205020404" pitchFamily="49" charset="0"/>
-            </a:endParaRPr>
-          </a:p>
-          <a:p>
-            <a:r>
-              <a:rPr lang="nl-NL" sz="2000" b="1" dirty="0">
-                <a:latin typeface="Courier New" panose="02070309020205020404" pitchFamily="49" charset="0"/>
-                <a:cs typeface="Courier New" panose="02070309020205020404" pitchFamily="49" charset="0"/>
-              </a:rPr>
-              <a:t>  &lt;</a:t>
-            </a:r>
-            <a:r>
-              <a:rPr lang="nl-NL" sz="2000" b="1" dirty="0" err="1">
-                <a:latin typeface="Courier New" panose="02070309020205020404" pitchFamily="49" charset="0"/>
-                <a:cs typeface="Courier New" panose="02070309020205020404" pitchFamily="49" charset="0"/>
-              </a:rPr>
-              <a:t>p:input</a:t>
-            </a:r>
-            <a:r>
-              <a:rPr lang="nl-NL" sz="2000" b="1" dirty="0">
-                <a:latin typeface="Courier New" panose="02070309020205020404" pitchFamily="49" charset="0"/>
-                <a:cs typeface="Courier New" panose="02070309020205020404" pitchFamily="49" charset="0"/>
-              </a:rPr>
-              <a:t> port="source"/&gt;</a:t>
-            </a:r>
-          </a:p>
-          <a:p>
-            <a:r>
-              <a:rPr lang="nl-NL" sz="2000" b="1" dirty="0">
-                <a:latin typeface="Courier New" panose="02070309020205020404" pitchFamily="49" charset="0"/>
-                <a:cs typeface="Courier New" panose="02070309020205020404" pitchFamily="49" charset="0"/>
-              </a:rPr>
-              <a:t>  &lt;</a:t>
-            </a:r>
-            <a:r>
-              <a:rPr lang="nl-NL" sz="2000" b="1" dirty="0" err="1">
-                <a:latin typeface="Courier New" panose="02070309020205020404" pitchFamily="49" charset="0"/>
-                <a:cs typeface="Courier New" panose="02070309020205020404" pitchFamily="49" charset="0"/>
-              </a:rPr>
-              <a:t>p:output</a:t>
-            </a:r>
-            <a:r>
-              <a:rPr lang="nl-NL" sz="2000" b="1" dirty="0">
-                <a:latin typeface="Courier New" panose="02070309020205020404" pitchFamily="49" charset="0"/>
-                <a:cs typeface="Courier New" panose="02070309020205020404" pitchFamily="49" charset="0"/>
-              </a:rPr>
-              <a:t> port="</a:t>
-            </a:r>
-            <a:r>
-              <a:rPr lang="nl-NL" sz="2000" b="1" dirty="0" err="1">
-                <a:latin typeface="Courier New" panose="02070309020205020404" pitchFamily="49" charset="0"/>
-                <a:cs typeface="Courier New" panose="02070309020205020404" pitchFamily="49" charset="0"/>
-              </a:rPr>
-              <a:t>result</a:t>
-            </a:r>
-            <a:r>
-              <a:rPr lang="nl-NL" sz="2000" b="1" dirty="0">
-                <a:latin typeface="Courier New" panose="02070309020205020404" pitchFamily="49" charset="0"/>
-                <a:cs typeface="Courier New" panose="02070309020205020404" pitchFamily="49" charset="0"/>
-              </a:rPr>
-              <a:t>"/&gt;</a:t>
-            </a:r>
-          </a:p>
-          <a:p>
-            <a:endParaRPr lang="nl-NL" sz="2000" b="1" dirty="0">
-              <a:latin typeface="Courier New" panose="02070309020205020404" pitchFamily="49" charset="0"/>
-              <a:cs typeface="Courier New" panose="02070309020205020404" pitchFamily="49" charset="0"/>
-            </a:endParaRPr>
-          </a:p>
-          <a:p>
-            <a:r>
-              <a:rPr lang="nl-NL" sz="2000" b="1" dirty="0">
-                <a:latin typeface="Courier New" panose="02070309020205020404" pitchFamily="49" charset="0"/>
-                <a:cs typeface="Courier New" panose="02070309020205020404" pitchFamily="49" charset="0"/>
-              </a:rPr>
-              <a:t>  &lt;</a:t>
-            </a:r>
-            <a:r>
-              <a:rPr lang="nl-NL" sz="2000" b="1" dirty="0" err="1">
-                <a:latin typeface="Courier New" panose="02070309020205020404" pitchFamily="49" charset="0"/>
-                <a:cs typeface="Courier New" panose="02070309020205020404" pitchFamily="49" charset="0"/>
-              </a:rPr>
-              <a:t>p:add-attribute</a:t>
-            </a:r>
-            <a:r>
-              <a:rPr lang="nl-NL" sz="2000" b="1" dirty="0">
-                <a:latin typeface="Courier New" panose="02070309020205020404" pitchFamily="49" charset="0"/>
-                <a:cs typeface="Courier New" panose="02070309020205020404" pitchFamily="49" charset="0"/>
-              </a:rPr>
-              <a:t>&gt;</a:t>
-            </a:r>
-          </a:p>
-          <a:p>
-            <a:r>
-              <a:rPr lang="nl-NL" sz="2000" b="1" dirty="0">
-                <a:latin typeface="Courier New" panose="02070309020205020404" pitchFamily="49" charset="0"/>
-                <a:cs typeface="Courier New" panose="02070309020205020404" pitchFamily="49" charset="0"/>
-              </a:rPr>
-              <a:t>    &lt;</a:t>
-            </a:r>
-            <a:r>
-              <a:rPr lang="nl-NL" sz="2000" b="1" dirty="0" err="1">
-                <a:latin typeface="Courier New" panose="02070309020205020404" pitchFamily="49" charset="0"/>
-                <a:cs typeface="Courier New" panose="02070309020205020404" pitchFamily="49" charset="0"/>
-              </a:rPr>
-              <a:t>p:with-option</a:t>
-            </a:r>
-            <a:r>
-              <a:rPr lang="nl-NL" sz="2000" b="1" dirty="0">
-                <a:latin typeface="Courier New" panose="02070309020205020404" pitchFamily="49" charset="0"/>
-                <a:cs typeface="Courier New" panose="02070309020205020404" pitchFamily="49" charset="0"/>
-              </a:rPr>
-              <a:t> name="match" select="'/*'"/&gt;</a:t>
-            </a:r>
-          </a:p>
-          <a:p>
-            <a:r>
-              <a:rPr lang="nl-NL" sz="2000" b="1" dirty="0">
-                <a:latin typeface="Courier New" panose="02070309020205020404" pitchFamily="49" charset="0"/>
-                <a:cs typeface="Courier New" panose="02070309020205020404" pitchFamily="49" charset="0"/>
-              </a:rPr>
-              <a:t>    &lt;</a:t>
-            </a:r>
-            <a:r>
-              <a:rPr lang="nl-NL" sz="2000" b="1" dirty="0" err="1">
-                <a:latin typeface="Courier New" panose="02070309020205020404" pitchFamily="49" charset="0"/>
-                <a:cs typeface="Courier New" panose="02070309020205020404" pitchFamily="49" charset="0"/>
-              </a:rPr>
-              <a:t>p:with-option</a:t>
-            </a:r>
-            <a:r>
-              <a:rPr lang="nl-NL" sz="2000" b="1" dirty="0">
-                <a:latin typeface="Courier New" panose="02070309020205020404" pitchFamily="49" charset="0"/>
-                <a:cs typeface="Courier New" panose="02070309020205020404" pitchFamily="49" charset="0"/>
-              </a:rPr>
-              <a:t> name="</a:t>
-            </a:r>
-            <a:r>
-              <a:rPr lang="nl-NL" sz="2000" b="1" dirty="0" err="1">
-                <a:latin typeface="Courier New" panose="02070309020205020404" pitchFamily="49" charset="0"/>
-                <a:cs typeface="Courier New" panose="02070309020205020404" pitchFamily="49" charset="0"/>
-              </a:rPr>
-              <a:t>attribute</a:t>
-            </a:r>
-            <a:r>
-              <a:rPr lang="nl-NL" sz="2000" b="1" dirty="0">
-                <a:latin typeface="Courier New" panose="02070309020205020404" pitchFamily="49" charset="0"/>
-                <a:cs typeface="Courier New" panose="02070309020205020404" pitchFamily="49" charset="0"/>
-              </a:rPr>
-              <a:t>-name" select="'timestamp'"/&gt;</a:t>
-            </a:r>
-          </a:p>
-          <a:p>
-            <a:r>
-              <a:rPr lang="nl-NL" sz="2000" b="1" dirty="0">
-                <a:latin typeface="Courier New" panose="02070309020205020404" pitchFamily="49" charset="0"/>
-                <a:cs typeface="Courier New" panose="02070309020205020404" pitchFamily="49" charset="0"/>
-              </a:rPr>
-              <a:t>    &lt;</a:t>
-            </a:r>
-            <a:r>
-              <a:rPr lang="nl-NL" sz="2000" b="1" dirty="0" err="1">
-                <a:latin typeface="Courier New" panose="02070309020205020404" pitchFamily="49" charset="0"/>
-                <a:cs typeface="Courier New" panose="02070309020205020404" pitchFamily="49" charset="0"/>
-              </a:rPr>
-              <a:t>p:with-option</a:t>
-            </a:r>
-            <a:r>
-              <a:rPr lang="nl-NL" sz="2000" b="1" dirty="0">
-                <a:latin typeface="Courier New" panose="02070309020205020404" pitchFamily="49" charset="0"/>
-                <a:cs typeface="Courier New" panose="02070309020205020404" pitchFamily="49" charset="0"/>
-              </a:rPr>
-              <a:t> name="</a:t>
-            </a:r>
-            <a:r>
-              <a:rPr lang="nl-NL" sz="2000" b="1" dirty="0" err="1">
-                <a:latin typeface="Courier New" panose="02070309020205020404" pitchFamily="49" charset="0"/>
-                <a:cs typeface="Courier New" panose="02070309020205020404" pitchFamily="49" charset="0"/>
-              </a:rPr>
-              <a:t>attribute-value</a:t>
-            </a:r>
-            <a:r>
-              <a:rPr lang="nl-NL" sz="2000" b="1" dirty="0">
-                <a:latin typeface="Courier New" panose="02070309020205020404" pitchFamily="49" charset="0"/>
-                <a:cs typeface="Courier New" panose="02070309020205020404" pitchFamily="49" charset="0"/>
-              </a:rPr>
-              <a:t>" </a:t>
-            </a:r>
-          </a:p>
-          <a:p>
-            <a:r>
-              <a:rPr lang="nl-NL" sz="2000" b="1" dirty="0">
-                <a:latin typeface="Courier New" panose="02070309020205020404" pitchFamily="49" charset="0"/>
-                <a:cs typeface="Courier New" panose="02070309020205020404" pitchFamily="49" charset="0"/>
-              </a:rPr>
-              <a:t>       select="string(</a:t>
-            </a:r>
-            <a:r>
-              <a:rPr lang="nl-NL" sz="2000" b="1" dirty="0" err="1">
-                <a:latin typeface="Courier New" panose="02070309020205020404" pitchFamily="49" charset="0"/>
-                <a:cs typeface="Courier New" panose="02070309020205020404" pitchFamily="49" charset="0"/>
-              </a:rPr>
-              <a:t>current-dateTime</a:t>
-            </a:r>
-            <a:r>
-              <a:rPr lang="nl-NL" sz="2000" b="1" dirty="0">
-                <a:latin typeface="Courier New" panose="02070309020205020404" pitchFamily="49" charset="0"/>
-                <a:cs typeface="Courier New" panose="02070309020205020404" pitchFamily="49" charset="0"/>
-              </a:rPr>
-              <a:t>())"/&gt;</a:t>
-            </a:r>
-          </a:p>
-          <a:p>
-            <a:r>
-              <a:rPr lang="nl-NL" sz="2000" b="1" dirty="0">
-                <a:latin typeface="Courier New" panose="02070309020205020404" pitchFamily="49" charset="0"/>
-                <a:cs typeface="Courier New" panose="02070309020205020404" pitchFamily="49" charset="0"/>
-              </a:rPr>
-              <a:t>  &lt;/</a:t>
-            </a:r>
-            <a:r>
-              <a:rPr lang="nl-NL" sz="2000" b="1" dirty="0" err="1">
-                <a:latin typeface="Courier New" panose="02070309020205020404" pitchFamily="49" charset="0"/>
-                <a:cs typeface="Courier New" panose="02070309020205020404" pitchFamily="49" charset="0"/>
-              </a:rPr>
-              <a:t>p:add-attribute</a:t>
-            </a:r>
-            <a:r>
-              <a:rPr lang="nl-NL" sz="2000" b="1" dirty="0">
-                <a:latin typeface="Courier New" panose="02070309020205020404" pitchFamily="49" charset="0"/>
-                <a:cs typeface="Courier New" panose="02070309020205020404" pitchFamily="49" charset="0"/>
-              </a:rPr>
-              <a:t>&gt;</a:t>
-            </a:r>
-          </a:p>
-          <a:p>
-            <a:endParaRPr lang="nl-NL" sz="2000" b="1" dirty="0">
-              <a:latin typeface="Courier New" panose="02070309020205020404" pitchFamily="49" charset="0"/>
-              <a:cs typeface="Courier New" panose="02070309020205020404" pitchFamily="49" charset="0"/>
-            </a:endParaRPr>
-          </a:p>
-          <a:p>
-            <a:r>
-              <a:rPr lang="nl-NL" sz="2000" b="1" dirty="0">
-                <a:latin typeface="Courier New" panose="02070309020205020404" pitchFamily="49" charset="0"/>
-                <a:cs typeface="Courier New" panose="02070309020205020404" pitchFamily="49" charset="0"/>
-              </a:rPr>
-              <a:t>&lt;/</a:t>
-            </a:r>
-            <a:r>
-              <a:rPr lang="nl-NL" sz="2000" b="1" dirty="0" err="1">
-                <a:latin typeface="Courier New" panose="02070309020205020404" pitchFamily="49" charset="0"/>
-                <a:cs typeface="Courier New" panose="02070309020205020404" pitchFamily="49" charset="0"/>
-              </a:rPr>
-              <a:t>p:declare-step</a:t>
-            </a:r>
-            <a:r>
-              <a:rPr lang="nl-NL" sz="2000" b="1" dirty="0">
-                <a:latin typeface="Courier New" panose="02070309020205020404" pitchFamily="49" charset="0"/>
-                <a:cs typeface="Courier New" panose="02070309020205020404" pitchFamily="49" charset="0"/>
-              </a:rPr>
-              <a:t>&gt;</a:t>
-            </a:r>
-          </a:p>
-        </p:txBody>
-      </p:sp>
-    </p:spTree>
-    <p:extLst>
-      <p:ext uri="{BB962C8B-B14F-4D97-AF65-F5344CB8AC3E}">
-        <p14:creationId xmlns:p14="http://schemas.microsoft.com/office/powerpoint/2010/main" val="1447366097"/>
-      </p:ext>
-    </p:extLst>
-  </p:cSld>
-  <p:clrMapOvr>
-    <a:masterClrMapping/>
-  </p:clrMapOvr>
-</p:sld>
-</file>
-
 <file path=ppt/slides/slide47.xml><?xml version="1.0" encoding="utf-8"?>
 <p:sld xmlns:a="http://schemas.openxmlformats.org/drawingml/2006/main" xmlns:r="http://schemas.openxmlformats.org/officeDocument/2006/relationships" xmlns:p="http://schemas.openxmlformats.org/presentationml/2006/main">
   <p:cSld>
@@ -29465,6 +30431,423 @@
           <p:cNvPr id="2" name="Title 1">
             <a:extLst>
               <a:ext uri="{FF2B5EF4-FFF2-40B4-BE49-F238E27FC236}">
+                <a16:creationId xmlns:a16="http://schemas.microsoft.com/office/drawing/2014/main" id="{4123861A-F328-4BB9-8F10-4F9FB0F7E245}"/>
+              </a:ext>
+            </a:extLst>
+          </p:cNvPr>
+          <p:cNvSpPr>
+            <a:spLocks noGrp="1"/>
+          </p:cNvSpPr>
+          <p:nvPr>
+            <p:ph type="title"/>
+          </p:nvPr>
+        </p:nvSpPr>
+        <p:spPr>
+          <a:xfrm>
+            <a:off x="428016" y="265834"/>
+            <a:ext cx="11617960" cy="860848"/>
+          </a:xfrm>
+        </p:spPr>
+        <p:txBody>
+          <a:bodyPr>
+            <a:normAutofit/>
+          </a:bodyPr>
+          <a:lstStyle/>
+          <a:p>
+            <a:r>
+              <a:rPr lang="en-US" b="1" dirty="0"/>
+              <a:t>Use p:with-option - solution</a:t>
+            </a:r>
+            <a:endParaRPr lang="en-NL" b="1" dirty="0"/>
+          </a:p>
+        </p:txBody>
+      </p:sp>
+      <p:sp>
+        <p:nvSpPr>
+          <p:cNvPr id="4" name="TextBox 3">
+            <a:extLst>
+              <a:ext uri="{FF2B5EF4-FFF2-40B4-BE49-F238E27FC236}">
+                <a16:creationId xmlns:a16="http://schemas.microsoft.com/office/drawing/2014/main" id="{E614C84A-45C6-4C95-859B-4E28BD47CA0C}"/>
+              </a:ext>
+            </a:extLst>
+          </p:cNvPr>
+          <p:cNvSpPr txBox="1"/>
+          <p:nvPr/>
+        </p:nvSpPr>
+        <p:spPr>
+          <a:xfrm>
+            <a:off x="437744" y="1536174"/>
+            <a:ext cx="11316511" cy="4093428"/>
+          </a:xfrm>
+          <a:prstGeom prst="rect">
+            <a:avLst/>
+          </a:prstGeom>
+          <a:solidFill>
+            <a:schemeClr val="bg1">
+              <a:lumMod val="85000"/>
+            </a:schemeClr>
+          </a:solidFill>
+        </p:spPr>
+        <p:txBody>
+          <a:bodyPr wrap="square" rtlCol="0">
+            <a:spAutoFit/>
+          </a:bodyPr>
+          <a:lstStyle/>
+          <a:p>
+            <a:r>
+              <a:rPr lang="nl-NL" sz="2000" b="1" dirty="0">
+                <a:latin typeface="Courier New" panose="02070309020205020404" pitchFamily="49" charset="0"/>
+                <a:cs typeface="Courier New" panose="02070309020205020404" pitchFamily="49" charset="0"/>
+              </a:rPr>
+              <a:t>&lt;</a:t>
+            </a:r>
+            <a:r>
+              <a:rPr lang="nl-NL" sz="2000" b="1" dirty="0" err="1">
+                <a:latin typeface="Courier New" panose="02070309020205020404" pitchFamily="49" charset="0"/>
+                <a:cs typeface="Courier New" panose="02070309020205020404" pitchFamily="49" charset="0"/>
+              </a:rPr>
+              <a:t>p:declare-step</a:t>
+            </a:r>
+            <a:r>
+              <a:rPr lang="nl-NL" sz="2000" b="1" dirty="0">
+                <a:latin typeface="Courier New" panose="02070309020205020404" pitchFamily="49" charset="0"/>
+                <a:cs typeface="Courier New" panose="02070309020205020404" pitchFamily="49" charset="0"/>
+              </a:rPr>
+              <a:t> </a:t>
+            </a:r>
+            <a:r>
+              <a:rPr lang="nl-NL" sz="2000" b="1" dirty="0" err="1">
+                <a:latin typeface="Courier New" panose="02070309020205020404" pitchFamily="49" charset="0"/>
+                <a:cs typeface="Courier New" panose="02070309020205020404" pitchFamily="49" charset="0"/>
+              </a:rPr>
+              <a:t>xmlns:p</a:t>
+            </a:r>
+            <a:r>
+              <a:rPr lang="nl-NL" sz="2000" b="1" dirty="0">
+                <a:latin typeface="Courier New" panose="02070309020205020404" pitchFamily="49" charset="0"/>
+                <a:cs typeface="Courier New" panose="02070309020205020404" pitchFamily="49" charset="0"/>
+              </a:rPr>
+              <a:t>="http://www.w3.org/ns/xproc" </a:t>
+            </a:r>
+            <a:r>
+              <a:rPr lang="nl-NL" sz="2000" b="1" dirty="0" err="1">
+                <a:latin typeface="Courier New" panose="02070309020205020404" pitchFamily="49" charset="0"/>
+                <a:cs typeface="Courier New" panose="02070309020205020404" pitchFamily="49" charset="0"/>
+              </a:rPr>
+              <a:t>version</a:t>
+            </a:r>
+            <a:r>
+              <a:rPr lang="nl-NL" sz="2000" b="1" dirty="0">
+                <a:latin typeface="Courier New" panose="02070309020205020404" pitchFamily="49" charset="0"/>
+                <a:cs typeface="Courier New" panose="02070309020205020404" pitchFamily="49" charset="0"/>
+              </a:rPr>
+              <a:t>="3.0"&gt;</a:t>
+            </a:r>
+          </a:p>
+          <a:p>
+            <a:endParaRPr lang="nl-NL" sz="2000" b="1" dirty="0">
+              <a:latin typeface="Courier New" panose="02070309020205020404" pitchFamily="49" charset="0"/>
+              <a:cs typeface="Courier New" panose="02070309020205020404" pitchFamily="49" charset="0"/>
+            </a:endParaRPr>
+          </a:p>
+          <a:p>
+            <a:r>
+              <a:rPr lang="nl-NL" sz="2000" b="1" dirty="0">
+                <a:latin typeface="Courier New" panose="02070309020205020404" pitchFamily="49" charset="0"/>
+                <a:cs typeface="Courier New" panose="02070309020205020404" pitchFamily="49" charset="0"/>
+              </a:rPr>
+              <a:t>  &lt;</a:t>
+            </a:r>
+            <a:r>
+              <a:rPr lang="nl-NL" sz="2000" b="1" dirty="0" err="1">
+                <a:latin typeface="Courier New" panose="02070309020205020404" pitchFamily="49" charset="0"/>
+                <a:cs typeface="Courier New" panose="02070309020205020404" pitchFamily="49" charset="0"/>
+              </a:rPr>
+              <a:t>p:input</a:t>
+            </a:r>
+            <a:r>
+              <a:rPr lang="nl-NL" sz="2000" b="1" dirty="0">
+                <a:latin typeface="Courier New" panose="02070309020205020404" pitchFamily="49" charset="0"/>
+                <a:cs typeface="Courier New" panose="02070309020205020404" pitchFamily="49" charset="0"/>
+              </a:rPr>
+              <a:t> port="source"/&gt;</a:t>
+            </a:r>
+          </a:p>
+          <a:p>
+            <a:r>
+              <a:rPr lang="nl-NL" sz="2000" b="1" dirty="0">
+                <a:latin typeface="Courier New" panose="02070309020205020404" pitchFamily="49" charset="0"/>
+                <a:cs typeface="Courier New" panose="02070309020205020404" pitchFamily="49" charset="0"/>
+              </a:rPr>
+              <a:t>  &lt;</a:t>
+            </a:r>
+            <a:r>
+              <a:rPr lang="nl-NL" sz="2000" b="1" dirty="0" err="1">
+                <a:latin typeface="Courier New" panose="02070309020205020404" pitchFamily="49" charset="0"/>
+                <a:cs typeface="Courier New" panose="02070309020205020404" pitchFamily="49" charset="0"/>
+              </a:rPr>
+              <a:t>p:output</a:t>
+            </a:r>
+            <a:r>
+              <a:rPr lang="nl-NL" sz="2000" b="1" dirty="0">
+                <a:latin typeface="Courier New" panose="02070309020205020404" pitchFamily="49" charset="0"/>
+                <a:cs typeface="Courier New" panose="02070309020205020404" pitchFamily="49" charset="0"/>
+              </a:rPr>
+              <a:t> port="</a:t>
+            </a:r>
+            <a:r>
+              <a:rPr lang="nl-NL" sz="2000" b="1" dirty="0" err="1">
+                <a:latin typeface="Courier New" panose="02070309020205020404" pitchFamily="49" charset="0"/>
+                <a:cs typeface="Courier New" panose="02070309020205020404" pitchFamily="49" charset="0"/>
+              </a:rPr>
+              <a:t>result</a:t>
+            </a:r>
+            <a:r>
+              <a:rPr lang="nl-NL" sz="2000" b="1" dirty="0">
+                <a:latin typeface="Courier New" panose="02070309020205020404" pitchFamily="49" charset="0"/>
+                <a:cs typeface="Courier New" panose="02070309020205020404" pitchFamily="49" charset="0"/>
+              </a:rPr>
+              <a:t>"/&gt;</a:t>
+            </a:r>
+          </a:p>
+          <a:p>
+            <a:endParaRPr lang="nl-NL" sz="2000" b="1" dirty="0">
+              <a:latin typeface="Courier New" panose="02070309020205020404" pitchFamily="49" charset="0"/>
+              <a:cs typeface="Courier New" panose="02070309020205020404" pitchFamily="49" charset="0"/>
+            </a:endParaRPr>
+          </a:p>
+          <a:p>
+            <a:r>
+              <a:rPr lang="nl-NL" sz="2000" b="1" dirty="0">
+                <a:latin typeface="Courier New" panose="02070309020205020404" pitchFamily="49" charset="0"/>
+                <a:cs typeface="Courier New" panose="02070309020205020404" pitchFamily="49" charset="0"/>
+              </a:rPr>
+              <a:t>  &lt;</a:t>
+            </a:r>
+            <a:r>
+              <a:rPr lang="nl-NL" sz="2000" b="1" dirty="0" err="1">
+                <a:latin typeface="Courier New" panose="02070309020205020404" pitchFamily="49" charset="0"/>
+                <a:cs typeface="Courier New" panose="02070309020205020404" pitchFamily="49" charset="0"/>
+              </a:rPr>
+              <a:t>p:add-attribute</a:t>
+            </a:r>
+            <a:r>
+              <a:rPr lang="nl-NL" sz="2000" b="1" dirty="0">
+                <a:latin typeface="Courier New" panose="02070309020205020404" pitchFamily="49" charset="0"/>
+                <a:cs typeface="Courier New" panose="02070309020205020404" pitchFamily="49" charset="0"/>
+              </a:rPr>
+              <a:t>&gt;</a:t>
+            </a:r>
+          </a:p>
+          <a:p>
+            <a:r>
+              <a:rPr lang="nl-NL" sz="2000" b="1" dirty="0">
+                <a:latin typeface="Courier New" panose="02070309020205020404" pitchFamily="49" charset="0"/>
+                <a:cs typeface="Courier New" panose="02070309020205020404" pitchFamily="49" charset="0"/>
+              </a:rPr>
+              <a:t>    &lt;</a:t>
+            </a:r>
+            <a:r>
+              <a:rPr lang="nl-NL" sz="2000" b="1" dirty="0" err="1">
+                <a:latin typeface="Courier New" panose="02070309020205020404" pitchFamily="49" charset="0"/>
+                <a:cs typeface="Courier New" panose="02070309020205020404" pitchFamily="49" charset="0"/>
+              </a:rPr>
+              <a:t>p:with-option</a:t>
+            </a:r>
+            <a:r>
+              <a:rPr lang="nl-NL" sz="2000" b="1" dirty="0">
+                <a:latin typeface="Courier New" panose="02070309020205020404" pitchFamily="49" charset="0"/>
+                <a:cs typeface="Courier New" panose="02070309020205020404" pitchFamily="49" charset="0"/>
+              </a:rPr>
+              <a:t> name="match" select="'/*'"/&gt;</a:t>
+            </a:r>
+          </a:p>
+          <a:p>
+            <a:r>
+              <a:rPr lang="nl-NL" sz="2000" b="1" dirty="0">
+                <a:latin typeface="Courier New" panose="02070309020205020404" pitchFamily="49" charset="0"/>
+                <a:cs typeface="Courier New" panose="02070309020205020404" pitchFamily="49" charset="0"/>
+              </a:rPr>
+              <a:t>    &lt;</a:t>
+            </a:r>
+            <a:r>
+              <a:rPr lang="nl-NL" sz="2000" b="1" dirty="0" err="1">
+                <a:latin typeface="Courier New" panose="02070309020205020404" pitchFamily="49" charset="0"/>
+                <a:cs typeface="Courier New" panose="02070309020205020404" pitchFamily="49" charset="0"/>
+              </a:rPr>
+              <a:t>p:with-option</a:t>
+            </a:r>
+            <a:r>
+              <a:rPr lang="nl-NL" sz="2000" b="1" dirty="0">
+                <a:latin typeface="Courier New" panose="02070309020205020404" pitchFamily="49" charset="0"/>
+                <a:cs typeface="Courier New" panose="02070309020205020404" pitchFamily="49" charset="0"/>
+              </a:rPr>
+              <a:t> name="</a:t>
+            </a:r>
+            <a:r>
+              <a:rPr lang="nl-NL" sz="2000" b="1" dirty="0" err="1">
+                <a:latin typeface="Courier New" panose="02070309020205020404" pitchFamily="49" charset="0"/>
+                <a:cs typeface="Courier New" panose="02070309020205020404" pitchFamily="49" charset="0"/>
+              </a:rPr>
+              <a:t>attribute</a:t>
+            </a:r>
+            <a:r>
+              <a:rPr lang="nl-NL" sz="2000" b="1" dirty="0">
+                <a:latin typeface="Courier New" panose="02070309020205020404" pitchFamily="49" charset="0"/>
+                <a:cs typeface="Courier New" panose="02070309020205020404" pitchFamily="49" charset="0"/>
+              </a:rPr>
+              <a:t>-name" select="'timestamp'"/&gt;</a:t>
+            </a:r>
+          </a:p>
+          <a:p>
+            <a:r>
+              <a:rPr lang="nl-NL" sz="2000" b="1" dirty="0">
+                <a:latin typeface="Courier New" panose="02070309020205020404" pitchFamily="49" charset="0"/>
+                <a:cs typeface="Courier New" panose="02070309020205020404" pitchFamily="49" charset="0"/>
+              </a:rPr>
+              <a:t>    &lt;</a:t>
+            </a:r>
+            <a:r>
+              <a:rPr lang="nl-NL" sz="2000" b="1" dirty="0" err="1">
+                <a:latin typeface="Courier New" panose="02070309020205020404" pitchFamily="49" charset="0"/>
+                <a:cs typeface="Courier New" panose="02070309020205020404" pitchFamily="49" charset="0"/>
+              </a:rPr>
+              <a:t>p:with-option</a:t>
+            </a:r>
+            <a:r>
+              <a:rPr lang="nl-NL" sz="2000" b="1" dirty="0">
+                <a:latin typeface="Courier New" panose="02070309020205020404" pitchFamily="49" charset="0"/>
+                <a:cs typeface="Courier New" panose="02070309020205020404" pitchFamily="49" charset="0"/>
+              </a:rPr>
+              <a:t> name="</a:t>
+            </a:r>
+            <a:r>
+              <a:rPr lang="nl-NL" sz="2000" b="1" dirty="0" err="1">
+                <a:latin typeface="Courier New" panose="02070309020205020404" pitchFamily="49" charset="0"/>
+                <a:cs typeface="Courier New" panose="02070309020205020404" pitchFamily="49" charset="0"/>
+              </a:rPr>
+              <a:t>attribute-value</a:t>
+            </a:r>
+            <a:r>
+              <a:rPr lang="nl-NL" sz="2000" b="1" dirty="0">
+                <a:latin typeface="Courier New" panose="02070309020205020404" pitchFamily="49" charset="0"/>
+                <a:cs typeface="Courier New" panose="02070309020205020404" pitchFamily="49" charset="0"/>
+              </a:rPr>
+              <a:t>" </a:t>
+            </a:r>
+          </a:p>
+          <a:p>
+            <a:r>
+              <a:rPr lang="nl-NL" sz="2000" b="1" dirty="0">
+                <a:latin typeface="Courier New" panose="02070309020205020404" pitchFamily="49" charset="0"/>
+                <a:cs typeface="Courier New" panose="02070309020205020404" pitchFamily="49" charset="0"/>
+              </a:rPr>
+              <a:t>       select="string(</a:t>
+            </a:r>
+            <a:r>
+              <a:rPr lang="nl-NL" sz="2000" b="1" dirty="0" err="1">
+                <a:latin typeface="Courier New" panose="02070309020205020404" pitchFamily="49" charset="0"/>
+                <a:cs typeface="Courier New" panose="02070309020205020404" pitchFamily="49" charset="0"/>
+              </a:rPr>
+              <a:t>current-dateTime</a:t>
+            </a:r>
+            <a:r>
+              <a:rPr lang="nl-NL" sz="2000" b="1" dirty="0">
+                <a:latin typeface="Courier New" panose="02070309020205020404" pitchFamily="49" charset="0"/>
+                <a:cs typeface="Courier New" panose="02070309020205020404" pitchFamily="49" charset="0"/>
+              </a:rPr>
+              <a:t>())"/&gt;</a:t>
+            </a:r>
+          </a:p>
+          <a:p>
+            <a:r>
+              <a:rPr lang="nl-NL" sz="2000" b="1" dirty="0">
+                <a:latin typeface="Courier New" panose="02070309020205020404" pitchFamily="49" charset="0"/>
+                <a:cs typeface="Courier New" panose="02070309020205020404" pitchFamily="49" charset="0"/>
+              </a:rPr>
+              <a:t>  &lt;/</a:t>
+            </a:r>
+            <a:r>
+              <a:rPr lang="nl-NL" sz="2000" b="1" dirty="0" err="1">
+                <a:latin typeface="Courier New" panose="02070309020205020404" pitchFamily="49" charset="0"/>
+                <a:cs typeface="Courier New" panose="02070309020205020404" pitchFamily="49" charset="0"/>
+              </a:rPr>
+              <a:t>p:add-attribute</a:t>
+            </a:r>
+            <a:r>
+              <a:rPr lang="nl-NL" sz="2000" b="1" dirty="0">
+                <a:latin typeface="Courier New" panose="02070309020205020404" pitchFamily="49" charset="0"/>
+                <a:cs typeface="Courier New" panose="02070309020205020404" pitchFamily="49" charset="0"/>
+              </a:rPr>
+              <a:t>&gt;</a:t>
+            </a:r>
+          </a:p>
+          <a:p>
+            <a:endParaRPr lang="nl-NL" sz="2000" b="1" dirty="0">
+              <a:latin typeface="Courier New" panose="02070309020205020404" pitchFamily="49" charset="0"/>
+              <a:cs typeface="Courier New" panose="02070309020205020404" pitchFamily="49" charset="0"/>
+            </a:endParaRPr>
+          </a:p>
+          <a:p>
+            <a:r>
+              <a:rPr lang="nl-NL" sz="2000" b="1" dirty="0">
+                <a:latin typeface="Courier New" panose="02070309020205020404" pitchFamily="49" charset="0"/>
+                <a:cs typeface="Courier New" panose="02070309020205020404" pitchFamily="49" charset="0"/>
+              </a:rPr>
+              <a:t>&lt;/</a:t>
+            </a:r>
+            <a:r>
+              <a:rPr lang="nl-NL" sz="2000" b="1" dirty="0" err="1">
+                <a:latin typeface="Courier New" panose="02070309020205020404" pitchFamily="49" charset="0"/>
+                <a:cs typeface="Courier New" panose="02070309020205020404" pitchFamily="49" charset="0"/>
+              </a:rPr>
+              <a:t>p:declare-step</a:t>
+            </a:r>
+            <a:r>
+              <a:rPr lang="nl-NL" sz="2000" b="1" dirty="0">
+                <a:latin typeface="Courier New" panose="02070309020205020404" pitchFamily="49" charset="0"/>
+                <a:cs typeface="Courier New" panose="02070309020205020404" pitchFamily="49" charset="0"/>
+              </a:rPr>
+              <a:t>&gt;</a:t>
+            </a:r>
+          </a:p>
+        </p:txBody>
+      </p:sp>
+    </p:spTree>
+    <p:extLst>
+      <p:ext uri="{BB962C8B-B14F-4D97-AF65-F5344CB8AC3E}">
+        <p14:creationId xmlns:p14="http://schemas.microsoft.com/office/powerpoint/2010/main" val="1447366097"/>
+      </p:ext>
+    </p:extLst>
+  </p:cSld>
+  <p:clrMapOvr>
+    <a:masterClrMapping/>
+  </p:clrMapOvr>
+</p:sld>
+</file>
+
+<file path=ppt/slides/slide48.xml><?xml version="1.0" encoding="utf-8"?>
+<p:sld xmlns:a="http://schemas.openxmlformats.org/drawingml/2006/main" xmlns:r="http://schemas.openxmlformats.org/officeDocument/2006/relationships" xmlns:p="http://schemas.openxmlformats.org/presentationml/2006/main">
+  <p:cSld>
+    <p:spTree>
+      <p:nvGrpSpPr>
+        <p:cNvPr id="1" name=""/>
+        <p:cNvGrpSpPr/>
+        <p:nvPr/>
+      </p:nvGrpSpPr>
+      <p:grpSpPr>
+        <a:xfrm>
+          <a:off x="0" y="0"/>
+          <a:ext cx="0" cy="0"/>
+          <a:chOff x="0" y="0"/>
+          <a:chExt cx="0" cy="0"/>
+        </a:xfrm>
+      </p:grpSpPr>
+      <p:sp>
+        <p:nvSpPr>
+          <p:cNvPr id="2" name="Title 1">
+            <a:extLst>
+              <a:ext uri="{FF2B5EF4-FFF2-40B4-BE49-F238E27FC236}">
                 <a16:creationId xmlns:a16="http://schemas.microsoft.com/office/drawing/2014/main" id="{CE95EFAD-07B3-4047-8C0A-A70D1D89838E}"/>
               </a:ext>
             </a:extLst>
@@ -29684,7 +31067,7 @@
 </p:sld>
 </file>
 
-<file path=ppt/slides/slide48.xml><?xml version="1.0" encoding="utf-8"?>
+<file path=ppt/slides/slide49.xml><?xml version="1.0" encoding="utf-8"?>
 <p:sld xmlns:a="http://schemas.openxmlformats.org/drawingml/2006/main" xmlns:r="http://schemas.openxmlformats.org/officeDocument/2006/relationships" xmlns:p="http://schemas.openxmlformats.org/presentationml/2006/main">
   <p:cSld>
     <p:spTree>
@@ -29962,176 +31345,6 @@
 </p:sld>
 </file>
 
-<file path=ppt/slides/slide49.xml><?xml version="1.0" encoding="utf-8"?>
-<p:sld xmlns:a="http://schemas.openxmlformats.org/drawingml/2006/main" xmlns:r="http://schemas.openxmlformats.org/officeDocument/2006/relationships" xmlns:p="http://schemas.openxmlformats.org/presentationml/2006/main">
-  <p:cSld>
-    <p:spTree>
-      <p:nvGrpSpPr>
-        <p:cNvPr id="1" name=""/>
-        <p:cNvGrpSpPr/>
-        <p:nvPr/>
-      </p:nvGrpSpPr>
-      <p:grpSpPr>
-        <a:xfrm>
-          <a:off x="0" y="0"/>
-          <a:ext cx="0" cy="0"/>
-          <a:chOff x="0" y="0"/>
-          <a:chExt cx="0" cy="0"/>
-        </a:xfrm>
-      </p:grpSpPr>
-      <p:pic>
-        <p:nvPicPr>
-          <p:cNvPr id="4098" name="Picture 2" descr="Data complexity icon linear isolated Royalty Free Vector">
-            <a:extLst>
-              <a:ext uri="{FF2B5EF4-FFF2-40B4-BE49-F238E27FC236}">
-                <a16:creationId xmlns:a16="http://schemas.microsoft.com/office/drawing/2014/main" id="{33999A0B-D942-43A1-BC42-999B5038389B}"/>
-              </a:ext>
-            </a:extLst>
-          </p:cNvPr>
-          <p:cNvPicPr>
-            <a:picLocks noChangeAspect="1" noChangeArrowheads="1"/>
-          </p:cNvPicPr>
-          <p:nvPr/>
-        </p:nvPicPr>
-        <p:blipFill rotWithShape="1">
-          <a:blip r:embed="rId2">
-            <a:extLst>
-              <a:ext uri="{28A0092B-C50C-407E-A947-70E740481C1C}">
-                <a14:useLocalDpi xmlns:a14="http://schemas.microsoft.com/office/drawing/2010/main" val="0"/>
-              </a:ext>
-            </a:extLst>
-          </a:blip>
-          <a:srcRect t="-10099" b="19416"/>
-          <a:stretch/>
-        </p:blipFill>
-        <p:spPr bwMode="auto">
-          <a:xfrm>
-            <a:off x="-736519" y="393940"/>
-            <a:ext cx="6350000" cy="5648528"/>
-          </a:xfrm>
-          <a:prstGeom prst="rect">
-            <a:avLst/>
-          </a:prstGeom>
-          <a:noFill/>
-          <a:extLst>
-            <a:ext uri="{909E8E84-426E-40DD-AFC4-6F175D3DCCD1}">
-              <a14:hiddenFill xmlns:a14="http://schemas.microsoft.com/office/drawing/2010/main">
-                <a:solidFill>
-                  <a:srgbClr val="FFFFFF"/>
-                </a:solidFill>
-              </a14:hiddenFill>
-            </a:ext>
-          </a:extLst>
-        </p:spPr>
-      </p:pic>
-      <p:sp>
-        <p:nvSpPr>
-          <p:cNvPr id="2" name="Titel 1">
-            <a:extLst>
-              <a:ext uri="{FF2B5EF4-FFF2-40B4-BE49-F238E27FC236}">
-                <a16:creationId xmlns:a16="http://schemas.microsoft.com/office/drawing/2014/main" id="{D0EC415A-1753-49AB-AFDB-461D38140CEF}"/>
-              </a:ext>
-            </a:extLst>
-          </p:cNvPr>
-          <p:cNvSpPr>
-            <a:spLocks noGrp="1"/>
-          </p:cNvSpPr>
-          <p:nvPr>
-            <p:ph type="title"/>
-          </p:nvPr>
-        </p:nvSpPr>
-        <p:spPr>
-          <a:xfrm>
-            <a:off x="488004" y="112206"/>
-            <a:ext cx="10515600" cy="1325563"/>
-          </a:xfrm>
-        </p:spPr>
-        <p:txBody>
-          <a:bodyPr>
-            <a:normAutofit/>
-          </a:bodyPr>
-          <a:lstStyle/>
-          <a:p>
-            <a:r>
-              <a:rPr lang="en-US" sz="5400" b="1" dirty="0"/>
-              <a:t>Compound steps</a:t>
-            </a:r>
-          </a:p>
-        </p:txBody>
-      </p:sp>
-      <p:sp>
-        <p:nvSpPr>
-          <p:cNvPr id="8" name="TextBox 7">
-            <a:extLst>
-              <a:ext uri="{FF2B5EF4-FFF2-40B4-BE49-F238E27FC236}">
-                <a16:creationId xmlns:a16="http://schemas.microsoft.com/office/drawing/2014/main" id="{16BEBB21-81A5-4169-A478-1E180AF88DF7}"/>
-              </a:ext>
-            </a:extLst>
-          </p:cNvPr>
-          <p:cNvSpPr txBox="1"/>
-          <p:nvPr/>
-        </p:nvSpPr>
-        <p:spPr>
-          <a:xfrm>
-            <a:off x="5202426" y="1692613"/>
-            <a:ext cx="6989574" cy="1569660"/>
-          </a:xfrm>
-          <a:prstGeom prst="rect">
-            <a:avLst/>
-          </a:prstGeom>
-          <a:noFill/>
-        </p:spPr>
-        <p:txBody>
-          <a:bodyPr wrap="square" rtlCol="0">
-            <a:spAutoFit/>
-          </a:bodyPr>
-          <a:lstStyle/>
-          <a:p>
-            <a:pPr marL="514350" indent="-514350">
-              <a:buFont typeface="+mj-lt"/>
-              <a:buAutoNum type="arabicPeriod"/>
-            </a:pPr>
-            <a:r>
-              <a:rPr lang="en-US" sz="3200" dirty="0"/>
-              <a:t>What are compound steps?</a:t>
-            </a:r>
-          </a:p>
-          <a:p>
-            <a:pPr marL="514350" indent="-514350">
-              <a:buFont typeface="+mj-lt"/>
-              <a:buAutoNum type="arabicPeriod"/>
-            </a:pPr>
-            <a:r>
-              <a:rPr lang="en-US" sz="3200" dirty="0"/>
-              <a:t>What steps do we have?</a:t>
-            </a:r>
-          </a:p>
-          <a:p>
-            <a:pPr marL="514350" indent="-514350">
-              <a:buFont typeface="+mj-lt"/>
-              <a:buAutoNum type="arabicPeriod"/>
-            </a:pPr>
-            <a:r>
-              <a:rPr lang="en-US" sz="3200" dirty="0"/>
-              <a:t>Example of using the p:for-each step</a:t>
-            </a:r>
-            <a:endParaRPr lang="en-GB" sz="3200" dirty="0"/>
-          </a:p>
-        </p:txBody>
-      </p:sp>
-    </p:spTree>
-    <p:extLst>
-      <p:ext uri="{BB962C8B-B14F-4D97-AF65-F5344CB8AC3E}">
-        <p14:creationId xmlns:p14="http://schemas.microsoft.com/office/powerpoint/2010/main" val="2841482997"/>
-      </p:ext>
-    </p:extLst>
-  </p:cSld>
-  <p:clrMapOvr>
-    <a:masterClrMapping/>
-  </p:clrMapOvr>
-</p:sld>
-</file>
-
 <file path=ppt/slides/slide5.xml><?xml version="1.0" encoding="utf-8"?>
 <p:sld xmlns:a="http://schemas.openxmlformats.org/drawingml/2006/main" xmlns:r="http://schemas.openxmlformats.org/officeDocument/2006/relationships" xmlns:p="http://schemas.openxmlformats.org/presentationml/2006/main">
   <p:cSld>
@@ -30663,6 +31876,176 @@
           <a:chExt cx="0" cy="0"/>
         </a:xfrm>
       </p:grpSpPr>
+      <p:pic>
+        <p:nvPicPr>
+          <p:cNvPr id="4098" name="Picture 2" descr="Data complexity icon linear isolated Royalty Free Vector">
+            <a:extLst>
+              <a:ext uri="{FF2B5EF4-FFF2-40B4-BE49-F238E27FC236}">
+                <a16:creationId xmlns:a16="http://schemas.microsoft.com/office/drawing/2014/main" id="{33999A0B-D942-43A1-BC42-999B5038389B}"/>
+              </a:ext>
+            </a:extLst>
+          </p:cNvPr>
+          <p:cNvPicPr>
+            <a:picLocks noChangeAspect="1" noChangeArrowheads="1"/>
+          </p:cNvPicPr>
+          <p:nvPr/>
+        </p:nvPicPr>
+        <p:blipFill rotWithShape="1">
+          <a:blip r:embed="rId2">
+            <a:extLst>
+              <a:ext uri="{28A0092B-C50C-407E-A947-70E740481C1C}">
+                <a14:useLocalDpi xmlns:a14="http://schemas.microsoft.com/office/drawing/2010/main" val="0"/>
+              </a:ext>
+            </a:extLst>
+          </a:blip>
+          <a:srcRect t="-10099" b="19416"/>
+          <a:stretch/>
+        </p:blipFill>
+        <p:spPr bwMode="auto">
+          <a:xfrm>
+            <a:off x="-736519" y="393940"/>
+            <a:ext cx="6350000" cy="5648528"/>
+          </a:xfrm>
+          <a:prstGeom prst="rect">
+            <a:avLst/>
+          </a:prstGeom>
+          <a:noFill/>
+          <a:extLst>
+            <a:ext uri="{909E8E84-426E-40DD-AFC4-6F175D3DCCD1}">
+              <a14:hiddenFill xmlns:a14="http://schemas.microsoft.com/office/drawing/2010/main">
+                <a:solidFill>
+                  <a:srgbClr val="FFFFFF"/>
+                </a:solidFill>
+              </a14:hiddenFill>
+            </a:ext>
+          </a:extLst>
+        </p:spPr>
+      </p:pic>
+      <p:sp>
+        <p:nvSpPr>
+          <p:cNvPr id="2" name="Titel 1">
+            <a:extLst>
+              <a:ext uri="{FF2B5EF4-FFF2-40B4-BE49-F238E27FC236}">
+                <a16:creationId xmlns:a16="http://schemas.microsoft.com/office/drawing/2014/main" id="{D0EC415A-1753-49AB-AFDB-461D38140CEF}"/>
+              </a:ext>
+            </a:extLst>
+          </p:cNvPr>
+          <p:cNvSpPr>
+            <a:spLocks noGrp="1"/>
+          </p:cNvSpPr>
+          <p:nvPr>
+            <p:ph type="title"/>
+          </p:nvPr>
+        </p:nvSpPr>
+        <p:spPr>
+          <a:xfrm>
+            <a:off x="488004" y="112206"/>
+            <a:ext cx="10515600" cy="1325563"/>
+          </a:xfrm>
+        </p:spPr>
+        <p:txBody>
+          <a:bodyPr>
+            <a:normAutofit/>
+          </a:bodyPr>
+          <a:lstStyle/>
+          <a:p>
+            <a:r>
+              <a:rPr lang="en-US" sz="5400" b="1" dirty="0"/>
+              <a:t>Compound steps</a:t>
+            </a:r>
+          </a:p>
+        </p:txBody>
+      </p:sp>
+      <p:sp>
+        <p:nvSpPr>
+          <p:cNvPr id="8" name="TextBox 7">
+            <a:extLst>
+              <a:ext uri="{FF2B5EF4-FFF2-40B4-BE49-F238E27FC236}">
+                <a16:creationId xmlns:a16="http://schemas.microsoft.com/office/drawing/2014/main" id="{16BEBB21-81A5-4169-A478-1E180AF88DF7}"/>
+              </a:ext>
+            </a:extLst>
+          </p:cNvPr>
+          <p:cNvSpPr txBox="1"/>
+          <p:nvPr/>
+        </p:nvSpPr>
+        <p:spPr>
+          <a:xfrm>
+            <a:off x="5202426" y="1692613"/>
+            <a:ext cx="6989574" cy="1569660"/>
+          </a:xfrm>
+          <a:prstGeom prst="rect">
+            <a:avLst/>
+          </a:prstGeom>
+          <a:noFill/>
+        </p:spPr>
+        <p:txBody>
+          <a:bodyPr wrap="square" rtlCol="0">
+            <a:spAutoFit/>
+          </a:bodyPr>
+          <a:lstStyle/>
+          <a:p>
+            <a:pPr marL="514350" indent="-514350">
+              <a:buFont typeface="+mj-lt"/>
+              <a:buAutoNum type="arabicPeriod"/>
+            </a:pPr>
+            <a:r>
+              <a:rPr lang="en-US" sz="3200" dirty="0"/>
+              <a:t>What are compound steps?</a:t>
+            </a:r>
+          </a:p>
+          <a:p>
+            <a:pPr marL="514350" indent="-514350">
+              <a:buFont typeface="+mj-lt"/>
+              <a:buAutoNum type="arabicPeriod"/>
+            </a:pPr>
+            <a:r>
+              <a:rPr lang="en-US" sz="3200" dirty="0"/>
+              <a:t>What steps do we have?</a:t>
+            </a:r>
+          </a:p>
+          <a:p>
+            <a:pPr marL="514350" indent="-514350">
+              <a:buFont typeface="+mj-lt"/>
+              <a:buAutoNum type="arabicPeriod"/>
+            </a:pPr>
+            <a:r>
+              <a:rPr lang="en-US" sz="3200" dirty="0"/>
+              <a:t>Example of using the p:for-each step</a:t>
+            </a:r>
+            <a:endParaRPr lang="en-GB" sz="3200" dirty="0"/>
+          </a:p>
+        </p:txBody>
+      </p:sp>
+    </p:spTree>
+    <p:extLst>
+      <p:ext uri="{BB962C8B-B14F-4D97-AF65-F5344CB8AC3E}">
+        <p14:creationId xmlns:p14="http://schemas.microsoft.com/office/powerpoint/2010/main" val="2841482997"/>
+      </p:ext>
+    </p:extLst>
+  </p:cSld>
+  <p:clrMapOvr>
+    <a:masterClrMapping/>
+  </p:clrMapOvr>
+</p:sld>
+</file>
+
+<file path=ppt/slides/slide51.xml><?xml version="1.0" encoding="utf-8"?>
+<p:sld xmlns:a="http://schemas.openxmlformats.org/drawingml/2006/main" xmlns:r="http://schemas.openxmlformats.org/officeDocument/2006/relationships" xmlns:p="http://schemas.openxmlformats.org/presentationml/2006/main">
+  <p:cSld>
+    <p:spTree>
+      <p:nvGrpSpPr>
+        <p:cNvPr id="1" name=""/>
+        <p:cNvGrpSpPr/>
+        <p:nvPr/>
+      </p:nvGrpSpPr>
+      <p:grpSpPr>
+        <a:xfrm>
+          <a:off x="0" y="0"/>
+          <a:ext cx="0" cy="0"/>
+          <a:chOff x="0" y="0"/>
+          <a:chExt cx="0" cy="0"/>
+        </a:xfrm>
+      </p:grpSpPr>
       <p:sp>
         <p:nvSpPr>
           <p:cNvPr id="2" name="Title 1">
@@ -30871,7 +32254,7 @@
 </p:sld>
 </file>
 
-<file path=ppt/slides/slide51.xml><?xml version="1.0" encoding="utf-8"?>
+<file path=ppt/slides/slide52.xml><?xml version="1.0" encoding="utf-8"?>
 <p:sld xmlns:a="http://schemas.openxmlformats.org/drawingml/2006/main" xmlns:r="http://schemas.openxmlformats.org/officeDocument/2006/relationships" xmlns:p="http://schemas.openxmlformats.org/presentationml/2006/main">
   <p:cSld>
     <p:spTree>
@@ -31257,7 +32640,7 @@
 </p:sld>
 </file>
 
-<file path=ppt/slides/slide52.xml><?xml version="1.0" encoding="utf-8"?>
+<file path=ppt/slides/slide53.xml><?xml version="1.0" encoding="utf-8"?>
 <p:sld xmlns:a="http://schemas.openxmlformats.org/drawingml/2006/main" xmlns:r="http://schemas.openxmlformats.org/officeDocument/2006/relationships" xmlns:p="http://schemas.openxmlformats.org/presentationml/2006/main">
   <p:cSld>
     <p:spTree>
@@ -31419,7 +32802,7 @@
             </a:r>
             <a:r>
               <a:rPr lang="en-GB" dirty="0"/>
-              <a:t>, it should add an additional attribute to the root:</a:t>
+              <a:t>, add an additional attribute to the root:</a:t>
             </a:r>
             <a:br>
               <a:rPr lang="en-GB" dirty="0"/>
@@ -31437,6 +32820,51 @@
               <a:rPr lang="en-GB" sz="2800" dirty="0"/>
               <a:t>Try it!</a:t>
             </a:r>
+          </a:p>
+          <a:p>
+            <a:r>
+              <a:rPr lang="en-GB" sz="2800" dirty="0"/>
+              <a:t>Command: </a:t>
+            </a:r>
+            <a:r>
+              <a:rPr lang="en-US" sz="2800" b="1" dirty="0">
+                <a:latin typeface="Courier New" panose="02070309020205020404" pitchFamily="49" charset="0"/>
+                <a:cs typeface="Courier New" panose="02070309020205020404" pitchFamily="49" charset="0"/>
+              </a:rPr>
+              <a:t>morgana </a:t>
+            </a:r>
+            <a:r>
+              <a:rPr lang="en-US" sz="2800" b="1" dirty="0" err="1">
+                <a:latin typeface="Courier New" panose="02070309020205020404" pitchFamily="49" charset="0"/>
+                <a:cs typeface="Courier New" panose="02070309020205020404" pitchFamily="49" charset="0"/>
+              </a:rPr>
+              <a:t>pipeline.xpl</a:t>
+            </a:r>
+            <a:r>
+              <a:rPr lang="en-US" sz="2800" b="1" dirty="0">
+                <a:latin typeface="Courier New" panose="02070309020205020404" pitchFamily="49" charset="0"/>
+                <a:cs typeface="Courier New" panose="02070309020205020404" pitchFamily="49" charset="0"/>
+              </a:rPr>
+              <a:t> -</a:t>
+            </a:r>
+            <a:r>
+              <a:rPr lang="en-US" sz="2800" b="1" dirty="0" err="1">
+                <a:latin typeface="Courier New" panose="02070309020205020404" pitchFamily="49" charset="0"/>
+                <a:cs typeface="Courier New" panose="02070309020205020404" pitchFamily="49" charset="0"/>
+              </a:rPr>
+              <a:t>input:source</a:t>
+            </a:r>
+            <a:r>
+              <a:rPr lang="en-US" sz="2800" b="1" dirty="0">
+                <a:latin typeface="Courier New" panose="02070309020205020404" pitchFamily="49" charset="0"/>
+                <a:cs typeface="Courier New" panose="02070309020205020404" pitchFamily="49" charset="0"/>
+              </a:rPr>
+              <a:t>=input.xml</a:t>
+            </a:r>
+            <a:endParaRPr lang="en-GB" sz="2800" i="1" dirty="0"/>
+          </a:p>
+          <a:p>
+            <a:endParaRPr lang="en-GB" sz="2800" dirty="0"/>
           </a:p>
           <a:p>
             <a:endParaRPr lang="en-GB" dirty="0"/>
@@ -31504,307 +32932,6 @@
 </p:sld>
 </file>
 
-<file path=ppt/slides/slide53.xml><?xml version="1.0" encoding="utf-8"?>
-<p:sld xmlns:a="http://schemas.openxmlformats.org/drawingml/2006/main" xmlns:r="http://schemas.openxmlformats.org/officeDocument/2006/relationships" xmlns:p="http://schemas.openxmlformats.org/presentationml/2006/main">
-  <p:cSld>
-    <p:spTree>
-      <p:nvGrpSpPr>
-        <p:cNvPr id="1" name=""/>
-        <p:cNvGrpSpPr/>
-        <p:nvPr/>
-      </p:nvGrpSpPr>
-      <p:grpSpPr>
-        <a:xfrm>
-          <a:off x="0" y="0"/>
-          <a:ext cx="0" cy="0"/>
-          <a:chOff x="0" y="0"/>
-          <a:chExt cx="0" cy="0"/>
-        </a:xfrm>
-      </p:grpSpPr>
-      <p:sp>
-        <p:nvSpPr>
-          <p:cNvPr id="2" name="Title 1">
-            <a:extLst>
-              <a:ext uri="{FF2B5EF4-FFF2-40B4-BE49-F238E27FC236}">
-                <a16:creationId xmlns:a16="http://schemas.microsoft.com/office/drawing/2014/main" id="{4123861A-F328-4BB9-8F10-4F9FB0F7E245}"/>
-              </a:ext>
-            </a:extLst>
-          </p:cNvPr>
-          <p:cNvSpPr>
-            <a:spLocks noGrp="1"/>
-          </p:cNvSpPr>
-          <p:nvPr>
-            <p:ph type="title"/>
-          </p:nvPr>
-        </p:nvSpPr>
-        <p:spPr>
-          <a:xfrm>
-            <a:off x="287020" y="182438"/>
-            <a:ext cx="11617960" cy="860848"/>
-          </a:xfrm>
-        </p:spPr>
-        <p:txBody>
-          <a:bodyPr>
-            <a:normAutofit/>
-          </a:bodyPr>
-          <a:lstStyle/>
-          <a:p>
-            <a:r>
-              <a:rPr lang="en-US" b="1" dirty="0"/>
-              <a:t>Use p:if to make decision – Solution</a:t>
-            </a:r>
-            <a:endParaRPr lang="en-NL" b="1" dirty="0"/>
-          </a:p>
-        </p:txBody>
-      </p:sp>
-      <p:sp>
-        <p:nvSpPr>
-          <p:cNvPr id="4" name="TextBox 3">
-            <a:extLst>
-              <a:ext uri="{FF2B5EF4-FFF2-40B4-BE49-F238E27FC236}">
-                <a16:creationId xmlns:a16="http://schemas.microsoft.com/office/drawing/2014/main" id="{E614C84A-45C6-4C95-859B-4E28BD47CA0C}"/>
-              </a:ext>
-            </a:extLst>
-          </p:cNvPr>
-          <p:cNvSpPr txBox="1"/>
-          <p:nvPr/>
-        </p:nvSpPr>
-        <p:spPr>
-          <a:xfrm>
-            <a:off x="287020" y="1905506"/>
-            <a:ext cx="11654368" cy="2554545"/>
-          </a:xfrm>
-          <a:prstGeom prst="rect">
-            <a:avLst/>
-          </a:prstGeom>
-          <a:solidFill>
-            <a:schemeClr val="bg1">
-              <a:lumMod val="85000"/>
-            </a:schemeClr>
-          </a:solidFill>
-        </p:spPr>
-        <p:txBody>
-          <a:bodyPr wrap="square" rtlCol="0">
-            <a:spAutoFit/>
-          </a:bodyPr>
-          <a:lstStyle/>
-          <a:p>
-            <a:r>
-              <a:rPr lang="en-US" sz="1600" b="1" dirty="0">
-                <a:latin typeface="Courier New" panose="02070309020205020404" pitchFamily="49" charset="0"/>
-                <a:cs typeface="Courier New" panose="02070309020205020404" pitchFamily="49" charset="0"/>
-              </a:rPr>
-              <a:t>&lt;</a:t>
-            </a:r>
-            <a:r>
-              <a:rPr lang="en-US" sz="1600" b="1" dirty="0" err="1">
-                <a:latin typeface="Courier New" panose="02070309020205020404" pitchFamily="49" charset="0"/>
-                <a:cs typeface="Courier New" panose="02070309020205020404" pitchFamily="49" charset="0"/>
-              </a:rPr>
-              <a:t>p:declare-step</a:t>
-            </a:r>
-            <a:r>
-              <a:rPr lang="en-US" sz="1600" b="1" dirty="0">
-                <a:latin typeface="Courier New" panose="02070309020205020404" pitchFamily="49" charset="0"/>
-                <a:cs typeface="Courier New" panose="02070309020205020404" pitchFamily="49" charset="0"/>
-              </a:rPr>
-              <a:t> </a:t>
-            </a:r>
-            <a:r>
-              <a:rPr lang="en-US" sz="1600" b="1" dirty="0" err="1">
-                <a:latin typeface="Courier New" panose="02070309020205020404" pitchFamily="49" charset="0"/>
-                <a:cs typeface="Courier New" panose="02070309020205020404" pitchFamily="49" charset="0"/>
-              </a:rPr>
-              <a:t>xmlns:p</a:t>
-            </a:r>
-            <a:r>
-              <a:rPr lang="en-US" sz="1600" b="1" dirty="0">
-                <a:latin typeface="Courier New" panose="02070309020205020404" pitchFamily="49" charset="0"/>
-                <a:cs typeface="Courier New" panose="02070309020205020404" pitchFamily="49" charset="0"/>
-              </a:rPr>
-              <a:t>="http://www.w3.org/ns/xproc" version="3.0"&gt;</a:t>
-            </a:r>
-          </a:p>
-          <a:p>
-            <a:r>
-              <a:rPr lang="en-US" sz="1600" b="1" dirty="0">
-                <a:latin typeface="Courier New" panose="02070309020205020404" pitchFamily="49" charset="0"/>
-                <a:cs typeface="Courier New" panose="02070309020205020404" pitchFamily="49" charset="0"/>
-              </a:rPr>
-              <a:t>  </a:t>
-            </a:r>
-          </a:p>
-          <a:p>
-            <a:r>
-              <a:rPr lang="en-US" sz="1600" b="1" dirty="0">
-                <a:latin typeface="Courier New" panose="02070309020205020404" pitchFamily="49" charset="0"/>
-                <a:cs typeface="Courier New" panose="02070309020205020404" pitchFamily="49" charset="0"/>
-              </a:rPr>
-              <a:t>  &lt;</a:t>
-            </a:r>
-            <a:r>
-              <a:rPr lang="en-US" sz="1600" b="1" dirty="0" err="1">
-                <a:latin typeface="Courier New" panose="02070309020205020404" pitchFamily="49" charset="0"/>
-                <a:cs typeface="Courier New" panose="02070309020205020404" pitchFamily="49" charset="0"/>
-              </a:rPr>
-              <a:t>p:input</a:t>
-            </a:r>
-            <a:r>
-              <a:rPr lang="en-US" sz="1600" b="1" dirty="0">
-                <a:latin typeface="Courier New" panose="02070309020205020404" pitchFamily="49" charset="0"/>
-                <a:cs typeface="Courier New" panose="02070309020205020404" pitchFamily="49" charset="0"/>
-              </a:rPr>
-              <a:t> port="source"/&gt;</a:t>
-            </a:r>
-          </a:p>
-          <a:p>
-            <a:r>
-              <a:rPr lang="en-US" sz="1600" b="1" dirty="0">
-                <a:latin typeface="Courier New" panose="02070309020205020404" pitchFamily="49" charset="0"/>
-                <a:cs typeface="Courier New" panose="02070309020205020404" pitchFamily="49" charset="0"/>
-              </a:rPr>
-              <a:t>  &lt;</a:t>
-            </a:r>
-            <a:r>
-              <a:rPr lang="en-US" sz="1600" b="1" dirty="0" err="1">
-                <a:latin typeface="Courier New" panose="02070309020205020404" pitchFamily="49" charset="0"/>
-                <a:cs typeface="Courier New" panose="02070309020205020404" pitchFamily="49" charset="0"/>
-              </a:rPr>
-              <a:t>p:output</a:t>
-            </a:r>
-            <a:r>
-              <a:rPr lang="en-US" sz="1600" b="1" dirty="0">
-                <a:latin typeface="Courier New" panose="02070309020205020404" pitchFamily="49" charset="0"/>
-                <a:cs typeface="Courier New" panose="02070309020205020404" pitchFamily="49" charset="0"/>
-              </a:rPr>
-              <a:t> port="result"/&gt;</a:t>
-            </a:r>
-          </a:p>
-          <a:p>
-            <a:r>
-              <a:rPr lang="en-US" sz="1600" b="1" dirty="0">
-                <a:latin typeface="Courier New" panose="02070309020205020404" pitchFamily="49" charset="0"/>
-                <a:cs typeface="Courier New" panose="02070309020205020404" pitchFamily="49" charset="0"/>
-              </a:rPr>
-              <a:t>  </a:t>
-            </a:r>
-          </a:p>
-          <a:p>
-            <a:r>
-              <a:rPr lang="en-US" sz="1600" b="1" dirty="0">
-                <a:latin typeface="Courier New" panose="02070309020205020404" pitchFamily="49" charset="0"/>
-                <a:cs typeface="Courier New" panose="02070309020205020404" pitchFamily="49" charset="0"/>
-              </a:rPr>
-              <a:t>  &lt;</a:t>
-            </a:r>
-            <a:r>
-              <a:rPr lang="en-US" sz="1600" b="1" dirty="0" err="1">
-                <a:latin typeface="Courier New" panose="02070309020205020404" pitchFamily="49" charset="0"/>
-                <a:cs typeface="Courier New" panose="02070309020205020404" pitchFamily="49" charset="0"/>
-              </a:rPr>
-              <a:t>p:if</a:t>
-            </a:r>
-            <a:r>
-              <a:rPr lang="en-US" sz="1600" b="1" dirty="0">
-                <a:latin typeface="Courier New" panose="02070309020205020404" pitchFamily="49" charset="0"/>
-                <a:cs typeface="Courier New" panose="02070309020205020404" pitchFamily="49" charset="0"/>
-              </a:rPr>
-              <a:t> test="/*/@status eq 'error'"&gt;</a:t>
-            </a:r>
-          </a:p>
-          <a:p>
-            <a:r>
-              <a:rPr lang="en-US" sz="1600" b="1" dirty="0">
-                <a:latin typeface="Courier New" panose="02070309020205020404" pitchFamily="49" charset="0"/>
-                <a:cs typeface="Courier New" panose="02070309020205020404" pitchFamily="49" charset="0"/>
-              </a:rPr>
-              <a:t>    &lt;</a:t>
-            </a:r>
-            <a:r>
-              <a:rPr lang="en-US" sz="1600" b="1" dirty="0" err="1">
-                <a:latin typeface="Courier New" panose="02070309020205020404" pitchFamily="49" charset="0"/>
-                <a:cs typeface="Courier New" panose="02070309020205020404" pitchFamily="49" charset="0"/>
-              </a:rPr>
-              <a:t>p:add-attribute</a:t>
-            </a:r>
-            <a:r>
-              <a:rPr lang="en-US" sz="1600" b="1" dirty="0">
-                <a:latin typeface="Courier New" panose="02070309020205020404" pitchFamily="49" charset="0"/>
-                <a:cs typeface="Courier New" panose="02070309020205020404" pitchFamily="49" charset="0"/>
-              </a:rPr>
-              <a:t> match="/*" attribute-name="special-handling" attribute-value="true"/&gt;</a:t>
-            </a:r>
-          </a:p>
-          <a:p>
-            <a:r>
-              <a:rPr lang="en-US" sz="1600" b="1" dirty="0">
-                <a:latin typeface="Courier New" panose="02070309020205020404" pitchFamily="49" charset="0"/>
-                <a:cs typeface="Courier New" panose="02070309020205020404" pitchFamily="49" charset="0"/>
-              </a:rPr>
-              <a:t>  &lt;/</a:t>
-            </a:r>
-            <a:r>
-              <a:rPr lang="en-US" sz="1600" b="1" dirty="0" err="1">
-                <a:latin typeface="Courier New" panose="02070309020205020404" pitchFamily="49" charset="0"/>
-                <a:cs typeface="Courier New" panose="02070309020205020404" pitchFamily="49" charset="0"/>
-              </a:rPr>
-              <a:t>p:if</a:t>
-            </a:r>
-            <a:r>
-              <a:rPr lang="en-US" sz="1600" b="1" dirty="0">
-                <a:latin typeface="Courier New" panose="02070309020205020404" pitchFamily="49" charset="0"/>
-                <a:cs typeface="Courier New" panose="02070309020205020404" pitchFamily="49" charset="0"/>
-              </a:rPr>
-              <a:t>&gt;</a:t>
-            </a:r>
-          </a:p>
-          <a:p>
-            <a:r>
-              <a:rPr lang="en-US" sz="1600" b="1" dirty="0">
-                <a:latin typeface="Courier New" panose="02070309020205020404" pitchFamily="49" charset="0"/>
-                <a:cs typeface="Courier New" panose="02070309020205020404" pitchFamily="49" charset="0"/>
-              </a:rPr>
-              <a:t>  </a:t>
-            </a:r>
-          </a:p>
-          <a:p>
-            <a:r>
-              <a:rPr lang="en-US" sz="1600" b="1" dirty="0">
-                <a:latin typeface="Courier New" panose="02070309020205020404" pitchFamily="49" charset="0"/>
-                <a:cs typeface="Courier New" panose="02070309020205020404" pitchFamily="49" charset="0"/>
-              </a:rPr>
-              <a:t>&lt;/</a:t>
-            </a:r>
-            <a:r>
-              <a:rPr lang="en-US" sz="1600" b="1" dirty="0" err="1">
-                <a:latin typeface="Courier New" panose="02070309020205020404" pitchFamily="49" charset="0"/>
-                <a:cs typeface="Courier New" panose="02070309020205020404" pitchFamily="49" charset="0"/>
-              </a:rPr>
-              <a:t>p:declare-step</a:t>
-            </a:r>
-            <a:r>
-              <a:rPr lang="en-US" sz="1600" b="1" dirty="0">
-                <a:latin typeface="Courier New" panose="02070309020205020404" pitchFamily="49" charset="0"/>
-                <a:cs typeface="Courier New" panose="02070309020205020404" pitchFamily="49" charset="0"/>
-              </a:rPr>
-              <a:t>&gt;</a:t>
-            </a:r>
-          </a:p>
-        </p:txBody>
-      </p:sp>
-    </p:spTree>
-    <p:extLst>
-      <p:ext uri="{BB962C8B-B14F-4D97-AF65-F5344CB8AC3E}">
-        <p14:creationId xmlns:p14="http://schemas.microsoft.com/office/powerpoint/2010/main" val="791216530"/>
-      </p:ext>
-    </p:extLst>
-  </p:cSld>
-  <p:clrMapOvr>
-    <a:masterClrMapping/>
-  </p:clrMapOvr>
-</p:sld>
-</file>
-
 <file path=ppt/slides/slide54.xml><?xml version="1.0" encoding="utf-8"?>
 <p:sld xmlns:a="http://schemas.openxmlformats.org/drawingml/2006/main" xmlns:r="http://schemas.openxmlformats.org/officeDocument/2006/relationships" xmlns:p="http://schemas.openxmlformats.org/presentationml/2006/main">
   <p:cSld>
@@ -31852,6 +32979,307 @@
           <a:p>
             <a:r>
               <a:rPr lang="en-US" b="1" dirty="0"/>
+              <a:t>Use p:if to make decision – Solution</a:t>
+            </a:r>
+            <a:endParaRPr lang="en-NL" b="1" dirty="0"/>
+          </a:p>
+        </p:txBody>
+      </p:sp>
+      <p:sp>
+        <p:nvSpPr>
+          <p:cNvPr id="4" name="TextBox 3">
+            <a:extLst>
+              <a:ext uri="{FF2B5EF4-FFF2-40B4-BE49-F238E27FC236}">
+                <a16:creationId xmlns:a16="http://schemas.microsoft.com/office/drawing/2014/main" id="{E614C84A-45C6-4C95-859B-4E28BD47CA0C}"/>
+              </a:ext>
+            </a:extLst>
+          </p:cNvPr>
+          <p:cNvSpPr txBox="1"/>
+          <p:nvPr/>
+        </p:nvSpPr>
+        <p:spPr>
+          <a:xfrm>
+            <a:off x="287020" y="1905506"/>
+            <a:ext cx="11654368" cy="2554545"/>
+          </a:xfrm>
+          <a:prstGeom prst="rect">
+            <a:avLst/>
+          </a:prstGeom>
+          <a:solidFill>
+            <a:schemeClr val="bg1">
+              <a:lumMod val="85000"/>
+            </a:schemeClr>
+          </a:solidFill>
+        </p:spPr>
+        <p:txBody>
+          <a:bodyPr wrap="square" rtlCol="0">
+            <a:spAutoFit/>
+          </a:bodyPr>
+          <a:lstStyle/>
+          <a:p>
+            <a:r>
+              <a:rPr lang="en-US" sz="1600" b="1" dirty="0">
+                <a:latin typeface="Courier New" panose="02070309020205020404" pitchFamily="49" charset="0"/>
+                <a:cs typeface="Courier New" panose="02070309020205020404" pitchFamily="49" charset="0"/>
+              </a:rPr>
+              <a:t>&lt;</a:t>
+            </a:r>
+            <a:r>
+              <a:rPr lang="en-US" sz="1600" b="1" dirty="0" err="1">
+                <a:latin typeface="Courier New" panose="02070309020205020404" pitchFamily="49" charset="0"/>
+                <a:cs typeface="Courier New" panose="02070309020205020404" pitchFamily="49" charset="0"/>
+              </a:rPr>
+              <a:t>p:declare-step</a:t>
+            </a:r>
+            <a:r>
+              <a:rPr lang="en-US" sz="1600" b="1" dirty="0">
+                <a:latin typeface="Courier New" panose="02070309020205020404" pitchFamily="49" charset="0"/>
+                <a:cs typeface="Courier New" panose="02070309020205020404" pitchFamily="49" charset="0"/>
+              </a:rPr>
+              <a:t> </a:t>
+            </a:r>
+            <a:r>
+              <a:rPr lang="en-US" sz="1600" b="1" dirty="0" err="1">
+                <a:latin typeface="Courier New" panose="02070309020205020404" pitchFamily="49" charset="0"/>
+                <a:cs typeface="Courier New" panose="02070309020205020404" pitchFamily="49" charset="0"/>
+              </a:rPr>
+              <a:t>xmlns:p</a:t>
+            </a:r>
+            <a:r>
+              <a:rPr lang="en-US" sz="1600" b="1" dirty="0">
+                <a:latin typeface="Courier New" panose="02070309020205020404" pitchFamily="49" charset="0"/>
+                <a:cs typeface="Courier New" panose="02070309020205020404" pitchFamily="49" charset="0"/>
+              </a:rPr>
+              <a:t>="http://www.w3.org/ns/xproc" version="3.0"&gt;</a:t>
+            </a:r>
+          </a:p>
+          <a:p>
+            <a:r>
+              <a:rPr lang="en-US" sz="1600" b="1" dirty="0">
+                <a:latin typeface="Courier New" panose="02070309020205020404" pitchFamily="49" charset="0"/>
+                <a:cs typeface="Courier New" panose="02070309020205020404" pitchFamily="49" charset="0"/>
+              </a:rPr>
+              <a:t>  </a:t>
+            </a:r>
+          </a:p>
+          <a:p>
+            <a:r>
+              <a:rPr lang="en-US" sz="1600" b="1" dirty="0">
+                <a:latin typeface="Courier New" panose="02070309020205020404" pitchFamily="49" charset="0"/>
+                <a:cs typeface="Courier New" panose="02070309020205020404" pitchFamily="49" charset="0"/>
+              </a:rPr>
+              <a:t>  &lt;</a:t>
+            </a:r>
+            <a:r>
+              <a:rPr lang="en-US" sz="1600" b="1" dirty="0" err="1">
+                <a:latin typeface="Courier New" panose="02070309020205020404" pitchFamily="49" charset="0"/>
+                <a:cs typeface="Courier New" panose="02070309020205020404" pitchFamily="49" charset="0"/>
+              </a:rPr>
+              <a:t>p:input</a:t>
+            </a:r>
+            <a:r>
+              <a:rPr lang="en-US" sz="1600" b="1" dirty="0">
+                <a:latin typeface="Courier New" panose="02070309020205020404" pitchFamily="49" charset="0"/>
+                <a:cs typeface="Courier New" panose="02070309020205020404" pitchFamily="49" charset="0"/>
+              </a:rPr>
+              <a:t> port="source"/&gt;</a:t>
+            </a:r>
+          </a:p>
+          <a:p>
+            <a:r>
+              <a:rPr lang="en-US" sz="1600" b="1" dirty="0">
+                <a:latin typeface="Courier New" panose="02070309020205020404" pitchFamily="49" charset="0"/>
+                <a:cs typeface="Courier New" panose="02070309020205020404" pitchFamily="49" charset="0"/>
+              </a:rPr>
+              <a:t>  &lt;</a:t>
+            </a:r>
+            <a:r>
+              <a:rPr lang="en-US" sz="1600" b="1" dirty="0" err="1">
+                <a:latin typeface="Courier New" panose="02070309020205020404" pitchFamily="49" charset="0"/>
+                <a:cs typeface="Courier New" panose="02070309020205020404" pitchFamily="49" charset="0"/>
+              </a:rPr>
+              <a:t>p:output</a:t>
+            </a:r>
+            <a:r>
+              <a:rPr lang="en-US" sz="1600" b="1" dirty="0">
+                <a:latin typeface="Courier New" panose="02070309020205020404" pitchFamily="49" charset="0"/>
+                <a:cs typeface="Courier New" panose="02070309020205020404" pitchFamily="49" charset="0"/>
+              </a:rPr>
+              <a:t> port="result"/&gt;</a:t>
+            </a:r>
+          </a:p>
+          <a:p>
+            <a:r>
+              <a:rPr lang="en-US" sz="1600" b="1" dirty="0">
+                <a:latin typeface="Courier New" panose="02070309020205020404" pitchFamily="49" charset="0"/>
+                <a:cs typeface="Courier New" panose="02070309020205020404" pitchFamily="49" charset="0"/>
+              </a:rPr>
+              <a:t>  </a:t>
+            </a:r>
+          </a:p>
+          <a:p>
+            <a:r>
+              <a:rPr lang="en-US" sz="1600" b="1" dirty="0">
+                <a:latin typeface="Courier New" panose="02070309020205020404" pitchFamily="49" charset="0"/>
+                <a:cs typeface="Courier New" panose="02070309020205020404" pitchFamily="49" charset="0"/>
+              </a:rPr>
+              <a:t>  &lt;</a:t>
+            </a:r>
+            <a:r>
+              <a:rPr lang="en-US" sz="1600" b="1" dirty="0" err="1">
+                <a:latin typeface="Courier New" panose="02070309020205020404" pitchFamily="49" charset="0"/>
+                <a:cs typeface="Courier New" panose="02070309020205020404" pitchFamily="49" charset="0"/>
+              </a:rPr>
+              <a:t>p:if</a:t>
+            </a:r>
+            <a:r>
+              <a:rPr lang="en-US" sz="1600" b="1" dirty="0">
+                <a:latin typeface="Courier New" panose="02070309020205020404" pitchFamily="49" charset="0"/>
+                <a:cs typeface="Courier New" panose="02070309020205020404" pitchFamily="49" charset="0"/>
+              </a:rPr>
+              <a:t> test="/*/@status eq 'error'"&gt;</a:t>
+            </a:r>
+          </a:p>
+          <a:p>
+            <a:r>
+              <a:rPr lang="en-US" sz="1600" b="1" dirty="0">
+                <a:latin typeface="Courier New" panose="02070309020205020404" pitchFamily="49" charset="0"/>
+                <a:cs typeface="Courier New" panose="02070309020205020404" pitchFamily="49" charset="0"/>
+              </a:rPr>
+              <a:t>    &lt;</a:t>
+            </a:r>
+            <a:r>
+              <a:rPr lang="en-US" sz="1600" b="1" dirty="0" err="1">
+                <a:latin typeface="Courier New" panose="02070309020205020404" pitchFamily="49" charset="0"/>
+                <a:cs typeface="Courier New" panose="02070309020205020404" pitchFamily="49" charset="0"/>
+              </a:rPr>
+              <a:t>p:add-attribute</a:t>
+            </a:r>
+            <a:r>
+              <a:rPr lang="en-US" sz="1600" b="1" dirty="0">
+                <a:latin typeface="Courier New" panose="02070309020205020404" pitchFamily="49" charset="0"/>
+                <a:cs typeface="Courier New" panose="02070309020205020404" pitchFamily="49" charset="0"/>
+              </a:rPr>
+              <a:t> match="/*" attribute-name="special-handling" attribute-value="true"/&gt;</a:t>
+            </a:r>
+          </a:p>
+          <a:p>
+            <a:r>
+              <a:rPr lang="en-US" sz="1600" b="1" dirty="0">
+                <a:latin typeface="Courier New" panose="02070309020205020404" pitchFamily="49" charset="0"/>
+                <a:cs typeface="Courier New" panose="02070309020205020404" pitchFamily="49" charset="0"/>
+              </a:rPr>
+              <a:t>  &lt;/</a:t>
+            </a:r>
+            <a:r>
+              <a:rPr lang="en-US" sz="1600" b="1" dirty="0" err="1">
+                <a:latin typeface="Courier New" panose="02070309020205020404" pitchFamily="49" charset="0"/>
+                <a:cs typeface="Courier New" panose="02070309020205020404" pitchFamily="49" charset="0"/>
+              </a:rPr>
+              <a:t>p:if</a:t>
+            </a:r>
+            <a:r>
+              <a:rPr lang="en-US" sz="1600" b="1" dirty="0">
+                <a:latin typeface="Courier New" panose="02070309020205020404" pitchFamily="49" charset="0"/>
+                <a:cs typeface="Courier New" panose="02070309020205020404" pitchFamily="49" charset="0"/>
+              </a:rPr>
+              <a:t>&gt;</a:t>
+            </a:r>
+          </a:p>
+          <a:p>
+            <a:r>
+              <a:rPr lang="en-US" sz="1600" b="1" dirty="0">
+                <a:latin typeface="Courier New" panose="02070309020205020404" pitchFamily="49" charset="0"/>
+                <a:cs typeface="Courier New" panose="02070309020205020404" pitchFamily="49" charset="0"/>
+              </a:rPr>
+              <a:t>  </a:t>
+            </a:r>
+          </a:p>
+          <a:p>
+            <a:r>
+              <a:rPr lang="en-US" sz="1600" b="1" dirty="0">
+                <a:latin typeface="Courier New" panose="02070309020205020404" pitchFamily="49" charset="0"/>
+                <a:cs typeface="Courier New" panose="02070309020205020404" pitchFamily="49" charset="0"/>
+              </a:rPr>
+              <a:t>&lt;/</a:t>
+            </a:r>
+            <a:r>
+              <a:rPr lang="en-US" sz="1600" b="1" dirty="0" err="1">
+                <a:latin typeface="Courier New" panose="02070309020205020404" pitchFamily="49" charset="0"/>
+                <a:cs typeface="Courier New" panose="02070309020205020404" pitchFamily="49" charset="0"/>
+              </a:rPr>
+              <a:t>p:declare-step</a:t>
+            </a:r>
+            <a:r>
+              <a:rPr lang="en-US" sz="1600" b="1" dirty="0">
+                <a:latin typeface="Courier New" panose="02070309020205020404" pitchFamily="49" charset="0"/>
+                <a:cs typeface="Courier New" panose="02070309020205020404" pitchFamily="49" charset="0"/>
+              </a:rPr>
+              <a:t>&gt;</a:t>
+            </a:r>
+          </a:p>
+        </p:txBody>
+      </p:sp>
+    </p:spTree>
+    <p:extLst>
+      <p:ext uri="{BB962C8B-B14F-4D97-AF65-F5344CB8AC3E}">
+        <p14:creationId xmlns:p14="http://schemas.microsoft.com/office/powerpoint/2010/main" val="791216530"/>
+      </p:ext>
+    </p:extLst>
+  </p:cSld>
+  <p:clrMapOvr>
+    <a:masterClrMapping/>
+  </p:clrMapOvr>
+</p:sld>
+</file>
+
+<file path=ppt/slides/slide55.xml><?xml version="1.0" encoding="utf-8"?>
+<p:sld xmlns:a="http://schemas.openxmlformats.org/drawingml/2006/main" xmlns:r="http://schemas.openxmlformats.org/officeDocument/2006/relationships" xmlns:p="http://schemas.openxmlformats.org/presentationml/2006/main">
+  <p:cSld>
+    <p:spTree>
+      <p:nvGrpSpPr>
+        <p:cNvPr id="1" name=""/>
+        <p:cNvGrpSpPr/>
+        <p:nvPr/>
+      </p:nvGrpSpPr>
+      <p:grpSpPr>
+        <a:xfrm>
+          <a:off x="0" y="0"/>
+          <a:ext cx="0" cy="0"/>
+          <a:chOff x="0" y="0"/>
+          <a:chExt cx="0" cy="0"/>
+        </a:xfrm>
+      </p:grpSpPr>
+      <p:sp>
+        <p:nvSpPr>
+          <p:cNvPr id="2" name="Title 1">
+            <a:extLst>
+              <a:ext uri="{FF2B5EF4-FFF2-40B4-BE49-F238E27FC236}">
+                <a16:creationId xmlns:a16="http://schemas.microsoft.com/office/drawing/2014/main" id="{4123861A-F328-4BB9-8F10-4F9FB0F7E245}"/>
+              </a:ext>
+            </a:extLst>
+          </p:cNvPr>
+          <p:cNvSpPr>
+            <a:spLocks noGrp="1"/>
+          </p:cNvSpPr>
+          <p:nvPr>
+            <p:ph type="title"/>
+          </p:nvPr>
+        </p:nvSpPr>
+        <p:spPr>
+          <a:xfrm>
+            <a:off x="287020" y="182438"/>
+            <a:ext cx="11617960" cy="860848"/>
+          </a:xfrm>
+        </p:spPr>
+        <p:txBody>
+          <a:bodyPr>
+            <a:normAutofit/>
+          </a:bodyPr>
+          <a:lstStyle/>
+          <a:p>
+            <a:r>
+              <a:rPr lang="en-US" b="1" dirty="0"/>
               <a:t>Multiple decisions? Use p:choose</a:t>
             </a:r>
             <a:endParaRPr lang="en-NL" b="1" dirty="0"/>
@@ -32115,7 +33543,7 @@
 </p:sld>
 </file>
 
-<file path=ppt/slides/slide55.xml><?xml version="1.0" encoding="utf-8"?>
+<file path=ppt/slides/slide56.xml><?xml version="1.0" encoding="utf-8"?>
 <p:sld xmlns:a="http://schemas.openxmlformats.org/drawingml/2006/main" xmlns:r="http://schemas.openxmlformats.org/officeDocument/2006/relationships" xmlns:p="http://schemas.openxmlformats.org/presentationml/2006/main">
   <p:cSld>
     <p:spTree>
@@ -32638,7 +34066,7 @@
 </p:sld>
 </file>
 
-<file path=ppt/slides/slide56.xml><?xml version="1.0" encoding="utf-8"?>
+<file path=ppt/slides/slide57.xml><?xml version="1.0" encoding="utf-8"?>
 <p:sld xmlns:a="http://schemas.openxmlformats.org/drawingml/2006/main" xmlns:r="http://schemas.openxmlformats.org/officeDocument/2006/relationships" xmlns:p="http://schemas.openxmlformats.org/presentationml/2006/main">
   <p:cSld>
     <p:spTree>
@@ -33412,7 +34840,7 @@
 </p:sld>
 </file>
 
-<file path=ppt/slides/slide57.xml><?xml version="1.0" encoding="utf-8"?>
+<file path=ppt/slides/slide58.xml><?xml version="1.0" encoding="utf-8"?>
 <p:sld xmlns:a="http://schemas.openxmlformats.org/drawingml/2006/main" xmlns:r="http://schemas.openxmlformats.org/officeDocument/2006/relationships" xmlns:p="http://schemas.openxmlformats.org/presentationml/2006/main">
   <p:cSld>
     <p:spTree>
@@ -33716,7 +35144,7 @@
 </p:sld>
 </file>
 
-<file path=ppt/slides/slide58.xml><?xml version="1.0" encoding="utf-8"?>
+<file path=ppt/slides/slide59.xml><?xml version="1.0" encoding="utf-8"?>
 <p:sld xmlns:a="http://schemas.openxmlformats.org/drawingml/2006/main" xmlns:r="http://schemas.openxmlformats.org/officeDocument/2006/relationships" xmlns:p="http://schemas.openxmlformats.org/presentationml/2006/main">
   <p:cSld>
     <p:spTree>
@@ -34390,7 +35818,167 @@
 </p:sld>
 </file>
 
-<file path=ppt/slides/slide59.xml><?xml version="1.0" encoding="utf-8"?>
+<file path=ppt/slides/slide6.xml><?xml version="1.0" encoding="utf-8"?>
+<p:sld xmlns:a="http://schemas.openxmlformats.org/drawingml/2006/main" xmlns:r="http://schemas.openxmlformats.org/officeDocument/2006/relationships" xmlns:p="http://schemas.openxmlformats.org/presentationml/2006/main">
+  <p:cSld>
+    <p:spTree>
+      <p:nvGrpSpPr>
+        <p:cNvPr id="1" name=""/>
+        <p:cNvGrpSpPr/>
+        <p:nvPr/>
+      </p:nvGrpSpPr>
+      <p:grpSpPr>
+        <a:xfrm>
+          <a:off x="0" y="0"/>
+          <a:ext cx="0" cy="0"/>
+          <a:chOff x="0" y="0"/>
+          <a:chExt cx="0" cy="0"/>
+        </a:xfrm>
+      </p:grpSpPr>
+      <p:sp>
+        <p:nvSpPr>
+          <p:cNvPr id="2" name="Titel 1">
+            <a:extLst>
+              <a:ext uri="{FF2B5EF4-FFF2-40B4-BE49-F238E27FC236}">
+                <a16:creationId xmlns:a16="http://schemas.microsoft.com/office/drawing/2014/main" id="{D0EC415A-1753-49AB-AFDB-461D38140CEF}"/>
+              </a:ext>
+            </a:extLst>
+          </p:cNvPr>
+          <p:cNvSpPr>
+            <a:spLocks noGrp="1"/>
+          </p:cNvSpPr>
+          <p:nvPr>
+            <p:ph type="title"/>
+          </p:nvPr>
+        </p:nvSpPr>
+        <p:spPr/>
+        <p:txBody>
+          <a:bodyPr>
+            <a:normAutofit/>
+          </a:bodyPr>
+          <a:lstStyle/>
+          <a:p>
+            <a:r>
+              <a:rPr lang="en-US" sz="5400" b="1" dirty="0"/>
+              <a:t>XProc fundamentals</a:t>
+            </a:r>
+          </a:p>
+        </p:txBody>
+      </p:sp>
+      <p:sp>
+        <p:nvSpPr>
+          <p:cNvPr id="3" name="Speech Bubble: Oval 2">
+            <a:extLst>
+              <a:ext uri="{FF2B5EF4-FFF2-40B4-BE49-F238E27FC236}">
+                <a16:creationId xmlns:a16="http://schemas.microsoft.com/office/drawing/2014/main" id="{267C7A55-D10E-4B31-8EA1-A2862C5A74A4}"/>
+              </a:ext>
+            </a:extLst>
+          </p:cNvPr>
+          <p:cNvSpPr/>
+          <p:nvPr/>
+        </p:nvSpPr>
+        <p:spPr>
+          <a:xfrm>
+            <a:off x="4443307" y="4016587"/>
+            <a:ext cx="6570133" cy="1463040"/>
+          </a:xfrm>
+          <a:prstGeom prst="wedgeEllipseCallout">
+            <a:avLst>
+              <a:gd name="adj1" fmla="val 58136"/>
+              <a:gd name="adj2" fmla="val 125000"/>
+            </a:avLst>
+          </a:prstGeom>
+        </p:spPr>
+        <p:style>
+          <a:lnRef idx="2">
+            <a:schemeClr val="accent1">
+              <a:shade val="50000"/>
+            </a:schemeClr>
+          </a:lnRef>
+          <a:fillRef idx="1">
+            <a:schemeClr val="accent1"/>
+          </a:fillRef>
+          <a:effectRef idx="0">
+            <a:schemeClr val="accent1"/>
+          </a:effectRef>
+          <a:fontRef idx="minor">
+            <a:schemeClr val="lt1"/>
+          </a:fontRef>
+        </p:style>
+        <p:txBody>
+          <a:bodyPr rtlCol="0" anchor="ctr"/>
+          <a:lstStyle/>
+          <a:p>
+            <a:pPr algn="ctr"/>
+            <a:r>
+              <a:rPr lang="en-US" sz="2800" b="1" dirty="0"/>
+              <a:t>You need to understand this!</a:t>
+            </a:r>
+            <a:endParaRPr lang="en-NL" sz="2800" b="1" dirty="0"/>
+          </a:p>
+        </p:txBody>
+      </p:sp>
+      <p:pic>
+        <p:nvPicPr>
+          <p:cNvPr id="1026" name="Picture 2">
+            <a:extLst>
+              <a:ext uri="{FF2B5EF4-FFF2-40B4-BE49-F238E27FC236}">
+                <a16:creationId xmlns:a16="http://schemas.microsoft.com/office/drawing/2014/main" id="{8E4F4E14-D642-436F-BCD7-8C86DCC1E5E3}"/>
+              </a:ext>
+            </a:extLst>
+          </p:cNvPr>
+          <p:cNvPicPr>
+            <a:picLocks noChangeAspect="1" noChangeArrowheads="1"/>
+          </p:cNvPicPr>
+          <p:nvPr/>
+        </p:nvPicPr>
+        <p:blipFill>
+          <a:blip r:embed="rId2">
+            <a:extLst>
+              <a:ext uri="{28A0092B-C50C-407E-A947-70E740481C1C}">
+                <a14:useLocalDpi xmlns:a14="http://schemas.microsoft.com/office/drawing/2010/main" val="0"/>
+              </a:ext>
+            </a:extLst>
+          </a:blip>
+          <a:srcRect/>
+          <a:stretch>
+            <a:fillRect/>
+          </a:stretch>
+        </p:blipFill>
+        <p:spPr bwMode="auto">
+          <a:xfrm>
+            <a:off x="897562" y="1901681"/>
+            <a:ext cx="2857500" cy="2476500"/>
+          </a:xfrm>
+          <a:prstGeom prst="rect">
+            <a:avLst/>
+          </a:prstGeom>
+          <a:noFill/>
+          <a:extLst>
+            <a:ext uri="{909E8E84-426E-40DD-AFC4-6F175D3DCCD1}">
+              <a14:hiddenFill xmlns:a14="http://schemas.microsoft.com/office/drawing/2010/main">
+                <a:solidFill>
+                  <a:srgbClr val="FFFFFF"/>
+                </a:solidFill>
+              </a14:hiddenFill>
+            </a:ext>
+          </a:extLst>
+        </p:spPr>
+      </p:pic>
+    </p:spTree>
+    <p:extLst>
+      <p:ext uri="{BB962C8B-B14F-4D97-AF65-F5344CB8AC3E}">
+        <p14:creationId xmlns:p14="http://schemas.microsoft.com/office/powerpoint/2010/main" val="2516102687"/>
+      </p:ext>
+    </p:extLst>
+  </p:cSld>
+  <p:clrMapOvr>
+    <a:masterClrMapping/>
+  </p:clrMapOvr>
+</p:sld>
+</file>
+
+<file path=ppt/slides/slide60.xml><?xml version="1.0" encoding="utf-8"?>
 <p:sld xmlns:a="http://schemas.openxmlformats.org/drawingml/2006/main" xmlns:r="http://schemas.openxmlformats.org/officeDocument/2006/relationships" xmlns:p="http://schemas.openxmlformats.org/presentationml/2006/main">
   <p:cSld>
     <p:spTree>
@@ -35618,167 +37206,7 @@
 </p:sld>
 </file>
 
-<file path=ppt/slides/slide6.xml><?xml version="1.0" encoding="utf-8"?>
-<p:sld xmlns:a="http://schemas.openxmlformats.org/drawingml/2006/main" xmlns:r="http://schemas.openxmlformats.org/officeDocument/2006/relationships" xmlns:p="http://schemas.openxmlformats.org/presentationml/2006/main">
-  <p:cSld>
-    <p:spTree>
-      <p:nvGrpSpPr>
-        <p:cNvPr id="1" name=""/>
-        <p:cNvGrpSpPr/>
-        <p:nvPr/>
-      </p:nvGrpSpPr>
-      <p:grpSpPr>
-        <a:xfrm>
-          <a:off x="0" y="0"/>
-          <a:ext cx="0" cy="0"/>
-          <a:chOff x="0" y="0"/>
-          <a:chExt cx="0" cy="0"/>
-        </a:xfrm>
-      </p:grpSpPr>
-      <p:sp>
-        <p:nvSpPr>
-          <p:cNvPr id="2" name="Titel 1">
-            <a:extLst>
-              <a:ext uri="{FF2B5EF4-FFF2-40B4-BE49-F238E27FC236}">
-                <a16:creationId xmlns:a16="http://schemas.microsoft.com/office/drawing/2014/main" id="{D0EC415A-1753-49AB-AFDB-461D38140CEF}"/>
-              </a:ext>
-            </a:extLst>
-          </p:cNvPr>
-          <p:cNvSpPr>
-            <a:spLocks noGrp="1"/>
-          </p:cNvSpPr>
-          <p:nvPr>
-            <p:ph type="title"/>
-          </p:nvPr>
-        </p:nvSpPr>
-        <p:spPr/>
-        <p:txBody>
-          <a:bodyPr>
-            <a:normAutofit/>
-          </a:bodyPr>
-          <a:lstStyle/>
-          <a:p>
-            <a:r>
-              <a:rPr lang="en-US" sz="5400" b="1" dirty="0"/>
-              <a:t>XProc fundamentals</a:t>
-            </a:r>
-          </a:p>
-        </p:txBody>
-      </p:sp>
-      <p:sp>
-        <p:nvSpPr>
-          <p:cNvPr id="3" name="Speech Bubble: Oval 2">
-            <a:extLst>
-              <a:ext uri="{FF2B5EF4-FFF2-40B4-BE49-F238E27FC236}">
-                <a16:creationId xmlns:a16="http://schemas.microsoft.com/office/drawing/2014/main" id="{267C7A55-D10E-4B31-8EA1-A2862C5A74A4}"/>
-              </a:ext>
-            </a:extLst>
-          </p:cNvPr>
-          <p:cNvSpPr/>
-          <p:nvPr/>
-        </p:nvSpPr>
-        <p:spPr>
-          <a:xfrm>
-            <a:off x="4443307" y="4016587"/>
-            <a:ext cx="6570133" cy="1463040"/>
-          </a:xfrm>
-          <a:prstGeom prst="wedgeEllipseCallout">
-            <a:avLst>
-              <a:gd name="adj1" fmla="val 58136"/>
-              <a:gd name="adj2" fmla="val 125000"/>
-            </a:avLst>
-          </a:prstGeom>
-        </p:spPr>
-        <p:style>
-          <a:lnRef idx="2">
-            <a:schemeClr val="accent1">
-              <a:shade val="50000"/>
-            </a:schemeClr>
-          </a:lnRef>
-          <a:fillRef idx="1">
-            <a:schemeClr val="accent1"/>
-          </a:fillRef>
-          <a:effectRef idx="0">
-            <a:schemeClr val="accent1"/>
-          </a:effectRef>
-          <a:fontRef idx="minor">
-            <a:schemeClr val="lt1"/>
-          </a:fontRef>
-        </p:style>
-        <p:txBody>
-          <a:bodyPr rtlCol="0" anchor="ctr"/>
-          <a:lstStyle/>
-          <a:p>
-            <a:pPr algn="ctr"/>
-            <a:r>
-              <a:rPr lang="en-US" sz="2800" b="1" dirty="0"/>
-              <a:t>You need to understand this!</a:t>
-            </a:r>
-            <a:endParaRPr lang="en-NL" sz="2800" b="1" dirty="0"/>
-          </a:p>
-        </p:txBody>
-      </p:sp>
-      <p:pic>
-        <p:nvPicPr>
-          <p:cNvPr id="1026" name="Picture 2">
-            <a:extLst>
-              <a:ext uri="{FF2B5EF4-FFF2-40B4-BE49-F238E27FC236}">
-                <a16:creationId xmlns:a16="http://schemas.microsoft.com/office/drawing/2014/main" id="{8E4F4E14-D642-436F-BCD7-8C86DCC1E5E3}"/>
-              </a:ext>
-            </a:extLst>
-          </p:cNvPr>
-          <p:cNvPicPr>
-            <a:picLocks noChangeAspect="1" noChangeArrowheads="1"/>
-          </p:cNvPicPr>
-          <p:nvPr/>
-        </p:nvPicPr>
-        <p:blipFill>
-          <a:blip r:embed="rId2">
-            <a:extLst>
-              <a:ext uri="{28A0092B-C50C-407E-A947-70E740481C1C}">
-                <a14:useLocalDpi xmlns:a14="http://schemas.microsoft.com/office/drawing/2010/main" val="0"/>
-              </a:ext>
-            </a:extLst>
-          </a:blip>
-          <a:srcRect/>
-          <a:stretch>
-            <a:fillRect/>
-          </a:stretch>
-        </p:blipFill>
-        <p:spPr bwMode="auto">
-          <a:xfrm>
-            <a:off x="897562" y="1901681"/>
-            <a:ext cx="2857500" cy="2476500"/>
-          </a:xfrm>
-          <a:prstGeom prst="rect">
-            <a:avLst/>
-          </a:prstGeom>
-          <a:noFill/>
-          <a:extLst>
-            <a:ext uri="{909E8E84-426E-40DD-AFC4-6F175D3DCCD1}">
-              <a14:hiddenFill xmlns:a14="http://schemas.microsoft.com/office/drawing/2010/main">
-                <a:solidFill>
-                  <a:srgbClr val="FFFFFF"/>
-                </a:solidFill>
-              </a14:hiddenFill>
-            </a:ext>
-          </a:extLst>
-        </p:spPr>
-      </p:pic>
-    </p:spTree>
-    <p:extLst>
-      <p:ext uri="{BB962C8B-B14F-4D97-AF65-F5344CB8AC3E}">
-        <p14:creationId xmlns:p14="http://schemas.microsoft.com/office/powerpoint/2010/main" val="2516102687"/>
-      </p:ext>
-    </p:extLst>
-  </p:cSld>
-  <p:clrMapOvr>
-    <a:masterClrMapping/>
-  </p:clrMapOvr>
-</p:sld>
-</file>
-
-<file path=ppt/slides/slide60.xml><?xml version="1.0" encoding="utf-8"?>
+<file path=ppt/slides/slide61.xml><?xml version="1.0" encoding="utf-8"?>
 <p:sld xmlns:a="http://schemas.openxmlformats.org/drawingml/2006/main" xmlns:r="http://schemas.openxmlformats.org/officeDocument/2006/relationships" xmlns:p="http://schemas.openxmlformats.org/presentationml/2006/main">
   <p:cSld>
     <p:spTree>
@@ -36014,7 +37442,7 @@
 </p:sld>
 </file>
 
-<file path=ppt/slides/slide61.xml><?xml version="1.0" encoding="utf-8"?>
+<file path=ppt/slides/slide62.xml><?xml version="1.0" encoding="utf-8"?>
 <p:sld xmlns:a="http://schemas.openxmlformats.org/drawingml/2006/main" xmlns:r="http://schemas.openxmlformats.org/officeDocument/2006/relationships" xmlns:p="http://schemas.openxmlformats.org/presentationml/2006/main">
   <p:cSld>
     <p:spTree>
@@ -36442,7 +37870,2105 @@
 </p:sld>
 </file>
 
-<file path=ppt/slides/slide62.xml><?xml version="1.0" encoding="utf-8"?>
+<file path=ppt/slides/slide63.xml><?xml version="1.0" encoding="utf-8"?>
+<p:sld xmlns:a="http://schemas.openxmlformats.org/drawingml/2006/main" xmlns:r="http://schemas.openxmlformats.org/officeDocument/2006/relationships" xmlns:p="http://schemas.openxmlformats.org/presentationml/2006/main">
+  <p:cSld>
+    <p:spTree>
+      <p:nvGrpSpPr>
+        <p:cNvPr id="1" name=""/>
+        <p:cNvGrpSpPr/>
+        <p:nvPr/>
+      </p:nvGrpSpPr>
+      <p:grpSpPr>
+        <a:xfrm>
+          <a:off x="0" y="0"/>
+          <a:ext cx="0" cy="0"/>
+          <a:chOff x="0" y="0"/>
+          <a:chExt cx="0" cy="0"/>
+        </a:xfrm>
+      </p:grpSpPr>
+      <p:sp>
+        <p:nvSpPr>
+          <p:cNvPr id="2" name="Title 1">
+            <a:extLst>
+              <a:ext uri="{FF2B5EF4-FFF2-40B4-BE49-F238E27FC236}">
+                <a16:creationId xmlns:a16="http://schemas.microsoft.com/office/drawing/2014/main" id="{4123861A-F328-4BB9-8F10-4F9FB0F7E245}"/>
+              </a:ext>
+            </a:extLst>
+          </p:cNvPr>
+          <p:cNvSpPr>
+            <a:spLocks noGrp="1"/>
+          </p:cNvSpPr>
+          <p:nvPr>
+            <p:ph type="title"/>
+          </p:nvPr>
+        </p:nvSpPr>
+        <p:spPr>
+          <a:xfrm>
+            <a:off x="287020" y="182438"/>
+            <a:ext cx="11617960" cy="860848"/>
+          </a:xfrm>
+        </p:spPr>
+        <p:txBody>
+          <a:bodyPr>
+            <a:normAutofit fontScale="90000"/>
+          </a:bodyPr>
+          <a:lstStyle/>
+          <a:p>
+            <a:r>
+              <a:rPr lang="en-US" b="1" dirty="0"/>
+              <a:t>Use p:viewport to change parts of a document - Input</a:t>
+            </a:r>
+            <a:endParaRPr lang="en-NL" b="1" dirty="0"/>
+          </a:p>
+        </p:txBody>
+      </p:sp>
+      <p:sp>
+        <p:nvSpPr>
+          <p:cNvPr id="4" name="TextBox 3">
+            <a:extLst>
+              <a:ext uri="{FF2B5EF4-FFF2-40B4-BE49-F238E27FC236}">
+                <a16:creationId xmlns:a16="http://schemas.microsoft.com/office/drawing/2014/main" id="{E614C84A-45C6-4C95-859B-4E28BD47CA0C}"/>
+              </a:ext>
+            </a:extLst>
+          </p:cNvPr>
+          <p:cNvSpPr txBox="1"/>
+          <p:nvPr/>
+        </p:nvSpPr>
+        <p:spPr>
+          <a:xfrm>
+            <a:off x="432910" y="1645173"/>
+            <a:ext cx="4453197" cy="3139321"/>
+          </a:xfrm>
+          <a:prstGeom prst="rect">
+            <a:avLst/>
+          </a:prstGeom>
+          <a:solidFill>
+            <a:schemeClr val="bg1">
+              <a:lumMod val="85000"/>
+            </a:schemeClr>
+          </a:solidFill>
+        </p:spPr>
+        <p:txBody>
+          <a:bodyPr wrap="square" rtlCol="0">
+            <a:spAutoFit/>
+          </a:bodyPr>
+          <a:lstStyle/>
+          <a:p>
+            <a:r>
+              <a:rPr lang="nl-NL" b="1" dirty="0">
+                <a:latin typeface="Courier New" panose="02070309020205020404" pitchFamily="49" charset="0"/>
+                <a:cs typeface="Courier New" panose="02070309020205020404" pitchFamily="49" charset="0"/>
+              </a:rPr>
+              <a:t>&lt;</a:t>
+            </a:r>
+            <a:r>
+              <a:rPr lang="nl-NL" b="1" dirty="0" err="1">
+                <a:latin typeface="Courier New" panose="02070309020205020404" pitchFamily="49" charset="0"/>
+                <a:cs typeface="Courier New" panose="02070309020205020404" pitchFamily="49" charset="0"/>
+              </a:rPr>
+              <a:t>documents</a:t>
+            </a:r>
+            <a:r>
+              <a:rPr lang="nl-NL" b="1" dirty="0">
+                <a:latin typeface="Courier New" panose="02070309020205020404" pitchFamily="49" charset="0"/>
+                <a:cs typeface="Courier New" panose="02070309020205020404" pitchFamily="49" charset="0"/>
+              </a:rPr>
+              <a:t>&gt;</a:t>
+            </a:r>
+          </a:p>
+          <a:p>
+            <a:r>
+              <a:rPr lang="nl-NL" b="1" dirty="0">
+                <a:latin typeface="Courier New" panose="02070309020205020404" pitchFamily="49" charset="0"/>
+                <a:cs typeface="Courier New" panose="02070309020205020404" pitchFamily="49" charset="0"/>
+              </a:rPr>
+              <a:t>  &lt;</a:t>
+            </a:r>
+            <a:r>
+              <a:rPr lang="nl-NL" b="1" dirty="0" err="1">
+                <a:latin typeface="Courier New" panose="02070309020205020404" pitchFamily="49" charset="0"/>
+                <a:cs typeface="Courier New" panose="02070309020205020404" pitchFamily="49" charset="0"/>
+              </a:rPr>
+              <a:t>doc</a:t>
+            </a:r>
+            <a:r>
+              <a:rPr lang="nl-NL" b="1" dirty="0">
+                <a:latin typeface="Courier New" panose="02070309020205020404" pitchFamily="49" charset="0"/>
+                <a:cs typeface="Courier New" panose="02070309020205020404" pitchFamily="49" charset="0"/>
+              </a:rPr>
+              <a:t> keep="</a:t>
+            </a:r>
+            <a:r>
+              <a:rPr lang="nl-NL" b="1" dirty="0" err="1">
+                <a:latin typeface="Courier New" panose="02070309020205020404" pitchFamily="49" charset="0"/>
+                <a:cs typeface="Courier New" panose="02070309020205020404" pitchFamily="49" charset="0"/>
+              </a:rPr>
+              <a:t>true</a:t>
+            </a:r>
+            <a:r>
+              <a:rPr lang="nl-NL" b="1" dirty="0">
+                <a:latin typeface="Courier New" panose="02070309020205020404" pitchFamily="49" charset="0"/>
+                <a:cs typeface="Courier New" panose="02070309020205020404" pitchFamily="49" charset="0"/>
+              </a:rPr>
+              <a:t>"&gt;</a:t>
+            </a:r>
+          </a:p>
+          <a:p>
+            <a:r>
+              <a:rPr lang="nl-NL" b="1" dirty="0">
+                <a:latin typeface="Courier New" panose="02070309020205020404" pitchFamily="49" charset="0"/>
+                <a:cs typeface="Courier New" panose="02070309020205020404" pitchFamily="49" charset="0"/>
+              </a:rPr>
+              <a:t>    &lt;p&gt;Hi </a:t>
+            </a:r>
+            <a:r>
+              <a:rPr lang="nl-NL" b="1" dirty="0" err="1">
+                <a:latin typeface="Courier New" panose="02070309020205020404" pitchFamily="49" charset="0"/>
+                <a:cs typeface="Courier New" panose="02070309020205020404" pitchFamily="49" charset="0"/>
+              </a:rPr>
+              <a:t>there</a:t>
+            </a:r>
+            <a:r>
+              <a:rPr lang="nl-NL" b="1" dirty="0">
+                <a:latin typeface="Courier New" panose="02070309020205020404" pitchFamily="49" charset="0"/>
+                <a:cs typeface="Courier New" panose="02070309020205020404" pitchFamily="49" charset="0"/>
+              </a:rPr>
+              <a:t>!&lt;/p&gt;</a:t>
+            </a:r>
+          </a:p>
+          <a:p>
+            <a:r>
+              <a:rPr lang="nl-NL" b="1" dirty="0">
+                <a:latin typeface="Courier New" panose="02070309020205020404" pitchFamily="49" charset="0"/>
+                <a:cs typeface="Courier New" panose="02070309020205020404" pitchFamily="49" charset="0"/>
+              </a:rPr>
+              <a:t>  &lt;/</a:t>
+            </a:r>
+            <a:r>
+              <a:rPr lang="nl-NL" b="1" dirty="0" err="1">
+                <a:latin typeface="Courier New" panose="02070309020205020404" pitchFamily="49" charset="0"/>
+                <a:cs typeface="Courier New" panose="02070309020205020404" pitchFamily="49" charset="0"/>
+              </a:rPr>
+              <a:t>doc</a:t>
+            </a:r>
+            <a:r>
+              <a:rPr lang="nl-NL" b="1" dirty="0">
+                <a:latin typeface="Courier New" panose="02070309020205020404" pitchFamily="49" charset="0"/>
+                <a:cs typeface="Courier New" panose="02070309020205020404" pitchFamily="49" charset="0"/>
+              </a:rPr>
+              <a:t>&gt;</a:t>
+            </a:r>
+          </a:p>
+          <a:p>
+            <a:r>
+              <a:rPr lang="nl-NL" b="1" dirty="0">
+                <a:latin typeface="Courier New" panose="02070309020205020404" pitchFamily="49" charset="0"/>
+                <a:cs typeface="Courier New" panose="02070309020205020404" pitchFamily="49" charset="0"/>
+              </a:rPr>
+              <a:t>  &lt;</a:t>
+            </a:r>
+            <a:r>
+              <a:rPr lang="nl-NL" b="1" dirty="0" err="1">
+                <a:latin typeface="Courier New" panose="02070309020205020404" pitchFamily="49" charset="0"/>
+                <a:cs typeface="Courier New" panose="02070309020205020404" pitchFamily="49" charset="0"/>
+              </a:rPr>
+              <a:t>doc</a:t>
+            </a:r>
+            <a:r>
+              <a:rPr lang="nl-NL" b="1" dirty="0">
+                <a:latin typeface="Courier New" panose="02070309020205020404" pitchFamily="49" charset="0"/>
+                <a:cs typeface="Courier New" panose="02070309020205020404" pitchFamily="49" charset="0"/>
+              </a:rPr>
+              <a:t> keep="</a:t>
+            </a:r>
+            <a:r>
+              <a:rPr lang="nl-NL" b="1" dirty="0" err="1">
+                <a:latin typeface="Courier New" panose="02070309020205020404" pitchFamily="49" charset="0"/>
+                <a:cs typeface="Courier New" panose="02070309020205020404" pitchFamily="49" charset="0"/>
+              </a:rPr>
+              <a:t>false</a:t>
+            </a:r>
+            <a:r>
+              <a:rPr lang="nl-NL" b="1" dirty="0">
+                <a:latin typeface="Courier New" panose="02070309020205020404" pitchFamily="49" charset="0"/>
+                <a:cs typeface="Courier New" panose="02070309020205020404" pitchFamily="49" charset="0"/>
+              </a:rPr>
+              <a:t>"&gt;</a:t>
+            </a:r>
+          </a:p>
+          <a:p>
+            <a:r>
+              <a:rPr lang="nl-NL" b="1" dirty="0">
+                <a:latin typeface="Courier New" panose="02070309020205020404" pitchFamily="49" charset="0"/>
+                <a:cs typeface="Courier New" panose="02070309020205020404" pitchFamily="49" charset="0"/>
+              </a:rPr>
+              <a:t>    &lt;p&gt;</a:t>
+            </a:r>
+            <a:r>
+              <a:rPr lang="nl-NL" b="1" dirty="0" err="1">
+                <a:latin typeface="Courier New" panose="02070309020205020404" pitchFamily="49" charset="0"/>
+                <a:cs typeface="Courier New" panose="02070309020205020404" pitchFamily="49" charset="0"/>
+              </a:rPr>
+              <a:t>Nonsense</a:t>
+            </a:r>
+            <a:r>
+              <a:rPr lang="nl-NL" b="1" dirty="0">
+                <a:latin typeface="Courier New" panose="02070309020205020404" pitchFamily="49" charset="0"/>
+                <a:cs typeface="Courier New" panose="02070309020205020404" pitchFamily="49" charset="0"/>
+              </a:rPr>
+              <a:t>!&lt;/p&gt;</a:t>
+            </a:r>
+          </a:p>
+          <a:p>
+            <a:r>
+              <a:rPr lang="nl-NL" b="1" dirty="0">
+                <a:latin typeface="Courier New" panose="02070309020205020404" pitchFamily="49" charset="0"/>
+                <a:cs typeface="Courier New" panose="02070309020205020404" pitchFamily="49" charset="0"/>
+              </a:rPr>
+              <a:t>  &lt;/</a:t>
+            </a:r>
+            <a:r>
+              <a:rPr lang="nl-NL" b="1" dirty="0" err="1">
+                <a:latin typeface="Courier New" panose="02070309020205020404" pitchFamily="49" charset="0"/>
+                <a:cs typeface="Courier New" panose="02070309020205020404" pitchFamily="49" charset="0"/>
+              </a:rPr>
+              <a:t>doc</a:t>
+            </a:r>
+            <a:r>
+              <a:rPr lang="nl-NL" b="1" dirty="0">
+                <a:latin typeface="Courier New" panose="02070309020205020404" pitchFamily="49" charset="0"/>
+                <a:cs typeface="Courier New" panose="02070309020205020404" pitchFamily="49" charset="0"/>
+              </a:rPr>
+              <a:t>&gt;</a:t>
+            </a:r>
+          </a:p>
+          <a:p>
+            <a:r>
+              <a:rPr lang="nl-NL" b="1" dirty="0">
+                <a:latin typeface="Courier New" panose="02070309020205020404" pitchFamily="49" charset="0"/>
+                <a:cs typeface="Courier New" panose="02070309020205020404" pitchFamily="49" charset="0"/>
+              </a:rPr>
+              <a:t>  &lt;</a:t>
+            </a:r>
+            <a:r>
+              <a:rPr lang="nl-NL" b="1" dirty="0" err="1">
+                <a:latin typeface="Courier New" panose="02070309020205020404" pitchFamily="49" charset="0"/>
+                <a:cs typeface="Courier New" panose="02070309020205020404" pitchFamily="49" charset="0"/>
+              </a:rPr>
+              <a:t>doc</a:t>
+            </a:r>
+            <a:r>
+              <a:rPr lang="nl-NL" b="1" dirty="0">
+                <a:latin typeface="Courier New" panose="02070309020205020404" pitchFamily="49" charset="0"/>
+                <a:cs typeface="Courier New" panose="02070309020205020404" pitchFamily="49" charset="0"/>
+              </a:rPr>
+              <a:t> keep="</a:t>
+            </a:r>
+            <a:r>
+              <a:rPr lang="nl-NL" b="1" dirty="0" err="1">
+                <a:latin typeface="Courier New" panose="02070309020205020404" pitchFamily="49" charset="0"/>
+                <a:cs typeface="Courier New" panose="02070309020205020404" pitchFamily="49" charset="0"/>
+              </a:rPr>
+              <a:t>true</a:t>
+            </a:r>
+            <a:r>
+              <a:rPr lang="nl-NL" b="1" dirty="0">
+                <a:latin typeface="Courier New" panose="02070309020205020404" pitchFamily="49" charset="0"/>
+                <a:cs typeface="Courier New" panose="02070309020205020404" pitchFamily="49" charset="0"/>
+              </a:rPr>
+              <a:t>"&gt;</a:t>
+            </a:r>
+          </a:p>
+          <a:p>
+            <a:r>
+              <a:rPr lang="nl-NL" b="1" dirty="0">
+                <a:latin typeface="Courier New" panose="02070309020205020404" pitchFamily="49" charset="0"/>
+                <a:cs typeface="Courier New" panose="02070309020205020404" pitchFamily="49" charset="0"/>
+              </a:rPr>
+              <a:t>    &lt;p&gt;Hi </a:t>
+            </a:r>
+            <a:r>
+              <a:rPr lang="nl-NL" b="1" dirty="0" err="1">
+                <a:latin typeface="Courier New" panose="02070309020205020404" pitchFamily="49" charset="0"/>
+                <a:cs typeface="Courier New" panose="02070309020205020404" pitchFamily="49" charset="0"/>
+              </a:rPr>
+              <a:t>there</a:t>
+            </a:r>
+            <a:r>
+              <a:rPr lang="nl-NL" b="1" dirty="0">
+                <a:latin typeface="Courier New" panose="02070309020205020404" pitchFamily="49" charset="0"/>
+                <a:cs typeface="Courier New" panose="02070309020205020404" pitchFamily="49" charset="0"/>
+              </a:rPr>
+              <a:t> </a:t>
+            </a:r>
+            <a:r>
+              <a:rPr lang="nl-NL" b="1" dirty="0" err="1">
+                <a:latin typeface="Courier New" panose="02070309020205020404" pitchFamily="49" charset="0"/>
+                <a:cs typeface="Courier New" panose="02070309020205020404" pitchFamily="49" charset="0"/>
+              </a:rPr>
+              <a:t>again</a:t>
+            </a:r>
+            <a:r>
+              <a:rPr lang="nl-NL" b="1" dirty="0">
+                <a:latin typeface="Courier New" panose="02070309020205020404" pitchFamily="49" charset="0"/>
+                <a:cs typeface="Courier New" panose="02070309020205020404" pitchFamily="49" charset="0"/>
+              </a:rPr>
+              <a:t>!&lt;/p&gt;</a:t>
+            </a:r>
+          </a:p>
+          <a:p>
+            <a:r>
+              <a:rPr lang="nl-NL" b="1" dirty="0">
+                <a:latin typeface="Courier New" panose="02070309020205020404" pitchFamily="49" charset="0"/>
+                <a:cs typeface="Courier New" panose="02070309020205020404" pitchFamily="49" charset="0"/>
+              </a:rPr>
+              <a:t>  &lt;/</a:t>
+            </a:r>
+            <a:r>
+              <a:rPr lang="nl-NL" b="1" dirty="0" err="1">
+                <a:latin typeface="Courier New" panose="02070309020205020404" pitchFamily="49" charset="0"/>
+                <a:cs typeface="Courier New" panose="02070309020205020404" pitchFamily="49" charset="0"/>
+              </a:rPr>
+              <a:t>doc</a:t>
+            </a:r>
+            <a:r>
+              <a:rPr lang="nl-NL" b="1" dirty="0">
+                <a:latin typeface="Courier New" panose="02070309020205020404" pitchFamily="49" charset="0"/>
+                <a:cs typeface="Courier New" panose="02070309020205020404" pitchFamily="49" charset="0"/>
+              </a:rPr>
+              <a:t>&gt;</a:t>
+            </a:r>
+          </a:p>
+          <a:p>
+            <a:r>
+              <a:rPr lang="nl-NL" b="1" dirty="0">
+                <a:latin typeface="Courier New" panose="02070309020205020404" pitchFamily="49" charset="0"/>
+                <a:cs typeface="Courier New" panose="02070309020205020404" pitchFamily="49" charset="0"/>
+              </a:rPr>
+              <a:t>&lt;/</a:t>
+            </a:r>
+            <a:r>
+              <a:rPr lang="nl-NL" b="1" dirty="0" err="1">
+                <a:latin typeface="Courier New" panose="02070309020205020404" pitchFamily="49" charset="0"/>
+                <a:cs typeface="Courier New" panose="02070309020205020404" pitchFamily="49" charset="0"/>
+              </a:rPr>
+              <a:t>documents</a:t>
+            </a:r>
+            <a:r>
+              <a:rPr lang="nl-NL" b="1" dirty="0">
+                <a:latin typeface="Courier New" panose="02070309020205020404" pitchFamily="49" charset="0"/>
+                <a:cs typeface="Courier New" panose="02070309020205020404" pitchFamily="49" charset="0"/>
+              </a:rPr>
+              <a:t>&gt;</a:t>
+            </a:r>
+          </a:p>
+        </p:txBody>
+      </p:sp>
+      <p:sp>
+        <p:nvSpPr>
+          <p:cNvPr id="8" name="Speech Bubble: Rectangle with Corners Rounded 7">
+            <a:extLst>
+              <a:ext uri="{FF2B5EF4-FFF2-40B4-BE49-F238E27FC236}">
+                <a16:creationId xmlns:a16="http://schemas.microsoft.com/office/drawing/2014/main" id="{3AEEC5B8-E8AA-4B9B-A99C-2D140DDFCBEE}"/>
+              </a:ext>
+            </a:extLst>
+          </p:cNvPr>
+          <p:cNvSpPr/>
+          <p:nvPr/>
+        </p:nvSpPr>
+        <p:spPr>
+          <a:xfrm>
+            <a:off x="6640445" y="2534798"/>
+            <a:ext cx="3753001" cy="818535"/>
+          </a:xfrm>
+          <a:prstGeom prst="wedgeRoundRectCallout">
+            <a:avLst>
+              <a:gd name="adj1" fmla="val -139504"/>
+              <a:gd name="adj2" fmla="val 13465"/>
+              <a:gd name="adj3" fmla="val 16667"/>
+            </a:avLst>
+          </a:prstGeom>
+        </p:spPr>
+        <p:style>
+          <a:lnRef idx="2">
+            <a:schemeClr val="accent1">
+              <a:shade val="50000"/>
+            </a:schemeClr>
+          </a:lnRef>
+          <a:fillRef idx="1">
+            <a:schemeClr val="accent1"/>
+          </a:fillRef>
+          <a:effectRef idx="0">
+            <a:schemeClr val="accent1"/>
+          </a:effectRef>
+          <a:fontRef idx="minor">
+            <a:schemeClr val="lt1"/>
+          </a:fontRef>
+        </p:style>
+        <p:txBody>
+          <a:bodyPr rtlCol="0" anchor="ctr"/>
+          <a:lstStyle/>
+          <a:p>
+            <a:pPr algn="ctr"/>
+            <a:r>
+              <a:rPr lang="en-US" sz="1600" b="1" dirty="0"/>
+              <a:t>Replace every doc with @keep="false" with &lt;DELETED/&gt;</a:t>
+            </a:r>
+            <a:endParaRPr lang="en-NL" sz="1600" b="1" dirty="0"/>
+          </a:p>
+        </p:txBody>
+      </p:sp>
+    </p:spTree>
+    <p:extLst>
+      <p:ext uri="{BB962C8B-B14F-4D97-AF65-F5344CB8AC3E}">
+        <p14:creationId xmlns:p14="http://schemas.microsoft.com/office/powerpoint/2010/main" val="333145356"/>
+      </p:ext>
+    </p:extLst>
+  </p:cSld>
+  <p:clrMapOvr>
+    <a:masterClrMapping/>
+  </p:clrMapOvr>
+  <p:timing>
+    <p:tnLst>
+      <p:par>
+        <p:cTn id="1" dur="indefinite" restart="never" nodeType="tmRoot">
+          <p:childTnLst>
+            <p:seq concurrent="1" nextAc="seek">
+              <p:cTn id="2" dur="indefinite" nodeType="mainSeq">
+                <p:childTnLst>
+                  <p:par>
+                    <p:cTn id="3" fill="hold">
+                      <p:stCondLst>
+                        <p:cond delay="indefinite"/>
+                      </p:stCondLst>
+                      <p:childTnLst>
+                        <p:par>
+                          <p:cTn id="4" fill="hold">
+                            <p:stCondLst>
+                              <p:cond delay="0"/>
+                            </p:stCondLst>
+                            <p:childTnLst>
+                              <p:par>
+                                <p:cTn id="5" presetID="1" presetClass="entr" presetSubtype="0" fill="hold" grpId="0" nodeType="clickEffect">
+                                  <p:stCondLst>
+                                    <p:cond delay="0"/>
+                                  </p:stCondLst>
+                                  <p:childTnLst>
+                                    <p:set>
+                                      <p:cBhvr>
+                                        <p:cTn id="6" dur="1" fill="hold">
+                                          <p:stCondLst>
+                                            <p:cond delay="0"/>
+                                          </p:stCondLst>
+                                        </p:cTn>
+                                        <p:tgtEl>
+                                          <p:spTgt spid="8"/>
+                                        </p:tgtEl>
+                                        <p:attrNameLst>
+                                          <p:attrName>style.visibility</p:attrName>
+                                        </p:attrNameLst>
+                                      </p:cBhvr>
+                                      <p:to>
+                                        <p:strVal val="visible"/>
+                                      </p:to>
+                                    </p:set>
+                                  </p:childTnLst>
+                                </p:cTn>
+                              </p:par>
+                            </p:childTnLst>
+                          </p:cTn>
+                        </p:par>
+                      </p:childTnLst>
+                    </p:cTn>
+                  </p:par>
+                </p:childTnLst>
+              </p:cTn>
+              <p:prevCondLst>
+                <p:cond evt="onPrev" delay="0">
+                  <p:tgtEl>
+                    <p:sldTgt/>
+                  </p:tgtEl>
+                </p:cond>
+              </p:prevCondLst>
+              <p:nextCondLst>
+                <p:cond evt="onNext" delay="0">
+                  <p:tgtEl>
+                    <p:sldTgt/>
+                  </p:tgtEl>
+                </p:cond>
+              </p:nextCondLst>
+            </p:seq>
+          </p:childTnLst>
+        </p:cTn>
+      </p:par>
+    </p:tnLst>
+    <p:bldLst>
+      <p:bldP spid="8" grpId="0" animBg="1"/>
+    </p:bldLst>
+  </p:timing>
+</p:sld>
+</file>
+
+<file path=ppt/slides/slide64.xml><?xml version="1.0" encoding="utf-8"?>
+<p:sld xmlns:a="http://schemas.openxmlformats.org/drawingml/2006/main" xmlns:r="http://schemas.openxmlformats.org/officeDocument/2006/relationships" xmlns:p="http://schemas.openxmlformats.org/presentationml/2006/main">
+  <p:cSld>
+    <p:spTree>
+      <p:nvGrpSpPr>
+        <p:cNvPr id="1" name=""/>
+        <p:cNvGrpSpPr/>
+        <p:nvPr/>
+      </p:nvGrpSpPr>
+      <p:grpSpPr>
+        <a:xfrm>
+          <a:off x="0" y="0"/>
+          <a:ext cx="0" cy="0"/>
+          <a:chOff x="0" y="0"/>
+          <a:chExt cx="0" cy="0"/>
+        </a:xfrm>
+      </p:grpSpPr>
+      <p:sp>
+        <p:nvSpPr>
+          <p:cNvPr id="2" name="Title 1">
+            <a:extLst>
+              <a:ext uri="{FF2B5EF4-FFF2-40B4-BE49-F238E27FC236}">
+                <a16:creationId xmlns:a16="http://schemas.microsoft.com/office/drawing/2014/main" id="{4123861A-F328-4BB9-8F10-4F9FB0F7E245}"/>
+              </a:ext>
+            </a:extLst>
+          </p:cNvPr>
+          <p:cNvSpPr>
+            <a:spLocks noGrp="1"/>
+          </p:cNvSpPr>
+          <p:nvPr>
+            <p:ph type="title"/>
+          </p:nvPr>
+        </p:nvSpPr>
+        <p:spPr>
+          <a:xfrm>
+            <a:off x="287020" y="182438"/>
+            <a:ext cx="11617960" cy="860848"/>
+          </a:xfrm>
+        </p:spPr>
+        <p:txBody>
+          <a:bodyPr>
+            <a:normAutofit/>
+          </a:bodyPr>
+          <a:lstStyle/>
+          <a:p>
+            <a:r>
+              <a:rPr lang="en-US" b="1" dirty="0"/>
+              <a:t>p:viewport</a:t>
+            </a:r>
+            <a:endParaRPr lang="en-NL" b="1" dirty="0"/>
+          </a:p>
+        </p:txBody>
+      </p:sp>
+      <p:sp>
+        <p:nvSpPr>
+          <p:cNvPr id="4" name="TextBox 3">
+            <a:extLst>
+              <a:ext uri="{FF2B5EF4-FFF2-40B4-BE49-F238E27FC236}">
+                <a16:creationId xmlns:a16="http://schemas.microsoft.com/office/drawing/2014/main" id="{E614C84A-45C6-4C95-859B-4E28BD47CA0C}"/>
+              </a:ext>
+            </a:extLst>
+          </p:cNvPr>
+          <p:cNvSpPr txBox="1"/>
+          <p:nvPr/>
+        </p:nvSpPr>
+        <p:spPr>
+          <a:xfrm>
+            <a:off x="432910" y="1645173"/>
+            <a:ext cx="4097209" cy="1477328"/>
+          </a:xfrm>
+          <a:prstGeom prst="rect">
+            <a:avLst/>
+          </a:prstGeom>
+          <a:solidFill>
+            <a:schemeClr val="bg1">
+              <a:lumMod val="85000"/>
+            </a:schemeClr>
+          </a:solidFill>
+        </p:spPr>
+        <p:txBody>
+          <a:bodyPr wrap="square" rtlCol="0">
+            <a:spAutoFit/>
+          </a:bodyPr>
+          <a:lstStyle/>
+          <a:p>
+            <a:r>
+              <a:rPr lang="nl-NL" b="1" dirty="0">
+                <a:latin typeface="Courier New" panose="02070309020205020404" pitchFamily="49" charset="0"/>
+                <a:cs typeface="Courier New" panose="02070309020205020404" pitchFamily="49" charset="0"/>
+              </a:rPr>
+              <a:t>&lt;</a:t>
+            </a:r>
+            <a:r>
+              <a:rPr lang="nl-NL" b="1" dirty="0" err="1">
+                <a:latin typeface="Courier New" panose="02070309020205020404" pitchFamily="49" charset="0"/>
+                <a:cs typeface="Courier New" panose="02070309020205020404" pitchFamily="49" charset="0"/>
+              </a:rPr>
+              <a:t>p:viewport</a:t>
+            </a:r>
+            <a:r>
+              <a:rPr lang="nl-NL" b="1" dirty="0">
+                <a:latin typeface="Courier New" panose="02070309020205020404" pitchFamily="49" charset="0"/>
+                <a:cs typeface="Courier New" panose="02070309020205020404" pitchFamily="49" charset="0"/>
+              </a:rPr>
+              <a:t> match="…"&gt;</a:t>
+            </a:r>
+          </a:p>
+          <a:p>
+            <a:endParaRPr lang="nl-NL" b="1" dirty="0">
+              <a:latin typeface="Courier New" panose="02070309020205020404" pitchFamily="49" charset="0"/>
+              <a:cs typeface="Courier New" panose="02070309020205020404" pitchFamily="49" charset="0"/>
+            </a:endParaRPr>
+          </a:p>
+          <a:p>
+            <a:endParaRPr lang="nl-NL" b="1" dirty="0">
+              <a:latin typeface="Courier New" panose="02070309020205020404" pitchFamily="49" charset="0"/>
+              <a:cs typeface="Courier New" panose="02070309020205020404" pitchFamily="49" charset="0"/>
+            </a:endParaRPr>
+          </a:p>
+          <a:p>
+            <a:endParaRPr lang="nl-NL" b="1" dirty="0">
+              <a:latin typeface="Courier New" panose="02070309020205020404" pitchFamily="49" charset="0"/>
+              <a:cs typeface="Courier New" panose="02070309020205020404" pitchFamily="49" charset="0"/>
+            </a:endParaRPr>
+          </a:p>
+          <a:p>
+            <a:r>
+              <a:rPr lang="nl-NL" b="1" dirty="0">
+                <a:latin typeface="Courier New" panose="02070309020205020404" pitchFamily="49" charset="0"/>
+                <a:cs typeface="Courier New" panose="02070309020205020404" pitchFamily="49" charset="0"/>
+              </a:rPr>
+              <a:t>&lt;/</a:t>
+            </a:r>
+            <a:r>
+              <a:rPr lang="nl-NL" b="1" dirty="0" err="1">
+                <a:latin typeface="Courier New" panose="02070309020205020404" pitchFamily="49" charset="0"/>
+                <a:cs typeface="Courier New" panose="02070309020205020404" pitchFamily="49" charset="0"/>
+              </a:rPr>
+              <a:t>p:viewport</a:t>
+            </a:r>
+            <a:r>
+              <a:rPr lang="nl-NL" b="1" dirty="0">
+                <a:latin typeface="Courier New" panose="02070309020205020404" pitchFamily="49" charset="0"/>
+                <a:cs typeface="Courier New" panose="02070309020205020404" pitchFamily="49" charset="0"/>
+              </a:rPr>
+              <a:t>&gt;</a:t>
+            </a:r>
+          </a:p>
+        </p:txBody>
+      </p:sp>
+      <p:sp>
+        <p:nvSpPr>
+          <p:cNvPr id="8" name="Speech Bubble: Rectangle with Corners Rounded 7">
+            <a:extLst>
+              <a:ext uri="{FF2B5EF4-FFF2-40B4-BE49-F238E27FC236}">
+                <a16:creationId xmlns:a16="http://schemas.microsoft.com/office/drawing/2014/main" id="{3AEEC5B8-E8AA-4B9B-A99C-2D140DDFCBEE}"/>
+              </a:ext>
+            </a:extLst>
+          </p:cNvPr>
+          <p:cNvSpPr/>
+          <p:nvPr/>
+        </p:nvSpPr>
+        <p:spPr>
+          <a:xfrm>
+            <a:off x="6654406" y="1645173"/>
+            <a:ext cx="3753001" cy="818535"/>
+          </a:xfrm>
+          <a:prstGeom prst="wedgeRoundRectCallout">
+            <a:avLst>
+              <a:gd name="adj1" fmla="val -139504"/>
+              <a:gd name="adj2" fmla="val 13465"/>
+              <a:gd name="adj3" fmla="val 16667"/>
+            </a:avLst>
+          </a:prstGeom>
+        </p:spPr>
+        <p:style>
+          <a:lnRef idx="2">
+            <a:schemeClr val="accent1">
+              <a:shade val="50000"/>
+            </a:schemeClr>
+          </a:lnRef>
+          <a:fillRef idx="1">
+            <a:schemeClr val="accent1"/>
+          </a:fillRef>
+          <a:effectRef idx="0">
+            <a:schemeClr val="accent1"/>
+          </a:effectRef>
+          <a:fontRef idx="minor">
+            <a:schemeClr val="lt1"/>
+          </a:fontRef>
+        </p:style>
+        <p:txBody>
+          <a:bodyPr rtlCol="0" anchor="ctr"/>
+          <a:lstStyle/>
+          <a:p>
+            <a:pPr algn="ctr"/>
+            <a:r>
+              <a:rPr lang="en-US" sz="1600" b="1" dirty="0"/>
+              <a:t>Replace the matched nodes with you produce in here</a:t>
+            </a:r>
+            <a:endParaRPr lang="en-NL" sz="1600" b="1" dirty="0"/>
+          </a:p>
+        </p:txBody>
+      </p:sp>
+    </p:spTree>
+    <p:extLst>
+      <p:ext uri="{BB962C8B-B14F-4D97-AF65-F5344CB8AC3E}">
+        <p14:creationId xmlns:p14="http://schemas.microsoft.com/office/powerpoint/2010/main" val="3019053051"/>
+      </p:ext>
+    </p:extLst>
+  </p:cSld>
+  <p:clrMapOvr>
+    <a:masterClrMapping/>
+  </p:clrMapOvr>
+  <p:timing>
+    <p:tnLst>
+      <p:par>
+        <p:cTn id="1" dur="indefinite" restart="never" nodeType="tmRoot">
+          <p:childTnLst>
+            <p:seq concurrent="1" nextAc="seek">
+              <p:cTn id="2" dur="indefinite" nodeType="mainSeq">
+                <p:childTnLst>
+                  <p:par>
+                    <p:cTn id="3" fill="hold">
+                      <p:stCondLst>
+                        <p:cond delay="indefinite"/>
+                      </p:stCondLst>
+                      <p:childTnLst>
+                        <p:par>
+                          <p:cTn id="4" fill="hold">
+                            <p:stCondLst>
+                              <p:cond delay="0"/>
+                            </p:stCondLst>
+                            <p:childTnLst>
+                              <p:par>
+                                <p:cTn id="5" presetID="1" presetClass="entr" presetSubtype="0" fill="hold" grpId="0" nodeType="clickEffect">
+                                  <p:stCondLst>
+                                    <p:cond delay="0"/>
+                                  </p:stCondLst>
+                                  <p:childTnLst>
+                                    <p:set>
+                                      <p:cBhvr>
+                                        <p:cTn id="6" dur="1" fill="hold">
+                                          <p:stCondLst>
+                                            <p:cond delay="0"/>
+                                          </p:stCondLst>
+                                        </p:cTn>
+                                        <p:tgtEl>
+                                          <p:spTgt spid="8"/>
+                                        </p:tgtEl>
+                                        <p:attrNameLst>
+                                          <p:attrName>style.visibility</p:attrName>
+                                        </p:attrNameLst>
+                                      </p:cBhvr>
+                                      <p:to>
+                                        <p:strVal val="visible"/>
+                                      </p:to>
+                                    </p:set>
+                                  </p:childTnLst>
+                                </p:cTn>
+                              </p:par>
+                            </p:childTnLst>
+                          </p:cTn>
+                        </p:par>
+                      </p:childTnLst>
+                    </p:cTn>
+                  </p:par>
+                </p:childTnLst>
+              </p:cTn>
+              <p:prevCondLst>
+                <p:cond evt="onPrev" delay="0">
+                  <p:tgtEl>
+                    <p:sldTgt/>
+                  </p:tgtEl>
+                </p:cond>
+              </p:prevCondLst>
+              <p:nextCondLst>
+                <p:cond evt="onNext" delay="0">
+                  <p:tgtEl>
+                    <p:sldTgt/>
+                  </p:tgtEl>
+                </p:cond>
+              </p:nextCondLst>
+            </p:seq>
+          </p:childTnLst>
+        </p:cTn>
+      </p:par>
+    </p:tnLst>
+    <p:bldLst>
+      <p:bldP spid="8" grpId="0" animBg="1"/>
+    </p:bldLst>
+  </p:timing>
+</p:sld>
+</file>
+
+<file path=ppt/slides/slide65.xml><?xml version="1.0" encoding="utf-8"?>
+<p:sld xmlns:a="http://schemas.openxmlformats.org/drawingml/2006/main" xmlns:r="http://schemas.openxmlformats.org/officeDocument/2006/relationships" xmlns:p="http://schemas.openxmlformats.org/presentationml/2006/main">
+  <p:cSld>
+    <p:spTree>
+      <p:nvGrpSpPr>
+        <p:cNvPr id="1" name=""/>
+        <p:cNvGrpSpPr/>
+        <p:nvPr/>
+      </p:nvGrpSpPr>
+      <p:grpSpPr>
+        <a:xfrm>
+          <a:off x="0" y="0"/>
+          <a:ext cx="0" cy="0"/>
+          <a:chOff x="0" y="0"/>
+          <a:chExt cx="0" cy="0"/>
+        </a:xfrm>
+      </p:grpSpPr>
+      <p:sp>
+        <p:nvSpPr>
+          <p:cNvPr id="2" name="Titel 1">
+            <a:extLst>
+              <a:ext uri="{FF2B5EF4-FFF2-40B4-BE49-F238E27FC236}">
+                <a16:creationId xmlns:a16="http://schemas.microsoft.com/office/drawing/2014/main" id="{4C9DC008-762F-4B21-B135-768916E1ED40}"/>
+              </a:ext>
+            </a:extLst>
+          </p:cNvPr>
+          <p:cNvSpPr>
+            <a:spLocks noGrp="1"/>
+          </p:cNvSpPr>
+          <p:nvPr>
+            <p:ph type="title"/>
+          </p:nvPr>
+        </p:nvSpPr>
+        <p:spPr>
+          <a:xfrm>
+            <a:off x="163934" y="101139"/>
+            <a:ext cx="6838315" cy="706299"/>
+          </a:xfrm>
+        </p:spPr>
+        <p:txBody>
+          <a:bodyPr>
+            <a:normAutofit/>
+          </a:bodyPr>
+          <a:lstStyle/>
+          <a:p>
+            <a:r>
+              <a:rPr lang="en-US" b="1" dirty="0"/>
+              <a:t>The p:identity step</a:t>
+            </a:r>
+          </a:p>
+        </p:txBody>
+      </p:sp>
+      <p:sp>
+        <p:nvSpPr>
+          <p:cNvPr id="39" name="Rechthoek: afgeronde hoeken 38">
+            <a:extLst>
+              <a:ext uri="{FF2B5EF4-FFF2-40B4-BE49-F238E27FC236}">
+                <a16:creationId xmlns:a16="http://schemas.microsoft.com/office/drawing/2014/main" id="{7BDD6240-29EF-4245-B81C-A5B7F0E877E0}"/>
+              </a:ext>
+            </a:extLst>
+          </p:cNvPr>
+          <p:cNvSpPr/>
+          <p:nvPr/>
+        </p:nvSpPr>
+        <p:spPr>
+          <a:xfrm>
+            <a:off x="1951875" y="2954944"/>
+            <a:ext cx="1913389" cy="1080083"/>
+          </a:xfrm>
+          <a:prstGeom prst="roundRect">
+            <a:avLst/>
+          </a:prstGeom>
+        </p:spPr>
+        <p:style>
+          <a:lnRef idx="2">
+            <a:schemeClr val="accent1">
+              <a:shade val="50000"/>
+            </a:schemeClr>
+          </a:lnRef>
+          <a:fillRef idx="1">
+            <a:schemeClr val="accent1"/>
+          </a:fillRef>
+          <a:effectRef idx="0">
+            <a:schemeClr val="accent1"/>
+          </a:effectRef>
+          <a:fontRef idx="minor">
+            <a:schemeClr val="lt1"/>
+          </a:fontRef>
+        </p:style>
+        <p:txBody>
+          <a:bodyPr rtlCol="0" anchor="ctr"/>
+          <a:lstStyle/>
+          <a:p>
+            <a:pPr algn="ctr"/>
+            <a:r>
+              <a:rPr lang="en-US" sz="2000" dirty="0"/>
+              <a:t>p:identity</a:t>
+            </a:r>
+          </a:p>
+        </p:txBody>
+      </p:sp>
+      <p:sp>
+        <p:nvSpPr>
+          <p:cNvPr id="41" name="Pijl: rechts 40">
+            <a:extLst>
+              <a:ext uri="{FF2B5EF4-FFF2-40B4-BE49-F238E27FC236}">
+                <a16:creationId xmlns:a16="http://schemas.microsoft.com/office/drawing/2014/main" id="{3B2FD93D-A3AA-41B7-B3F0-21F3B2AE716E}"/>
+              </a:ext>
+            </a:extLst>
+          </p:cNvPr>
+          <p:cNvSpPr/>
+          <p:nvPr/>
+        </p:nvSpPr>
+        <p:spPr>
+          <a:xfrm rot="5400000">
+            <a:off x="1716566" y="2135903"/>
+            <a:ext cx="1407385" cy="515923"/>
+          </a:xfrm>
+          <a:prstGeom prst="rightArrow">
+            <a:avLst/>
+          </a:prstGeom>
+          <a:solidFill>
+            <a:schemeClr val="accent1">
+              <a:lumMod val="60000"/>
+              <a:lumOff val="40000"/>
+            </a:schemeClr>
+          </a:solidFill>
+        </p:spPr>
+        <p:style>
+          <a:lnRef idx="2">
+            <a:schemeClr val="accent1">
+              <a:shade val="50000"/>
+            </a:schemeClr>
+          </a:lnRef>
+          <a:fillRef idx="1">
+            <a:schemeClr val="accent1"/>
+          </a:fillRef>
+          <a:effectRef idx="0">
+            <a:schemeClr val="accent1"/>
+          </a:effectRef>
+          <a:fontRef idx="minor">
+            <a:schemeClr val="lt1"/>
+          </a:fontRef>
+        </p:style>
+        <p:txBody>
+          <a:bodyPr rot="0" spcFirstLastPara="0" vertOverflow="overflow" horzOverflow="overflow" vert="horz" wrap="square" lIns="91440" tIns="45720" rIns="91440" bIns="45720" numCol="1" spcCol="0" rtlCol="0" fromWordArt="0" anchor="ctr" anchorCtr="0" forceAA="0" compatLnSpc="1">
+            <a:prstTxWarp prst="textNoShape">
+              <a:avLst/>
+            </a:prstTxWarp>
+            <a:noAutofit/>
+          </a:bodyPr>
+          <a:lstStyle/>
+          <a:p>
+            <a:pPr algn="ctr"/>
+            <a:r>
+              <a:rPr lang="en-US" dirty="0">
+                <a:solidFill>
+                  <a:schemeClr val="tx1"/>
+                </a:solidFill>
+              </a:rPr>
+              <a:t>source</a:t>
+            </a:r>
+          </a:p>
+        </p:txBody>
+      </p:sp>
+      <p:sp>
+        <p:nvSpPr>
+          <p:cNvPr id="43" name="Pijl: rechts 42">
+            <a:extLst>
+              <a:ext uri="{FF2B5EF4-FFF2-40B4-BE49-F238E27FC236}">
+                <a16:creationId xmlns:a16="http://schemas.microsoft.com/office/drawing/2014/main" id="{DF86B976-A420-40AE-AC68-37D82162DE59}"/>
+              </a:ext>
+            </a:extLst>
+          </p:cNvPr>
+          <p:cNvSpPr/>
+          <p:nvPr/>
+        </p:nvSpPr>
+        <p:spPr>
+          <a:xfrm rot="5400000">
+            <a:off x="1716565" y="4383698"/>
+            <a:ext cx="1407385" cy="515923"/>
+          </a:xfrm>
+          <a:prstGeom prst="rightArrow">
+            <a:avLst/>
+          </a:prstGeom>
+          <a:solidFill>
+            <a:schemeClr val="accent1">
+              <a:lumMod val="60000"/>
+              <a:lumOff val="40000"/>
+            </a:schemeClr>
+          </a:solidFill>
+        </p:spPr>
+        <p:style>
+          <a:lnRef idx="2">
+            <a:schemeClr val="accent1">
+              <a:shade val="50000"/>
+            </a:schemeClr>
+          </a:lnRef>
+          <a:fillRef idx="1">
+            <a:schemeClr val="accent1"/>
+          </a:fillRef>
+          <a:effectRef idx="0">
+            <a:schemeClr val="accent1"/>
+          </a:effectRef>
+          <a:fontRef idx="minor">
+            <a:schemeClr val="lt1"/>
+          </a:fontRef>
+        </p:style>
+        <p:txBody>
+          <a:bodyPr rot="0" spcFirstLastPara="0" vertOverflow="overflow" horzOverflow="overflow" vert="horz" wrap="square" lIns="91440" tIns="45720" rIns="91440" bIns="45720" numCol="1" spcCol="0" rtlCol="0" fromWordArt="0" anchor="ctr" anchorCtr="0" forceAA="0" compatLnSpc="1">
+            <a:prstTxWarp prst="textNoShape">
+              <a:avLst/>
+            </a:prstTxWarp>
+            <a:noAutofit/>
+          </a:bodyPr>
+          <a:lstStyle/>
+          <a:p>
+            <a:pPr algn="ctr"/>
+            <a:r>
+              <a:rPr lang="en-US" dirty="0">
+                <a:solidFill>
+                  <a:schemeClr val="tx1"/>
+                </a:solidFill>
+              </a:rPr>
+              <a:t>result</a:t>
+            </a:r>
+          </a:p>
+        </p:txBody>
+      </p:sp>
+      <p:sp>
+        <p:nvSpPr>
+          <p:cNvPr id="7" name="TextBox 6">
+            <a:extLst>
+              <a:ext uri="{FF2B5EF4-FFF2-40B4-BE49-F238E27FC236}">
+                <a16:creationId xmlns:a16="http://schemas.microsoft.com/office/drawing/2014/main" id="{93E6505F-7B20-414E-B693-308813436284}"/>
+              </a:ext>
+            </a:extLst>
+          </p:cNvPr>
+          <p:cNvSpPr txBox="1"/>
+          <p:nvPr/>
+        </p:nvSpPr>
+        <p:spPr>
+          <a:xfrm>
+            <a:off x="5818064" y="851358"/>
+            <a:ext cx="6373936" cy="923330"/>
+          </a:xfrm>
+          <a:prstGeom prst="rect">
+            <a:avLst/>
+          </a:prstGeom>
+          <a:noFill/>
+        </p:spPr>
+        <p:txBody>
+          <a:bodyPr wrap="square" rtlCol="0">
+            <a:spAutoFit/>
+          </a:bodyPr>
+          <a:lstStyle/>
+          <a:p>
+            <a:r>
+              <a:rPr lang="en-US" dirty="0"/>
+              <a:t>See: </a:t>
+            </a:r>
+            <a:r>
+              <a:rPr lang="en-US" dirty="0">
+                <a:hlinkClick r:id="rId2"/>
+              </a:rPr>
+              <a:t>https://spec.xproc.org/master/head/steps/#c.identity</a:t>
+            </a:r>
+            <a:r>
+              <a:rPr lang="en-US" dirty="0"/>
+              <a:t> </a:t>
+            </a:r>
+          </a:p>
+          <a:p>
+            <a:endParaRPr lang="en-US" dirty="0"/>
+          </a:p>
+          <a:p>
+            <a:endParaRPr lang="en-NL" dirty="0"/>
+          </a:p>
+        </p:txBody>
+      </p:sp>
+      <p:sp>
+        <p:nvSpPr>
+          <p:cNvPr id="17" name="Speech Bubble: Rectangle with Corners Rounded 16">
+            <a:extLst>
+              <a:ext uri="{FF2B5EF4-FFF2-40B4-BE49-F238E27FC236}">
+                <a16:creationId xmlns:a16="http://schemas.microsoft.com/office/drawing/2014/main" id="{4C5745C7-865E-4C39-9612-5CD50BFF6E02}"/>
+              </a:ext>
+            </a:extLst>
+          </p:cNvPr>
+          <p:cNvSpPr/>
+          <p:nvPr/>
+        </p:nvSpPr>
+        <p:spPr>
+          <a:xfrm>
+            <a:off x="6487124" y="2545676"/>
+            <a:ext cx="3753001" cy="818535"/>
+          </a:xfrm>
+          <a:prstGeom prst="wedgeRoundRectCallout">
+            <a:avLst>
+              <a:gd name="adj1" fmla="val -116627"/>
+              <a:gd name="adj2" fmla="val 71453"/>
+              <a:gd name="adj3" fmla="val 16667"/>
+            </a:avLst>
+          </a:prstGeom>
+        </p:spPr>
+        <p:style>
+          <a:lnRef idx="2">
+            <a:schemeClr val="accent1">
+              <a:shade val="50000"/>
+            </a:schemeClr>
+          </a:lnRef>
+          <a:fillRef idx="1">
+            <a:schemeClr val="accent1"/>
+          </a:fillRef>
+          <a:effectRef idx="0">
+            <a:schemeClr val="accent1"/>
+          </a:effectRef>
+          <a:fontRef idx="minor">
+            <a:schemeClr val="lt1"/>
+          </a:fontRef>
+        </p:style>
+        <p:txBody>
+          <a:bodyPr rtlCol="0" anchor="ctr"/>
+          <a:lstStyle/>
+          <a:p>
+            <a:pPr algn="ctr"/>
+            <a:r>
+              <a:rPr lang="en-US" sz="1600" b="1" dirty="0"/>
+              <a:t>Just copy what's on the source port to the result port… </a:t>
+            </a:r>
+            <a:endParaRPr lang="en-NL" sz="1600" b="1" dirty="0"/>
+          </a:p>
+        </p:txBody>
+      </p:sp>
+    </p:spTree>
+    <p:extLst>
+      <p:ext uri="{BB962C8B-B14F-4D97-AF65-F5344CB8AC3E}">
+        <p14:creationId xmlns:p14="http://schemas.microsoft.com/office/powerpoint/2010/main" val="1777280814"/>
+      </p:ext>
+    </p:extLst>
+  </p:cSld>
+  <p:clrMapOvr>
+    <a:masterClrMapping/>
+  </p:clrMapOvr>
+  <p:timing>
+    <p:tnLst>
+      <p:par>
+        <p:cTn id="1" dur="indefinite" restart="never" nodeType="tmRoot">
+          <p:childTnLst>
+            <p:seq concurrent="1" nextAc="seek">
+              <p:cTn id="2" dur="indefinite" nodeType="mainSeq">
+                <p:childTnLst>
+                  <p:par>
+                    <p:cTn id="3" fill="hold">
+                      <p:stCondLst>
+                        <p:cond delay="indefinite"/>
+                      </p:stCondLst>
+                      <p:childTnLst>
+                        <p:par>
+                          <p:cTn id="4" fill="hold">
+                            <p:stCondLst>
+                              <p:cond delay="0"/>
+                            </p:stCondLst>
+                            <p:childTnLst>
+                              <p:par>
+                                <p:cTn id="5" presetID="1" presetClass="entr" presetSubtype="0" fill="hold" grpId="0" nodeType="clickEffect">
+                                  <p:stCondLst>
+                                    <p:cond delay="0"/>
+                                  </p:stCondLst>
+                                  <p:childTnLst>
+                                    <p:set>
+                                      <p:cBhvr>
+                                        <p:cTn id="6" dur="1" fill="hold">
+                                          <p:stCondLst>
+                                            <p:cond delay="0"/>
+                                          </p:stCondLst>
+                                        </p:cTn>
+                                        <p:tgtEl>
+                                          <p:spTgt spid="17"/>
+                                        </p:tgtEl>
+                                        <p:attrNameLst>
+                                          <p:attrName>style.visibility</p:attrName>
+                                        </p:attrNameLst>
+                                      </p:cBhvr>
+                                      <p:to>
+                                        <p:strVal val="visible"/>
+                                      </p:to>
+                                    </p:set>
+                                  </p:childTnLst>
+                                </p:cTn>
+                              </p:par>
+                            </p:childTnLst>
+                          </p:cTn>
+                        </p:par>
+                      </p:childTnLst>
+                    </p:cTn>
+                  </p:par>
+                </p:childTnLst>
+              </p:cTn>
+              <p:prevCondLst>
+                <p:cond evt="onPrev" delay="0">
+                  <p:tgtEl>
+                    <p:sldTgt/>
+                  </p:tgtEl>
+                </p:cond>
+              </p:prevCondLst>
+              <p:nextCondLst>
+                <p:cond evt="onNext" delay="0">
+                  <p:tgtEl>
+                    <p:sldTgt/>
+                  </p:tgtEl>
+                </p:cond>
+              </p:nextCondLst>
+            </p:seq>
+          </p:childTnLst>
+        </p:cTn>
+      </p:par>
+    </p:tnLst>
+    <p:bldLst>
+      <p:bldP spid="17" grpId="0" animBg="1"/>
+    </p:bldLst>
+  </p:timing>
+</p:sld>
+</file>
+
+<file path=ppt/slides/slide66.xml><?xml version="1.0" encoding="utf-8"?>
+<p:sld xmlns:a="http://schemas.openxmlformats.org/drawingml/2006/main" xmlns:r="http://schemas.openxmlformats.org/officeDocument/2006/relationships" xmlns:p="http://schemas.openxmlformats.org/presentationml/2006/main">
+  <p:cSld>
+    <p:spTree>
+      <p:nvGrpSpPr>
+        <p:cNvPr id="1" name=""/>
+        <p:cNvGrpSpPr/>
+        <p:nvPr/>
+      </p:nvGrpSpPr>
+      <p:grpSpPr>
+        <a:xfrm>
+          <a:off x="0" y="0"/>
+          <a:ext cx="0" cy="0"/>
+          <a:chOff x="0" y="0"/>
+          <a:chExt cx="0" cy="0"/>
+        </a:xfrm>
+      </p:grpSpPr>
+      <p:sp>
+        <p:nvSpPr>
+          <p:cNvPr id="2" name="Title 1">
+            <a:extLst>
+              <a:ext uri="{FF2B5EF4-FFF2-40B4-BE49-F238E27FC236}">
+                <a16:creationId xmlns:a16="http://schemas.microsoft.com/office/drawing/2014/main" id="{A70F358F-267E-458C-A8D5-5959F20DB9D5}"/>
+              </a:ext>
+            </a:extLst>
+          </p:cNvPr>
+          <p:cNvSpPr>
+            <a:spLocks noGrp="1"/>
+          </p:cNvSpPr>
+          <p:nvPr>
+            <p:ph type="title"/>
+          </p:nvPr>
+        </p:nvSpPr>
+        <p:spPr>
+          <a:xfrm>
+            <a:off x="1124543" y="278023"/>
+            <a:ext cx="11013942" cy="1325563"/>
+          </a:xfrm>
+        </p:spPr>
+        <p:txBody>
+          <a:bodyPr/>
+          <a:lstStyle/>
+          <a:p>
+            <a:r>
+              <a:rPr lang="en-US" b="1" dirty="0"/>
+              <a:t>Hands-on: Use p:viewport to change parts of a document</a:t>
+            </a:r>
+            <a:endParaRPr lang="en-NL" b="1" dirty="0"/>
+          </a:p>
+        </p:txBody>
+      </p:sp>
+      <p:sp>
+        <p:nvSpPr>
+          <p:cNvPr id="3" name="Content Placeholder 2">
+            <a:extLst>
+              <a:ext uri="{FF2B5EF4-FFF2-40B4-BE49-F238E27FC236}">
+                <a16:creationId xmlns:a16="http://schemas.microsoft.com/office/drawing/2014/main" id="{B7E5CA6D-D83C-4F14-841A-1F3902B3B2AC}"/>
+              </a:ext>
+            </a:extLst>
+          </p:cNvPr>
+          <p:cNvSpPr>
+            <a:spLocks noGrp="1"/>
+          </p:cNvSpPr>
+          <p:nvPr>
+            <p:ph idx="1"/>
+          </p:nvPr>
+        </p:nvSpPr>
+        <p:spPr>
+          <a:xfrm>
+            <a:off x="210143" y="1825624"/>
+            <a:ext cx="11688856" cy="4548771"/>
+          </a:xfrm>
+        </p:spPr>
+        <p:txBody>
+          <a:bodyPr>
+            <a:normAutofit/>
+          </a:bodyPr>
+          <a:lstStyle/>
+          <a:p>
+            <a:r>
+              <a:rPr lang="en-GB" dirty="0"/>
+              <a:t>Open a command window in </a:t>
+            </a:r>
+            <a:r>
+              <a:rPr lang="en-GB" sz="2400" b="1" dirty="0">
+                <a:latin typeface="Courier New" panose="02070309020205020404" pitchFamily="49" charset="0"/>
+                <a:cs typeface="Courier New" panose="02070309020205020404" pitchFamily="49" charset="0"/>
+              </a:rPr>
+              <a:t>exercises/11-viewport/</a:t>
+            </a:r>
+          </a:p>
+          <a:p>
+            <a:r>
+              <a:rPr lang="en-GB" dirty="0"/>
+              <a:t>Finish the code so every </a:t>
+            </a:r>
+            <a:r>
+              <a:rPr lang="en-GB" b="1" dirty="0">
+                <a:latin typeface="Courier New" panose="02070309020205020404" pitchFamily="49" charset="0"/>
+                <a:cs typeface="Courier New" panose="02070309020205020404" pitchFamily="49" charset="0"/>
+              </a:rPr>
+              <a:t>&lt;doc&gt;</a:t>
+            </a:r>
+            <a:r>
+              <a:rPr lang="en-GB" dirty="0"/>
+              <a:t> with </a:t>
+            </a:r>
+            <a:r>
+              <a:rPr lang="en-GB" b="1" dirty="0">
+                <a:latin typeface="Courier New" panose="02070309020205020404" pitchFamily="49" charset="0"/>
+                <a:cs typeface="Courier New" panose="02070309020205020404" pitchFamily="49" charset="0"/>
+              </a:rPr>
+              <a:t>@keep="false"</a:t>
+            </a:r>
+            <a:r>
+              <a:rPr lang="en-GB" dirty="0"/>
+              <a:t> is replaced by a </a:t>
+            </a:r>
+            <a:r>
+              <a:rPr lang="en-GB" b="1" dirty="0">
+                <a:latin typeface="Courier New" panose="02070309020205020404" pitchFamily="49" charset="0"/>
+                <a:cs typeface="Courier New" panose="02070309020205020404" pitchFamily="49" charset="0"/>
+              </a:rPr>
+              <a:t>&lt;DELETED/&gt;</a:t>
+            </a:r>
+            <a:r>
+              <a:rPr lang="en-GB" dirty="0"/>
+              <a:t> element</a:t>
+            </a:r>
+            <a:endParaRPr lang="en-GB" sz="2400" b="1" dirty="0">
+              <a:latin typeface="Courier New" panose="02070309020205020404" pitchFamily="49" charset="0"/>
+              <a:cs typeface="Courier New" panose="02070309020205020404" pitchFamily="49" charset="0"/>
+            </a:endParaRPr>
+          </a:p>
+          <a:p>
+            <a:r>
+              <a:rPr lang="en-GB" sz="2800" dirty="0"/>
+              <a:t>Try it!</a:t>
+            </a:r>
+          </a:p>
+          <a:p>
+            <a:r>
+              <a:rPr lang="en-GB" sz="2800" dirty="0"/>
+              <a:t>Command: </a:t>
+            </a:r>
+            <a:r>
+              <a:rPr lang="en-US" sz="2800" b="1" dirty="0">
+                <a:latin typeface="Courier New" panose="02070309020205020404" pitchFamily="49" charset="0"/>
+                <a:cs typeface="Courier New" panose="02070309020205020404" pitchFamily="49" charset="0"/>
+              </a:rPr>
+              <a:t>morgana </a:t>
+            </a:r>
+            <a:r>
+              <a:rPr lang="en-US" sz="2800" b="1" dirty="0" err="1">
+                <a:latin typeface="Courier New" panose="02070309020205020404" pitchFamily="49" charset="0"/>
+                <a:cs typeface="Courier New" panose="02070309020205020404" pitchFamily="49" charset="0"/>
+              </a:rPr>
+              <a:t>pipeline.xpl</a:t>
+            </a:r>
+            <a:r>
+              <a:rPr lang="en-US" sz="2800" b="1" dirty="0">
+                <a:latin typeface="Courier New" panose="02070309020205020404" pitchFamily="49" charset="0"/>
+                <a:cs typeface="Courier New" panose="02070309020205020404" pitchFamily="49" charset="0"/>
+              </a:rPr>
+              <a:t> -</a:t>
+            </a:r>
+            <a:r>
+              <a:rPr lang="en-US" sz="2800" b="1" dirty="0" err="1">
+                <a:latin typeface="Courier New" panose="02070309020205020404" pitchFamily="49" charset="0"/>
+                <a:cs typeface="Courier New" panose="02070309020205020404" pitchFamily="49" charset="0"/>
+              </a:rPr>
+              <a:t>input:source</a:t>
+            </a:r>
+            <a:r>
+              <a:rPr lang="en-US" sz="2800" b="1" dirty="0">
+                <a:latin typeface="Courier New" panose="02070309020205020404" pitchFamily="49" charset="0"/>
+                <a:cs typeface="Courier New" panose="02070309020205020404" pitchFamily="49" charset="0"/>
+              </a:rPr>
+              <a:t>=input.xml</a:t>
+            </a:r>
+            <a:endParaRPr lang="en-GB" sz="2800" i="1" dirty="0"/>
+          </a:p>
+          <a:p>
+            <a:endParaRPr lang="en-GB" sz="2400" b="1" dirty="0">
+              <a:latin typeface="Courier New" panose="02070309020205020404" pitchFamily="49" charset="0"/>
+              <a:cs typeface="Courier New" panose="02070309020205020404" pitchFamily="49" charset="0"/>
+            </a:endParaRPr>
+          </a:p>
+          <a:p>
+            <a:pPr marL="0" indent="0">
+              <a:buNone/>
+            </a:pPr>
+            <a:endParaRPr lang="en-GB" sz="2400" b="1" dirty="0">
+              <a:latin typeface="Courier New" panose="02070309020205020404" pitchFamily="49" charset="0"/>
+              <a:cs typeface="Courier New" panose="02070309020205020404" pitchFamily="49" charset="0"/>
+            </a:endParaRPr>
+          </a:p>
+        </p:txBody>
+      </p:sp>
+      <p:pic>
+        <p:nvPicPr>
+          <p:cNvPr id="6" name="Graphic 5" descr="Right pointing backhand index ">
+            <a:extLst>
+              <a:ext uri="{FF2B5EF4-FFF2-40B4-BE49-F238E27FC236}">
+                <a16:creationId xmlns:a16="http://schemas.microsoft.com/office/drawing/2014/main" id="{BA7FB8C5-2AEE-41C3-980A-64845E036DE8}"/>
+              </a:ext>
+            </a:extLst>
+          </p:cNvPr>
+          <p:cNvPicPr>
+            <a:picLocks noChangeAspect="1"/>
+          </p:cNvPicPr>
+          <p:nvPr/>
+        </p:nvPicPr>
+        <p:blipFill>
+          <a:blip r:embed="rId3">
+            <a:extLst>
+              <a:ext uri="{28A0092B-C50C-407E-A947-70E740481C1C}">
+                <a14:useLocalDpi xmlns:a14="http://schemas.microsoft.com/office/drawing/2010/main" val="0"/>
+              </a:ext>
+              <a:ext uri="{96DAC541-7B7A-43D3-8B79-37D633B846F1}">
+                <asvg:svgBlip xmlns:asvg="http://schemas.microsoft.com/office/drawing/2016/SVG/main" r:embed="rId4"/>
+              </a:ext>
+            </a:extLst>
+          </a:blip>
+          <a:stretch>
+            <a:fillRect/>
+          </a:stretch>
+        </p:blipFill>
+        <p:spPr>
+          <a:xfrm>
+            <a:off x="210143" y="483605"/>
+            <a:ext cx="914400" cy="914400"/>
+          </a:xfrm>
+          <a:prstGeom prst="rect">
+            <a:avLst/>
+          </a:prstGeom>
+        </p:spPr>
+      </p:pic>
+    </p:spTree>
+    <p:extLst>
+      <p:ext uri="{BB962C8B-B14F-4D97-AF65-F5344CB8AC3E}">
+        <p14:creationId xmlns:p14="http://schemas.microsoft.com/office/powerpoint/2010/main" val="733711381"/>
+      </p:ext>
+    </p:extLst>
+  </p:cSld>
+  <p:clrMapOvr>
+    <a:masterClrMapping/>
+  </p:clrMapOvr>
+</p:sld>
+</file>
+
+<file path=ppt/slides/slide67.xml><?xml version="1.0" encoding="utf-8"?>
+<p:sld xmlns:a="http://schemas.openxmlformats.org/drawingml/2006/main" xmlns:r="http://schemas.openxmlformats.org/officeDocument/2006/relationships" xmlns:p="http://schemas.openxmlformats.org/presentationml/2006/main">
+  <p:cSld>
+    <p:spTree>
+      <p:nvGrpSpPr>
+        <p:cNvPr id="1" name=""/>
+        <p:cNvGrpSpPr/>
+        <p:nvPr/>
+      </p:nvGrpSpPr>
+      <p:grpSpPr>
+        <a:xfrm>
+          <a:off x="0" y="0"/>
+          <a:ext cx="0" cy="0"/>
+          <a:chOff x="0" y="0"/>
+          <a:chExt cx="0" cy="0"/>
+        </a:xfrm>
+      </p:grpSpPr>
+      <p:sp>
+        <p:nvSpPr>
+          <p:cNvPr id="2" name="Title 1">
+            <a:extLst>
+              <a:ext uri="{FF2B5EF4-FFF2-40B4-BE49-F238E27FC236}">
+                <a16:creationId xmlns:a16="http://schemas.microsoft.com/office/drawing/2014/main" id="{4123861A-F328-4BB9-8F10-4F9FB0F7E245}"/>
+              </a:ext>
+            </a:extLst>
+          </p:cNvPr>
+          <p:cNvSpPr>
+            <a:spLocks noGrp="1"/>
+          </p:cNvSpPr>
+          <p:nvPr>
+            <p:ph type="title"/>
+          </p:nvPr>
+        </p:nvSpPr>
+        <p:spPr>
+          <a:xfrm>
+            <a:off x="287020" y="182438"/>
+            <a:ext cx="11617960" cy="860848"/>
+          </a:xfrm>
+        </p:spPr>
+        <p:txBody>
+          <a:bodyPr>
+            <a:normAutofit fontScale="90000"/>
+          </a:bodyPr>
+          <a:lstStyle/>
+          <a:p>
+            <a:r>
+              <a:rPr lang="en-US" b="1" dirty="0"/>
+              <a:t>Use p:viewport to change parts of a document – Solution</a:t>
+            </a:r>
+            <a:endParaRPr lang="en-NL" b="1" dirty="0"/>
+          </a:p>
+        </p:txBody>
+      </p:sp>
+      <p:sp>
+        <p:nvSpPr>
+          <p:cNvPr id="4" name="TextBox 3">
+            <a:extLst>
+              <a:ext uri="{FF2B5EF4-FFF2-40B4-BE49-F238E27FC236}">
+                <a16:creationId xmlns:a16="http://schemas.microsoft.com/office/drawing/2014/main" id="{E614C84A-45C6-4C95-859B-4E28BD47CA0C}"/>
+              </a:ext>
+            </a:extLst>
+          </p:cNvPr>
+          <p:cNvSpPr txBox="1"/>
+          <p:nvPr/>
+        </p:nvSpPr>
+        <p:spPr>
+          <a:xfrm>
+            <a:off x="287020" y="1905506"/>
+            <a:ext cx="8824714" cy="3785652"/>
+          </a:xfrm>
+          <a:prstGeom prst="rect">
+            <a:avLst/>
+          </a:prstGeom>
+          <a:solidFill>
+            <a:schemeClr val="bg1">
+              <a:lumMod val="85000"/>
+            </a:schemeClr>
+          </a:solidFill>
+        </p:spPr>
+        <p:txBody>
+          <a:bodyPr wrap="square" rtlCol="0">
+            <a:spAutoFit/>
+          </a:bodyPr>
+          <a:lstStyle/>
+          <a:p>
+            <a:r>
+              <a:rPr lang="nl-NL" sz="1600" b="1" dirty="0">
+                <a:latin typeface="Courier New" panose="02070309020205020404" pitchFamily="49" charset="0"/>
+                <a:cs typeface="Courier New" panose="02070309020205020404" pitchFamily="49" charset="0"/>
+              </a:rPr>
+              <a:t>&lt;</a:t>
+            </a:r>
+            <a:r>
+              <a:rPr lang="nl-NL" sz="1600" b="1" dirty="0" err="1">
+                <a:latin typeface="Courier New" panose="02070309020205020404" pitchFamily="49" charset="0"/>
+                <a:cs typeface="Courier New" panose="02070309020205020404" pitchFamily="49" charset="0"/>
+              </a:rPr>
+              <a:t>p:declare-step</a:t>
+            </a:r>
+            <a:r>
+              <a:rPr lang="nl-NL" sz="1600" b="1" dirty="0">
+                <a:latin typeface="Courier New" panose="02070309020205020404" pitchFamily="49" charset="0"/>
+                <a:cs typeface="Courier New" panose="02070309020205020404" pitchFamily="49" charset="0"/>
+              </a:rPr>
+              <a:t> </a:t>
+            </a:r>
+            <a:r>
+              <a:rPr lang="nl-NL" sz="1600" b="1" dirty="0" err="1">
+                <a:latin typeface="Courier New" panose="02070309020205020404" pitchFamily="49" charset="0"/>
+                <a:cs typeface="Courier New" panose="02070309020205020404" pitchFamily="49" charset="0"/>
+              </a:rPr>
+              <a:t>xmlns:p</a:t>
+            </a:r>
+            <a:r>
+              <a:rPr lang="nl-NL" sz="1600" b="1" dirty="0">
+                <a:latin typeface="Courier New" panose="02070309020205020404" pitchFamily="49" charset="0"/>
+                <a:cs typeface="Courier New" panose="02070309020205020404" pitchFamily="49" charset="0"/>
+              </a:rPr>
+              <a:t>="http://www.w3.org/ns/xproc" </a:t>
+            </a:r>
+            <a:r>
+              <a:rPr lang="nl-NL" sz="1600" b="1" dirty="0" err="1">
+                <a:latin typeface="Courier New" panose="02070309020205020404" pitchFamily="49" charset="0"/>
+                <a:cs typeface="Courier New" panose="02070309020205020404" pitchFamily="49" charset="0"/>
+              </a:rPr>
+              <a:t>version</a:t>
+            </a:r>
+            <a:r>
+              <a:rPr lang="nl-NL" sz="1600" b="1" dirty="0">
+                <a:latin typeface="Courier New" panose="02070309020205020404" pitchFamily="49" charset="0"/>
+                <a:cs typeface="Courier New" panose="02070309020205020404" pitchFamily="49" charset="0"/>
+              </a:rPr>
+              <a:t>="3.0"&gt;</a:t>
+            </a:r>
+          </a:p>
+          <a:p>
+            <a:r>
+              <a:rPr lang="nl-NL" sz="1600" b="1" dirty="0">
+                <a:latin typeface="Courier New" panose="02070309020205020404" pitchFamily="49" charset="0"/>
+                <a:cs typeface="Courier New" panose="02070309020205020404" pitchFamily="49" charset="0"/>
+              </a:rPr>
+              <a:t>  </a:t>
+            </a:r>
+          </a:p>
+          <a:p>
+            <a:r>
+              <a:rPr lang="nl-NL" sz="1600" b="1" dirty="0">
+                <a:latin typeface="Courier New" panose="02070309020205020404" pitchFamily="49" charset="0"/>
+                <a:cs typeface="Courier New" panose="02070309020205020404" pitchFamily="49" charset="0"/>
+              </a:rPr>
+              <a:t>  &lt;</a:t>
+            </a:r>
+            <a:r>
+              <a:rPr lang="nl-NL" sz="1600" b="1" dirty="0" err="1">
+                <a:latin typeface="Courier New" panose="02070309020205020404" pitchFamily="49" charset="0"/>
+                <a:cs typeface="Courier New" panose="02070309020205020404" pitchFamily="49" charset="0"/>
+              </a:rPr>
+              <a:t>p:input</a:t>
+            </a:r>
+            <a:r>
+              <a:rPr lang="nl-NL" sz="1600" b="1" dirty="0">
+                <a:latin typeface="Courier New" panose="02070309020205020404" pitchFamily="49" charset="0"/>
+                <a:cs typeface="Courier New" panose="02070309020205020404" pitchFamily="49" charset="0"/>
+              </a:rPr>
+              <a:t> port="source"/&gt;</a:t>
+            </a:r>
+          </a:p>
+          <a:p>
+            <a:r>
+              <a:rPr lang="nl-NL" sz="1600" b="1" dirty="0">
+                <a:latin typeface="Courier New" panose="02070309020205020404" pitchFamily="49" charset="0"/>
+                <a:cs typeface="Courier New" panose="02070309020205020404" pitchFamily="49" charset="0"/>
+              </a:rPr>
+              <a:t>  &lt;</a:t>
+            </a:r>
+            <a:r>
+              <a:rPr lang="nl-NL" sz="1600" b="1" dirty="0" err="1">
+                <a:latin typeface="Courier New" panose="02070309020205020404" pitchFamily="49" charset="0"/>
+                <a:cs typeface="Courier New" panose="02070309020205020404" pitchFamily="49" charset="0"/>
+              </a:rPr>
+              <a:t>p:output</a:t>
+            </a:r>
+            <a:r>
+              <a:rPr lang="nl-NL" sz="1600" b="1" dirty="0">
+                <a:latin typeface="Courier New" panose="02070309020205020404" pitchFamily="49" charset="0"/>
+                <a:cs typeface="Courier New" panose="02070309020205020404" pitchFamily="49" charset="0"/>
+              </a:rPr>
+              <a:t> port="</a:t>
+            </a:r>
+            <a:r>
+              <a:rPr lang="nl-NL" sz="1600" b="1" dirty="0" err="1">
+                <a:latin typeface="Courier New" panose="02070309020205020404" pitchFamily="49" charset="0"/>
+                <a:cs typeface="Courier New" panose="02070309020205020404" pitchFamily="49" charset="0"/>
+              </a:rPr>
+              <a:t>result</a:t>
+            </a:r>
+            <a:r>
+              <a:rPr lang="nl-NL" sz="1600" b="1" dirty="0">
+                <a:latin typeface="Courier New" panose="02070309020205020404" pitchFamily="49" charset="0"/>
+                <a:cs typeface="Courier New" panose="02070309020205020404" pitchFamily="49" charset="0"/>
+              </a:rPr>
+              <a:t>"/&gt;</a:t>
+            </a:r>
+          </a:p>
+          <a:p>
+            <a:r>
+              <a:rPr lang="nl-NL" sz="1600" b="1" dirty="0">
+                <a:latin typeface="Courier New" panose="02070309020205020404" pitchFamily="49" charset="0"/>
+                <a:cs typeface="Courier New" panose="02070309020205020404" pitchFamily="49" charset="0"/>
+              </a:rPr>
+              <a:t>  </a:t>
+            </a:r>
+          </a:p>
+          <a:p>
+            <a:r>
+              <a:rPr lang="nl-NL" sz="1600" b="1" dirty="0">
+                <a:latin typeface="Courier New" panose="02070309020205020404" pitchFamily="49" charset="0"/>
+                <a:cs typeface="Courier New" panose="02070309020205020404" pitchFamily="49" charset="0"/>
+              </a:rPr>
+              <a:t>  &lt;</a:t>
+            </a:r>
+            <a:r>
+              <a:rPr lang="nl-NL" sz="1600" b="1" dirty="0" err="1">
+                <a:latin typeface="Courier New" panose="02070309020205020404" pitchFamily="49" charset="0"/>
+                <a:cs typeface="Courier New" panose="02070309020205020404" pitchFamily="49" charset="0"/>
+              </a:rPr>
+              <a:t>p:viewport</a:t>
+            </a:r>
+            <a:r>
+              <a:rPr lang="nl-NL" sz="1600" b="1" dirty="0">
+                <a:latin typeface="Courier New" panose="02070309020205020404" pitchFamily="49" charset="0"/>
+                <a:cs typeface="Courier New" panose="02070309020205020404" pitchFamily="49" charset="0"/>
+              </a:rPr>
+              <a:t> match="</a:t>
+            </a:r>
+            <a:r>
+              <a:rPr lang="nl-NL" sz="1600" b="1" dirty="0" err="1">
+                <a:latin typeface="Courier New" panose="02070309020205020404" pitchFamily="49" charset="0"/>
+                <a:cs typeface="Courier New" panose="02070309020205020404" pitchFamily="49" charset="0"/>
+              </a:rPr>
+              <a:t>doc</a:t>
+            </a:r>
+            <a:r>
+              <a:rPr lang="nl-NL" sz="1600" b="1" dirty="0">
+                <a:latin typeface="Courier New" panose="02070309020205020404" pitchFamily="49" charset="0"/>
+                <a:cs typeface="Courier New" panose="02070309020205020404" pitchFamily="49" charset="0"/>
+              </a:rPr>
+              <a:t>[</a:t>
+            </a:r>
+            <a:r>
+              <a:rPr lang="nl-NL" sz="1600" b="1" dirty="0" err="1">
+                <a:latin typeface="Courier New" panose="02070309020205020404" pitchFamily="49" charset="0"/>
+                <a:cs typeface="Courier New" panose="02070309020205020404" pitchFamily="49" charset="0"/>
+              </a:rPr>
+              <a:t>not</a:t>
+            </a:r>
+            <a:r>
+              <a:rPr lang="nl-NL" sz="1600" b="1" dirty="0">
+                <a:latin typeface="Courier New" panose="02070309020205020404" pitchFamily="49" charset="0"/>
+                <a:cs typeface="Courier New" panose="02070309020205020404" pitchFamily="49" charset="0"/>
+              </a:rPr>
+              <a:t>(</a:t>
+            </a:r>
+            <a:r>
+              <a:rPr lang="nl-NL" sz="1600" b="1" dirty="0" err="1">
+                <a:latin typeface="Courier New" panose="02070309020205020404" pitchFamily="49" charset="0"/>
+                <a:cs typeface="Courier New" panose="02070309020205020404" pitchFamily="49" charset="0"/>
+              </a:rPr>
+              <a:t>xs:boolean</a:t>
+            </a:r>
+            <a:r>
+              <a:rPr lang="nl-NL" sz="1600" b="1" dirty="0">
+                <a:latin typeface="Courier New" panose="02070309020205020404" pitchFamily="49" charset="0"/>
+                <a:cs typeface="Courier New" panose="02070309020205020404" pitchFamily="49" charset="0"/>
+              </a:rPr>
+              <a:t>(@keep))]"&gt;</a:t>
+            </a:r>
+          </a:p>
+          <a:p>
+            <a:r>
+              <a:rPr lang="nl-NL" sz="1600" b="1" dirty="0">
+                <a:latin typeface="Courier New" panose="02070309020205020404" pitchFamily="49" charset="0"/>
+                <a:cs typeface="Courier New" panose="02070309020205020404" pitchFamily="49" charset="0"/>
+              </a:rPr>
+              <a:t>    &lt;</a:t>
+            </a:r>
+            <a:r>
+              <a:rPr lang="nl-NL" sz="1600" b="1" dirty="0" err="1">
+                <a:latin typeface="Courier New" panose="02070309020205020404" pitchFamily="49" charset="0"/>
+                <a:cs typeface="Courier New" panose="02070309020205020404" pitchFamily="49" charset="0"/>
+              </a:rPr>
+              <a:t>p:identity</a:t>
+            </a:r>
+            <a:r>
+              <a:rPr lang="nl-NL" sz="1600" b="1" dirty="0">
+                <a:latin typeface="Courier New" panose="02070309020205020404" pitchFamily="49" charset="0"/>
+                <a:cs typeface="Courier New" panose="02070309020205020404" pitchFamily="49" charset="0"/>
+              </a:rPr>
+              <a:t>&gt;</a:t>
+            </a:r>
+          </a:p>
+          <a:p>
+            <a:r>
+              <a:rPr lang="nl-NL" sz="1600" b="1" dirty="0">
+                <a:latin typeface="Courier New" panose="02070309020205020404" pitchFamily="49" charset="0"/>
+                <a:cs typeface="Courier New" panose="02070309020205020404" pitchFamily="49" charset="0"/>
+              </a:rPr>
+              <a:t>      &lt;</a:t>
+            </a:r>
+            <a:r>
+              <a:rPr lang="nl-NL" sz="1600" b="1" dirty="0" err="1">
+                <a:latin typeface="Courier New" panose="02070309020205020404" pitchFamily="49" charset="0"/>
+                <a:cs typeface="Courier New" panose="02070309020205020404" pitchFamily="49" charset="0"/>
+              </a:rPr>
+              <a:t>p:with-input</a:t>
+            </a:r>
+            <a:r>
+              <a:rPr lang="nl-NL" sz="1600" b="1" dirty="0">
+                <a:latin typeface="Courier New" panose="02070309020205020404" pitchFamily="49" charset="0"/>
+                <a:cs typeface="Courier New" panose="02070309020205020404" pitchFamily="49" charset="0"/>
+              </a:rPr>
+              <a:t> port="source"&gt;</a:t>
+            </a:r>
+          </a:p>
+          <a:p>
+            <a:r>
+              <a:rPr lang="nl-NL" sz="1600" b="1" dirty="0">
+                <a:latin typeface="Courier New" panose="02070309020205020404" pitchFamily="49" charset="0"/>
+                <a:cs typeface="Courier New" panose="02070309020205020404" pitchFamily="49" charset="0"/>
+              </a:rPr>
+              <a:t>        &lt;DELETED/&gt;</a:t>
+            </a:r>
+          </a:p>
+          <a:p>
+            <a:r>
+              <a:rPr lang="nl-NL" sz="1600" b="1" dirty="0">
+                <a:latin typeface="Courier New" panose="02070309020205020404" pitchFamily="49" charset="0"/>
+                <a:cs typeface="Courier New" panose="02070309020205020404" pitchFamily="49" charset="0"/>
+              </a:rPr>
+              <a:t>      &lt;/</a:t>
+            </a:r>
+            <a:r>
+              <a:rPr lang="nl-NL" sz="1600" b="1" dirty="0" err="1">
+                <a:latin typeface="Courier New" panose="02070309020205020404" pitchFamily="49" charset="0"/>
+                <a:cs typeface="Courier New" panose="02070309020205020404" pitchFamily="49" charset="0"/>
+              </a:rPr>
+              <a:t>p:with-input</a:t>
+            </a:r>
+            <a:r>
+              <a:rPr lang="nl-NL" sz="1600" b="1" dirty="0">
+                <a:latin typeface="Courier New" panose="02070309020205020404" pitchFamily="49" charset="0"/>
+                <a:cs typeface="Courier New" panose="02070309020205020404" pitchFamily="49" charset="0"/>
+              </a:rPr>
+              <a:t>&gt;</a:t>
+            </a:r>
+          </a:p>
+          <a:p>
+            <a:r>
+              <a:rPr lang="nl-NL" sz="1600" b="1" dirty="0">
+                <a:latin typeface="Courier New" panose="02070309020205020404" pitchFamily="49" charset="0"/>
+                <a:cs typeface="Courier New" panose="02070309020205020404" pitchFamily="49" charset="0"/>
+              </a:rPr>
+              <a:t>    &lt;/</a:t>
+            </a:r>
+            <a:r>
+              <a:rPr lang="nl-NL" sz="1600" b="1" dirty="0" err="1">
+                <a:latin typeface="Courier New" panose="02070309020205020404" pitchFamily="49" charset="0"/>
+                <a:cs typeface="Courier New" panose="02070309020205020404" pitchFamily="49" charset="0"/>
+              </a:rPr>
+              <a:t>p:identity</a:t>
+            </a:r>
+            <a:r>
+              <a:rPr lang="nl-NL" sz="1600" b="1" dirty="0">
+                <a:latin typeface="Courier New" panose="02070309020205020404" pitchFamily="49" charset="0"/>
+                <a:cs typeface="Courier New" panose="02070309020205020404" pitchFamily="49" charset="0"/>
+              </a:rPr>
+              <a:t>&gt;</a:t>
+            </a:r>
+          </a:p>
+          <a:p>
+            <a:r>
+              <a:rPr lang="nl-NL" sz="1600" b="1" dirty="0">
+                <a:latin typeface="Courier New" panose="02070309020205020404" pitchFamily="49" charset="0"/>
+                <a:cs typeface="Courier New" panose="02070309020205020404" pitchFamily="49" charset="0"/>
+              </a:rPr>
+              <a:t>  &lt;/</a:t>
+            </a:r>
+            <a:r>
+              <a:rPr lang="nl-NL" sz="1600" b="1" dirty="0" err="1">
+                <a:latin typeface="Courier New" panose="02070309020205020404" pitchFamily="49" charset="0"/>
+                <a:cs typeface="Courier New" panose="02070309020205020404" pitchFamily="49" charset="0"/>
+              </a:rPr>
+              <a:t>p:viewport</a:t>
+            </a:r>
+            <a:r>
+              <a:rPr lang="nl-NL" sz="1600" b="1" dirty="0">
+                <a:latin typeface="Courier New" panose="02070309020205020404" pitchFamily="49" charset="0"/>
+                <a:cs typeface="Courier New" panose="02070309020205020404" pitchFamily="49" charset="0"/>
+              </a:rPr>
+              <a:t>&gt;</a:t>
+            </a:r>
+          </a:p>
+          <a:p>
+            <a:r>
+              <a:rPr lang="nl-NL" sz="1600" b="1" dirty="0">
+                <a:latin typeface="Courier New" panose="02070309020205020404" pitchFamily="49" charset="0"/>
+                <a:cs typeface="Courier New" panose="02070309020205020404" pitchFamily="49" charset="0"/>
+              </a:rPr>
+              <a:t>  </a:t>
+            </a:r>
+          </a:p>
+          <a:p>
+            <a:r>
+              <a:rPr lang="nl-NL" sz="1600" b="1" dirty="0">
+                <a:latin typeface="Courier New" panose="02070309020205020404" pitchFamily="49" charset="0"/>
+                <a:cs typeface="Courier New" panose="02070309020205020404" pitchFamily="49" charset="0"/>
+              </a:rPr>
+              <a:t>&lt;/</a:t>
+            </a:r>
+            <a:r>
+              <a:rPr lang="nl-NL" sz="1600" b="1" dirty="0" err="1">
+                <a:latin typeface="Courier New" panose="02070309020205020404" pitchFamily="49" charset="0"/>
+                <a:cs typeface="Courier New" panose="02070309020205020404" pitchFamily="49" charset="0"/>
+              </a:rPr>
+              <a:t>p:declare-step</a:t>
+            </a:r>
+            <a:r>
+              <a:rPr lang="nl-NL" sz="1600" b="1" dirty="0">
+                <a:latin typeface="Courier New" panose="02070309020205020404" pitchFamily="49" charset="0"/>
+                <a:cs typeface="Courier New" panose="02070309020205020404" pitchFamily="49" charset="0"/>
+              </a:rPr>
+              <a:t>&gt;</a:t>
+            </a:r>
+          </a:p>
+          <a:p>
+            <a:endParaRPr lang="nl-NL" sz="1600" b="1" dirty="0">
+              <a:latin typeface="Courier New" panose="02070309020205020404" pitchFamily="49" charset="0"/>
+              <a:cs typeface="Courier New" panose="02070309020205020404" pitchFamily="49" charset="0"/>
+            </a:endParaRPr>
+          </a:p>
+        </p:txBody>
+      </p:sp>
+      <p:sp>
+        <p:nvSpPr>
+          <p:cNvPr id="9" name="Speech Bubble: Rectangle with Corners Rounded 8">
+            <a:extLst>
+              <a:ext uri="{FF2B5EF4-FFF2-40B4-BE49-F238E27FC236}">
+                <a16:creationId xmlns:a16="http://schemas.microsoft.com/office/drawing/2014/main" id="{BD286900-9124-480C-8C6A-40F68541E6EF}"/>
+              </a:ext>
+            </a:extLst>
+          </p:cNvPr>
+          <p:cNvSpPr/>
+          <p:nvPr/>
+        </p:nvSpPr>
+        <p:spPr>
+          <a:xfrm>
+            <a:off x="7279788" y="3387954"/>
+            <a:ext cx="2194247" cy="475343"/>
+          </a:xfrm>
+          <a:prstGeom prst="wedgeRoundRectCallout">
+            <a:avLst>
+              <a:gd name="adj1" fmla="val -270584"/>
+              <a:gd name="adj2" fmla="val -9471"/>
+              <a:gd name="adj3" fmla="val 16667"/>
+            </a:avLst>
+          </a:prstGeom>
+        </p:spPr>
+        <p:style>
+          <a:lnRef idx="2">
+            <a:schemeClr val="accent1">
+              <a:shade val="50000"/>
+            </a:schemeClr>
+          </a:lnRef>
+          <a:fillRef idx="1">
+            <a:schemeClr val="accent1"/>
+          </a:fillRef>
+          <a:effectRef idx="0">
+            <a:schemeClr val="accent1"/>
+          </a:effectRef>
+          <a:fontRef idx="minor">
+            <a:schemeClr val="lt1"/>
+          </a:fontRef>
+        </p:style>
+        <p:txBody>
+          <a:bodyPr rtlCol="0" anchor="ctr"/>
+          <a:lstStyle/>
+          <a:p>
+            <a:pPr algn="ctr"/>
+            <a:r>
+              <a:rPr lang="en-US" sz="1600" dirty="0"/>
+              <a:t>Use p:identity to create an element</a:t>
+            </a:r>
+            <a:endParaRPr lang="en-NL" sz="1600" dirty="0"/>
+          </a:p>
+        </p:txBody>
+      </p:sp>
+    </p:spTree>
+    <p:extLst>
+      <p:ext uri="{BB962C8B-B14F-4D97-AF65-F5344CB8AC3E}">
+        <p14:creationId xmlns:p14="http://schemas.microsoft.com/office/powerpoint/2010/main" val="3352818371"/>
+      </p:ext>
+    </p:extLst>
+  </p:cSld>
+  <p:clrMapOvr>
+    <a:masterClrMapping/>
+  </p:clrMapOvr>
+  <p:timing>
+    <p:tnLst>
+      <p:par>
+        <p:cTn id="1" dur="indefinite" restart="never" nodeType="tmRoot">
+          <p:childTnLst>
+            <p:seq concurrent="1" nextAc="seek">
+              <p:cTn id="2" dur="indefinite" nodeType="mainSeq">
+                <p:childTnLst>
+                  <p:par>
+                    <p:cTn id="3" fill="hold">
+                      <p:stCondLst>
+                        <p:cond delay="indefinite"/>
+                      </p:stCondLst>
+                      <p:childTnLst>
+                        <p:par>
+                          <p:cTn id="4" fill="hold">
+                            <p:stCondLst>
+                              <p:cond delay="0"/>
+                            </p:stCondLst>
+                            <p:childTnLst>
+                              <p:par>
+                                <p:cTn id="5" presetID="1" presetClass="entr" presetSubtype="0" fill="hold" grpId="0" nodeType="clickEffect">
+                                  <p:stCondLst>
+                                    <p:cond delay="0"/>
+                                  </p:stCondLst>
+                                  <p:childTnLst>
+                                    <p:set>
+                                      <p:cBhvr>
+                                        <p:cTn id="6" dur="1" fill="hold">
+                                          <p:stCondLst>
+                                            <p:cond delay="0"/>
+                                          </p:stCondLst>
+                                        </p:cTn>
+                                        <p:tgtEl>
+                                          <p:spTgt spid="9"/>
+                                        </p:tgtEl>
+                                        <p:attrNameLst>
+                                          <p:attrName>style.visibility</p:attrName>
+                                        </p:attrNameLst>
+                                      </p:cBhvr>
+                                      <p:to>
+                                        <p:strVal val="visible"/>
+                                      </p:to>
+                                    </p:set>
+                                  </p:childTnLst>
+                                </p:cTn>
+                              </p:par>
+                            </p:childTnLst>
+                          </p:cTn>
+                        </p:par>
+                      </p:childTnLst>
+                    </p:cTn>
+                  </p:par>
+                </p:childTnLst>
+              </p:cTn>
+              <p:prevCondLst>
+                <p:cond evt="onPrev" delay="0">
+                  <p:tgtEl>
+                    <p:sldTgt/>
+                  </p:tgtEl>
+                </p:cond>
+              </p:prevCondLst>
+              <p:nextCondLst>
+                <p:cond evt="onNext" delay="0">
+                  <p:tgtEl>
+                    <p:sldTgt/>
+                  </p:tgtEl>
+                </p:cond>
+              </p:nextCondLst>
+            </p:seq>
+          </p:childTnLst>
+        </p:cTn>
+      </p:par>
+    </p:tnLst>
+    <p:bldLst>
+      <p:bldP spid="9" grpId="0" animBg="1"/>
+    </p:bldLst>
+  </p:timing>
+</p:sld>
+</file>
+
+<file path=ppt/slides/slide68.xml><?xml version="1.0" encoding="utf-8"?>
 <p:sld xmlns:a="http://schemas.openxmlformats.org/drawingml/2006/main" xmlns:r="http://schemas.openxmlformats.org/officeDocument/2006/relationships" xmlns:p="http://schemas.openxmlformats.org/presentationml/2006/main">
   <p:cSld>
     <p:spTree>
@@ -36814,7 +40340,7 @@
 </p:sld>
 </file>
 
-<file path=ppt/slides/slide63.xml><?xml version="1.0" encoding="utf-8"?>
+<file path=ppt/slides/slide69.xml><?xml version="1.0" encoding="utf-8"?>
 <p:sld xmlns:a="http://schemas.openxmlformats.org/drawingml/2006/main" xmlns:r="http://schemas.openxmlformats.org/officeDocument/2006/relationships" xmlns:p="http://schemas.openxmlformats.org/presentationml/2006/main">
   <p:cSld>
     <p:spTree>

--- a/presentation/Introduction to XProc 3.0.pptx
+++ b/presentation/Introduction to XProc 3.0.pptx
@@ -5,15 +5,15 @@
     <p:sldMasterId id="2147483648" r:id="rId1"/>
   </p:sldMasterIdLst>
   <p:notesMasterIdLst>
-    <p:notesMasterId r:id="rId71"/>
+    <p:notesMasterId r:id="rId72"/>
   </p:notesMasterIdLst>
   <p:handoutMasterIdLst>
-    <p:handoutMasterId r:id="rId72"/>
+    <p:handoutMasterId r:id="rId73"/>
   </p:handoutMasterIdLst>
   <p:sldIdLst>
     <p:sldId id="256" r:id="rId2"/>
-    <p:sldId id="290" r:id="rId3"/>
-    <p:sldId id="292" r:id="rId4"/>
+    <p:sldId id="292" r:id="rId3"/>
+    <p:sldId id="290" r:id="rId4"/>
     <p:sldId id="291" r:id="rId5"/>
     <p:sldId id="294" r:id="rId6"/>
     <p:sldId id="260" r:id="rId7"/>
@@ -54,32 +54,33 @@
     <p:sldId id="321" r:id="rId42"/>
     <p:sldId id="348" r:id="rId43"/>
     <p:sldId id="349" r:id="rId44"/>
-    <p:sldId id="350" r:id="rId45"/>
-    <p:sldId id="351" r:id="rId46"/>
-    <p:sldId id="352" r:id="rId47"/>
-    <p:sldId id="353" r:id="rId48"/>
-    <p:sldId id="354" r:id="rId49"/>
-    <p:sldId id="358" r:id="rId50"/>
-    <p:sldId id="355" r:id="rId51"/>
-    <p:sldId id="322" r:id="rId52"/>
-    <p:sldId id="360" r:id="rId53"/>
-    <p:sldId id="361" r:id="rId54"/>
-    <p:sldId id="362" r:id="rId55"/>
-    <p:sldId id="363" r:id="rId56"/>
-    <p:sldId id="324" r:id="rId57"/>
-    <p:sldId id="323" r:id="rId58"/>
-    <p:sldId id="325" r:id="rId59"/>
-    <p:sldId id="326" r:id="rId60"/>
-    <p:sldId id="329" r:id="rId61"/>
-    <p:sldId id="327" r:id="rId62"/>
-    <p:sldId id="328" r:id="rId63"/>
-    <p:sldId id="368" r:id="rId64"/>
-    <p:sldId id="370" r:id="rId65"/>
-    <p:sldId id="371" r:id="rId66"/>
-    <p:sldId id="372" r:id="rId67"/>
-    <p:sldId id="373" r:id="rId68"/>
-    <p:sldId id="356" r:id="rId69"/>
-    <p:sldId id="330" r:id="rId70"/>
+    <p:sldId id="374" r:id="rId45"/>
+    <p:sldId id="350" r:id="rId46"/>
+    <p:sldId id="351" r:id="rId47"/>
+    <p:sldId id="352" r:id="rId48"/>
+    <p:sldId id="353" r:id="rId49"/>
+    <p:sldId id="354" r:id="rId50"/>
+    <p:sldId id="358" r:id="rId51"/>
+    <p:sldId id="355" r:id="rId52"/>
+    <p:sldId id="322" r:id="rId53"/>
+    <p:sldId id="360" r:id="rId54"/>
+    <p:sldId id="361" r:id="rId55"/>
+    <p:sldId id="362" r:id="rId56"/>
+    <p:sldId id="363" r:id="rId57"/>
+    <p:sldId id="324" r:id="rId58"/>
+    <p:sldId id="323" r:id="rId59"/>
+    <p:sldId id="325" r:id="rId60"/>
+    <p:sldId id="326" r:id="rId61"/>
+    <p:sldId id="329" r:id="rId62"/>
+    <p:sldId id="327" r:id="rId63"/>
+    <p:sldId id="328" r:id="rId64"/>
+    <p:sldId id="368" r:id="rId65"/>
+    <p:sldId id="370" r:id="rId66"/>
+    <p:sldId id="371" r:id="rId67"/>
+    <p:sldId id="372" r:id="rId68"/>
+    <p:sldId id="373" r:id="rId69"/>
+    <p:sldId id="356" r:id="rId70"/>
+    <p:sldId id="330" r:id="rId71"/>
   </p:sldIdLst>
   <p:sldSz cx="12192000" cy="6858000"/>
   <p:notesSz cx="6858000" cy="9144000"/>
@@ -184,8 +185,8 @@
         <p14:section name="Introduction" id="{7B5B6BFC-1E19-4FF2-B195-58698F7BDF1A}">
           <p14:sldIdLst>
             <p14:sldId id="256"/>
+            <p14:sldId id="292"/>
             <p14:sldId id="290"/>
-            <p14:sldId id="292"/>
             <p14:sldId id="291"/>
             <p14:sldId id="294"/>
           </p14:sldIdLst>
@@ -238,6 +239,7 @@
             <p14:sldId id="321"/>
             <p14:sldId id="348"/>
             <p14:sldId id="349"/>
+            <p14:sldId id="374"/>
             <p14:sldId id="350"/>
             <p14:sldId id="351"/>
             <p14:sldId id="352"/>
@@ -380,7 +382,7 @@
           <a:p>
             <a:fld id="{0AAE6376-87C4-4D16-82D1-D37904F930BA}" type="datetimeFigureOut">
               <a:rPr lang="en-NL" smtClean="0"/>
-              <a:t>25/10/2021</a:t>
+              <a:t>01/11/2021</a:t>
             </a:fld>
             <a:endParaRPr lang="en-NL"/>
           </a:p>
@@ -557,7 +559,7 @@
           <a:p>
             <a:fld id="{3FA52A83-AFF0-44B5-B0CB-BF1EF92BF110}" type="datetimeFigureOut">
               <a:rPr lang="en-NL" smtClean="0"/>
-              <a:t>25/10/2021</a:t>
+              <a:t>01/11/2021</a:t>
             </a:fld>
             <a:endParaRPr lang="en-NL"/>
           </a:p>
@@ -2486,7 +2488,7 @@
           <a:p>
             <a:fld id="{210C85D1-D769-4E3C-BD67-6FCFE11EFBEA}" type="slidenum">
               <a:rPr lang="en-NL" smtClean="0"/>
-              <a:t>46</a:t>
+              <a:t>44</a:t>
             </a:fld>
             <a:endParaRPr lang="en-NL"/>
           </a:p>
@@ -2495,7 +2497,7 @@
     </p:spTree>
     <p:extLst>
       <p:ext uri="{BB962C8B-B14F-4D97-AF65-F5344CB8AC3E}">
-        <p14:creationId xmlns:p14="http://schemas.microsoft.com/office/powerpoint/2010/main" val="3185361867"/>
+        <p14:creationId xmlns:p14="http://schemas.microsoft.com/office/powerpoint/2010/main" val="1288617840"/>
       </p:ext>
     </p:extLst>
   </p:cSld>
@@ -2579,7 +2581,7 @@
     </p:spTree>
     <p:extLst>
       <p:ext uri="{BB962C8B-B14F-4D97-AF65-F5344CB8AC3E}">
-        <p14:creationId xmlns:p14="http://schemas.microsoft.com/office/powerpoint/2010/main" val="1992644706"/>
+        <p14:creationId xmlns:p14="http://schemas.microsoft.com/office/powerpoint/2010/main" val="3185361867"/>
       </p:ext>
     </p:extLst>
   </p:cSld>
@@ -2654,7 +2656,7 @@
           <a:p>
             <a:fld id="{210C85D1-D769-4E3C-BD67-6FCFE11EFBEA}" type="slidenum">
               <a:rPr lang="en-NL" smtClean="0"/>
-              <a:t>53</a:t>
+              <a:t>48</a:t>
             </a:fld>
             <a:endParaRPr lang="en-NL"/>
           </a:p>
@@ -2663,7 +2665,7 @@
     </p:spTree>
     <p:extLst>
       <p:ext uri="{BB962C8B-B14F-4D97-AF65-F5344CB8AC3E}">
-        <p14:creationId xmlns:p14="http://schemas.microsoft.com/office/powerpoint/2010/main" val="1848753512"/>
+        <p14:creationId xmlns:p14="http://schemas.microsoft.com/office/powerpoint/2010/main" val="1992644706"/>
       </p:ext>
     </p:extLst>
   </p:cSld>
@@ -2831,7 +2833,7 @@
     </p:spTree>
     <p:extLst>
       <p:ext uri="{BB962C8B-B14F-4D97-AF65-F5344CB8AC3E}">
-        <p14:creationId xmlns:p14="http://schemas.microsoft.com/office/powerpoint/2010/main" val="2476385685"/>
+        <p14:creationId xmlns:p14="http://schemas.microsoft.com/office/powerpoint/2010/main" val="1848753512"/>
       </p:ext>
     </p:extLst>
   </p:cSld>
@@ -2915,7 +2917,7 @@
     </p:spTree>
     <p:extLst>
       <p:ext uri="{BB962C8B-B14F-4D97-AF65-F5344CB8AC3E}">
-        <p14:creationId xmlns:p14="http://schemas.microsoft.com/office/powerpoint/2010/main" val="2060625652"/>
+        <p14:creationId xmlns:p14="http://schemas.microsoft.com/office/powerpoint/2010/main" val="2476385685"/>
       </p:ext>
     </p:extLst>
   </p:cSld>
@@ -2999,7 +3001,7 @@
     </p:spTree>
     <p:extLst>
       <p:ext uri="{BB962C8B-B14F-4D97-AF65-F5344CB8AC3E}">
-        <p14:creationId xmlns:p14="http://schemas.microsoft.com/office/powerpoint/2010/main" val="2413318873"/>
+        <p14:creationId xmlns:p14="http://schemas.microsoft.com/office/powerpoint/2010/main" val="2060625652"/>
       </p:ext>
     </p:extLst>
   </p:cSld>
@@ -3083,7 +3085,7 @@
     </p:spTree>
     <p:extLst>
       <p:ext uri="{BB962C8B-B14F-4D97-AF65-F5344CB8AC3E}">
-        <p14:creationId xmlns:p14="http://schemas.microsoft.com/office/powerpoint/2010/main" val="560483706"/>
+        <p14:creationId xmlns:p14="http://schemas.microsoft.com/office/powerpoint/2010/main" val="2413318873"/>
       </p:ext>
     </p:extLst>
   </p:cSld>
@@ -3167,7 +3169,7 @@
     </p:spTree>
     <p:extLst>
       <p:ext uri="{BB962C8B-B14F-4D97-AF65-F5344CB8AC3E}">
-        <p14:creationId xmlns:p14="http://schemas.microsoft.com/office/powerpoint/2010/main" val="1100069351"/>
+        <p14:creationId xmlns:p14="http://schemas.microsoft.com/office/powerpoint/2010/main" val="560483706"/>
       </p:ext>
     </p:extLst>
   </p:cSld>
@@ -3251,7 +3253,7 @@
     </p:spTree>
     <p:extLst>
       <p:ext uri="{BB962C8B-B14F-4D97-AF65-F5344CB8AC3E}">
-        <p14:creationId xmlns:p14="http://schemas.microsoft.com/office/powerpoint/2010/main" val="1715813653"/>
+        <p14:creationId xmlns:p14="http://schemas.microsoft.com/office/powerpoint/2010/main" val="1100069351"/>
       </p:ext>
     </p:extLst>
   </p:cSld>
@@ -3326,7 +3328,7 @@
           <a:p>
             <a:fld id="{210C85D1-D769-4E3C-BD67-6FCFE11EFBEA}" type="slidenum">
               <a:rPr lang="en-NL" smtClean="0"/>
-              <a:t>61</a:t>
+              <a:t>60</a:t>
             </a:fld>
             <a:endParaRPr lang="en-NL"/>
           </a:p>
@@ -3335,7 +3337,7 @@
     </p:spTree>
     <p:extLst>
       <p:ext uri="{BB962C8B-B14F-4D97-AF65-F5344CB8AC3E}">
-        <p14:creationId xmlns:p14="http://schemas.microsoft.com/office/powerpoint/2010/main" val="3065958474"/>
+        <p14:creationId xmlns:p14="http://schemas.microsoft.com/office/powerpoint/2010/main" val="1715813653"/>
       </p:ext>
     </p:extLst>
   </p:cSld>
@@ -3419,7 +3421,7 @@
     </p:spTree>
     <p:extLst>
       <p:ext uri="{BB962C8B-B14F-4D97-AF65-F5344CB8AC3E}">
-        <p14:creationId xmlns:p14="http://schemas.microsoft.com/office/powerpoint/2010/main" val="2265448447"/>
+        <p14:creationId xmlns:p14="http://schemas.microsoft.com/office/powerpoint/2010/main" val="3065958474"/>
       </p:ext>
     </p:extLst>
   </p:cSld>
@@ -3503,7 +3505,7 @@
     </p:spTree>
     <p:extLst>
       <p:ext uri="{BB962C8B-B14F-4D97-AF65-F5344CB8AC3E}">
-        <p14:creationId xmlns:p14="http://schemas.microsoft.com/office/powerpoint/2010/main" val="3892310813"/>
+        <p14:creationId xmlns:p14="http://schemas.microsoft.com/office/powerpoint/2010/main" val="2265448447"/>
       </p:ext>
     </p:extLst>
   </p:cSld>
@@ -3587,7 +3589,7 @@
     </p:spTree>
     <p:extLst>
       <p:ext uri="{BB962C8B-B14F-4D97-AF65-F5344CB8AC3E}">
-        <p14:creationId xmlns:p14="http://schemas.microsoft.com/office/powerpoint/2010/main" val="3769947905"/>
+        <p14:creationId xmlns:p14="http://schemas.microsoft.com/office/powerpoint/2010/main" val="3892310813"/>
       </p:ext>
     </p:extLst>
   </p:cSld>
@@ -3746,7 +3748,7 @@
           <a:p>
             <a:fld id="{210C85D1-D769-4E3C-BD67-6FCFE11EFBEA}" type="slidenum">
               <a:rPr lang="en-NL" smtClean="0"/>
-              <a:t>66</a:t>
+              <a:t>65</a:t>
             </a:fld>
             <a:endParaRPr lang="en-NL"/>
           </a:p>
@@ -3755,7 +3757,7 @@
     </p:spTree>
     <p:extLst>
       <p:ext uri="{BB962C8B-B14F-4D97-AF65-F5344CB8AC3E}">
-        <p14:creationId xmlns:p14="http://schemas.microsoft.com/office/powerpoint/2010/main" val="1698166047"/>
+        <p14:creationId xmlns:p14="http://schemas.microsoft.com/office/powerpoint/2010/main" val="3769947905"/>
       </p:ext>
     </p:extLst>
   </p:cSld>
@@ -3831,6 +3833,90 @@
             <a:fld id="{210C85D1-D769-4E3C-BD67-6FCFE11EFBEA}" type="slidenum">
               <a:rPr lang="en-NL" smtClean="0"/>
               <a:t>67</a:t>
+            </a:fld>
+            <a:endParaRPr lang="en-NL"/>
+          </a:p>
+        </p:txBody>
+      </p:sp>
+    </p:spTree>
+    <p:extLst>
+      <p:ext uri="{BB962C8B-B14F-4D97-AF65-F5344CB8AC3E}">
+        <p14:creationId xmlns:p14="http://schemas.microsoft.com/office/powerpoint/2010/main" val="1698166047"/>
+      </p:ext>
+    </p:extLst>
+  </p:cSld>
+  <p:clrMapOvr>
+    <a:masterClrMapping/>
+  </p:clrMapOvr>
+</p:notes>
+</file>
+
+<file path=ppt/notesSlides/notesSlide42.xml><?xml version="1.0" encoding="utf-8"?>
+<p:notes xmlns:a="http://schemas.openxmlformats.org/drawingml/2006/main" xmlns:r="http://schemas.openxmlformats.org/officeDocument/2006/relationships" xmlns:p="http://schemas.openxmlformats.org/presentationml/2006/main">
+  <p:cSld>
+    <p:spTree>
+      <p:nvGrpSpPr>
+        <p:cNvPr id="1" name=""/>
+        <p:cNvGrpSpPr/>
+        <p:nvPr/>
+      </p:nvGrpSpPr>
+      <p:grpSpPr>
+        <a:xfrm>
+          <a:off x="0" y="0"/>
+          <a:ext cx="0" cy="0"/>
+          <a:chOff x="0" y="0"/>
+          <a:chExt cx="0" cy="0"/>
+        </a:xfrm>
+      </p:grpSpPr>
+      <p:sp>
+        <p:nvSpPr>
+          <p:cNvPr id="2" name="Slide Image Placeholder 1"/>
+          <p:cNvSpPr>
+            <a:spLocks noGrp="1" noRot="1" noChangeAspect="1"/>
+          </p:cNvSpPr>
+          <p:nvPr>
+            <p:ph type="sldImg"/>
+          </p:nvPr>
+        </p:nvSpPr>
+        <p:spPr/>
+      </p:sp>
+      <p:sp>
+        <p:nvSpPr>
+          <p:cNvPr id="3" name="Notes Placeholder 2"/>
+          <p:cNvSpPr>
+            <a:spLocks noGrp="1"/>
+          </p:cNvSpPr>
+          <p:nvPr>
+            <p:ph type="body" idx="1"/>
+          </p:nvPr>
+        </p:nvSpPr>
+        <p:spPr/>
+        <p:txBody>
+          <a:bodyPr/>
+          <a:lstStyle/>
+          <a:p>
+            <a:endParaRPr lang="en-NL" dirty="0"/>
+          </a:p>
+        </p:txBody>
+      </p:sp>
+      <p:sp>
+        <p:nvSpPr>
+          <p:cNvPr id="4" name="Slide Number Placeholder 3"/>
+          <p:cNvSpPr>
+            <a:spLocks noGrp="1"/>
+          </p:cNvSpPr>
+          <p:nvPr>
+            <p:ph type="sldNum" sz="quarter" idx="5"/>
+          </p:nvPr>
+        </p:nvSpPr>
+        <p:spPr/>
+        <p:txBody>
+          <a:bodyPr/>
+          <a:lstStyle/>
+          <a:p>
+            <a:fld id="{210C85D1-D769-4E3C-BD67-6FCFE11EFBEA}" type="slidenum">
+              <a:rPr lang="en-NL" smtClean="0"/>
+              <a:t>68</a:t>
             </a:fld>
             <a:endParaRPr lang="en-NL"/>
           </a:p>
@@ -4426,7 +4512,7 @@
           <a:p>
             <a:fld id="{9446F294-FC6D-4658-8D72-6C175CC4BEDF}" type="datetimeFigureOut">
               <a:rPr lang="en-US" smtClean="0"/>
-              <a:t>10/25/2021</a:t>
+              <a:t>11/1/2021</a:t>
             </a:fld>
             <a:endParaRPr lang="en-US"/>
           </a:p>
@@ -4650,7 +4736,7 @@
           <a:p>
             <a:fld id="{9446F294-FC6D-4658-8D72-6C175CC4BEDF}" type="datetimeFigureOut">
               <a:rPr lang="en-US" smtClean="0"/>
-              <a:t>10/25/2021</a:t>
+              <a:t>11/1/2021</a:t>
             </a:fld>
             <a:endParaRPr lang="en-US"/>
           </a:p>
@@ -4884,7 +4970,7 @@
           <a:p>
             <a:fld id="{9446F294-FC6D-4658-8D72-6C175CC4BEDF}" type="datetimeFigureOut">
               <a:rPr lang="en-US" smtClean="0"/>
-              <a:t>10/25/2021</a:t>
+              <a:t>11/1/2021</a:t>
             </a:fld>
             <a:endParaRPr lang="en-US"/>
           </a:p>
@@ -5108,7 +5194,7 @@
           <a:p>
             <a:fld id="{9446F294-FC6D-4658-8D72-6C175CC4BEDF}" type="datetimeFigureOut">
               <a:rPr lang="en-US" smtClean="0"/>
-              <a:t>10/25/2021</a:t>
+              <a:t>11/1/2021</a:t>
             </a:fld>
             <a:endParaRPr lang="en-US"/>
           </a:p>
@@ -5408,7 +5494,7 @@
           <a:p>
             <a:fld id="{9446F294-FC6D-4658-8D72-6C175CC4BEDF}" type="datetimeFigureOut">
               <a:rPr lang="en-US" smtClean="0"/>
-              <a:t>10/25/2021</a:t>
+              <a:t>11/1/2021</a:t>
             </a:fld>
             <a:endParaRPr lang="en-US"/>
           </a:p>
@@ -5700,7 +5786,7 @@
           <a:p>
             <a:fld id="{9446F294-FC6D-4658-8D72-6C175CC4BEDF}" type="datetimeFigureOut">
               <a:rPr lang="en-US" smtClean="0"/>
-              <a:t>10/25/2021</a:t>
+              <a:t>11/1/2021</a:t>
             </a:fld>
             <a:endParaRPr lang="en-US"/>
           </a:p>
@@ -6139,7 +6225,7 @@
           <a:p>
             <a:fld id="{9446F294-FC6D-4658-8D72-6C175CC4BEDF}" type="datetimeFigureOut">
               <a:rPr lang="en-US" smtClean="0"/>
-              <a:t>10/25/2021</a:t>
+              <a:t>11/1/2021</a:t>
             </a:fld>
             <a:endParaRPr lang="en-US"/>
           </a:p>
@@ -6305,7 +6391,7 @@
           <a:p>
             <a:fld id="{9446F294-FC6D-4658-8D72-6C175CC4BEDF}" type="datetimeFigureOut">
               <a:rPr lang="en-US" smtClean="0"/>
-              <a:t>10/25/2021</a:t>
+              <a:t>11/1/2021</a:t>
             </a:fld>
             <a:endParaRPr lang="en-US"/>
           </a:p>
@@ -6442,7 +6528,7 @@
           <a:p>
             <a:fld id="{9446F294-FC6D-4658-8D72-6C175CC4BEDF}" type="datetimeFigureOut">
               <a:rPr lang="en-US" smtClean="0"/>
-              <a:t>10/25/2021</a:t>
+              <a:t>11/1/2021</a:t>
             </a:fld>
             <a:endParaRPr lang="en-US"/>
           </a:p>
@@ -6779,7 +6865,7 @@
           <a:p>
             <a:fld id="{9446F294-FC6D-4658-8D72-6C175CC4BEDF}" type="datetimeFigureOut">
               <a:rPr lang="en-US" smtClean="0"/>
-              <a:t>10/25/2021</a:t>
+              <a:t>11/1/2021</a:t>
             </a:fld>
             <a:endParaRPr lang="en-US"/>
           </a:p>
@@ -7092,7 +7178,7 @@
           <a:p>
             <a:fld id="{9446F294-FC6D-4658-8D72-6C175CC4BEDF}" type="datetimeFigureOut">
               <a:rPr lang="en-US" smtClean="0"/>
-              <a:t>10/25/2021</a:t>
+              <a:t>11/1/2021</a:t>
             </a:fld>
             <a:endParaRPr lang="en-US"/>
           </a:p>
@@ -14526,7 +14612,7 @@
           <p:cNvPr id="2" name="Title 1">
             <a:extLst>
               <a:ext uri="{FF2B5EF4-FFF2-40B4-BE49-F238E27FC236}">
-                <a16:creationId xmlns:a16="http://schemas.microsoft.com/office/drawing/2014/main" id="{DA1B0687-9FA5-4319-911B-AD25E7C55984}"/>
+                <a16:creationId xmlns:a16="http://schemas.microsoft.com/office/drawing/2014/main" id="{9C7D9E39-AC31-4065-84F2-01C2DA93A3CD}"/>
               </a:ext>
             </a:extLst>
           </p:cNvPr>
@@ -14539,8 +14625,8 @@
         </p:nvSpPr>
         <p:spPr>
           <a:xfrm>
-            <a:off x="525050" y="155596"/>
-            <a:ext cx="10515600" cy="1325563"/>
+            <a:off x="838200" y="365126"/>
+            <a:ext cx="10515600" cy="948902"/>
           </a:xfrm>
         </p:spPr>
         <p:txBody>
@@ -14549,7 +14635,7 @@
           <a:p>
             <a:r>
               <a:rPr lang="en-US" b="1" dirty="0"/>
-              <a:t>XProc?</a:t>
+              <a:t>Who Am I?</a:t>
             </a:r>
             <a:endParaRPr lang="en-NL" b="1" dirty="0"/>
           </a:p>
@@ -14560,7 +14646,7 @@
           <p:cNvPr id="3" name="Content Placeholder 2">
             <a:extLst>
               <a:ext uri="{FF2B5EF4-FFF2-40B4-BE49-F238E27FC236}">
-                <a16:creationId xmlns:a16="http://schemas.microsoft.com/office/drawing/2014/main" id="{35759DFE-054C-462C-8123-0C8D2411A9D6}"/>
+                <a16:creationId xmlns:a16="http://schemas.microsoft.com/office/drawing/2014/main" id="{110338D2-8565-4AF9-91CE-CD583FB0EBFE}"/>
               </a:ext>
             </a:extLst>
           </p:cNvPr>
@@ -14573,137 +14659,143 @@
         </p:nvSpPr>
         <p:spPr>
           <a:xfrm>
-            <a:off x="763043" y="1224793"/>
-            <a:ext cx="10515600" cy="4647501"/>
+            <a:off x="397933" y="1314028"/>
+            <a:ext cx="10515600" cy="4351338"/>
           </a:xfrm>
         </p:spPr>
         <p:txBody>
           <a:bodyPr>
-            <a:normAutofit/>
+            <a:normAutofit fontScale="92500" lnSpcReduction="10000"/>
           </a:bodyPr>
           <a:lstStyle/>
           <a:p>
             <a:r>
               <a:rPr lang="en-US" dirty="0"/>
-              <a:t>XProc is an XML based programming language for complex data processing - pipelining</a:t>
+              <a:t>Erik Siegel</a:t>
             </a:r>
           </a:p>
           <a:p>
             <a:r>
               <a:rPr lang="en-US" dirty="0"/>
-              <a:t>Extensible set of small, sharp tools for creating and transforming XML and other documents</a:t>
+              <a:t>Content Engineer and XML specialist</a:t>
             </a:r>
           </a:p>
           <a:p>
             <a:r>
               <a:rPr lang="en-US" dirty="0"/>
-              <a:t>V1.0 around since 2010 (two processor implementations to run your pipelines)</a:t>
-            </a:r>
-          </a:p>
-          <a:p>
+              <a:t>One-man company: Xatapult</a:t>
+            </a:r>
+          </a:p>
+          <a:p>
+            <a:pPr lvl="1"/>
             <a:r>
               <a:rPr lang="en-US" dirty="0"/>
-              <a:t>Specification of 3.0 in "last call" status</a:t>
+              <a:t>Groningen, The Netherlands</a:t>
             </a:r>
           </a:p>
           <a:p>
             <a:r>
               <a:rPr lang="en-US" dirty="0"/>
-              <a:t>One working processor (</a:t>
-            </a:r>
-            <a:r>
-              <a:rPr lang="en-US" dirty="0" err="1"/>
-              <a:t>MorganaXProc-IIIse</a:t>
-            </a:r>
+              <a:t>Member of the XProc 3.0 editing committee</a:t>
+            </a:r>
+          </a:p>
+          <a:p>
             <a:r>
               <a:rPr lang="en-US" dirty="0"/>
-              <a:t>)</a:t>
+              <a:t>Author of the XProc 3.0 Programmer Reference</a:t>
             </a:r>
           </a:p>
           <a:p>
             <a:r>
               <a:rPr lang="en-US" dirty="0"/>
-              <a:t>One under way (XML Calabash 3), almost there</a:t>
-            </a:r>
-          </a:p>
-          <a:p>
+              <a:t>Contact:</a:t>
+            </a:r>
+          </a:p>
+          <a:p>
+            <a:pPr marL="457200" lvl="1" indent="0">
+              <a:buNone/>
+            </a:pPr>
+            <a:r>
+              <a:rPr lang="en-US" dirty="0">
+                <a:hlinkClick r:id="rId2"/>
+              </a:rPr>
+              <a:t>erik@xatapult.nl</a:t>
+            </a:r>
+            <a:br>
+              <a:rPr lang="en-US" dirty="0"/>
+            </a:br>
+            <a:r>
+              <a:rPr lang="en-US" dirty="0">
+                <a:hlinkClick r:id="rId3"/>
+              </a:rPr>
+              <a:t>www.xatapult.com</a:t>
+            </a:r>
+            <a:br>
+              <a:rPr lang="en-US" dirty="0"/>
+            </a:br>
+            <a:r>
+              <a:rPr lang="nl-NL" dirty="0">
+                <a:hlinkClick r:id="rId4"/>
+              </a:rPr>
+              <a:t>www.linkedin.com/in/esiegel/</a:t>
+            </a:r>
+            <a:br>
+              <a:rPr lang="en-US" dirty="0"/>
+            </a:br>
+            <a:r>
+              <a:rPr lang="en-US" sz="2200" dirty="0"/>
+              <a:t>+31 6 53260792</a:t>
+            </a:r>
             <a:endParaRPr lang="en-NL" dirty="0"/>
           </a:p>
         </p:txBody>
       </p:sp>
-      <p:sp>
-        <p:nvSpPr>
-          <p:cNvPr id="4" name="Speech Bubble: Oval 3">
+      <p:pic>
+        <p:nvPicPr>
+          <p:cNvPr id="5" name="Picture 4" descr="A picture containing person, tree, outdoor, plant&#10;&#10;Description automatically generated">
             <a:extLst>
               <a:ext uri="{FF2B5EF4-FFF2-40B4-BE49-F238E27FC236}">
-                <a16:creationId xmlns:a16="http://schemas.microsoft.com/office/drawing/2014/main" id="{2721F1B1-1297-4F86-95C5-A246308E3BA4}"/>
+                <a16:creationId xmlns:a16="http://schemas.microsoft.com/office/drawing/2014/main" id="{3FF018FF-B684-4C34-8584-00C9F7DBB523}"/>
               </a:ext>
             </a:extLst>
           </p:cNvPr>
-          <p:cNvSpPr/>
+          <p:cNvPicPr>
+            <a:picLocks noChangeAspect="1"/>
+          </p:cNvPicPr>
           <p:nvPr/>
-        </p:nvSpPr>
+        </p:nvPicPr>
+        <p:blipFill>
+          <a:blip r:embed="rId5">
+            <a:extLst>
+              <a:ext uri="{28A0092B-C50C-407E-A947-70E740481C1C}">
+                <a14:useLocalDpi xmlns:a14="http://schemas.microsoft.com/office/drawing/2010/main" val="0"/>
+              </a:ext>
+            </a:extLst>
+          </a:blip>
+          <a:stretch>
+            <a:fillRect/>
+          </a:stretch>
+        </p:blipFill>
         <p:spPr>
-          <a:xfrm>
-            <a:off x="7996136" y="5376841"/>
-            <a:ext cx="3097687" cy="951978"/>
+          <a:xfrm rot="5400000">
+            <a:off x="7598268" y="901631"/>
+            <a:ext cx="4292039" cy="3219029"/>
           </a:xfrm>
-          <a:prstGeom prst="wedgeEllipseCallout">
-            <a:avLst>
-              <a:gd name="adj1" fmla="val 65165"/>
-              <a:gd name="adj2" fmla="val 81767"/>
-            </a:avLst>
+          <a:prstGeom prst="rect">
+            <a:avLst/>
           </a:prstGeom>
+          <a:ln>
+            <a:noFill/>
+          </a:ln>
+          <a:effectLst>
+            <a:softEdge rad="112500"/>
+          </a:effectLst>
         </p:spPr>
-        <p:style>
-          <a:lnRef idx="2">
-            <a:schemeClr val="accent1">
-              <a:shade val="50000"/>
-            </a:schemeClr>
-          </a:lnRef>
-          <a:fillRef idx="1">
-            <a:schemeClr val="accent1"/>
-          </a:fillRef>
-          <a:effectRef idx="0">
-            <a:schemeClr val="accent1"/>
-          </a:effectRef>
-          <a:fontRef idx="minor">
-            <a:schemeClr val="lt1"/>
-          </a:fontRef>
-        </p:style>
-        <p:txBody>
-          <a:bodyPr rtlCol="0" anchor="ctr"/>
-          <a:lstStyle/>
-          <a:p>
-            <a:pPr algn="ctr"/>
-            <a:r>
-              <a:rPr lang="en-US" dirty="0"/>
-              <a:t>My name is </a:t>
-            </a:r>
-            <a:r>
-              <a:rPr lang="en-US" dirty="0" err="1"/>
-              <a:t>Kanava</a:t>
-            </a:r>
-            <a:r>
-              <a:rPr lang="en-US" dirty="0"/>
-              <a:t>. I'm </a:t>
-            </a:r>
-            <a:r>
-              <a:rPr lang="en-US" dirty="0" err="1"/>
-              <a:t>XProc's</a:t>
-            </a:r>
-            <a:r>
-              <a:rPr lang="en-US" dirty="0"/>
-              <a:t> logo!</a:t>
-            </a:r>
-            <a:endParaRPr lang="en-NL" dirty="0"/>
-          </a:p>
-        </p:txBody>
-      </p:sp>
+      </p:pic>
     </p:spTree>
     <p:extLst>
       <p:ext uri="{BB962C8B-B14F-4D97-AF65-F5344CB8AC3E}">
-        <p14:creationId xmlns:p14="http://schemas.microsoft.com/office/powerpoint/2010/main" val="545629648"/>
+        <p14:creationId xmlns:p14="http://schemas.microsoft.com/office/powerpoint/2010/main" val="372394686"/>
       </p:ext>
     </p:extLst>
   </p:cSld>
@@ -19121,7 +19213,7 @@
                   <a:schemeClr val="tx1"/>
                 </a:solidFill>
               </a:rPr>
-              <a:t>extra|</a:t>
+              <a:t>extra</a:t>
             </a:r>
           </a:p>
         </p:txBody>
@@ -20735,7 +20827,7 @@
           <p:cNvPr id="2" name="Title 1">
             <a:extLst>
               <a:ext uri="{FF2B5EF4-FFF2-40B4-BE49-F238E27FC236}">
-                <a16:creationId xmlns:a16="http://schemas.microsoft.com/office/drawing/2014/main" id="{9C7D9E39-AC31-4065-84F2-01C2DA93A3CD}"/>
+                <a16:creationId xmlns:a16="http://schemas.microsoft.com/office/drawing/2014/main" id="{DA1B0687-9FA5-4319-911B-AD25E7C55984}"/>
               </a:ext>
             </a:extLst>
           </p:cNvPr>
@@ -20748,8 +20840,8 @@
         </p:nvSpPr>
         <p:spPr>
           <a:xfrm>
-            <a:off x="838200" y="365126"/>
-            <a:ext cx="10515600" cy="948902"/>
+            <a:off x="525050" y="155596"/>
+            <a:ext cx="10515600" cy="1325563"/>
           </a:xfrm>
         </p:spPr>
         <p:txBody>
@@ -20758,7 +20850,7 @@
           <a:p>
             <a:r>
               <a:rPr lang="en-US" b="1" dirty="0"/>
-              <a:t>Who Am I?</a:t>
+              <a:t>XProc?</a:t>
             </a:r>
             <a:endParaRPr lang="en-NL" b="1" dirty="0"/>
           </a:p>
@@ -20769,7 +20861,7 @@
           <p:cNvPr id="3" name="Content Placeholder 2">
             <a:extLst>
               <a:ext uri="{FF2B5EF4-FFF2-40B4-BE49-F238E27FC236}">
-                <a16:creationId xmlns:a16="http://schemas.microsoft.com/office/drawing/2014/main" id="{110338D2-8565-4AF9-91CE-CD583FB0EBFE}"/>
+                <a16:creationId xmlns:a16="http://schemas.microsoft.com/office/drawing/2014/main" id="{35759DFE-054C-462C-8123-0C8D2411A9D6}"/>
               </a:ext>
             </a:extLst>
           </p:cNvPr>
@@ -20782,143 +20874,137 @@
         </p:nvSpPr>
         <p:spPr>
           <a:xfrm>
-            <a:off x="397933" y="1314028"/>
-            <a:ext cx="10515600" cy="4351338"/>
+            <a:off x="763043" y="1224793"/>
+            <a:ext cx="10515600" cy="4647501"/>
           </a:xfrm>
         </p:spPr>
         <p:txBody>
           <a:bodyPr>
-            <a:normAutofit fontScale="92500" lnSpcReduction="10000"/>
+            <a:normAutofit/>
           </a:bodyPr>
           <a:lstStyle/>
           <a:p>
             <a:r>
               <a:rPr lang="en-US" dirty="0"/>
-              <a:t>Erik Siegel</a:t>
+              <a:t>XProc is an XML based programming language for complex data processing - pipelining</a:t>
             </a:r>
           </a:p>
           <a:p>
             <a:r>
               <a:rPr lang="en-US" dirty="0"/>
-              <a:t>Content Engineer and XML specialist</a:t>
+              <a:t>Extensible set of small, sharp tools for creating and transforming XML and other documents</a:t>
             </a:r>
           </a:p>
           <a:p>
             <a:r>
               <a:rPr lang="en-US" dirty="0"/>
-              <a:t>One-man company: Xatapult</a:t>
-            </a:r>
-          </a:p>
-          <a:p>
-            <a:pPr lvl="1"/>
+              <a:t>V1.0 around since 2010 (two processor implementations to run your pipelines)</a:t>
+            </a:r>
+          </a:p>
+          <a:p>
             <a:r>
               <a:rPr lang="en-US" dirty="0"/>
-              <a:t>Groningen, The Netherlands</a:t>
+              <a:t>Specification of 3.0 in "last call" status</a:t>
             </a:r>
           </a:p>
           <a:p>
             <a:r>
               <a:rPr lang="en-US" dirty="0"/>
-              <a:t>Member of the XProc 3.0 editing committee</a:t>
-            </a:r>
-          </a:p>
-          <a:p>
+              <a:t>One working processor (</a:t>
+            </a:r>
+            <a:r>
+              <a:rPr lang="en-US" dirty="0" err="1"/>
+              <a:t>MorganaXProc-IIIse</a:t>
+            </a:r>
             <a:r>
               <a:rPr lang="en-US" dirty="0"/>
-              <a:t>Author of the XProc 3.0 Programmer Reference</a:t>
+              <a:t>)</a:t>
             </a:r>
           </a:p>
           <a:p>
             <a:r>
               <a:rPr lang="en-US" dirty="0"/>
-              <a:t>Contact:</a:t>
-            </a:r>
-          </a:p>
-          <a:p>
-            <a:pPr marL="457200" lvl="1" indent="0">
-              <a:buNone/>
-            </a:pPr>
-            <a:r>
-              <a:rPr lang="en-US" dirty="0">
-                <a:hlinkClick r:id="rId2"/>
-              </a:rPr>
-              <a:t>erik@xatapult.nl</a:t>
-            </a:r>
-            <a:br>
-              <a:rPr lang="en-US" dirty="0"/>
-            </a:br>
-            <a:r>
-              <a:rPr lang="en-US" dirty="0">
-                <a:hlinkClick r:id="rId3"/>
-              </a:rPr>
-              <a:t>www.xatapult.com</a:t>
-            </a:r>
-            <a:br>
-              <a:rPr lang="en-US" dirty="0"/>
-            </a:br>
-            <a:r>
-              <a:rPr lang="nl-NL" dirty="0">
-                <a:hlinkClick r:id="rId4"/>
-              </a:rPr>
-              <a:t>www.linkedin.com/in/esiegel/</a:t>
-            </a:r>
-            <a:br>
-              <a:rPr lang="en-US" dirty="0"/>
-            </a:br>
-            <a:r>
-              <a:rPr lang="en-US" sz="2200" dirty="0"/>
-              <a:t>+31 6 53260792</a:t>
-            </a:r>
+              <a:t>One under way (XML Calabash 3), almost there</a:t>
+            </a:r>
+          </a:p>
+          <a:p>
             <a:endParaRPr lang="en-NL" dirty="0"/>
           </a:p>
         </p:txBody>
       </p:sp>
-      <p:pic>
-        <p:nvPicPr>
-          <p:cNvPr id="5" name="Picture 4" descr="A picture containing person, tree, outdoor, plant&#10;&#10;Description automatically generated">
+      <p:sp>
+        <p:nvSpPr>
+          <p:cNvPr id="4" name="Speech Bubble: Oval 3">
             <a:extLst>
               <a:ext uri="{FF2B5EF4-FFF2-40B4-BE49-F238E27FC236}">
-                <a16:creationId xmlns:a16="http://schemas.microsoft.com/office/drawing/2014/main" id="{3FF018FF-B684-4C34-8584-00C9F7DBB523}"/>
+                <a16:creationId xmlns:a16="http://schemas.microsoft.com/office/drawing/2014/main" id="{2721F1B1-1297-4F86-95C5-A246308E3BA4}"/>
               </a:ext>
             </a:extLst>
           </p:cNvPr>
-          <p:cNvPicPr>
-            <a:picLocks noChangeAspect="1"/>
-          </p:cNvPicPr>
+          <p:cNvSpPr/>
           <p:nvPr/>
-        </p:nvPicPr>
-        <p:blipFill>
-          <a:blip r:embed="rId5">
-            <a:extLst>
-              <a:ext uri="{28A0092B-C50C-407E-A947-70E740481C1C}">
-                <a14:useLocalDpi xmlns:a14="http://schemas.microsoft.com/office/drawing/2010/main" val="0"/>
-              </a:ext>
-            </a:extLst>
-          </a:blip>
-          <a:stretch>
-            <a:fillRect/>
-          </a:stretch>
-        </p:blipFill>
+        </p:nvSpPr>
         <p:spPr>
-          <a:xfrm rot="5400000">
-            <a:off x="7598268" y="901631"/>
-            <a:ext cx="4292039" cy="3219029"/>
+          <a:xfrm>
+            <a:off x="7996136" y="5376841"/>
+            <a:ext cx="3097687" cy="951978"/>
           </a:xfrm>
-          <a:prstGeom prst="rect">
-            <a:avLst/>
+          <a:prstGeom prst="wedgeEllipseCallout">
+            <a:avLst>
+              <a:gd name="adj1" fmla="val 65165"/>
+              <a:gd name="adj2" fmla="val 81767"/>
+            </a:avLst>
           </a:prstGeom>
-          <a:ln>
-            <a:noFill/>
-          </a:ln>
-          <a:effectLst>
-            <a:softEdge rad="112500"/>
-          </a:effectLst>
         </p:spPr>
-      </p:pic>
+        <p:style>
+          <a:lnRef idx="2">
+            <a:schemeClr val="accent1">
+              <a:shade val="50000"/>
+            </a:schemeClr>
+          </a:lnRef>
+          <a:fillRef idx="1">
+            <a:schemeClr val="accent1"/>
+          </a:fillRef>
+          <a:effectRef idx="0">
+            <a:schemeClr val="accent1"/>
+          </a:effectRef>
+          <a:fontRef idx="minor">
+            <a:schemeClr val="lt1"/>
+          </a:fontRef>
+        </p:style>
+        <p:txBody>
+          <a:bodyPr rtlCol="0" anchor="ctr"/>
+          <a:lstStyle/>
+          <a:p>
+            <a:pPr algn="ctr"/>
+            <a:r>
+              <a:rPr lang="en-US" dirty="0"/>
+              <a:t>My name is </a:t>
+            </a:r>
+            <a:r>
+              <a:rPr lang="en-US" dirty="0" err="1"/>
+              <a:t>Kanava</a:t>
+            </a:r>
+            <a:r>
+              <a:rPr lang="en-US" dirty="0"/>
+              <a:t>. I'm </a:t>
+            </a:r>
+            <a:r>
+              <a:rPr lang="en-US" dirty="0" err="1"/>
+              <a:t>XProc's</a:t>
+            </a:r>
+            <a:r>
+              <a:rPr lang="en-US" dirty="0"/>
+              <a:t> logo!</a:t>
+            </a:r>
+            <a:endParaRPr lang="en-NL" dirty="0"/>
+          </a:p>
+        </p:txBody>
+      </p:sp>
     </p:spTree>
     <p:extLst>
       <p:ext uri="{BB962C8B-B14F-4D97-AF65-F5344CB8AC3E}">
-        <p14:creationId xmlns:p14="http://schemas.microsoft.com/office/powerpoint/2010/main" val="372394686"/>
+        <p14:creationId xmlns:p14="http://schemas.microsoft.com/office/powerpoint/2010/main" val="545629648"/>
       </p:ext>
     </p:extLst>
   </p:cSld>
@@ -25810,7 +25896,7 @@
                                           </p:stCondLst>
                                         </p:cTn>
                                         <p:tgtEl>
-                                          <p:spTgt spid="6"/>
+                                          <p:spTgt spid="10"/>
                                         </p:tgtEl>
                                         <p:attrNameLst>
                                           <p:attrName>style.visibility</p:attrName>
@@ -25855,7 +25941,7 @@
                                           </p:stCondLst>
                                         </p:cTn>
                                         <p:tgtEl>
-                                          <p:spTgt spid="10"/>
+                                          <p:spTgt spid="6"/>
                                         </p:tgtEl>
                                         <p:attrNameLst>
                                           <p:attrName>style.visibility</p:attrName>
@@ -26685,7 +26771,7 @@
         </p:nvSpPr>
         <p:spPr>
           <a:xfrm>
-            <a:off x="806885" y="1656524"/>
+            <a:off x="614106" y="1480460"/>
             <a:ext cx="8869471" cy="4351338"/>
           </a:xfrm>
         </p:spPr>
@@ -26714,13 +26800,13 @@
           <a:p>
             <a:r>
               <a:rPr lang="en-US" dirty="0"/>
+              <a:t>Compose small tools into something bigger, pipelines…</a:t>
+            </a:r>
+          </a:p>
+          <a:p>
+            <a:r>
+              <a:rPr lang="en-US" dirty="0"/>
               <a:t>Very natural choice for document processing</a:t>
-            </a:r>
-          </a:p>
-          <a:p>
-            <a:r>
-              <a:rPr lang="en-US" dirty="0"/>
-              <a:t>Compose small tools into something bigger, pipelines…</a:t>
             </a:r>
           </a:p>
           <a:p>
@@ -29201,6 +29287,332 @@
           <p:cNvPr id="2" name="Title 1">
             <a:extLst>
               <a:ext uri="{FF2B5EF4-FFF2-40B4-BE49-F238E27FC236}">
+                <a16:creationId xmlns:a16="http://schemas.microsoft.com/office/drawing/2014/main" id="{4123861A-F328-4BB9-8F10-4F9FB0F7E245}"/>
+              </a:ext>
+            </a:extLst>
+          </p:cNvPr>
+          <p:cNvSpPr>
+            <a:spLocks noGrp="1"/>
+          </p:cNvSpPr>
+          <p:nvPr>
+            <p:ph type="title"/>
+          </p:nvPr>
+        </p:nvSpPr>
+        <p:spPr>
+          <a:xfrm>
+            <a:off x="428016" y="265834"/>
+            <a:ext cx="11617960" cy="860848"/>
+          </a:xfrm>
+        </p:spPr>
+        <p:txBody>
+          <a:bodyPr>
+            <a:normAutofit/>
+          </a:bodyPr>
+          <a:lstStyle/>
+          <a:p>
+            <a:r>
+              <a:rPr lang="en-US" b="1" dirty="0"/>
+              <a:t>Alternative…</a:t>
+            </a:r>
+            <a:endParaRPr lang="en-NL" b="1" dirty="0"/>
+          </a:p>
+        </p:txBody>
+      </p:sp>
+      <p:sp>
+        <p:nvSpPr>
+          <p:cNvPr id="4" name="TextBox 3">
+            <a:extLst>
+              <a:ext uri="{FF2B5EF4-FFF2-40B4-BE49-F238E27FC236}">
+                <a16:creationId xmlns:a16="http://schemas.microsoft.com/office/drawing/2014/main" id="{E614C84A-45C6-4C95-859B-4E28BD47CA0C}"/>
+              </a:ext>
+            </a:extLst>
+          </p:cNvPr>
+          <p:cNvSpPr txBox="1"/>
+          <p:nvPr/>
+        </p:nvSpPr>
+        <p:spPr>
+          <a:xfrm>
+            <a:off x="437744" y="1536174"/>
+            <a:ext cx="11316511" cy="3170099"/>
+          </a:xfrm>
+          <a:prstGeom prst="rect">
+            <a:avLst/>
+          </a:prstGeom>
+          <a:solidFill>
+            <a:schemeClr val="bg1">
+              <a:lumMod val="85000"/>
+            </a:schemeClr>
+          </a:solidFill>
+        </p:spPr>
+        <p:txBody>
+          <a:bodyPr wrap="square" rtlCol="0">
+            <a:spAutoFit/>
+          </a:bodyPr>
+          <a:lstStyle/>
+          <a:p>
+            <a:r>
+              <a:rPr lang="nl-NL" sz="2000" b="1" dirty="0">
+                <a:latin typeface="Courier New" panose="02070309020205020404" pitchFamily="49" charset="0"/>
+                <a:cs typeface="Courier New" panose="02070309020205020404" pitchFamily="49" charset="0"/>
+              </a:rPr>
+              <a:t>&lt;</a:t>
+            </a:r>
+            <a:r>
+              <a:rPr lang="nl-NL" sz="2000" b="1" dirty="0" err="1">
+                <a:latin typeface="Courier New" panose="02070309020205020404" pitchFamily="49" charset="0"/>
+                <a:cs typeface="Courier New" panose="02070309020205020404" pitchFamily="49" charset="0"/>
+              </a:rPr>
+              <a:t>p:declare-step</a:t>
+            </a:r>
+            <a:r>
+              <a:rPr lang="nl-NL" sz="2000" b="1" dirty="0">
+                <a:latin typeface="Courier New" panose="02070309020205020404" pitchFamily="49" charset="0"/>
+                <a:cs typeface="Courier New" panose="02070309020205020404" pitchFamily="49" charset="0"/>
+              </a:rPr>
+              <a:t> </a:t>
+            </a:r>
+            <a:r>
+              <a:rPr lang="nl-NL" sz="2000" b="1" dirty="0" err="1">
+                <a:latin typeface="Courier New" panose="02070309020205020404" pitchFamily="49" charset="0"/>
+                <a:cs typeface="Courier New" panose="02070309020205020404" pitchFamily="49" charset="0"/>
+              </a:rPr>
+              <a:t>xmlns:p</a:t>
+            </a:r>
+            <a:r>
+              <a:rPr lang="nl-NL" sz="2000" b="1" dirty="0">
+                <a:latin typeface="Courier New" panose="02070309020205020404" pitchFamily="49" charset="0"/>
+                <a:cs typeface="Courier New" panose="02070309020205020404" pitchFamily="49" charset="0"/>
+              </a:rPr>
+              <a:t>="http://www.w3.org/ns/xproc" </a:t>
+            </a:r>
+            <a:r>
+              <a:rPr lang="nl-NL" sz="2000" b="1" dirty="0" err="1">
+                <a:latin typeface="Courier New" panose="02070309020205020404" pitchFamily="49" charset="0"/>
+                <a:cs typeface="Courier New" panose="02070309020205020404" pitchFamily="49" charset="0"/>
+              </a:rPr>
+              <a:t>version</a:t>
+            </a:r>
+            <a:r>
+              <a:rPr lang="nl-NL" sz="2000" b="1" dirty="0">
+                <a:latin typeface="Courier New" panose="02070309020205020404" pitchFamily="49" charset="0"/>
+                <a:cs typeface="Courier New" panose="02070309020205020404" pitchFamily="49" charset="0"/>
+              </a:rPr>
+              <a:t>="3.0"&gt;</a:t>
+            </a:r>
+          </a:p>
+          <a:p>
+            <a:r>
+              <a:rPr lang="nl-NL" sz="2000" b="1" dirty="0">
+                <a:latin typeface="Courier New" panose="02070309020205020404" pitchFamily="49" charset="0"/>
+                <a:cs typeface="Courier New" panose="02070309020205020404" pitchFamily="49" charset="0"/>
+              </a:rPr>
+              <a:t>  </a:t>
+            </a:r>
+          </a:p>
+          <a:p>
+            <a:r>
+              <a:rPr lang="nl-NL" sz="2000" b="1" dirty="0">
+                <a:latin typeface="Courier New" panose="02070309020205020404" pitchFamily="49" charset="0"/>
+                <a:cs typeface="Courier New" panose="02070309020205020404" pitchFamily="49" charset="0"/>
+              </a:rPr>
+              <a:t>  &lt;</a:t>
+            </a:r>
+            <a:r>
+              <a:rPr lang="nl-NL" sz="2000" b="1" dirty="0" err="1">
+                <a:latin typeface="Courier New" panose="02070309020205020404" pitchFamily="49" charset="0"/>
+                <a:cs typeface="Courier New" panose="02070309020205020404" pitchFamily="49" charset="0"/>
+              </a:rPr>
+              <a:t>p:input</a:t>
+            </a:r>
+            <a:r>
+              <a:rPr lang="nl-NL" sz="2000" b="1" dirty="0">
+                <a:latin typeface="Courier New" panose="02070309020205020404" pitchFamily="49" charset="0"/>
+                <a:cs typeface="Courier New" panose="02070309020205020404" pitchFamily="49" charset="0"/>
+              </a:rPr>
+              <a:t> port="source"/&gt;</a:t>
+            </a:r>
+          </a:p>
+          <a:p>
+            <a:r>
+              <a:rPr lang="nl-NL" sz="2000" b="1" dirty="0">
+                <a:latin typeface="Courier New" panose="02070309020205020404" pitchFamily="49" charset="0"/>
+                <a:cs typeface="Courier New" panose="02070309020205020404" pitchFamily="49" charset="0"/>
+              </a:rPr>
+              <a:t>  &lt;</a:t>
+            </a:r>
+            <a:r>
+              <a:rPr lang="nl-NL" sz="2000" b="1" dirty="0" err="1">
+                <a:latin typeface="Courier New" panose="02070309020205020404" pitchFamily="49" charset="0"/>
+                <a:cs typeface="Courier New" panose="02070309020205020404" pitchFamily="49" charset="0"/>
+              </a:rPr>
+              <a:t>p:output</a:t>
+            </a:r>
+            <a:r>
+              <a:rPr lang="nl-NL" sz="2000" b="1" dirty="0">
+                <a:latin typeface="Courier New" panose="02070309020205020404" pitchFamily="49" charset="0"/>
+                <a:cs typeface="Courier New" panose="02070309020205020404" pitchFamily="49" charset="0"/>
+              </a:rPr>
+              <a:t> port="</a:t>
+            </a:r>
+            <a:r>
+              <a:rPr lang="nl-NL" sz="2000" b="1" dirty="0" err="1">
+                <a:latin typeface="Courier New" panose="02070309020205020404" pitchFamily="49" charset="0"/>
+                <a:cs typeface="Courier New" panose="02070309020205020404" pitchFamily="49" charset="0"/>
+              </a:rPr>
+              <a:t>result</a:t>
+            </a:r>
+            <a:r>
+              <a:rPr lang="nl-NL" sz="2000" b="1" dirty="0">
+                <a:latin typeface="Courier New" panose="02070309020205020404" pitchFamily="49" charset="0"/>
+                <a:cs typeface="Courier New" panose="02070309020205020404" pitchFamily="49" charset="0"/>
+              </a:rPr>
+              <a:t>"/&gt;</a:t>
+            </a:r>
+          </a:p>
+          <a:p>
+            <a:r>
+              <a:rPr lang="nl-NL" sz="2000" b="1" dirty="0">
+                <a:latin typeface="Courier New" panose="02070309020205020404" pitchFamily="49" charset="0"/>
+                <a:cs typeface="Courier New" panose="02070309020205020404" pitchFamily="49" charset="0"/>
+              </a:rPr>
+              <a:t>  </a:t>
+            </a:r>
+          </a:p>
+          <a:p>
+            <a:r>
+              <a:rPr lang="nl-NL" sz="2000" b="1" dirty="0">
+                <a:latin typeface="Courier New" panose="02070309020205020404" pitchFamily="49" charset="0"/>
+                <a:cs typeface="Courier New" panose="02070309020205020404" pitchFamily="49" charset="0"/>
+              </a:rPr>
+              <a:t>  &lt;</a:t>
+            </a:r>
+            <a:r>
+              <a:rPr lang="nl-NL" sz="2000" b="1" dirty="0" err="1">
+                <a:latin typeface="Courier New" panose="02070309020205020404" pitchFamily="49" charset="0"/>
+                <a:cs typeface="Courier New" panose="02070309020205020404" pitchFamily="49" charset="0"/>
+              </a:rPr>
+              <a:t>p:add-attribute</a:t>
+            </a:r>
+            <a:r>
+              <a:rPr lang="nl-NL" sz="2000" b="1" dirty="0">
+                <a:latin typeface="Courier New" panose="02070309020205020404" pitchFamily="49" charset="0"/>
+                <a:cs typeface="Courier New" panose="02070309020205020404" pitchFamily="49" charset="0"/>
+              </a:rPr>
+              <a:t> match="/*" </a:t>
+            </a:r>
+            <a:r>
+              <a:rPr lang="nl-NL" sz="2000" b="1" dirty="0" err="1">
+                <a:latin typeface="Courier New" panose="02070309020205020404" pitchFamily="49" charset="0"/>
+                <a:cs typeface="Courier New" panose="02070309020205020404" pitchFamily="49" charset="0"/>
+              </a:rPr>
+              <a:t>attribute</a:t>
+            </a:r>
+            <a:r>
+              <a:rPr lang="nl-NL" sz="2000" b="1" dirty="0">
+                <a:latin typeface="Courier New" panose="02070309020205020404" pitchFamily="49" charset="0"/>
+                <a:cs typeface="Courier New" panose="02070309020205020404" pitchFamily="49" charset="0"/>
+              </a:rPr>
+              <a:t>-name="presenter" </a:t>
+            </a:r>
+          </a:p>
+          <a:p>
+            <a:r>
+              <a:rPr lang="nl-NL" sz="2000" b="1" dirty="0">
+                <a:latin typeface="Courier New" panose="02070309020205020404" pitchFamily="49" charset="0"/>
+                <a:cs typeface="Courier New" panose="02070309020205020404" pitchFamily="49" charset="0"/>
+              </a:rPr>
+              <a:t>     </a:t>
+            </a:r>
+            <a:r>
+              <a:rPr lang="nl-NL" sz="2000" b="1" dirty="0" err="1">
+                <a:latin typeface="Courier New" panose="02070309020205020404" pitchFamily="49" charset="0"/>
+                <a:cs typeface="Courier New" panose="02070309020205020404" pitchFamily="49" charset="0"/>
+              </a:rPr>
+              <a:t>attribute-value</a:t>
+            </a:r>
+            <a:r>
+              <a:rPr lang="nl-NL" sz="2000" b="1" dirty="0">
+                <a:latin typeface="Courier New" panose="02070309020205020404" pitchFamily="49" charset="0"/>
+                <a:cs typeface="Courier New" panose="02070309020205020404" pitchFamily="49" charset="0"/>
+              </a:rPr>
+              <a:t>="{//presenter[1]}"/&gt;</a:t>
+            </a:r>
+          </a:p>
+          <a:p>
+            <a:r>
+              <a:rPr lang="nl-NL" sz="2000" b="1" dirty="0">
+                <a:latin typeface="Courier New" panose="02070309020205020404" pitchFamily="49" charset="0"/>
+                <a:cs typeface="Courier New" panose="02070309020205020404" pitchFamily="49" charset="0"/>
+              </a:rPr>
+              <a:t>  </a:t>
+            </a:r>
+          </a:p>
+          <a:p>
+            <a:r>
+              <a:rPr lang="nl-NL" sz="2000" b="1" dirty="0">
+                <a:latin typeface="Courier New" panose="02070309020205020404" pitchFamily="49" charset="0"/>
+                <a:cs typeface="Courier New" panose="02070309020205020404" pitchFamily="49" charset="0"/>
+              </a:rPr>
+              <a:t>&lt;/</a:t>
+            </a:r>
+            <a:r>
+              <a:rPr lang="nl-NL" sz="2000" b="1" dirty="0" err="1">
+                <a:latin typeface="Courier New" panose="02070309020205020404" pitchFamily="49" charset="0"/>
+                <a:cs typeface="Courier New" panose="02070309020205020404" pitchFamily="49" charset="0"/>
+              </a:rPr>
+              <a:t>p:declare-step</a:t>
+            </a:r>
+            <a:r>
+              <a:rPr lang="nl-NL" sz="2000" b="1" dirty="0">
+                <a:latin typeface="Courier New" panose="02070309020205020404" pitchFamily="49" charset="0"/>
+                <a:cs typeface="Courier New" panose="02070309020205020404" pitchFamily="49" charset="0"/>
+              </a:rPr>
+              <a:t>&gt;</a:t>
+            </a:r>
+          </a:p>
+          <a:p>
+            <a:endParaRPr lang="nl-NL" sz="2000" b="1" dirty="0">
+              <a:latin typeface="Courier New" panose="02070309020205020404" pitchFamily="49" charset="0"/>
+              <a:cs typeface="Courier New" panose="02070309020205020404" pitchFamily="49" charset="0"/>
+            </a:endParaRPr>
+          </a:p>
+        </p:txBody>
+      </p:sp>
+    </p:spTree>
+    <p:extLst>
+      <p:ext uri="{BB962C8B-B14F-4D97-AF65-F5344CB8AC3E}">
+        <p14:creationId xmlns:p14="http://schemas.microsoft.com/office/powerpoint/2010/main" val="966616142"/>
+      </p:ext>
+    </p:extLst>
+  </p:cSld>
+  <p:clrMapOvr>
+    <a:masterClrMapping/>
+  </p:clrMapOvr>
+</p:sld>
+</file>
+
+<file path=ppt/slides/slide45.xml><?xml version="1.0" encoding="utf-8"?>
+<p:sld xmlns:a="http://schemas.openxmlformats.org/drawingml/2006/main" xmlns:r="http://schemas.openxmlformats.org/officeDocument/2006/relationships" xmlns:p="http://schemas.openxmlformats.org/presentationml/2006/main">
+  <p:cSld>
+    <p:spTree>
+      <p:nvGrpSpPr>
+        <p:cNvPr id="1" name=""/>
+        <p:cNvGrpSpPr/>
+        <p:nvPr/>
+      </p:nvGrpSpPr>
+      <p:grpSpPr>
+        <a:xfrm>
+          <a:off x="0" y="0"/>
+          <a:ext cx="0" cy="0"/>
+          <a:chOff x="0" y="0"/>
+          <a:chExt cx="0" cy="0"/>
+        </a:xfrm>
+      </p:grpSpPr>
+      <p:sp>
+        <p:nvSpPr>
+          <p:cNvPr id="2" name="Title 1">
+            <a:extLst>
+              <a:ext uri="{FF2B5EF4-FFF2-40B4-BE49-F238E27FC236}">
                 <a16:creationId xmlns:a16="http://schemas.microsoft.com/office/drawing/2014/main" id="{C53B4B19-374B-42BD-95A2-AB009EA7CBCC}"/>
               </a:ext>
             </a:extLst>
@@ -29422,8 +29834,8 @@
         </p:blipFill>
         <p:spPr bwMode="auto">
           <a:xfrm>
-            <a:off x="8628029" y="4915813"/>
-            <a:ext cx="2095500" cy="1838325"/>
+            <a:off x="8435540" y="5228135"/>
+            <a:ext cx="1715616" cy="1505063"/>
           </a:xfrm>
           <a:prstGeom prst="rect">
             <a:avLst/>
@@ -29453,7 +29865,7 @@
 </p:sld>
 </file>
 
-<file path=ppt/slides/slide45.xml><?xml version="1.0" encoding="utf-8"?>
+<file path=ppt/slides/slide46.xml><?xml version="1.0" encoding="utf-8"?>
 <p:sld xmlns:a="http://schemas.openxmlformats.org/drawingml/2006/main" xmlns:r="http://schemas.openxmlformats.org/officeDocument/2006/relationships" xmlns:p="http://schemas.openxmlformats.org/presentationml/2006/main">
   <p:cSld>
     <p:spTree>
@@ -30115,7 +30527,7 @@
 </p:sld>
 </file>
 
-<file path=ppt/slides/slide46.xml><?xml version="1.0" encoding="utf-8"?>
+<file path=ppt/slides/slide47.xml><?xml version="1.0" encoding="utf-8"?>
 <p:sld xmlns:a="http://schemas.openxmlformats.org/drawingml/2006/main" xmlns:r="http://schemas.openxmlformats.org/officeDocument/2006/relationships" xmlns:p="http://schemas.openxmlformats.org/presentationml/2006/main">
   <p:cSld>
     <p:spTree>
@@ -30409,423 +30821,6 @@
 </p:sld>
 </file>
 
-<file path=ppt/slides/slide47.xml><?xml version="1.0" encoding="utf-8"?>
-<p:sld xmlns:a="http://schemas.openxmlformats.org/drawingml/2006/main" xmlns:r="http://schemas.openxmlformats.org/officeDocument/2006/relationships" xmlns:p="http://schemas.openxmlformats.org/presentationml/2006/main">
-  <p:cSld>
-    <p:spTree>
-      <p:nvGrpSpPr>
-        <p:cNvPr id="1" name=""/>
-        <p:cNvGrpSpPr/>
-        <p:nvPr/>
-      </p:nvGrpSpPr>
-      <p:grpSpPr>
-        <a:xfrm>
-          <a:off x="0" y="0"/>
-          <a:ext cx="0" cy="0"/>
-          <a:chOff x="0" y="0"/>
-          <a:chExt cx="0" cy="0"/>
-        </a:xfrm>
-      </p:grpSpPr>
-      <p:sp>
-        <p:nvSpPr>
-          <p:cNvPr id="2" name="Title 1">
-            <a:extLst>
-              <a:ext uri="{FF2B5EF4-FFF2-40B4-BE49-F238E27FC236}">
-                <a16:creationId xmlns:a16="http://schemas.microsoft.com/office/drawing/2014/main" id="{4123861A-F328-4BB9-8F10-4F9FB0F7E245}"/>
-              </a:ext>
-            </a:extLst>
-          </p:cNvPr>
-          <p:cNvSpPr>
-            <a:spLocks noGrp="1"/>
-          </p:cNvSpPr>
-          <p:nvPr>
-            <p:ph type="title"/>
-          </p:nvPr>
-        </p:nvSpPr>
-        <p:spPr>
-          <a:xfrm>
-            <a:off x="428016" y="265834"/>
-            <a:ext cx="11617960" cy="860848"/>
-          </a:xfrm>
-        </p:spPr>
-        <p:txBody>
-          <a:bodyPr>
-            <a:normAutofit/>
-          </a:bodyPr>
-          <a:lstStyle/>
-          <a:p>
-            <a:r>
-              <a:rPr lang="en-US" b="1" dirty="0"/>
-              <a:t>Use p:with-option - solution</a:t>
-            </a:r>
-            <a:endParaRPr lang="en-NL" b="1" dirty="0"/>
-          </a:p>
-        </p:txBody>
-      </p:sp>
-      <p:sp>
-        <p:nvSpPr>
-          <p:cNvPr id="4" name="TextBox 3">
-            <a:extLst>
-              <a:ext uri="{FF2B5EF4-FFF2-40B4-BE49-F238E27FC236}">
-                <a16:creationId xmlns:a16="http://schemas.microsoft.com/office/drawing/2014/main" id="{E614C84A-45C6-4C95-859B-4E28BD47CA0C}"/>
-              </a:ext>
-            </a:extLst>
-          </p:cNvPr>
-          <p:cNvSpPr txBox="1"/>
-          <p:nvPr/>
-        </p:nvSpPr>
-        <p:spPr>
-          <a:xfrm>
-            <a:off x="437744" y="1536174"/>
-            <a:ext cx="11316511" cy="4093428"/>
-          </a:xfrm>
-          <a:prstGeom prst="rect">
-            <a:avLst/>
-          </a:prstGeom>
-          <a:solidFill>
-            <a:schemeClr val="bg1">
-              <a:lumMod val="85000"/>
-            </a:schemeClr>
-          </a:solidFill>
-        </p:spPr>
-        <p:txBody>
-          <a:bodyPr wrap="square" rtlCol="0">
-            <a:spAutoFit/>
-          </a:bodyPr>
-          <a:lstStyle/>
-          <a:p>
-            <a:r>
-              <a:rPr lang="nl-NL" sz="2000" b="1" dirty="0">
-                <a:latin typeface="Courier New" panose="02070309020205020404" pitchFamily="49" charset="0"/>
-                <a:cs typeface="Courier New" panose="02070309020205020404" pitchFamily="49" charset="0"/>
-              </a:rPr>
-              <a:t>&lt;</a:t>
-            </a:r>
-            <a:r>
-              <a:rPr lang="nl-NL" sz="2000" b="1" dirty="0" err="1">
-                <a:latin typeface="Courier New" panose="02070309020205020404" pitchFamily="49" charset="0"/>
-                <a:cs typeface="Courier New" panose="02070309020205020404" pitchFamily="49" charset="0"/>
-              </a:rPr>
-              <a:t>p:declare-step</a:t>
-            </a:r>
-            <a:r>
-              <a:rPr lang="nl-NL" sz="2000" b="1" dirty="0">
-                <a:latin typeface="Courier New" panose="02070309020205020404" pitchFamily="49" charset="0"/>
-                <a:cs typeface="Courier New" panose="02070309020205020404" pitchFamily="49" charset="0"/>
-              </a:rPr>
-              <a:t> </a:t>
-            </a:r>
-            <a:r>
-              <a:rPr lang="nl-NL" sz="2000" b="1" dirty="0" err="1">
-                <a:latin typeface="Courier New" panose="02070309020205020404" pitchFamily="49" charset="0"/>
-                <a:cs typeface="Courier New" panose="02070309020205020404" pitchFamily="49" charset="0"/>
-              </a:rPr>
-              <a:t>xmlns:p</a:t>
-            </a:r>
-            <a:r>
-              <a:rPr lang="nl-NL" sz="2000" b="1" dirty="0">
-                <a:latin typeface="Courier New" panose="02070309020205020404" pitchFamily="49" charset="0"/>
-                <a:cs typeface="Courier New" panose="02070309020205020404" pitchFamily="49" charset="0"/>
-              </a:rPr>
-              <a:t>="http://www.w3.org/ns/xproc" </a:t>
-            </a:r>
-            <a:r>
-              <a:rPr lang="nl-NL" sz="2000" b="1" dirty="0" err="1">
-                <a:latin typeface="Courier New" panose="02070309020205020404" pitchFamily="49" charset="0"/>
-                <a:cs typeface="Courier New" panose="02070309020205020404" pitchFamily="49" charset="0"/>
-              </a:rPr>
-              <a:t>version</a:t>
-            </a:r>
-            <a:r>
-              <a:rPr lang="nl-NL" sz="2000" b="1" dirty="0">
-                <a:latin typeface="Courier New" panose="02070309020205020404" pitchFamily="49" charset="0"/>
-                <a:cs typeface="Courier New" panose="02070309020205020404" pitchFamily="49" charset="0"/>
-              </a:rPr>
-              <a:t>="3.0"&gt;</a:t>
-            </a:r>
-          </a:p>
-          <a:p>
-            <a:endParaRPr lang="nl-NL" sz="2000" b="1" dirty="0">
-              <a:latin typeface="Courier New" panose="02070309020205020404" pitchFamily="49" charset="0"/>
-              <a:cs typeface="Courier New" panose="02070309020205020404" pitchFamily="49" charset="0"/>
-            </a:endParaRPr>
-          </a:p>
-          <a:p>
-            <a:r>
-              <a:rPr lang="nl-NL" sz="2000" b="1" dirty="0">
-                <a:latin typeface="Courier New" panose="02070309020205020404" pitchFamily="49" charset="0"/>
-                <a:cs typeface="Courier New" panose="02070309020205020404" pitchFamily="49" charset="0"/>
-              </a:rPr>
-              <a:t>  &lt;</a:t>
-            </a:r>
-            <a:r>
-              <a:rPr lang="nl-NL" sz="2000" b="1" dirty="0" err="1">
-                <a:latin typeface="Courier New" panose="02070309020205020404" pitchFamily="49" charset="0"/>
-                <a:cs typeface="Courier New" panose="02070309020205020404" pitchFamily="49" charset="0"/>
-              </a:rPr>
-              <a:t>p:input</a:t>
-            </a:r>
-            <a:r>
-              <a:rPr lang="nl-NL" sz="2000" b="1" dirty="0">
-                <a:latin typeface="Courier New" panose="02070309020205020404" pitchFamily="49" charset="0"/>
-                <a:cs typeface="Courier New" panose="02070309020205020404" pitchFamily="49" charset="0"/>
-              </a:rPr>
-              <a:t> port="source"/&gt;</a:t>
-            </a:r>
-          </a:p>
-          <a:p>
-            <a:r>
-              <a:rPr lang="nl-NL" sz="2000" b="1" dirty="0">
-                <a:latin typeface="Courier New" panose="02070309020205020404" pitchFamily="49" charset="0"/>
-                <a:cs typeface="Courier New" panose="02070309020205020404" pitchFamily="49" charset="0"/>
-              </a:rPr>
-              <a:t>  &lt;</a:t>
-            </a:r>
-            <a:r>
-              <a:rPr lang="nl-NL" sz="2000" b="1" dirty="0" err="1">
-                <a:latin typeface="Courier New" panose="02070309020205020404" pitchFamily="49" charset="0"/>
-                <a:cs typeface="Courier New" panose="02070309020205020404" pitchFamily="49" charset="0"/>
-              </a:rPr>
-              <a:t>p:output</a:t>
-            </a:r>
-            <a:r>
-              <a:rPr lang="nl-NL" sz="2000" b="1" dirty="0">
-                <a:latin typeface="Courier New" panose="02070309020205020404" pitchFamily="49" charset="0"/>
-                <a:cs typeface="Courier New" panose="02070309020205020404" pitchFamily="49" charset="0"/>
-              </a:rPr>
-              <a:t> port="</a:t>
-            </a:r>
-            <a:r>
-              <a:rPr lang="nl-NL" sz="2000" b="1" dirty="0" err="1">
-                <a:latin typeface="Courier New" panose="02070309020205020404" pitchFamily="49" charset="0"/>
-                <a:cs typeface="Courier New" panose="02070309020205020404" pitchFamily="49" charset="0"/>
-              </a:rPr>
-              <a:t>result</a:t>
-            </a:r>
-            <a:r>
-              <a:rPr lang="nl-NL" sz="2000" b="1" dirty="0">
-                <a:latin typeface="Courier New" panose="02070309020205020404" pitchFamily="49" charset="0"/>
-                <a:cs typeface="Courier New" panose="02070309020205020404" pitchFamily="49" charset="0"/>
-              </a:rPr>
-              <a:t>"/&gt;</a:t>
-            </a:r>
-          </a:p>
-          <a:p>
-            <a:endParaRPr lang="nl-NL" sz="2000" b="1" dirty="0">
-              <a:latin typeface="Courier New" panose="02070309020205020404" pitchFamily="49" charset="0"/>
-              <a:cs typeface="Courier New" panose="02070309020205020404" pitchFamily="49" charset="0"/>
-            </a:endParaRPr>
-          </a:p>
-          <a:p>
-            <a:r>
-              <a:rPr lang="nl-NL" sz="2000" b="1" dirty="0">
-                <a:latin typeface="Courier New" panose="02070309020205020404" pitchFamily="49" charset="0"/>
-                <a:cs typeface="Courier New" panose="02070309020205020404" pitchFamily="49" charset="0"/>
-              </a:rPr>
-              <a:t>  &lt;</a:t>
-            </a:r>
-            <a:r>
-              <a:rPr lang="nl-NL" sz="2000" b="1" dirty="0" err="1">
-                <a:latin typeface="Courier New" panose="02070309020205020404" pitchFamily="49" charset="0"/>
-                <a:cs typeface="Courier New" panose="02070309020205020404" pitchFamily="49" charset="0"/>
-              </a:rPr>
-              <a:t>p:add-attribute</a:t>
-            </a:r>
-            <a:r>
-              <a:rPr lang="nl-NL" sz="2000" b="1" dirty="0">
-                <a:latin typeface="Courier New" panose="02070309020205020404" pitchFamily="49" charset="0"/>
-                <a:cs typeface="Courier New" panose="02070309020205020404" pitchFamily="49" charset="0"/>
-              </a:rPr>
-              <a:t>&gt;</a:t>
-            </a:r>
-          </a:p>
-          <a:p>
-            <a:r>
-              <a:rPr lang="nl-NL" sz="2000" b="1" dirty="0">
-                <a:latin typeface="Courier New" panose="02070309020205020404" pitchFamily="49" charset="0"/>
-                <a:cs typeface="Courier New" panose="02070309020205020404" pitchFamily="49" charset="0"/>
-              </a:rPr>
-              <a:t>    &lt;</a:t>
-            </a:r>
-            <a:r>
-              <a:rPr lang="nl-NL" sz="2000" b="1" dirty="0" err="1">
-                <a:latin typeface="Courier New" panose="02070309020205020404" pitchFamily="49" charset="0"/>
-                <a:cs typeface="Courier New" panose="02070309020205020404" pitchFamily="49" charset="0"/>
-              </a:rPr>
-              <a:t>p:with-option</a:t>
-            </a:r>
-            <a:r>
-              <a:rPr lang="nl-NL" sz="2000" b="1" dirty="0">
-                <a:latin typeface="Courier New" panose="02070309020205020404" pitchFamily="49" charset="0"/>
-                <a:cs typeface="Courier New" panose="02070309020205020404" pitchFamily="49" charset="0"/>
-              </a:rPr>
-              <a:t> name="match" select="'/*'"/&gt;</a:t>
-            </a:r>
-          </a:p>
-          <a:p>
-            <a:r>
-              <a:rPr lang="nl-NL" sz="2000" b="1" dirty="0">
-                <a:latin typeface="Courier New" panose="02070309020205020404" pitchFamily="49" charset="0"/>
-                <a:cs typeface="Courier New" panose="02070309020205020404" pitchFamily="49" charset="0"/>
-              </a:rPr>
-              <a:t>    &lt;</a:t>
-            </a:r>
-            <a:r>
-              <a:rPr lang="nl-NL" sz="2000" b="1" dirty="0" err="1">
-                <a:latin typeface="Courier New" panose="02070309020205020404" pitchFamily="49" charset="0"/>
-                <a:cs typeface="Courier New" panose="02070309020205020404" pitchFamily="49" charset="0"/>
-              </a:rPr>
-              <a:t>p:with-option</a:t>
-            </a:r>
-            <a:r>
-              <a:rPr lang="nl-NL" sz="2000" b="1" dirty="0">
-                <a:latin typeface="Courier New" panose="02070309020205020404" pitchFamily="49" charset="0"/>
-                <a:cs typeface="Courier New" panose="02070309020205020404" pitchFamily="49" charset="0"/>
-              </a:rPr>
-              <a:t> name="</a:t>
-            </a:r>
-            <a:r>
-              <a:rPr lang="nl-NL" sz="2000" b="1" dirty="0" err="1">
-                <a:latin typeface="Courier New" panose="02070309020205020404" pitchFamily="49" charset="0"/>
-                <a:cs typeface="Courier New" panose="02070309020205020404" pitchFamily="49" charset="0"/>
-              </a:rPr>
-              <a:t>attribute</a:t>
-            </a:r>
-            <a:r>
-              <a:rPr lang="nl-NL" sz="2000" b="1" dirty="0">
-                <a:latin typeface="Courier New" panose="02070309020205020404" pitchFamily="49" charset="0"/>
-                <a:cs typeface="Courier New" panose="02070309020205020404" pitchFamily="49" charset="0"/>
-              </a:rPr>
-              <a:t>-name" select="'timestamp'"/&gt;</a:t>
-            </a:r>
-          </a:p>
-          <a:p>
-            <a:r>
-              <a:rPr lang="nl-NL" sz="2000" b="1" dirty="0">
-                <a:latin typeface="Courier New" panose="02070309020205020404" pitchFamily="49" charset="0"/>
-                <a:cs typeface="Courier New" panose="02070309020205020404" pitchFamily="49" charset="0"/>
-              </a:rPr>
-              <a:t>    &lt;</a:t>
-            </a:r>
-            <a:r>
-              <a:rPr lang="nl-NL" sz="2000" b="1" dirty="0" err="1">
-                <a:latin typeface="Courier New" panose="02070309020205020404" pitchFamily="49" charset="0"/>
-                <a:cs typeface="Courier New" panose="02070309020205020404" pitchFamily="49" charset="0"/>
-              </a:rPr>
-              <a:t>p:with-option</a:t>
-            </a:r>
-            <a:r>
-              <a:rPr lang="nl-NL" sz="2000" b="1" dirty="0">
-                <a:latin typeface="Courier New" panose="02070309020205020404" pitchFamily="49" charset="0"/>
-                <a:cs typeface="Courier New" panose="02070309020205020404" pitchFamily="49" charset="0"/>
-              </a:rPr>
-              <a:t> name="</a:t>
-            </a:r>
-            <a:r>
-              <a:rPr lang="nl-NL" sz="2000" b="1" dirty="0" err="1">
-                <a:latin typeface="Courier New" panose="02070309020205020404" pitchFamily="49" charset="0"/>
-                <a:cs typeface="Courier New" panose="02070309020205020404" pitchFamily="49" charset="0"/>
-              </a:rPr>
-              <a:t>attribute-value</a:t>
-            </a:r>
-            <a:r>
-              <a:rPr lang="nl-NL" sz="2000" b="1" dirty="0">
-                <a:latin typeface="Courier New" panose="02070309020205020404" pitchFamily="49" charset="0"/>
-                <a:cs typeface="Courier New" panose="02070309020205020404" pitchFamily="49" charset="0"/>
-              </a:rPr>
-              <a:t>" </a:t>
-            </a:r>
-          </a:p>
-          <a:p>
-            <a:r>
-              <a:rPr lang="nl-NL" sz="2000" b="1" dirty="0">
-                <a:latin typeface="Courier New" panose="02070309020205020404" pitchFamily="49" charset="0"/>
-                <a:cs typeface="Courier New" panose="02070309020205020404" pitchFamily="49" charset="0"/>
-              </a:rPr>
-              <a:t>       select="string(</a:t>
-            </a:r>
-            <a:r>
-              <a:rPr lang="nl-NL" sz="2000" b="1" dirty="0" err="1">
-                <a:latin typeface="Courier New" panose="02070309020205020404" pitchFamily="49" charset="0"/>
-                <a:cs typeface="Courier New" panose="02070309020205020404" pitchFamily="49" charset="0"/>
-              </a:rPr>
-              <a:t>current-dateTime</a:t>
-            </a:r>
-            <a:r>
-              <a:rPr lang="nl-NL" sz="2000" b="1" dirty="0">
-                <a:latin typeface="Courier New" panose="02070309020205020404" pitchFamily="49" charset="0"/>
-                <a:cs typeface="Courier New" panose="02070309020205020404" pitchFamily="49" charset="0"/>
-              </a:rPr>
-              <a:t>())"/&gt;</a:t>
-            </a:r>
-          </a:p>
-          <a:p>
-            <a:r>
-              <a:rPr lang="nl-NL" sz="2000" b="1" dirty="0">
-                <a:latin typeface="Courier New" panose="02070309020205020404" pitchFamily="49" charset="0"/>
-                <a:cs typeface="Courier New" panose="02070309020205020404" pitchFamily="49" charset="0"/>
-              </a:rPr>
-              <a:t>  &lt;/</a:t>
-            </a:r>
-            <a:r>
-              <a:rPr lang="nl-NL" sz="2000" b="1" dirty="0" err="1">
-                <a:latin typeface="Courier New" panose="02070309020205020404" pitchFamily="49" charset="0"/>
-                <a:cs typeface="Courier New" panose="02070309020205020404" pitchFamily="49" charset="0"/>
-              </a:rPr>
-              <a:t>p:add-attribute</a:t>
-            </a:r>
-            <a:r>
-              <a:rPr lang="nl-NL" sz="2000" b="1" dirty="0">
-                <a:latin typeface="Courier New" panose="02070309020205020404" pitchFamily="49" charset="0"/>
-                <a:cs typeface="Courier New" panose="02070309020205020404" pitchFamily="49" charset="0"/>
-              </a:rPr>
-              <a:t>&gt;</a:t>
-            </a:r>
-          </a:p>
-          <a:p>
-            <a:endParaRPr lang="nl-NL" sz="2000" b="1" dirty="0">
-              <a:latin typeface="Courier New" panose="02070309020205020404" pitchFamily="49" charset="0"/>
-              <a:cs typeface="Courier New" panose="02070309020205020404" pitchFamily="49" charset="0"/>
-            </a:endParaRPr>
-          </a:p>
-          <a:p>
-            <a:r>
-              <a:rPr lang="nl-NL" sz="2000" b="1" dirty="0">
-                <a:latin typeface="Courier New" panose="02070309020205020404" pitchFamily="49" charset="0"/>
-                <a:cs typeface="Courier New" panose="02070309020205020404" pitchFamily="49" charset="0"/>
-              </a:rPr>
-              <a:t>&lt;/</a:t>
-            </a:r>
-            <a:r>
-              <a:rPr lang="nl-NL" sz="2000" b="1" dirty="0" err="1">
-                <a:latin typeface="Courier New" panose="02070309020205020404" pitchFamily="49" charset="0"/>
-                <a:cs typeface="Courier New" panose="02070309020205020404" pitchFamily="49" charset="0"/>
-              </a:rPr>
-              <a:t>p:declare-step</a:t>
-            </a:r>
-            <a:r>
-              <a:rPr lang="nl-NL" sz="2000" b="1" dirty="0">
-                <a:latin typeface="Courier New" panose="02070309020205020404" pitchFamily="49" charset="0"/>
-                <a:cs typeface="Courier New" panose="02070309020205020404" pitchFamily="49" charset="0"/>
-              </a:rPr>
-              <a:t>&gt;</a:t>
-            </a:r>
-          </a:p>
-        </p:txBody>
-      </p:sp>
-    </p:spTree>
-    <p:extLst>
-      <p:ext uri="{BB962C8B-B14F-4D97-AF65-F5344CB8AC3E}">
-        <p14:creationId xmlns:p14="http://schemas.microsoft.com/office/powerpoint/2010/main" val="1447366097"/>
-      </p:ext>
-    </p:extLst>
-  </p:cSld>
-  <p:clrMapOvr>
-    <a:masterClrMapping/>
-  </p:clrMapOvr>
-</p:sld>
-</file>
-
 <file path=ppt/slides/slide48.xml><?xml version="1.0" encoding="utf-8"?>
 <p:sld xmlns:a="http://schemas.openxmlformats.org/drawingml/2006/main" xmlns:r="http://schemas.openxmlformats.org/officeDocument/2006/relationships" xmlns:p="http://schemas.openxmlformats.org/presentationml/2006/main">
   <p:cSld>
@@ -30848,6 +30843,423 @@
           <p:cNvPr id="2" name="Title 1">
             <a:extLst>
               <a:ext uri="{FF2B5EF4-FFF2-40B4-BE49-F238E27FC236}">
+                <a16:creationId xmlns:a16="http://schemas.microsoft.com/office/drawing/2014/main" id="{4123861A-F328-4BB9-8F10-4F9FB0F7E245}"/>
+              </a:ext>
+            </a:extLst>
+          </p:cNvPr>
+          <p:cNvSpPr>
+            <a:spLocks noGrp="1"/>
+          </p:cNvSpPr>
+          <p:nvPr>
+            <p:ph type="title"/>
+          </p:nvPr>
+        </p:nvSpPr>
+        <p:spPr>
+          <a:xfrm>
+            <a:off x="428016" y="265834"/>
+            <a:ext cx="11617960" cy="860848"/>
+          </a:xfrm>
+        </p:spPr>
+        <p:txBody>
+          <a:bodyPr>
+            <a:normAutofit/>
+          </a:bodyPr>
+          <a:lstStyle/>
+          <a:p>
+            <a:r>
+              <a:rPr lang="en-US" b="1" dirty="0"/>
+              <a:t>Use p:with-option - solution</a:t>
+            </a:r>
+            <a:endParaRPr lang="en-NL" b="1" dirty="0"/>
+          </a:p>
+        </p:txBody>
+      </p:sp>
+      <p:sp>
+        <p:nvSpPr>
+          <p:cNvPr id="4" name="TextBox 3">
+            <a:extLst>
+              <a:ext uri="{FF2B5EF4-FFF2-40B4-BE49-F238E27FC236}">
+                <a16:creationId xmlns:a16="http://schemas.microsoft.com/office/drawing/2014/main" id="{E614C84A-45C6-4C95-859B-4E28BD47CA0C}"/>
+              </a:ext>
+            </a:extLst>
+          </p:cNvPr>
+          <p:cNvSpPr txBox="1"/>
+          <p:nvPr/>
+        </p:nvSpPr>
+        <p:spPr>
+          <a:xfrm>
+            <a:off x="437744" y="1536174"/>
+            <a:ext cx="11316511" cy="4093428"/>
+          </a:xfrm>
+          <a:prstGeom prst="rect">
+            <a:avLst/>
+          </a:prstGeom>
+          <a:solidFill>
+            <a:schemeClr val="bg1">
+              <a:lumMod val="85000"/>
+            </a:schemeClr>
+          </a:solidFill>
+        </p:spPr>
+        <p:txBody>
+          <a:bodyPr wrap="square" rtlCol="0">
+            <a:spAutoFit/>
+          </a:bodyPr>
+          <a:lstStyle/>
+          <a:p>
+            <a:r>
+              <a:rPr lang="nl-NL" sz="2000" b="1" dirty="0">
+                <a:latin typeface="Courier New" panose="02070309020205020404" pitchFamily="49" charset="0"/>
+                <a:cs typeface="Courier New" panose="02070309020205020404" pitchFamily="49" charset="0"/>
+              </a:rPr>
+              <a:t>&lt;</a:t>
+            </a:r>
+            <a:r>
+              <a:rPr lang="nl-NL" sz="2000" b="1" dirty="0" err="1">
+                <a:latin typeface="Courier New" panose="02070309020205020404" pitchFamily="49" charset="0"/>
+                <a:cs typeface="Courier New" panose="02070309020205020404" pitchFamily="49" charset="0"/>
+              </a:rPr>
+              <a:t>p:declare-step</a:t>
+            </a:r>
+            <a:r>
+              <a:rPr lang="nl-NL" sz="2000" b="1" dirty="0">
+                <a:latin typeface="Courier New" panose="02070309020205020404" pitchFamily="49" charset="0"/>
+                <a:cs typeface="Courier New" panose="02070309020205020404" pitchFamily="49" charset="0"/>
+              </a:rPr>
+              <a:t> </a:t>
+            </a:r>
+            <a:r>
+              <a:rPr lang="nl-NL" sz="2000" b="1" dirty="0" err="1">
+                <a:latin typeface="Courier New" panose="02070309020205020404" pitchFamily="49" charset="0"/>
+                <a:cs typeface="Courier New" panose="02070309020205020404" pitchFamily="49" charset="0"/>
+              </a:rPr>
+              <a:t>xmlns:p</a:t>
+            </a:r>
+            <a:r>
+              <a:rPr lang="nl-NL" sz="2000" b="1" dirty="0">
+                <a:latin typeface="Courier New" panose="02070309020205020404" pitchFamily="49" charset="0"/>
+                <a:cs typeface="Courier New" panose="02070309020205020404" pitchFamily="49" charset="0"/>
+              </a:rPr>
+              <a:t>="http://www.w3.org/ns/xproc" </a:t>
+            </a:r>
+            <a:r>
+              <a:rPr lang="nl-NL" sz="2000" b="1" dirty="0" err="1">
+                <a:latin typeface="Courier New" panose="02070309020205020404" pitchFamily="49" charset="0"/>
+                <a:cs typeface="Courier New" panose="02070309020205020404" pitchFamily="49" charset="0"/>
+              </a:rPr>
+              <a:t>version</a:t>
+            </a:r>
+            <a:r>
+              <a:rPr lang="nl-NL" sz="2000" b="1" dirty="0">
+                <a:latin typeface="Courier New" panose="02070309020205020404" pitchFamily="49" charset="0"/>
+                <a:cs typeface="Courier New" panose="02070309020205020404" pitchFamily="49" charset="0"/>
+              </a:rPr>
+              <a:t>="3.0"&gt;</a:t>
+            </a:r>
+          </a:p>
+          <a:p>
+            <a:endParaRPr lang="nl-NL" sz="2000" b="1" dirty="0">
+              <a:latin typeface="Courier New" panose="02070309020205020404" pitchFamily="49" charset="0"/>
+              <a:cs typeface="Courier New" panose="02070309020205020404" pitchFamily="49" charset="0"/>
+            </a:endParaRPr>
+          </a:p>
+          <a:p>
+            <a:r>
+              <a:rPr lang="nl-NL" sz="2000" b="1" dirty="0">
+                <a:latin typeface="Courier New" panose="02070309020205020404" pitchFamily="49" charset="0"/>
+                <a:cs typeface="Courier New" panose="02070309020205020404" pitchFamily="49" charset="0"/>
+              </a:rPr>
+              <a:t>  &lt;</a:t>
+            </a:r>
+            <a:r>
+              <a:rPr lang="nl-NL" sz="2000" b="1" dirty="0" err="1">
+                <a:latin typeface="Courier New" panose="02070309020205020404" pitchFamily="49" charset="0"/>
+                <a:cs typeface="Courier New" panose="02070309020205020404" pitchFamily="49" charset="0"/>
+              </a:rPr>
+              <a:t>p:input</a:t>
+            </a:r>
+            <a:r>
+              <a:rPr lang="nl-NL" sz="2000" b="1" dirty="0">
+                <a:latin typeface="Courier New" panose="02070309020205020404" pitchFamily="49" charset="0"/>
+                <a:cs typeface="Courier New" panose="02070309020205020404" pitchFamily="49" charset="0"/>
+              </a:rPr>
+              <a:t> port="source"/&gt;</a:t>
+            </a:r>
+          </a:p>
+          <a:p>
+            <a:r>
+              <a:rPr lang="nl-NL" sz="2000" b="1" dirty="0">
+                <a:latin typeface="Courier New" panose="02070309020205020404" pitchFamily="49" charset="0"/>
+                <a:cs typeface="Courier New" panose="02070309020205020404" pitchFamily="49" charset="0"/>
+              </a:rPr>
+              <a:t>  &lt;</a:t>
+            </a:r>
+            <a:r>
+              <a:rPr lang="nl-NL" sz="2000" b="1" dirty="0" err="1">
+                <a:latin typeface="Courier New" panose="02070309020205020404" pitchFamily="49" charset="0"/>
+                <a:cs typeface="Courier New" panose="02070309020205020404" pitchFamily="49" charset="0"/>
+              </a:rPr>
+              <a:t>p:output</a:t>
+            </a:r>
+            <a:r>
+              <a:rPr lang="nl-NL" sz="2000" b="1" dirty="0">
+                <a:latin typeface="Courier New" panose="02070309020205020404" pitchFamily="49" charset="0"/>
+                <a:cs typeface="Courier New" panose="02070309020205020404" pitchFamily="49" charset="0"/>
+              </a:rPr>
+              <a:t> port="</a:t>
+            </a:r>
+            <a:r>
+              <a:rPr lang="nl-NL" sz="2000" b="1" dirty="0" err="1">
+                <a:latin typeface="Courier New" panose="02070309020205020404" pitchFamily="49" charset="0"/>
+                <a:cs typeface="Courier New" panose="02070309020205020404" pitchFamily="49" charset="0"/>
+              </a:rPr>
+              <a:t>result</a:t>
+            </a:r>
+            <a:r>
+              <a:rPr lang="nl-NL" sz="2000" b="1" dirty="0">
+                <a:latin typeface="Courier New" panose="02070309020205020404" pitchFamily="49" charset="0"/>
+                <a:cs typeface="Courier New" panose="02070309020205020404" pitchFamily="49" charset="0"/>
+              </a:rPr>
+              <a:t>"/&gt;</a:t>
+            </a:r>
+          </a:p>
+          <a:p>
+            <a:endParaRPr lang="nl-NL" sz="2000" b="1" dirty="0">
+              <a:latin typeface="Courier New" panose="02070309020205020404" pitchFamily="49" charset="0"/>
+              <a:cs typeface="Courier New" panose="02070309020205020404" pitchFamily="49" charset="0"/>
+            </a:endParaRPr>
+          </a:p>
+          <a:p>
+            <a:r>
+              <a:rPr lang="nl-NL" sz="2000" b="1" dirty="0">
+                <a:latin typeface="Courier New" panose="02070309020205020404" pitchFamily="49" charset="0"/>
+                <a:cs typeface="Courier New" panose="02070309020205020404" pitchFamily="49" charset="0"/>
+              </a:rPr>
+              <a:t>  &lt;</a:t>
+            </a:r>
+            <a:r>
+              <a:rPr lang="nl-NL" sz="2000" b="1" dirty="0" err="1">
+                <a:latin typeface="Courier New" panose="02070309020205020404" pitchFamily="49" charset="0"/>
+                <a:cs typeface="Courier New" panose="02070309020205020404" pitchFamily="49" charset="0"/>
+              </a:rPr>
+              <a:t>p:add-attribute</a:t>
+            </a:r>
+            <a:r>
+              <a:rPr lang="nl-NL" sz="2000" b="1" dirty="0">
+                <a:latin typeface="Courier New" panose="02070309020205020404" pitchFamily="49" charset="0"/>
+                <a:cs typeface="Courier New" panose="02070309020205020404" pitchFamily="49" charset="0"/>
+              </a:rPr>
+              <a:t>&gt;</a:t>
+            </a:r>
+          </a:p>
+          <a:p>
+            <a:r>
+              <a:rPr lang="nl-NL" sz="2000" b="1" dirty="0">
+                <a:latin typeface="Courier New" panose="02070309020205020404" pitchFamily="49" charset="0"/>
+                <a:cs typeface="Courier New" panose="02070309020205020404" pitchFamily="49" charset="0"/>
+              </a:rPr>
+              <a:t>    &lt;</a:t>
+            </a:r>
+            <a:r>
+              <a:rPr lang="nl-NL" sz="2000" b="1" dirty="0" err="1">
+                <a:latin typeface="Courier New" panose="02070309020205020404" pitchFamily="49" charset="0"/>
+                <a:cs typeface="Courier New" panose="02070309020205020404" pitchFamily="49" charset="0"/>
+              </a:rPr>
+              <a:t>p:with-option</a:t>
+            </a:r>
+            <a:r>
+              <a:rPr lang="nl-NL" sz="2000" b="1" dirty="0">
+                <a:latin typeface="Courier New" panose="02070309020205020404" pitchFamily="49" charset="0"/>
+                <a:cs typeface="Courier New" panose="02070309020205020404" pitchFamily="49" charset="0"/>
+              </a:rPr>
+              <a:t> name="match" select="'/*'"/&gt;</a:t>
+            </a:r>
+          </a:p>
+          <a:p>
+            <a:r>
+              <a:rPr lang="nl-NL" sz="2000" b="1" dirty="0">
+                <a:latin typeface="Courier New" panose="02070309020205020404" pitchFamily="49" charset="0"/>
+                <a:cs typeface="Courier New" panose="02070309020205020404" pitchFamily="49" charset="0"/>
+              </a:rPr>
+              <a:t>    &lt;</a:t>
+            </a:r>
+            <a:r>
+              <a:rPr lang="nl-NL" sz="2000" b="1" dirty="0" err="1">
+                <a:latin typeface="Courier New" panose="02070309020205020404" pitchFamily="49" charset="0"/>
+                <a:cs typeface="Courier New" panose="02070309020205020404" pitchFamily="49" charset="0"/>
+              </a:rPr>
+              <a:t>p:with-option</a:t>
+            </a:r>
+            <a:r>
+              <a:rPr lang="nl-NL" sz="2000" b="1" dirty="0">
+                <a:latin typeface="Courier New" panose="02070309020205020404" pitchFamily="49" charset="0"/>
+                <a:cs typeface="Courier New" panose="02070309020205020404" pitchFamily="49" charset="0"/>
+              </a:rPr>
+              <a:t> name="</a:t>
+            </a:r>
+            <a:r>
+              <a:rPr lang="nl-NL" sz="2000" b="1" dirty="0" err="1">
+                <a:latin typeface="Courier New" panose="02070309020205020404" pitchFamily="49" charset="0"/>
+                <a:cs typeface="Courier New" panose="02070309020205020404" pitchFamily="49" charset="0"/>
+              </a:rPr>
+              <a:t>attribute</a:t>
+            </a:r>
+            <a:r>
+              <a:rPr lang="nl-NL" sz="2000" b="1" dirty="0">
+                <a:latin typeface="Courier New" panose="02070309020205020404" pitchFamily="49" charset="0"/>
+                <a:cs typeface="Courier New" panose="02070309020205020404" pitchFamily="49" charset="0"/>
+              </a:rPr>
+              <a:t>-name" select="'timestamp'"/&gt;</a:t>
+            </a:r>
+          </a:p>
+          <a:p>
+            <a:r>
+              <a:rPr lang="nl-NL" sz="2000" b="1" dirty="0">
+                <a:latin typeface="Courier New" panose="02070309020205020404" pitchFamily="49" charset="0"/>
+                <a:cs typeface="Courier New" panose="02070309020205020404" pitchFamily="49" charset="0"/>
+              </a:rPr>
+              <a:t>    &lt;</a:t>
+            </a:r>
+            <a:r>
+              <a:rPr lang="nl-NL" sz="2000" b="1" dirty="0" err="1">
+                <a:latin typeface="Courier New" panose="02070309020205020404" pitchFamily="49" charset="0"/>
+                <a:cs typeface="Courier New" panose="02070309020205020404" pitchFamily="49" charset="0"/>
+              </a:rPr>
+              <a:t>p:with-option</a:t>
+            </a:r>
+            <a:r>
+              <a:rPr lang="nl-NL" sz="2000" b="1" dirty="0">
+                <a:latin typeface="Courier New" panose="02070309020205020404" pitchFamily="49" charset="0"/>
+                <a:cs typeface="Courier New" panose="02070309020205020404" pitchFamily="49" charset="0"/>
+              </a:rPr>
+              <a:t> name="</a:t>
+            </a:r>
+            <a:r>
+              <a:rPr lang="nl-NL" sz="2000" b="1" dirty="0" err="1">
+                <a:latin typeface="Courier New" panose="02070309020205020404" pitchFamily="49" charset="0"/>
+                <a:cs typeface="Courier New" panose="02070309020205020404" pitchFamily="49" charset="0"/>
+              </a:rPr>
+              <a:t>attribute-value</a:t>
+            </a:r>
+            <a:r>
+              <a:rPr lang="nl-NL" sz="2000" b="1" dirty="0">
+                <a:latin typeface="Courier New" panose="02070309020205020404" pitchFamily="49" charset="0"/>
+                <a:cs typeface="Courier New" panose="02070309020205020404" pitchFamily="49" charset="0"/>
+              </a:rPr>
+              <a:t>" </a:t>
+            </a:r>
+          </a:p>
+          <a:p>
+            <a:r>
+              <a:rPr lang="nl-NL" sz="2000" b="1" dirty="0">
+                <a:latin typeface="Courier New" panose="02070309020205020404" pitchFamily="49" charset="0"/>
+                <a:cs typeface="Courier New" panose="02070309020205020404" pitchFamily="49" charset="0"/>
+              </a:rPr>
+              <a:t>       select="string(</a:t>
+            </a:r>
+            <a:r>
+              <a:rPr lang="nl-NL" sz="2000" b="1" dirty="0" err="1">
+                <a:latin typeface="Courier New" panose="02070309020205020404" pitchFamily="49" charset="0"/>
+                <a:cs typeface="Courier New" panose="02070309020205020404" pitchFamily="49" charset="0"/>
+              </a:rPr>
+              <a:t>current-dateTime</a:t>
+            </a:r>
+            <a:r>
+              <a:rPr lang="nl-NL" sz="2000" b="1" dirty="0">
+                <a:latin typeface="Courier New" panose="02070309020205020404" pitchFamily="49" charset="0"/>
+                <a:cs typeface="Courier New" panose="02070309020205020404" pitchFamily="49" charset="0"/>
+              </a:rPr>
+              <a:t>())"/&gt;</a:t>
+            </a:r>
+          </a:p>
+          <a:p>
+            <a:r>
+              <a:rPr lang="nl-NL" sz="2000" b="1" dirty="0">
+                <a:latin typeface="Courier New" panose="02070309020205020404" pitchFamily="49" charset="0"/>
+                <a:cs typeface="Courier New" panose="02070309020205020404" pitchFamily="49" charset="0"/>
+              </a:rPr>
+              <a:t>  &lt;/</a:t>
+            </a:r>
+            <a:r>
+              <a:rPr lang="nl-NL" sz="2000" b="1" dirty="0" err="1">
+                <a:latin typeface="Courier New" panose="02070309020205020404" pitchFamily="49" charset="0"/>
+                <a:cs typeface="Courier New" panose="02070309020205020404" pitchFamily="49" charset="0"/>
+              </a:rPr>
+              <a:t>p:add-attribute</a:t>
+            </a:r>
+            <a:r>
+              <a:rPr lang="nl-NL" sz="2000" b="1" dirty="0">
+                <a:latin typeface="Courier New" panose="02070309020205020404" pitchFamily="49" charset="0"/>
+                <a:cs typeface="Courier New" panose="02070309020205020404" pitchFamily="49" charset="0"/>
+              </a:rPr>
+              <a:t>&gt;</a:t>
+            </a:r>
+          </a:p>
+          <a:p>
+            <a:endParaRPr lang="nl-NL" sz="2000" b="1" dirty="0">
+              <a:latin typeface="Courier New" panose="02070309020205020404" pitchFamily="49" charset="0"/>
+              <a:cs typeface="Courier New" panose="02070309020205020404" pitchFamily="49" charset="0"/>
+            </a:endParaRPr>
+          </a:p>
+          <a:p>
+            <a:r>
+              <a:rPr lang="nl-NL" sz="2000" b="1" dirty="0">
+                <a:latin typeface="Courier New" panose="02070309020205020404" pitchFamily="49" charset="0"/>
+                <a:cs typeface="Courier New" panose="02070309020205020404" pitchFamily="49" charset="0"/>
+              </a:rPr>
+              <a:t>&lt;/</a:t>
+            </a:r>
+            <a:r>
+              <a:rPr lang="nl-NL" sz="2000" b="1" dirty="0" err="1">
+                <a:latin typeface="Courier New" panose="02070309020205020404" pitchFamily="49" charset="0"/>
+                <a:cs typeface="Courier New" panose="02070309020205020404" pitchFamily="49" charset="0"/>
+              </a:rPr>
+              <a:t>p:declare-step</a:t>
+            </a:r>
+            <a:r>
+              <a:rPr lang="nl-NL" sz="2000" b="1" dirty="0">
+                <a:latin typeface="Courier New" panose="02070309020205020404" pitchFamily="49" charset="0"/>
+                <a:cs typeface="Courier New" panose="02070309020205020404" pitchFamily="49" charset="0"/>
+              </a:rPr>
+              <a:t>&gt;</a:t>
+            </a:r>
+          </a:p>
+        </p:txBody>
+      </p:sp>
+    </p:spTree>
+    <p:extLst>
+      <p:ext uri="{BB962C8B-B14F-4D97-AF65-F5344CB8AC3E}">
+        <p14:creationId xmlns:p14="http://schemas.microsoft.com/office/powerpoint/2010/main" val="1447366097"/>
+      </p:ext>
+    </p:extLst>
+  </p:cSld>
+  <p:clrMapOvr>
+    <a:masterClrMapping/>
+  </p:clrMapOvr>
+</p:sld>
+</file>
+
+<file path=ppt/slides/slide49.xml><?xml version="1.0" encoding="utf-8"?>
+<p:sld xmlns:a="http://schemas.openxmlformats.org/drawingml/2006/main" xmlns:r="http://schemas.openxmlformats.org/officeDocument/2006/relationships" xmlns:p="http://schemas.openxmlformats.org/presentationml/2006/main">
+  <p:cSld>
+    <p:spTree>
+      <p:nvGrpSpPr>
+        <p:cNvPr id="1" name=""/>
+        <p:cNvGrpSpPr/>
+        <p:nvPr/>
+      </p:nvGrpSpPr>
+      <p:grpSpPr>
+        <a:xfrm>
+          <a:off x="0" y="0"/>
+          <a:ext cx="0" cy="0"/>
+          <a:chOff x="0" y="0"/>
+          <a:chExt cx="0" cy="0"/>
+        </a:xfrm>
+      </p:grpSpPr>
+      <p:sp>
+        <p:nvSpPr>
+          <p:cNvPr id="2" name="Title 1">
+            <a:extLst>
+              <a:ext uri="{FF2B5EF4-FFF2-40B4-BE49-F238E27FC236}">
                 <a16:creationId xmlns:a16="http://schemas.microsoft.com/office/drawing/2014/main" id="{CE95EFAD-07B3-4047-8C0A-A70D1D89838E}"/>
               </a:ext>
             </a:extLst>
@@ -31067,7 +31479,521 @@
 </p:sld>
 </file>
 
-<file path=ppt/slides/slide49.xml><?xml version="1.0" encoding="utf-8"?>
+<file path=ppt/slides/slide5.xml><?xml version="1.0" encoding="utf-8"?>
+<p:sld xmlns:a="http://schemas.openxmlformats.org/drawingml/2006/main" xmlns:r="http://schemas.openxmlformats.org/officeDocument/2006/relationships" xmlns:p="http://schemas.openxmlformats.org/presentationml/2006/main">
+  <p:cSld>
+    <p:spTree>
+      <p:nvGrpSpPr>
+        <p:cNvPr id="1" name=""/>
+        <p:cNvGrpSpPr/>
+        <p:nvPr/>
+      </p:nvGrpSpPr>
+      <p:grpSpPr>
+        <a:xfrm>
+          <a:off x="0" y="0"/>
+          <a:ext cx="0" cy="0"/>
+          <a:chOff x="0" y="0"/>
+          <a:chExt cx="0" cy="0"/>
+        </a:xfrm>
+      </p:grpSpPr>
+      <p:sp>
+        <p:nvSpPr>
+          <p:cNvPr id="2" name="Title 1">
+            <a:extLst>
+              <a:ext uri="{FF2B5EF4-FFF2-40B4-BE49-F238E27FC236}">
+                <a16:creationId xmlns:a16="http://schemas.microsoft.com/office/drawing/2014/main" id="{A70F358F-267E-458C-A8D5-5959F20DB9D5}"/>
+              </a:ext>
+            </a:extLst>
+          </p:cNvPr>
+          <p:cNvSpPr>
+            <a:spLocks noGrp="1"/>
+          </p:cNvSpPr>
+          <p:nvPr>
+            <p:ph type="title"/>
+          </p:nvPr>
+        </p:nvSpPr>
+        <p:spPr>
+          <a:xfrm>
+            <a:off x="728339" y="0"/>
+            <a:ext cx="10515600" cy="1325563"/>
+          </a:xfrm>
+        </p:spPr>
+        <p:txBody>
+          <a:bodyPr/>
+          <a:lstStyle/>
+          <a:p>
+            <a:r>
+              <a:rPr lang="en-US" b="1" dirty="0"/>
+              <a:t>Hands-on: Installation and pre-flight check</a:t>
+            </a:r>
+            <a:endParaRPr lang="en-NL" b="1" dirty="0"/>
+          </a:p>
+        </p:txBody>
+      </p:sp>
+      <p:sp>
+        <p:nvSpPr>
+          <p:cNvPr id="3" name="Content Placeholder 2">
+            <a:extLst>
+              <a:ext uri="{FF2B5EF4-FFF2-40B4-BE49-F238E27FC236}">
+                <a16:creationId xmlns:a16="http://schemas.microsoft.com/office/drawing/2014/main" id="{B7E5CA6D-D83C-4F14-841A-1F3902B3B2AC}"/>
+              </a:ext>
+            </a:extLst>
+          </p:cNvPr>
+          <p:cNvSpPr>
+            <a:spLocks noGrp="1"/>
+          </p:cNvSpPr>
+          <p:nvPr>
+            <p:ph idx="1"/>
+          </p:nvPr>
+        </p:nvSpPr>
+        <p:spPr>
+          <a:xfrm>
+            <a:off x="728338" y="965129"/>
+            <a:ext cx="11193367" cy="3589617"/>
+          </a:xfrm>
+        </p:spPr>
+        <p:txBody>
+          <a:bodyPr>
+            <a:normAutofit fontScale="92500" lnSpcReduction="20000"/>
+          </a:bodyPr>
+          <a:lstStyle/>
+          <a:p>
+            <a:r>
+              <a:rPr lang="en-US" dirty="0"/>
+              <a:t>Done all preparation</a:t>
+            </a:r>
+            <a:r>
+              <a:rPr lang="en-US" sz="3000" dirty="0"/>
+              <a:t>s</a:t>
+            </a:r>
+            <a:r>
+              <a:rPr lang="en-US" dirty="0"/>
+              <a:t>?</a:t>
+            </a:r>
+          </a:p>
+          <a:p>
+            <a:pPr lvl="1"/>
+            <a:r>
+              <a:rPr lang="en-US" dirty="0"/>
+              <a:t>Download/cloned the GitHub repository for this tutorial? </a:t>
+            </a:r>
+            <a:br>
+              <a:rPr lang="en-US" dirty="0"/>
+            </a:br>
+            <a:r>
+              <a:rPr lang="en-US" dirty="0">
+                <a:hlinkClick r:id="rId3"/>
+              </a:rPr>
+              <a:t>https://github.com/xatapult/da-2021-xproc</a:t>
+            </a:r>
+            <a:endParaRPr lang="en-US" dirty="0"/>
+          </a:p>
+          <a:p>
+            <a:pPr lvl="1"/>
+            <a:r>
+              <a:rPr lang="en-US" dirty="0"/>
+              <a:t>Java working on your machine?</a:t>
+            </a:r>
+          </a:p>
+          <a:p>
+            <a:pPr lvl="1"/>
+            <a:r>
+              <a:rPr lang="en-US" dirty="0"/>
+              <a:t>Download and unpacked </a:t>
+            </a:r>
+            <a:r>
+              <a:rPr lang="en-US" dirty="0" err="1"/>
+              <a:t>MorganaXProc-IIIse</a:t>
+            </a:r>
+            <a:r>
+              <a:rPr lang="en-US" dirty="0"/>
+              <a:t>?</a:t>
+            </a:r>
+            <a:br>
+              <a:rPr lang="en-US" dirty="0"/>
+            </a:br>
+            <a:r>
+              <a:rPr lang="en-US" dirty="0">
+                <a:hlinkClick r:id="rId4"/>
+              </a:rPr>
+              <a:t>https://sourceforge.net/projects/morganaxproc-iiise/</a:t>
+            </a:r>
+            <a:r>
+              <a:rPr lang="en-US" dirty="0"/>
+              <a:t> </a:t>
+            </a:r>
+          </a:p>
+          <a:p>
+            <a:pPr lvl="1"/>
+            <a:r>
+              <a:rPr lang="en-US" dirty="0"/>
+              <a:t>Added Morgana's main directory to the system's path?</a:t>
+            </a:r>
+          </a:p>
+          <a:p>
+            <a:r>
+              <a:rPr lang="en-US" dirty="0"/>
+              <a:t>Go to where you cloned/downloaded the tutorial's GitHub repository</a:t>
+            </a:r>
+          </a:p>
+          <a:p>
+            <a:r>
+              <a:rPr lang="en-GB" dirty="0"/>
+              <a:t>Open a command window in </a:t>
+            </a:r>
+            <a:r>
+              <a:rPr lang="en-GB" sz="2400" b="1" dirty="0">
+                <a:latin typeface="Courier New" panose="02070309020205020404" pitchFamily="49" charset="0"/>
+                <a:cs typeface="Courier New" panose="02070309020205020404" pitchFamily="49" charset="0"/>
+              </a:rPr>
+              <a:t>exercises/01-hello-xproc/</a:t>
+            </a:r>
+          </a:p>
+          <a:p>
+            <a:r>
+              <a:rPr lang="en-GB" dirty="0"/>
+              <a:t>Command:  </a:t>
+            </a:r>
+            <a:r>
+              <a:rPr lang="en-GB" b="1" dirty="0">
+                <a:latin typeface="Courier New" panose="02070309020205020404" pitchFamily="49" charset="0"/>
+                <a:cs typeface="Courier New" panose="02070309020205020404" pitchFamily="49" charset="0"/>
+              </a:rPr>
+              <a:t>morgana </a:t>
+            </a:r>
+            <a:r>
+              <a:rPr lang="en-GB" b="1" dirty="0" err="1">
+                <a:latin typeface="Courier New" panose="02070309020205020404" pitchFamily="49" charset="0"/>
+                <a:cs typeface="Courier New" panose="02070309020205020404" pitchFamily="49" charset="0"/>
+              </a:rPr>
+              <a:t>pipeline.xpl</a:t>
+            </a:r>
+            <a:endParaRPr lang="en-GB" sz="2400" b="1" dirty="0">
+              <a:latin typeface="Courier New" panose="02070309020205020404" pitchFamily="49" charset="0"/>
+              <a:cs typeface="Courier New" panose="02070309020205020404" pitchFamily="49" charset="0"/>
+            </a:endParaRPr>
+          </a:p>
+        </p:txBody>
+      </p:sp>
+      <p:sp>
+        <p:nvSpPr>
+          <p:cNvPr id="4" name="TextBox 3">
+            <a:extLst>
+              <a:ext uri="{FF2B5EF4-FFF2-40B4-BE49-F238E27FC236}">
+                <a16:creationId xmlns:a16="http://schemas.microsoft.com/office/drawing/2014/main" id="{F43C473F-80A6-47CC-A3C4-E03F0C6BB990}"/>
+              </a:ext>
+            </a:extLst>
+          </p:cNvPr>
+          <p:cNvSpPr txBox="1"/>
+          <p:nvPr/>
+        </p:nvSpPr>
+        <p:spPr>
+          <a:xfrm>
+            <a:off x="948265" y="4384021"/>
+            <a:ext cx="7660640" cy="1815882"/>
+          </a:xfrm>
+          <a:prstGeom prst="rect">
+            <a:avLst/>
+          </a:prstGeom>
+          <a:solidFill>
+            <a:schemeClr val="bg1">
+              <a:lumMod val="85000"/>
+            </a:schemeClr>
+          </a:solidFill>
+        </p:spPr>
+        <p:txBody>
+          <a:bodyPr wrap="square" rtlCol="0">
+            <a:spAutoFit/>
+          </a:bodyPr>
+          <a:lstStyle/>
+          <a:p>
+            <a:r>
+              <a:rPr lang="nl-NL" sz="1600" b="1" dirty="0">
+                <a:latin typeface="Courier New" panose="02070309020205020404" pitchFamily="49" charset="0"/>
+                <a:cs typeface="Courier New" panose="02070309020205020404" pitchFamily="49" charset="0"/>
+              </a:rPr>
+              <a:t>=================================</a:t>
+            </a:r>
+          </a:p>
+          <a:p>
+            <a:r>
+              <a:rPr lang="nl-NL" sz="1600" b="1" dirty="0" err="1">
+                <a:latin typeface="Courier New" panose="02070309020205020404" pitchFamily="49" charset="0"/>
+                <a:cs typeface="Courier New" panose="02070309020205020404" pitchFamily="49" charset="0"/>
+              </a:rPr>
+              <a:t>MorganaXProc-IIIse</a:t>
+            </a:r>
+            <a:r>
+              <a:rPr lang="nl-NL" sz="1600" b="1" dirty="0">
+                <a:latin typeface="Courier New" panose="02070309020205020404" pitchFamily="49" charset="0"/>
+                <a:cs typeface="Courier New" panose="02070309020205020404" pitchFamily="49" charset="0"/>
+              </a:rPr>
+              <a:t> 0.9.6-beta</a:t>
+            </a:r>
+          </a:p>
+          <a:p>
+            <a:r>
+              <a:rPr lang="nl-NL" sz="1600" b="1" dirty="0">
+                <a:latin typeface="Courier New" panose="02070309020205020404" pitchFamily="49" charset="0"/>
+                <a:cs typeface="Courier New" panose="02070309020205020404" pitchFamily="49" charset="0"/>
+              </a:rPr>
+              <a:t>Copyright 2011-2021 </a:t>
+            </a:r>
+            <a:r>
+              <a:rPr lang="nl-NL" sz="1600" b="1" dirty="0" err="1">
+                <a:latin typeface="Courier New" panose="02070309020205020404" pitchFamily="49" charset="0"/>
+                <a:cs typeface="Courier New" panose="02070309020205020404" pitchFamily="49" charset="0"/>
+              </a:rPr>
+              <a:t>by</a:t>
+            </a:r>
+            <a:r>
+              <a:rPr lang="nl-NL" sz="1600" b="1" dirty="0">
+                <a:latin typeface="Courier New" panose="02070309020205020404" pitchFamily="49" charset="0"/>
+                <a:cs typeface="Courier New" panose="02070309020205020404" pitchFamily="49" charset="0"/>
+              </a:rPr>
+              <a:t> &lt;</a:t>
+            </a:r>
+            <a:r>
+              <a:rPr lang="nl-NL" sz="1600" b="1" dirty="0" err="1">
+                <a:latin typeface="Courier New" panose="02070309020205020404" pitchFamily="49" charset="0"/>
+                <a:cs typeface="Courier New" panose="02070309020205020404" pitchFamily="49" charset="0"/>
+              </a:rPr>
+              <a:t>xml</a:t>
+            </a:r>
+            <a:r>
+              <a:rPr lang="nl-NL" sz="1600" b="1" dirty="0">
+                <a:latin typeface="Courier New" panose="02070309020205020404" pitchFamily="49" charset="0"/>
+                <a:cs typeface="Courier New" panose="02070309020205020404" pitchFamily="49" charset="0"/>
+              </a:rPr>
+              <a:t>-project /&gt; </a:t>
+            </a:r>
+            <a:r>
+              <a:rPr lang="nl-NL" sz="1600" b="1" dirty="0" err="1">
+                <a:latin typeface="Courier New" panose="02070309020205020404" pitchFamily="49" charset="0"/>
+                <a:cs typeface="Courier New" panose="02070309020205020404" pitchFamily="49" charset="0"/>
+              </a:rPr>
+              <a:t>Achim</a:t>
+            </a:r>
+            <a:r>
+              <a:rPr lang="nl-NL" sz="1600" b="1" dirty="0">
+                <a:latin typeface="Courier New" panose="02070309020205020404" pitchFamily="49" charset="0"/>
+                <a:cs typeface="Courier New" panose="02070309020205020404" pitchFamily="49" charset="0"/>
+              </a:rPr>
+              <a:t> </a:t>
+            </a:r>
+            <a:r>
+              <a:rPr lang="nl-NL" sz="1600" b="1" dirty="0" err="1">
+                <a:latin typeface="Courier New" panose="02070309020205020404" pitchFamily="49" charset="0"/>
+                <a:cs typeface="Courier New" panose="02070309020205020404" pitchFamily="49" charset="0"/>
+              </a:rPr>
+              <a:t>Berndzen</a:t>
+            </a:r>
+            <a:endParaRPr lang="nl-NL" sz="1600" b="1" dirty="0">
+              <a:latin typeface="Courier New" panose="02070309020205020404" pitchFamily="49" charset="0"/>
+              <a:cs typeface="Courier New" panose="02070309020205020404" pitchFamily="49" charset="0"/>
+            </a:endParaRPr>
+          </a:p>
+          <a:p>
+            <a:r>
+              <a:rPr lang="nl-NL" sz="1600" b="1" dirty="0">
+                <a:latin typeface="Courier New" panose="02070309020205020404" pitchFamily="49" charset="0"/>
+                <a:cs typeface="Courier New" panose="02070309020205020404" pitchFamily="49" charset="0"/>
+              </a:rPr>
+              <a:t>=================================</a:t>
+            </a:r>
+          </a:p>
+          <a:p>
+            <a:endParaRPr lang="nl-NL" sz="1600" b="1" dirty="0">
+              <a:latin typeface="Courier New" panose="02070309020205020404" pitchFamily="49" charset="0"/>
+              <a:cs typeface="Courier New" panose="02070309020205020404" pitchFamily="49" charset="0"/>
+            </a:endParaRPr>
+          </a:p>
+          <a:p>
+            <a:r>
+              <a:rPr lang="nl-NL" sz="1600" b="1" dirty="0">
+                <a:latin typeface="Courier New" panose="02070309020205020404" pitchFamily="49" charset="0"/>
+                <a:cs typeface="Courier New" panose="02070309020205020404" pitchFamily="49" charset="0"/>
+              </a:rPr>
+              <a:t>&lt;?</a:t>
+            </a:r>
+            <a:r>
+              <a:rPr lang="nl-NL" sz="1600" b="1" dirty="0" err="1">
+                <a:latin typeface="Courier New" panose="02070309020205020404" pitchFamily="49" charset="0"/>
+                <a:cs typeface="Courier New" panose="02070309020205020404" pitchFamily="49" charset="0"/>
+              </a:rPr>
+              <a:t>xml</a:t>
+            </a:r>
+            <a:r>
+              <a:rPr lang="nl-NL" sz="1600" b="1" dirty="0">
+                <a:latin typeface="Courier New" panose="02070309020205020404" pitchFamily="49" charset="0"/>
+                <a:cs typeface="Courier New" panose="02070309020205020404" pitchFamily="49" charset="0"/>
+              </a:rPr>
+              <a:t> </a:t>
+            </a:r>
+            <a:r>
+              <a:rPr lang="nl-NL" sz="1600" b="1" dirty="0" err="1">
+                <a:latin typeface="Courier New" panose="02070309020205020404" pitchFamily="49" charset="0"/>
+                <a:cs typeface="Courier New" panose="02070309020205020404" pitchFamily="49" charset="0"/>
+              </a:rPr>
+              <a:t>version</a:t>
+            </a:r>
+            <a:r>
+              <a:rPr lang="nl-NL" sz="1600" b="1" dirty="0">
+                <a:latin typeface="Courier New" panose="02070309020205020404" pitchFamily="49" charset="0"/>
+                <a:cs typeface="Courier New" panose="02070309020205020404" pitchFamily="49" charset="0"/>
+              </a:rPr>
+              <a:t>="1.0" </a:t>
+            </a:r>
+            <a:r>
+              <a:rPr lang="nl-NL" sz="1600" b="1" dirty="0" err="1">
+                <a:latin typeface="Courier New" panose="02070309020205020404" pitchFamily="49" charset="0"/>
+                <a:cs typeface="Courier New" panose="02070309020205020404" pitchFamily="49" charset="0"/>
+              </a:rPr>
+              <a:t>encoding</a:t>
+            </a:r>
+            <a:r>
+              <a:rPr lang="nl-NL" sz="1600" b="1" dirty="0">
+                <a:latin typeface="Courier New" panose="02070309020205020404" pitchFamily="49" charset="0"/>
+                <a:cs typeface="Courier New" panose="02070309020205020404" pitchFamily="49" charset="0"/>
+              </a:rPr>
+              <a:t>="UTF-8"?&gt;</a:t>
+            </a:r>
+          </a:p>
+          <a:p>
+            <a:r>
+              <a:rPr lang="nl-NL" sz="1600" b="1" dirty="0">
+                <a:latin typeface="Courier New" panose="02070309020205020404" pitchFamily="49" charset="0"/>
+                <a:cs typeface="Courier New" panose="02070309020205020404" pitchFamily="49" charset="0"/>
+              </a:rPr>
+              <a:t>&lt;</a:t>
+            </a:r>
+            <a:r>
+              <a:rPr lang="nl-NL" sz="1600" b="1" dirty="0" err="1">
+                <a:latin typeface="Courier New" panose="02070309020205020404" pitchFamily="49" charset="0"/>
+                <a:cs typeface="Courier New" panose="02070309020205020404" pitchFamily="49" charset="0"/>
+              </a:rPr>
+              <a:t>hello-xproc</a:t>
+            </a:r>
+            <a:r>
+              <a:rPr lang="nl-NL" sz="1600" b="1" dirty="0">
+                <a:latin typeface="Courier New" panose="02070309020205020404" pitchFamily="49" charset="0"/>
+                <a:cs typeface="Courier New" panose="02070309020205020404" pitchFamily="49" charset="0"/>
+              </a:rPr>
+              <a:t> timestamp="2021-09-23T11:14:27.21+02:00"/&gt;</a:t>
+            </a:r>
+            <a:endParaRPr lang="en-NL" sz="1600" b="1" dirty="0">
+              <a:latin typeface="Courier New" panose="02070309020205020404" pitchFamily="49" charset="0"/>
+              <a:cs typeface="Courier New" panose="02070309020205020404" pitchFamily="49" charset="0"/>
+            </a:endParaRPr>
+          </a:p>
+        </p:txBody>
+      </p:sp>
+      <p:pic>
+        <p:nvPicPr>
+          <p:cNvPr id="6" name="Graphic 5" descr="Right pointing backhand index ">
+            <a:extLst>
+              <a:ext uri="{FF2B5EF4-FFF2-40B4-BE49-F238E27FC236}">
+                <a16:creationId xmlns:a16="http://schemas.microsoft.com/office/drawing/2014/main" id="{BA7FB8C5-2AEE-41C3-980A-64845E036DE8}"/>
+              </a:ext>
+            </a:extLst>
+          </p:cNvPr>
+          <p:cNvPicPr>
+            <a:picLocks noChangeAspect="1"/>
+          </p:cNvPicPr>
+          <p:nvPr/>
+        </p:nvPicPr>
+        <p:blipFill>
+          <a:blip r:embed="rId5">
+            <a:extLst>
+              <a:ext uri="{28A0092B-C50C-407E-A947-70E740481C1C}">
+                <a14:useLocalDpi xmlns:a14="http://schemas.microsoft.com/office/drawing/2010/main" val="0"/>
+              </a:ext>
+              <a:ext uri="{96DAC541-7B7A-43D3-8B79-37D633B846F1}">
+                <asvg:svgBlip xmlns:asvg="http://schemas.microsoft.com/office/drawing/2016/SVG/main" r:embed="rId6"/>
+              </a:ext>
+            </a:extLst>
+          </a:blip>
+          <a:stretch>
+            <a:fillRect/>
+          </a:stretch>
+        </p:blipFill>
+        <p:spPr>
+          <a:xfrm>
+            <a:off x="-76200" y="227913"/>
+            <a:ext cx="914400" cy="914400"/>
+          </a:xfrm>
+          <a:prstGeom prst="rect">
+            <a:avLst/>
+          </a:prstGeom>
+        </p:spPr>
+      </p:pic>
+      <p:sp>
+        <p:nvSpPr>
+          <p:cNvPr id="7" name="Speech Bubble: Oval 6">
+            <a:extLst>
+              <a:ext uri="{FF2B5EF4-FFF2-40B4-BE49-F238E27FC236}">
+                <a16:creationId xmlns:a16="http://schemas.microsoft.com/office/drawing/2014/main" id="{9ADD017C-D2AE-45FC-8BCB-B62CB128022C}"/>
+              </a:ext>
+            </a:extLst>
+          </p:cNvPr>
+          <p:cNvSpPr/>
+          <p:nvPr/>
+        </p:nvSpPr>
+        <p:spPr>
+          <a:xfrm>
+            <a:off x="8979021" y="3808287"/>
+            <a:ext cx="2101427" cy="1151467"/>
+          </a:xfrm>
+          <a:prstGeom prst="wedgeEllipseCallout">
+            <a:avLst>
+              <a:gd name="adj1" fmla="val 72813"/>
+              <a:gd name="adj2" fmla="val 196492"/>
+            </a:avLst>
+          </a:prstGeom>
+        </p:spPr>
+        <p:style>
+          <a:lnRef idx="2">
+            <a:schemeClr val="accent1">
+              <a:shade val="50000"/>
+            </a:schemeClr>
+          </a:lnRef>
+          <a:fillRef idx="1">
+            <a:schemeClr val="accent1"/>
+          </a:fillRef>
+          <a:effectRef idx="0">
+            <a:schemeClr val="accent1"/>
+          </a:effectRef>
+          <a:fontRef idx="minor">
+            <a:schemeClr val="lt1"/>
+          </a:fontRef>
+        </p:style>
+        <p:txBody>
+          <a:bodyPr rtlCol="0" anchor="ctr"/>
+          <a:lstStyle/>
+          <a:p>
+            <a:pPr algn="ctr"/>
+            <a:r>
+              <a:rPr lang="en-US" sz="1600" dirty="0"/>
+              <a:t>If it works you’ve just run your first XProc pipeline!</a:t>
+            </a:r>
+            <a:endParaRPr lang="en-NL" sz="1600" dirty="0"/>
+          </a:p>
+        </p:txBody>
+      </p:sp>
+    </p:spTree>
+    <p:extLst>
+      <p:ext uri="{BB962C8B-B14F-4D97-AF65-F5344CB8AC3E}">
+        <p14:creationId xmlns:p14="http://schemas.microsoft.com/office/powerpoint/2010/main" val="1696218217"/>
+      </p:ext>
+    </p:extLst>
+  </p:cSld>
+  <p:clrMapOvr>
+    <a:masterClrMapping/>
+  </p:clrMapOvr>
+</p:sld>
+</file>
+
+<file path=ppt/slides/slide50.xml><?xml version="1.0" encoding="utf-8"?>
 <p:sld xmlns:a="http://schemas.openxmlformats.org/drawingml/2006/main" xmlns:r="http://schemas.openxmlformats.org/officeDocument/2006/relationships" xmlns:p="http://schemas.openxmlformats.org/presentationml/2006/main">
   <p:cSld>
     <p:spTree>
@@ -31345,521 +32271,7 @@
 </p:sld>
 </file>
 
-<file path=ppt/slides/slide5.xml><?xml version="1.0" encoding="utf-8"?>
-<p:sld xmlns:a="http://schemas.openxmlformats.org/drawingml/2006/main" xmlns:r="http://schemas.openxmlformats.org/officeDocument/2006/relationships" xmlns:p="http://schemas.openxmlformats.org/presentationml/2006/main">
-  <p:cSld>
-    <p:spTree>
-      <p:nvGrpSpPr>
-        <p:cNvPr id="1" name=""/>
-        <p:cNvGrpSpPr/>
-        <p:nvPr/>
-      </p:nvGrpSpPr>
-      <p:grpSpPr>
-        <a:xfrm>
-          <a:off x="0" y="0"/>
-          <a:ext cx="0" cy="0"/>
-          <a:chOff x="0" y="0"/>
-          <a:chExt cx="0" cy="0"/>
-        </a:xfrm>
-      </p:grpSpPr>
-      <p:sp>
-        <p:nvSpPr>
-          <p:cNvPr id="2" name="Title 1">
-            <a:extLst>
-              <a:ext uri="{FF2B5EF4-FFF2-40B4-BE49-F238E27FC236}">
-                <a16:creationId xmlns:a16="http://schemas.microsoft.com/office/drawing/2014/main" id="{A70F358F-267E-458C-A8D5-5959F20DB9D5}"/>
-              </a:ext>
-            </a:extLst>
-          </p:cNvPr>
-          <p:cNvSpPr>
-            <a:spLocks noGrp="1"/>
-          </p:cNvSpPr>
-          <p:nvPr>
-            <p:ph type="title"/>
-          </p:nvPr>
-        </p:nvSpPr>
-        <p:spPr>
-          <a:xfrm>
-            <a:off x="728339" y="0"/>
-            <a:ext cx="10515600" cy="1325563"/>
-          </a:xfrm>
-        </p:spPr>
-        <p:txBody>
-          <a:bodyPr/>
-          <a:lstStyle/>
-          <a:p>
-            <a:r>
-              <a:rPr lang="en-US" b="1" dirty="0"/>
-              <a:t>Hands-on: Installation and pre-flight check</a:t>
-            </a:r>
-            <a:endParaRPr lang="en-NL" b="1" dirty="0"/>
-          </a:p>
-        </p:txBody>
-      </p:sp>
-      <p:sp>
-        <p:nvSpPr>
-          <p:cNvPr id="3" name="Content Placeholder 2">
-            <a:extLst>
-              <a:ext uri="{FF2B5EF4-FFF2-40B4-BE49-F238E27FC236}">
-                <a16:creationId xmlns:a16="http://schemas.microsoft.com/office/drawing/2014/main" id="{B7E5CA6D-D83C-4F14-841A-1F3902B3B2AC}"/>
-              </a:ext>
-            </a:extLst>
-          </p:cNvPr>
-          <p:cNvSpPr>
-            <a:spLocks noGrp="1"/>
-          </p:cNvSpPr>
-          <p:nvPr>
-            <p:ph idx="1"/>
-          </p:nvPr>
-        </p:nvSpPr>
-        <p:spPr>
-          <a:xfrm>
-            <a:off x="728338" y="965129"/>
-            <a:ext cx="11193367" cy="3589617"/>
-          </a:xfrm>
-        </p:spPr>
-        <p:txBody>
-          <a:bodyPr>
-            <a:normAutofit fontScale="92500" lnSpcReduction="20000"/>
-          </a:bodyPr>
-          <a:lstStyle/>
-          <a:p>
-            <a:r>
-              <a:rPr lang="en-US" dirty="0"/>
-              <a:t>Done all preparation</a:t>
-            </a:r>
-            <a:r>
-              <a:rPr lang="en-US" sz="3000" dirty="0"/>
-              <a:t>s</a:t>
-            </a:r>
-            <a:r>
-              <a:rPr lang="en-US" dirty="0"/>
-              <a:t>?</a:t>
-            </a:r>
-          </a:p>
-          <a:p>
-            <a:pPr lvl="1"/>
-            <a:r>
-              <a:rPr lang="en-US" dirty="0"/>
-              <a:t>Download/cloned the GitHub repository for this tutorial? </a:t>
-            </a:r>
-            <a:br>
-              <a:rPr lang="en-US" dirty="0"/>
-            </a:br>
-            <a:r>
-              <a:rPr lang="en-US" dirty="0">
-                <a:hlinkClick r:id="rId3"/>
-              </a:rPr>
-              <a:t>https://github.com/xatapult/da-2021-xproc</a:t>
-            </a:r>
-            <a:endParaRPr lang="en-US" dirty="0"/>
-          </a:p>
-          <a:p>
-            <a:pPr lvl="1"/>
-            <a:r>
-              <a:rPr lang="en-US" dirty="0"/>
-              <a:t>Java working on your machine?</a:t>
-            </a:r>
-          </a:p>
-          <a:p>
-            <a:pPr lvl="1"/>
-            <a:r>
-              <a:rPr lang="en-US" dirty="0"/>
-              <a:t>Download and unpacked </a:t>
-            </a:r>
-            <a:r>
-              <a:rPr lang="en-US" dirty="0" err="1"/>
-              <a:t>MorganaXProc-IIIse</a:t>
-            </a:r>
-            <a:r>
-              <a:rPr lang="en-US" dirty="0"/>
-              <a:t>?</a:t>
-            </a:r>
-            <a:br>
-              <a:rPr lang="en-US" dirty="0"/>
-            </a:br>
-            <a:r>
-              <a:rPr lang="en-US" dirty="0">
-                <a:hlinkClick r:id="rId4"/>
-              </a:rPr>
-              <a:t>https://sourceforge.net/projects/morganaxproc-iiise/</a:t>
-            </a:r>
-            <a:r>
-              <a:rPr lang="en-US" dirty="0"/>
-              <a:t> </a:t>
-            </a:r>
-          </a:p>
-          <a:p>
-            <a:pPr lvl="1"/>
-            <a:r>
-              <a:rPr lang="en-US" dirty="0"/>
-              <a:t>Added Morgana's main directory to the system's path?</a:t>
-            </a:r>
-          </a:p>
-          <a:p>
-            <a:r>
-              <a:rPr lang="en-US" dirty="0"/>
-              <a:t>Go to where you cloned/downloaded the tutorial's GitHub repository</a:t>
-            </a:r>
-          </a:p>
-          <a:p>
-            <a:r>
-              <a:rPr lang="en-GB" dirty="0"/>
-              <a:t>Open a command window in </a:t>
-            </a:r>
-            <a:r>
-              <a:rPr lang="en-GB" sz="2400" b="1" dirty="0">
-                <a:latin typeface="Courier New" panose="02070309020205020404" pitchFamily="49" charset="0"/>
-                <a:cs typeface="Courier New" panose="02070309020205020404" pitchFamily="49" charset="0"/>
-              </a:rPr>
-              <a:t>exercises/01-hello-xproc/</a:t>
-            </a:r>
-          </a:p>
-          <a:p>
-            <a:r>
-              <a:rPr lang="en-GB" dirty="0"/>
-              <a:t>Command:  </a:t>
-            </a:r>
-            <a:r>
-              <a:rPr lang="en-GB" b="1" dirty="0">
-                <a:latin typeface="Courier New" panose="02070309020205020404" pitchFamily="49" charset="0"/>
-                <a:cs typeface="Courier New" panose="02070309020205020404" pitchFamily="49" charset="0"/>
-              </a:rPr>
-              <a:t>morgana </a:t>
-            </a:r>
-            <a:r>
-              <a:rPr lang="en-GB" b="1" dirty="0" err="1">
-                <a:latin typeface="Courier New" panose="02070309020205020404" pitchFamily="49" charset="0"/>
-                <a:cs typeface="Courier New" panose="02070309020205020404" pitchFamily="49" charset="0"/>
-              </a:rPr>
-              <a:t>pipeline.xpl</a:t>
-            </a:r>
-            <a:endParaRPr lang="en-GB" sz="2400" b="1" dirty="0">
-              <a:latin typeface="Courier New" panose="02070309020205020404" pitchFamily="49" charset="0"/>
-              <a:cs typeface="Courier New" panose="02070309020205020404" pitchFamily="49" charset="0"/>
-            </a:endParaRPr>
-          </a:p>
-        </p:txBody>
-      </p:sp>
-      <p:sp>
-        <p:nvSpPr>
-          <p:cNvPr id="4" name="TextBox 3">
-            <a:extLst>
-              <a:ext uri="{FF2B5EF4-FFF2-40B4-BE49-F238E27FC236}">
-                <a16:creationId xmlns:a16="http://schemas.microsoft.com/office/drawing/2014/main" id="{F43C473F-80A6-47CC-A3C4-E03F0C6BB990}"/>
-              </a:ext>
-            </a:extLst>
-          </p:cNvPr>
-          <p:cNvSpPr txBox="1"/>
-          <p:nvPr/>
-        </p:nvSpPr>
-        <p:spPr>
-          <a:xfrm>
-            <a:off x="948265" y="4384021"/>
-            <a:ext cx="7660640" cy="1815882"/>
-          </a:xfrm>
-          <a:prstGeom prst="rect">
-            <a:avLst/>
-          </a:prstGeom>
-          <a:solidFill>
-            <a:schemeClr val="bg1">
-              <a:lumMod val="85000"/>
-            </a:schemeClr>
-          </a:solidFill>
-        </p:spPr>
-        <p:txBody>
-          <a:bodyPr wrap="square" rtlCol="0">
-            <a:spAutoFit/>
-          </a:bodyPr>
-          <a:lstStyle/>
-          <a:p>
-            <a:r>
-              <a:rPr lang="nl-NL" sz="1600" b="1" dirty="0">
-                <a:latin typeface="Courier New" panose="02070309020205020404" pitchFamily="49" charset="0"/>
-                <a:cs typeface="Courier New" panose="02070309020205020404" pitchFamily="49" charset="0"/>
-              </a:rPr>
-              <a:t>=================================</a:t>
-            </a:r>
-          </a:p>
-          <a:p>
-            <a:r>
-              <a:rPr lang="nl-NL" sz="1600" b="1" dirty="0" err="1">
-                <a:latin typeface="Courier New" panose="02070309020205020404" pitchFamily="49" charset="0"/>
-                <a:cs typeface="Courier New" panose="02070309020205020404" pitchFamily="49" charset="0"/>
-              </a:rPr>
-              <a:t>MorganaXProc-IIIse</a:t>
-            </a:r>
-            <a:r>
-              <a:rPr lang="nl-NL" sz="1600" b="1" dirty="0">
-                <a:latin typeface="Courier New" panose="02070309020205020404" pitchFamily="49" charset="0"/>
-                <a:cs typeface="Courier New" panose="02070309020205020404" pitchFamily="49" charset="0"/>
-              </a:rPr>
-              <a:t> 0.9.6-beta</a:t>
-            </a:r>
-          </a:p>
-          <a:p>
-            <a:r>
-              <a:rPr lang="nl-NL" sz="1600" b="1" dirty="0">
-                <a:latin typeface="Courier New" panose="02070309020205020404" pitchFamily="49" charset="0"/>
-                <a:cs typeface="Courier New" panose="02070309020205020404" pitchFamily="49" charset="0"/>
-              </a:rPr>
-              <a:t>Copyright 2011-2021 </a:t>
-            </a:r>
-            <a:r>
-              <a:rPr lang="nl-NL" sz="1600" b="1" dirty="0" err="1">
-                <a:latin typeface="Courier New" panose="02070309020205020404" pitchFamily="49" charset="0"/>
-                <a:cs typeface="Courier New" panose="02070309020205020404" pitchFamily="49" charset="0"/>
-              </a:rPr>
-              <a:t>by</a:t>
-            </a:r>
-            <a:r>
-              <a:rPr lang="nl-NL" sz="1600" b="1" dirty="0">
-                <a:latin typeface="Courier New" panose="02070309020205020404" pitchFamily="49" charset="0"/>
-                <a:cs typeface="Courier New" panose="02070309020205020404" pitchFamily="49" charset="0"/>
-              </a:rPr>
-              <a:t> &lt;</a:t>
-            </a:r>
-            <a:r>
-              <a:rPr lang="nl-NL" sz="1600" b="1" dirty="0" err="1">
-                <a:latin typeface="Courier New" panose="02070309020205020404" pitchFamily="49" charset="0"/>
-                <a:cs typeface="Courier New" panose="02070309020205020404" pitchFamily="49" charset="0"/>
-              </a:rPr>
-              <a:t>xml</a:t>
-            </a:r>
-            <a:r>
-              <a:rPr lang="nl-NL" sz="1600" b="1" dirty="0">
-                <a:latin typeface="Courier New" panose="02070309020205020404" pitchFamily="49" charset="0"/>
-                <a:cs typeface="Courier New" panose="02070309020205020404" pitchFamily="49" charset="0"/>
-              </a:rPr>
-              <a:t>-project /&gt; </a:t>
-            </a:r>
-            <a:r>
-              <a:rPr lang="nl-NL" sz="1600" b="1" dirty="0" err="1">
-                <a:latin typeface="Courier New" panose="02070309020205020404" pitchFamily="49" charset="0"/>
-                <a:cs typeface="Courier New" panose="02070309020205020404" pitchFamily="49" charset="0"/>
-              </a:rPr>
-              <a:t>Achim</a:t>
-            </a:r>
-            <a:r>
-              <a:rPr lang="nl-NL" sz="1600" b="1" dirty="0">
-                <a:latin typeface="Courier New" panose="02070309020205020404" pitchFamily="49" charset="0"/>
-                <a:cs typeface="Courier New" panose="02070309020205020404" pitchFamily="49" charset="0"/>
-              </a:rPr>
-              <a:t> </a:t>
-            </a:r>
-            <a:r>
-              <a:rPr lang="nl-NL" sz="1600" b="1" dirty="0" err="1">
-                <a:latin typeface="Courier New" panose="02070309020205020404" pitchFamily="49" charset="0"/>
-                <a:cs typeface="Courier New" panose="02070309020205020404" pitchFamily="49" charset="0"/>
-              </a:rPr>
-              <a:t>Berndzen</a:t>
-            </a:r>
-            <a:endParaRPr lang="nl-NL" sz="1600" b="1" dirty="0">
-              <a:latin typeface="Courier New" panose="02070309020205020404" pitchFamily="49" charset="0"/>
-              <a:cs typeface="Courier New" panose="02070309020205020404" pitchFamily="49" charset="0"/>
-            </a:endParaRPr>
-          </a:p>
-          <a:p>
-            <a:r>
-              <a:rPr lang="nl-NL" sz="1600" b="1" dirty="0">
-                <a:latin typeface="Courier New" panose="02070309020205020404" pitchFamily="49" charset="0"/>
-                <a:cs typeface="Courier New" panose="02070309020205020404" pitchFamily="49" charset="0"/>
-              </a:rPr>
-              <a:t>=================================</a:t>
-            </a:r>
-          </a:p>
-          <a:p>
-            <a:endParaRPr lang="nl-NL" sz="1600" b="1" dirty="0">
-              <a:latin typeface="Courier New" panose="02070309020205020404" pitchFamily="49" charset="0"/>
-              <a:cs typeface="Courier New" panose="02070309020205020404" pitchFamily="49" charset="0"/>
-            </a:endParaRPr>
-          </a:p>
-          <a:p>
-            <a:r>
-              <a:rPr lang="nl-NL" sz="1600" b="1" dirty="0">
-                <a:latin typeface="Courier New" panose="02070309020205020404" pitchFamily="49" charset="0"/>
-                <a:cs typeface="Courier New" panose="02070309020205020404" pitchFamily="49" charset="0"/>
-              </a:rPr>
-              <a:t>&lt;?</a:t>
-            </a:r>
-            <a:r>
-              <a:rPr lang="nl-NL" sz="1600" b="1" dirty="0" err="1">
-                <a:latin typeface="Courier New" panose="02070309020205020404" pitchFamily="49" charset="0"/>
-                <a:cs typeface="Courier New" panose="02070309020205020404" pitchFamily="49" charset="0"/>
-              </a:rPr>
-              <a:t>xml</a:t>
-            </a:r>
-            <a:r>
-              <a:rPr lang="nl-NL" sz="1600" b="1" dirty="0">
-                <a:latin typeface="Courier New" panose="02070309020205020404" pitchFamily="49" charset="0"/>
-                <a:cs typeface="Courier New" panose="02070309020205020404" pitchFamily="49" charset="0"/>
-              </a:rPr>
-              <a:t> </a:t>
-            </a:r>
-            <a:r>
-              <a:rPr lang="nl-NL" sz="1600" b="1" dirty="0" err="1">
-                <a:latin typeface="Courier New" panose="02070309020205020404" pitchFamily="49" charset="0"/>
-                <a:cs typeface="Courier New" panose="02070309020205020404" pitchFamily="49" charset="0"/>
-              </a:rPr>
-              <a:t>version</a:t>
-            </a:r>
-            <a:r>
-              <a:rPr lang="nl-NL" sz="1600" b="1" dirty="0">
-                <a:latin typeface="Courier New" panose="02070309020205020404" pitchFamily="49" charset="0"/>
-                <a:cs typeface="Courier New" panose="02070309020205020404" pitchFamily="49" charset="0"/>
-              </a:rPr>
-              <a:t>="1.0" </a:t>
-            </a:r>
-            <a:r>
-              <a:rPr lang="nl-NL" sz="1600" b="1" dirty="0" err="1">
-                <a:latin typeface="Courier New" panose="02070309020205020404" pitchFamily="49" charset="0"/>
-                <a:cs typeface="Courier New" panose="02070309020205020404" pitchFamily="49" charset="0"/>
-              </a:rPr>
-              <a:t>encoding</a:t>
-            </a:r>
-            <a:r>
-              <a:rPr lang="nl-NL" sz="1600" b="1" dirty="0">
-                <a:latin typeface="Courier New" panose="02070309020205020404" pitchFamily="49" charset="0"/>
-                <a:cs typeface="Courier New" panose="02070309020205020404" pitchFamily="49" charset="0"/>
-              </a:rPr>
-              <a:t>="UTF-8"?&gt;</a:t>
-            </a:r>
-          </a:p>
-          <a:p>
-            <a:r>
-              <a:rPr lang="nl-NL" sz="1600" b="1" dirty="0">
-                <a:latin typeface="Courier New" panose="02070309020205020404" pitchFamily="49" charset="0"/>
-                <a:cs typeface="Courier New" panose="02070309020205020404" pitchFamily="49" charset="0"/>
-              </a:rPr>
-              <a:t>&lt;</a:t>
-            </a:r>
-            <a:r>
-              <a:rPr lang="nl-NL" sz="1600" b="1" dirty="0" err="1">
-                <a:latin typeface="Courier New" panose="02070309020205020404" pitchFamily="49" charset="0"/>
-                <a:cs typeface="Courier New" panose="02070309020205020404" pitchFamily="49" charset="0"/>
-              </a:rPr>
-              <a:t>hello-xproc</a:t>
-            </a:r>
-            <a:r>
-              <a:rPr lang="nl-NL" sz="1600" b="1" dirty="0">
-                <a:latin typeface="Courier New" panose="02070309020205020404" pitchFamily="49" charset="0"/>
-                <a:cs typeface="Courier New" panose="02070309020205020404" pitchFamily="49" charset="0"/>
-              </a:rPr>
-              <a:t> timestamp="2021-09-23T11:14:27.21+02:00"/&gt;</a:t>
-            </a:r>
-            <a:endParaRPr lang="en-NL" sz="1600" b="1" dirty="0">
-              <a:latin typeface="Courier New" panose="02070309020205020404" pitchFamily="49" charset="0"/>
-              <a:cs typeface="Courier New" panose="02070309020205020404" pitchFamily="49" charset="0"/>
-            </a:endParaRPr>
-          </a:p>
-        </p:txBody>
-      </p:sp>
-      <p:pic>
-        <p:nvPicPr>
-          <p:cNvPr id="6" name="Graphic 5" descr="Right pointing backhand index ">
-            <a:extLst>
-              <a:ext uri="{FF2B5EF4-FFF2-40B4-BE49-F238E27FC236}">
-                <a16:creationId xmlns:a16="http://schemas.microsoft.com/office/drawing/2014/main" id="{BA7FB8C5-2AEE-41C3-980A-64845E036DE8}"/>
-              </a:ext>
-            </a:extLst>
-          </p:cNvPr>
-          <p:cNvPicPr>
-            <a:picLocks noChangeAspect="1"/>
-          </p:cNvPicPr>
-          <p:nvPr/>
-        </p:nvPicPr>
-        <p:blipFill>
-          <a:blip r:embed="rId5">
-            <a:extLst>
-              <a:ext uri="{28A0092B-C50C-407E-A947-70E740481C1C}">
-                <a14:useLocalDpi xmlns:a14="http://schemas.microsoft.com/office/drawing/2010/main" val="0"/>
-              </a:ext>
-              <a:ext uri="{96DAC541-7B7A-43D3-8B79-37D633B846F1}">
-                <asvg:svgBlip xmlns:asvg="http://schemas.microsoft.com/office/drawing/2016/SVG/main" r:embed="rId6"/>
-              </a:ext>
-            </a:extLst>
-          </a:blip>
-          <a:stretch>
-            <a:fillRect/>
-          </a:stretch>
-        </p:blipFill>
-        <p:spPr>
-          <a:xfrm>
-            <a:off x="-76200" y="227913"/>
-            <a:ext cx="914400" cy="914400"/>
-          </a:xfrm>
-          <a:prstGeom prst="rect">
-            <a:avLst/>
-          </a:prstGeom>
-        </p:spPr>
-      </p:pic>
-      <p:sp>
-        <p:nvSpPr>
-          <p:cNvPr id="7" name="Speech Bubble: Oval 6">
-            <a:extLst>
-              <a:ext uri="{FF2B5EF4-FFF2-40B4-BE49-F238E27FC236}">
-                <a16:creationId xmlns:a16="http://schemas.microsoft.com/office/drawing/2014/main" id="{9ADD017C-D2AE-45FC-8BCB-B62CB128022C}"/>
-              </a:ext>
-            </a:extLst>
-          </p:cNvPr>
-          <p:cNvSpPr/>
-          <p:nvPr/>
-        </p:nvSpPr>
-        <p:spPr>
-          <a:xfrm>
-            <a:off x="8979021" y="3808287"/>
-            <a:ext cx="2101427" cy="1151467"/>
-          </a:xfrm>
-          <a:prstGeom prst="wedgeEllipseCallout">
-            <a:avLst>
-              <a:gd name="adj1" fmla="val 72813"/>
-              <a:gd name="adj2" fmla="val 196492"/>
-            </a:avLst>
-          </a:prstGeom>
-        </p:spPr>
-        <p:style>
-          <a:lnRef idx="2">
-            <a:schemeClr val="accent1">
-              <a:shade val="50000"/>
-            </a:schemeClr>
-          </a:lnRef>
-          <a:fillRef idx="1">
-            <a:schemeClr val="accent1"/>
-          </a:fillRef>
-          <a:effectRef idx="0">
-            <a:schemeClr val="accent1"/>
-          </a:effectRef>
-          <a:fontRef idx="minor">
-            <a:schemeClr val="lt1"/>
-          </a:fontRef>
-        </p:style>
-        <p:txBody>
-          <a:bodyPr rtlCol="0" anchor="ctr"/>
-          <a:lstStyle/>
-          <a:p>
-            <a:pPr algn="ctr"/>
-            <a:r>
-              <a:rPr lang="en-US" sz="1600" dirty="0"/>
-              <a:t>If it works you’ve just run your first XProc pipeline!</a:t>
-            </a:r>
-            <a:endParaRPr lang="en-NL" sz="1600" dirty="0"/>
-          </a:p>
-        </p:txBody>
-      </p:sp>
-    </p:spTree>
-    <p:extLst>
-      <p:ext uri="{BB962C8B-B14F-4D97-AF65-F5344CB8AC3E}">
-        <p14:creationId xmlns:p14="http://schemas.microsoft.com/office/powerpoint/2010/main" val="1696218217"/>
-      </p:ext>
-    </p:extLst>
-  </p:cSld>
-  <p:clrMapOvr>
-    <a:masterClrMapping/>
-  </p:clrMapOvr>
-</p:sld>
-</file>
-
-<file path=ppt/slides/slide50.xml><?xml version="1.0" encoding="utf-8"?>
+<file path=ppt/slides/slide51.xml><?xml version="1.0" encoding="utf-8"?>
 <p:sld xmlns:a="http://schemas.openxmlformats.org/drawingml/2006/main" xmlns:r="http://schemas.openxmlformats.org/officeDocument/2006/relationships" xmlns:p="http://schemas.openxmlformats.org/presentationml/2006/main">
   <p:cSld>
     <p:spTree>
@@ -32029,7 +32441,7 @@
 </p:sld>
 </file>
 
-<file path=ppt/slides/slide51.xml><?xml version="1.0" encoding="utf-8"?>
+<file path=ppt/slides/slide52.xml><?xml version="1.0" encoding="utf-8"?>
 <p:sld xmlns:a="http://schemas.openxmlformats.org/drawingml/2006/main" xmlns:r="http://schemas.openxmlformats.org/officeDocument/2006/relationships" xmlns:p="http://schemas.openxmlformats.org/presentationml/2006/main">
   <p:cSld>
     <p:spTree>
@@ -32254,7 +32666,7 @@
 </p:sld>
 </file>
 
-<file path=ppt/slides/slide52.xml><?xml version="1.0" encoding="utf-8"?>
+<file path=ppt/slides/slide53.xml><?xml version="1.0" encoding="utf-8"?>
 <p:sld xmlns:a="http://schemas.openxmlformats.org/drawingml/2006/main" xmlns:r="http://schemas.openxmlformats.org/officeDocument/2006/relationships" xmlns:p="http://schemas.openxmlformats.org/presentationml/2006/main">
   <p:cSld>
     <p:spTree>
@@ -32640,7 +33052,7 @@
 </p:sld>
 </file>
 
-<file path=ppt/slides/slide53.xml><?xml version="1.0" encoding="utf-8"?>
+<file path=ppt/slides/slide54.xml><?xml version="1.0" encoding="utf-8"?>
 <p:sld xmlns:a="http://schemas.openxmlformats.org/drawingml/2006/main" xmlns:r="http://schemas.openxmlformats.org/officeDocument/2006/relationships" xmlns:p="http://schemas.openxmlformats.org/presentationml/2006/main">
   <p:cSld>
     <p:spTree>
@@ -32932,307 +33344,6 @@
 </p:sld>
 </file>
 
-<file path=ppt/slides/slide54.xml><?xml version="1.0" encoding="utf-8"?>
-<p:sld xmlns:a="http://schemas.openxmlformats.org/drawingml/2006/main" xmlns:r="http://schemas.openxmlformats.org/officeDocument/2006/relationships" xmlns:p="http://schemas.openxmlformats.org/presentationml/2006/main">
-  <p:cSld>
-    <p:spTree>
-      <p:nvGrpSpPr>
-        <p:cNvPr id="1" name=""/>
-        <p:cNvGrpSpPr/>
-        <p:nvPr/>
-      </p:nvGrpSpPr>
-      <p:grpSpPr>
-        <a:xfrm>
-          <a:off x="0" y="0"/>
-          <a:ext cx="0" cy="0"/>
-          <a:chOff x="0" y="0"/>
-          <a:chExt cx="0" cy="0"/>
-        </a:xfrm>
-      </p:grpSpPr>
-      <p:sp>
-        <p:nvSpPr>
-          <p:cNvPr id="2" name="Title 1">
-            <a:extLst>
-              <a:ext uri="{FF2B5EF4-FFF2-40B4-BE49-F238E27FC236}">
-                <a16:creationId xmlns:a16="http://schemas.microsoft.com/office/drawing/2014/main" id="{4123861A-F328-4BB9-8F10-4F9FB0F7E245}"/>
-              </a:ext>
-            </a:extLst>
-          </p:cNvPr>
-          <p:cNvSpPr>
-            <a:spLocks noGrp="1"/>
-          </p:cNvSpPr>
-          <p:nvPr>
-            <p:ph type="title"/>
-          </p:nvPr>
-        </p:nvSpPr>
-        <p:spPr>
-          <a:xfrm>
-            <a:off x="287020" y="182438"/>
-            <a:ext cx="11617960" cy="860848"/>
-          </a:xfrm>
-        </p:spPr>
-        <p:txBody>
-          <a:bodyPr>
-            <a:normAutofit/>
-          </a:bodyPr>
-          <a:lstStyle/>
-          <a:p>
-            <a:r>
-              <a:rPr lang="en-US" b="1" dirty="0"/>
-              <a:t>Use p:if to make decision – Solution</a:t>
-            </a:r>
-            <a:endParaRPr lang="en-NL" b="1" dirty="0"/>
-          </a:p>
-        </p:txBody>
-      </p:sp>
-      <p:sp>
-        <p:nvSpPr>
-          <p:cNvPr id="4" name="TextBox 3">
-            <a:extLst>
-              <a:ext uri="{FF2B5EF4-FFF2-40B4-BE49-F238E27FC236}">
-                <a16:creationId xmlns:a16="http://schemas.microsoft.com/office/drawing/2014/main" id="{E614C84A-45C6-4C95-859B-4E28BD47CA0C}"/>
-              </a:ext>
-            </a:extLst>
-          </p:cNvPr>
-          <p:cNvSpPr txBox="1"/>
-          <p:nvPr/>
-        </p:nvSpPr>
-        <p:spPr>
-          <a:xfrm>
-            <a:off x="287020" y="1905506"/>
-            <a:ext cx="11654368" cy="2554545"/>
-          </a:xfrm>
-          <a:prstGeom prst="rect">
-            <a:avLst/>
-          </a:prstGeom>
-          <a:solidFill>
-            <a:schemeClr val="bg1">
-              <a:lumMod val="85000"/>
-            </a:schemeClr>
-          </a:solidFill>
-        </p:spPr>
-        <p:txBody>
-          <a:bodyPr wrap="square" rtlCol="0">
-            <a:spAutoFit/>
-          </a:bodyPr>
-          <a:lstStyle/>
-          <a:p>
-            <a:r>
-              <a:rPr lang="en-US" sz="1600" b="1" dirty="0">
-                <a:latin typeface="Courier New" panose="02070309020205020404" pitchFamily="49" charset="0"/>
-                <a:cs typeface="Courier New" panose="02070309020205020404" pitchFamily="49" charset="0"/>
-              </a:rPr>
-              <a:t>&lt;</a:t>
-            </a:r>
-            <a:r>
-              <a:rPr lang="en-US" sz="1600" b="1" dirty="0" err="1">
-                <a:latin typeface="Courier New" panose="02070309020205020404" pitchFamily="49" charset="0"/>
-                <a:cs typeface="Courier New" panose="02070309020205020404" pitchFamily="49" charset="0"/>
-              </a:rPr>
-              <a:t>p:declare-step</a:t>
-            </a:r>
-            <a:r>
-              <a:rPr lang="en-US" sz="1600" b="1" dirty="0">
-                <a:latin typeface="Courier New" panose="02070309020205020404" pitchFamily="49" charset="0"/>
-                <a:cs typeface="Courier New" panose="02070309020205020404" pitchFamily="49" charset="0"/>
-              </a:rPr>
-              <a:t> </a:t>
-            </a:r>
-            <a:r>
-              <a:rPr lang="en-US" sz="1600" b="1" dirty="0" err="1">
-                <a:latin typeface="Courier New" panose="02070309020205020404" pitchFamily="49" charset="0"/>
-                <a:cs typeface="Courier New" panose="02070309020205020404" pitchFamily="49" charset="0"/>
-              </a:rPr>
-              <a:t>xmlns:p</a:t>
-            </a:r>
-            <a:r>
-              <a:rPr lang="en-US" sz="1600" b="1" dirty="0">
-                <a:latin typeface="Courier New" panose="02070309020205020404" pitchFamily="49" charset="0"/>
-                <a:cs typeface="Courier New" panose="02070309020205020404" pitchFamily="49" charset="0"/>
-              </a:rPr>
-              <a:t>="http://www.w3.org/ns/xproc" version="3.0"&gt;</a:t>
-            </a:r>
-          </a:p>
-          <a:p>
-            <a:r>
-              <a:rPr lang="en-US" sz="1600" b="1" dirty="0">
-                <a:latin typeface="Courier New" panose="02070309020205020404" pitchFamily="49" charset="0"/>
-                <a:cs typeface="Courier New" panose="02070309020205020404" pitchFamily="49" charset="0"/>
-              </a:rPr>
-              <a:t>  </a:t>
-            </a:r>
-          </a:p>
-          <a:p>
-            <a:r>
-              <a:rPr lang="en-US" sz="1600" b="1" dirty="0">
-                <a:latin typeface="Courier New" panose="02070309020205020404" pitchFamily="49" charset="0"/>
-                <a:cs typeface="Courier New" panose="02070309020205020404" pitchFamily="49" charset="0"/>
-              </a:rPr>
-              <a:t>  &lt;</a:t>
-            </a:r>
-            <a:r>
-              <a:rPr lang="en-US" sz="1600" b="1" dirty="0" err="1">
-                <a:latin typeface="Courier New" panose="02070309020205020404" pitchFamily="49" charset="0"/>
-                <a:cs typeface="Courier New" panose="02070309020205020404" pitchFamily="49" charset="0"/>
-              </a:rPr>
-              <a:t>p:input</a:t>
-            </a:r>
-            <a:r>
-              <a:rPr lang="en-US" sz="1600" b="1" dirty="0">
-                <a:latin typeface="Courier New" panose="02070309020205020404" pitchFamily="49" charset="0"/>
-                <a:cs typeface="Courier New" panose="02070309020205020404" pitchFamily="49" charset="0"/>
-              </a:rPr>
-              <a:t> port="source"/&gt;</a:t>
-            </a:r>
-          </a:p>
-          <a:p>
-            <a:r>
-              <a:rPr lang="en-US" sz="1600" b="1" dirty="0">
-                <a:latin typeface="Courier New" panose="02070309020205020404" pitchFamily="49" charset="0"/>
-                <a:cs typeface="Courier New" panose="02070309020205020404" pitchFamily="49" charset="0"/>
-              </a:rPr>
-              <a:t>  &lt;</a:t>
-            </a:r>
-            <a:r>
-              <a:rPr lang="en-US" sz="1600" b="1" dirty="0" err="1">
-                <a:latin typeface="Courier New" panose="02070309020205020404" pitchFamily="49" charset="0"/>
-                <a:cs typeface="Courier New" panose="02070309020205020404" pitchFamily="49" charset="0"/>
-              </a:rPr>
-              <a:t>p:output</a:t>
-            </a:r>
-            <a:r>
-              <a:rPr lang="en-US" sz="1600" b="1" dirty="0">
-                <a:latin typeface="Courier New" panose="02070309020205020404" pitchFamily="49" charset="0"/>
-                <a:cs typeface="Courier New" panose="02070309020205020404" pitchFamily="49" charset="0"/>
-              </a:rPr>
-              <a:t> port="result"/&gt;</a:t>
-            </a:r>
-          </a:p>
-          <a:p>
-            <a:r>
-              <a:rPr lang="en-US" sz="1600" b="1" dirty="0">
-                <a:latin typeface="Courier New" panose="02070309020205020404" pitchFamily="49" charset="0"/>
-                <a:cs typeface="Courier New" panose="02070309020205020404" pitchFamily="49" charset="0"/>
-              </a:rPr>
-              <a:t>  </a:t>
-            </a:r>
-          </a:p>
-          <a:p>
-            <a:r>
-              <a:rPr lang="en-US" sz="1600" b="1" dirty="0">
-                <a:latin typeface="Courier New" panose="02070309020205020404" pitchFamily="49" charset="0"/>
-                <a:cs typeface="Courier New" panose="02070309020205020404" pitchFamily="49" charset="0"/>
-              </a:rPr>
-              <a:t>  &lt;</a:t>
-            </a:r>
-            <a:r>
-              <a:rPr lang="en-US" sz="1600" b="1" dirty="0" err="1">
-                <a:latin typeface="Courier New" panose="02070309020205020404" pitchFamily="49" charset="0"/>
-                <a:cs typeface="Courier New" panose="02070309020205020404" pitchFamily="49" charset="0"/>
-              </a:rPr>
-              <a:t>p:if</a:t>
-            </a:r>
-            <a:r>
-              <a:rPr lang="en-US" sz="1600" b="1" dirty="0">
-                <a:latin typeface="Courier New" panose="02070309020205020404" pitchFamily="49" charset="0"/>
-                <a:cs typeface="Courier New" panose="02070309020205020404" pitchFamily="49" charset="0"/>
-              </a:rPr>
-              <a:t> test="/*/@status eq 'error'"&gt;</a:t>
-            </a:r>
-          </a:p>
-          <a:p>
-            <a:r>
-              <a:rPr lang="en-US" sz="1600" b="1" dirty="0">
-                <a:latin typeface="Courier New" panose="02070309020205020404" pitchFamily="49" charset="0"/>
-                <a:cs typeface="Courier New" panose="02070309020205020404" pitchFamily="49" charset="0"/>
-              </a:rPr>
-              <a:t>    &lt;</a:t>
-            </a:r>
-            <a:r>
-              <a:rPr lang="en-US" sz="1600" b="1" dirty="0" err="1">
-                <a:latin typeface="Courier New" panose="02070309020205020404" pitchFamily="49" charset="0"/>
-                <a:cs typeface="Courier New" panose="02070309020205020404" pitchFamily="49" charset="0"/>
-              </a:rPr>
-              <a:t>p:add-attribute</a:t>
-            </a:r>
-            <a:r>
-              <a:rPr lang="en-US" sz="1600" b="1" dirty="0">
-                <a:latin typeface="Courier New" panose="02070309020205020404" pitchFamily="49" charset="0"/>
-                <a:cs typeface="Courier New" panose="02070309020205020404" pitchFamily="49" charset="0"/>
-              </a:rPr>
-              <a:t> match="/*" attribute-name="special-handling" attribute-value="true"/&gt;</a:t>
-            </a:r>
-          </a:p>
-          <a:p>
-            <a:r>
-              <a:rPr lang="en-US" sz="1600" b="1" dirty="0">
-                <a:latin typeface="Courier New" panose="02070309020205020404" pitchFamily="49" charset="0"/>
-                <a:cs typeface="Courier New" panose="02070309020205020404" pitchFamily="49" charset="0"/>
-              </a:rPr>
-              <a:t>  &lt;/</a:t>
-            </a:r>
-            <a:r>
-              <a:rPr lang="en-US" sz="1600" b="1" dirty="0" err="1">
-                <a:latin typeface="Courier New" panose="02070309020205020404" pitchFamily="49" charset="0"/>
-                <a:cs typeface="Courier New" panose="02070309020205020404" pitchFamily="49" charset="0"/>
-              </a:rPr>
-              <a:t>p:if</a:t>
-            </a:r>
-            <a:r>
-              <a:rPr lang="en-US" sz="1600" b="1" dirty="0">
-                <a:latin typeface="Courier New" panose="02070309020205020404" pitchFamily="49" charset="0"/>
-                <a:cs typeface="Courier New" panose="02070309020205020404" pitchFamily="49" charset="0"/>
-              </a:rPr>
-              <a:t>&gt;</a:t>
-            </a:r>
-          </a:p>
-          <a:p>
-            <a:r>
-              <a:rPr lang="en-US" sz="1600" b="1" dirty="0">
-                <a:latin typeface="Courier New" panose="02070309020205020404" pitchFamily="49" charset="0"/>
-                <a:cs typeface="Courier New" panose="02070309020205020404" pitchFamily="49" charset="0"/>
-              </a:rPr>
-              <a:t>  </a:t>
-            </a:r>
-          </a:p>
-          <a:p>
-            <a:r>
-              <a:rPr lang="en-US" sz="1600" b="1" dirty="0">
-                <a:latin typeface="Courier New" panose="02070309020205020404" pitchFamily="49" charset="0"/>
-                <a:cs typeface="Courier New" panose="02070309020205020404" pitchFamily="49" charset="0"/>
-              </a:rPr>
-              <a:t>&lt;/</a:t>
-            </a:r>
-            <a:r>
-              <a:rPr lang="en-US" sz="1600" b="1" dirty="0" err="1">
-                <a:latin typeface="Courier New" panose="02070309020205020404" pitchFamily="49" charset="0"/>
-                <a:cs typeface="Courier New" panose="02070309020205020404" pitchFamily="49" charset="0"/>
-              </a:rPr>
-              <a:t>p:declare-step</a:t>
-            </a:r>
-            <a:r>
-              <a:rPr lang="en-US" sz="1600" b="1" dirty="0">
-                <a:latin typeface="Courier New" panose="02070309020205020404" pitchFamily="49" charset="0"/>
-                <a:cs typeface="Courier New" panose="02070309020205020404" pitchFamily="49" charset="0"/>
-              </a:rPr>
-              <a:t>&gt;</a:t>
-            </a:r>
-          </a:p>
-        </p:txBody>
-      </p:sp>
-    </p:spTree>
-    <p:extLst>
-      <p:ext uri="{BB962C8B-B14F-4D97-AF65-F5344CB8AC3E}">
-        <p14:creationId xmlns:p14="http://schemas.microsoft.com/office/powerpoint/2010/main" val="791216530"/>
-      </p:ext>
-    </p:extLst>
-  </p:cSld>
-  <p:clrMapOvr>
-    <a:masterClrMapping/>
-  </p:clrMapOvr>
-</p:sld>
-</file>
-
 <file path=ppt/slides/slide55.xml><?xml version="1.0" encoding="utf-8"?>
 <p:sld xmlns:a="http://schemas.openxmlformats.org/drawingml/2006/main" xmlns:r="http://schemas.openxmlformats.org/officeDocument/2006/relationships" xmlns:p="http://schemas.openxmlformats.org/presentationml/2006/main">
   <p:cSld>
@@ -33280,6 +33391,307 @@
           <a:p>
             <a:r>
               <a:rPr lang="en-US" b="1" dirty="0"/>
+              <a:t>Use p:if to make decision – Solution</a:t>
+            </a:r>
+            <a:endParaRPr lang="en-NL" b="1" dirty="0"/>
+          </a:p>
+        </p:txBody>
+      </p:sp>
+      <p:sp>
+        <p:nvSpPr>
+          <p:cNvPr id="4" name="TextBox 3">
+            <a:extLst>
+              <a:ext uri="{FF2B5EF4-FFF2-40B4-BE49-F238E27FC236}">
+                <a16:creationId xmlns:a16="http://schemas.microsoft.com/office/drawing/2014/main" id="{E614C84A-45C6-4C95-859B-4E28BD47CA0C}"/>
+              </a:ext>
+            </a:extLst>
+          </p:cNvPr>
+          <p:cNvSpPr txBox="1"/>
+          <p:nvPr/>
+        </p:nvSpPr>
+        <p:spPr>
+          <a:xfrm>
+            <a:off x="287020" y="1905506"/>
+            <a:ext cx="11654368" cy="2554545"/>
+          </a:xfrm>
+          <a:prstGeom prst="rect">
+            <a:avLst/>
+          </a:prstGeom>
+          <a:solidFill>
+            <a:schemeClr val="bg1">
+              <a:lumMod val="85000"/>
+            </a:schemeClr>
+          </a:solidFill>
+        </p:spPr>
+        <p:txBody>
+          <a:bodyPr wrap="square" rtlCol="0">
+            <a:spAutoFit/>
+          </a:bodyPr>
+          <a:lstStyle/>
+          <a:p>
+            <a:r>
+              <a:rPr lang="en-US" sz="1600" b="1" dirty="0">
+                <a:latin typeface="Courier New" panose="02070309020205020404" pitchFamily="49" charset="0"/>
+                <a:cs typeface="Courier New" panose="02070309020205020404" pitchFamily="49" charset="0"/>
+              </a:rPr>
+              <a:t>&lt;</a:t>
+            </a:r>
+            <a:r>
+              <a:rPr lang="en-US" sz="1600" b="1" dirty="0" err="1">
+                <a:latin typeface="Courier New" panose="02070309020205020404" pitchFamily="49" charset="0"/>
+                <a:cs typeface="Courier New" panose="02070309020205020404" pitchFamily="49" charset="0"/>
+              </a:rPr>
+              <a:t>p:declare-step</a:t>
+            </a:r>
+            <a:r>
+              <a:rPr lang="en-US" sz="1600" b="1" dirty="0">
+                <a:latin typeface="Courier New" panose="02070309020205020404" pitchFamily="49" charset="0"/>
+                <a:cs typeface="Courier New" panose="02070309020205020404" pitchFamily="49" charset="0"/>
+              </a:rPr>
+              <a:t> </a:t>
+            </a:r>
+            <a:r>
+              <a:rPr lang="en-US" sz="1600" b="1" dirty="0" err="1">
+                <a:latin typeface="Courier New" panose="02070309020205020404" pitchFamily="49" charset="0"/>
+                <a:cs typeface="Courier New" panose="02070309020205020404" pitchFamily="49" charset="0"/>
+              </a:rPr>
+              <a:t>xmlns:p</a:t>
+            </a:r>
+            <a:r>
+              <a:rPr lang="en-US" sz="1600" b="1" dirty="0">
+                <a:latin typeface="Courier New" panose="02070309020205020404" pitchFamily="49" charset="0"/>
+                <a:cs typeface="Courier New" panose="02070309020205020404" pitchFamily="49" charset="0"/>
+              </a:rPr>
+              <a:t>="http://www.w3.org/ns/xproc" version="3.0"&gt;</a:t>
+            </a:r>
+          </a:p>
+          <a:p>
+            <a:r>
+              <a:rPr lang="en-US" sz="1600" b="1" dirty="0">
+                <a:latin typeface="Courier New" panose="02070309020205020404" pitchFamily="49" charset="0"/>
+                <a:cs typeface="Courier New" panose="02070309020205020404" pitchFamily="49" charset="0"/>
+              </a:rPr>
+              <a:t>  </a:t>
+            </a:r>
+          </a:p>
+          <a:p>
+            <a:r>
+              <a:rPr lang="en-US" sz="1600" b="1" dirty="0">
+                <a:latin typeface="Courier New" panose="02070309020205020404" pitchFamily="49" charset="0"/>
+                <a:cs typeface="Courier New" panose="02070309020205020404" pitchFamily="49" charset="0"/>
+              </a:rPr>
+              <a:t>  &lt;</a:t>
+            </a:r>
+            <a:r>
+              <a:rPr lang="en-US" sz="1600" b="1" dirty="0" err="1">
+                <a:latin typeface="Courier New" panose="02070309020205020404" pitchFamily="49" charset="0"/>
+                <a:cs typeface="Courier New" panose="02070309020205020404" pitchFamily="49" charset="0"/>
+              </a:rPr>
+              <a:t>p:input</a:t>
+            </a:r>
+            <a:r>
+              <a:rPr lang="en-US" sz="1600" b="1" dirty="0">
+                <a:latin typeface="Courier New" panose="02070309020205020404" pitchFamily="49" charset="0"/>
+                <a:cs typeface="Courier New" panose="02070309020205020404" pitchFamily="49" charset="0"/>
+              </a:rPr>
+              <a:t> port="source"/&gt;</a:t>
+            </a:r>
+          </a:p>
+          <a:p>
+            <a:r>
+              <a:rPr lang="en-US" sz="1600" b="1" dirty="0">
+                <a:latin typeface="Courier New" panose="02070309020205020404" pitchFamily="49" charset="0"/>
+                <a:cs typeface="Courier New" panose="02070309020205020404" pitchFamily="49" charset="0"/>
+              </a:rPr>
+              <a:t>  &lt;</a:t>
+            </a:r>
+            <a:r>
+              <a:rPr lang="en-US" sz="1600" b="1" dirty="0" err="1">
+                <a:latin typeface="Courier New" panose="02070309020205020404" pitchFamily="49" charset="0"/>
+                <a:cs typeface="Courier New" panose="02070309020205020404" pitchFamily="49" charset="0"/>
+              </a:rPr>
+              <a:t>p:output</a:t>
+            </a:r>
+            <a:r>
+              <a:rPr lang="en-US" sz="1600" b="1" dirty="0">
+                <a:latin typeface="Courier New" panose="02070309020205020404" pitchFamily="49" charset="0"/>
+                <a:cs typeface="Courier New" panose="02070309020205020404" pitchFamily="49" charset="0"/>
+              </a:rPr>
+              <a:t> port="result"/&gt;</a:t>
+            </a:r>
+          </a:p>
+          <a:p>
+            <a:r>
+              <a:rPr lang="en-US" sz="1600" b="1" dirty="0">
+                <a:latin typeface="Courier New" panose="02070309020205020404" pitchFamily="49" charset="0"/>
+                <a:cs typeface="Courier New" panose="02070309020205020404" pitchFamily="49" charset="0"/>
+              </a:rPr>
+              <a:t>  </a:t>
+            </a:r>
+          </a:p>
+          <a:p>
+            <a:r>
+              <a:rPr lang="en-US" sz="1600" b="1" dirty="0">
+                <a:latin typeface="Courier New" panose="02070309020205020404" pitchFamily="49" charset="0"/>
+                <a:cs typeface="Courier New" panose="02070309020205020404" pitchFamily="49" charset="0"/>
+              </a:rPr>
+              <a:t>  &lt;</a:t>
+            </a:r>
+            <a:r>
+              <a:rPr lang="en-US" sz="1600" b="1" dirty="0" err="1">
+                <a:latin typeface="Courier New" panose="02070309020205020404" pitchFamily="49" charset="0"/>
+                <a:cs typeface="Courier New" panose="02070309020205020404" pitchFamily="49" charset="0"/>
+              </a:rPr>
+              <a:t>p:if</a:t>
+            </a:r>
+            <a:r>
+              <a:rPr lang="en-US" sz="1600" b="1" dirty="0">
+                <a:latin typeface="Courier New" panose="02070309020205020404" pitchFamily="49" charset="0"/>
+                <a:cs typeface="Courier New" panose="02070309020205020404" pitchFamily="49" charset="0"/>
+              </a:rPr>
+              <a:t> test="/*/@status eq 'error'"&gt;</a:t>
+            </a:r>
+          </a:p>
+          <a:p>
+            <a:r>
+              <a:rPr lang="en-US" sz="1600" b="1" dirty="0">
+                <a:latin typeface="Courier New" panose="02070309020205020404" pitchFamily="49" charset="0"/>
+                <a:cs typeface="Courier New" panose="02070309020205020404" pitchFamily="49" charset="0"/>
+              </a:rPr>
+              <a:t>    &lt;</a:t>
+            </a:r>
+            <a:r>
+              <a:rPr lang="en-US" sz="1600" b="1" dirty="0" err="1">
+                <a:latin typeface="Courier New" panose="02070309020205020404" pitchFamily="49" charset="0"/>
+                <a:cs typeface="Courier New" panose="02070309020205020404" pitchFamily="49" charset="0"/>
+              </a:rPr>
+              <a:t>p:add-attribute</a:t>
+            </a:r>
+            <a:r>
+              <a:rPr lang="en-US" sz="1600" b="1" dirty="0">
+                <a:latin typeface="Courier New" panose="02070309020205020404" pitchFamily="49" charset="0"/>
+                <a:cs typeface="Courier New" panose="02070309020205020404" pitchFamily="49" charset="0"/>
+              </a:rPr>
+              <a:t> match="/*" attribute-name="special-handling" attribute-value="true"/&gt;</a:t>
+            </a:r>
+          </a:p>
+          <a:p>
+            <a:r>
+              <a:rPr lang="en-US" sz="1600" b="1" dirty="0">
+                <a:latin typeface="Courier New" panose="02070309020205020404" pitchFamily="49" charset="0"/>
+                <a:cs typeface="Courier New" panose="02070309020205020404" pitchFamily="49" charset="0"/>
+              </a:rPr>
+              <a:t>  &lt;/</a:t>
+            </a:r>
+            <a:r>
+              <a:rPr lang="en-US" sz="1600" b="1" dirty="0" err="1">
+                <a:latin typeface="Courier New" panose="02070309020205020404" pitchFamily="49" charset="0"/>
+                <a:cs typeface="Courier New" panose="02070309020205020404" pitchFamily="49" charset="0"/>
+              </a:rPr>
+              <a:t>p:if</a:t>
+            </a:r>
+            <a:r>
+              <a:rPr lang="en-US" sz="1600" b="1" dirty="0">
+                <a:latin typeface="Courier New" panose="02070309020205020404" pitchFamily="49" charset="0"/>
+                <a:cs typeface="Courier New" panose="02070309020205020404" pitchFamily="49" charset="0"/>
+              </a:rPr>
+              <a:t>&gt;</a:t>
+            </a:r>
+          </a:p>
+          <a:p>
+            <a:r>
+              <a:rPr lang="en-US" sz="1600" b="1" dirty="0">
+                <a:latin typeface="Courier New" panose="02070309020205020404" pitchFamily="49" charset="0"/>
+                <a:cs typeface="Courier New" panose="02070309020205020404" pitchFamily="49" charset="0"/>
+              </a:rPr>
+              <a:t>  </a:t>
+            </a:r>
+          </a:p>
+          <a:p>
+            <a:r>
+              <a:rPr lang="en-US" sz="1600" b="1" dirty="0">
+                <a:latin typeface="Courier New" panose="02070309020205020404" pitchFamily="49" charset="0"/>
+                <a:cs typeface="Courier New" panose="02070309020205020404" pitchFamily="49" charset="0"/>
+              </a:rPr>
+              <a:t>&lt;/</a:t>
+            </a:r>
+            <a:r>
+              <a:rPr lang="en-US" sz="1600" b="1" dirty="0" err="1">
+                <a:latin typeface="Courier New" panose="02070309020205020404" pitchFamily="49" charset="0"/>
+                <a:cs typeface="Courier New" panose="02070309020205020404" pitchFamily="49" charset="0"/>
+              </a:rPr>
+              <a:t>p:declare-step</a:t>
+            </a:r>
+            <a:r>
+              <a:rPr lang="en-US" sz="1600" b="1" dirty="0">
+                <a:latin typeface="Courier New" panose="02070309020205020404" pitchFamily="49" charset="0"/>
+                <a:cs typeface="Courier New" panose="02070309020205020404" pitchFamily="49" charset="0"/>
+              </a:rPr>
+              <a:t>&gt;</a:t>
+            </a:r>
+          </a:p>
+        </p:txBody>
+      </p:sp>
+    </p:spTree>
+    <p:extLst>
+      <p:ext uri="{BB962C8B-B14F-4D97-AF65-F5344CB8AC3E}">
+        <p14:creationId xmlns:p14="http://schemas.microsoft.com/office/powerpoint/2010/main" val="791216530"/>
+      </p:ext>
+    </p:extLst>
+  </p:cSld>
+  <p:clrMapOvr>
+    <a:masterClrMapping/>
+  </p:clrMapOvr>
+</p:sld>
+</file>
+
+<file path=ppt/slides/slide56.xml><?xml version="1.0" encoding="utf-8"?>
+<p:sld xmlns:a="http://schemas.openxmlformats.org/drawingml/2006/main" xmlns:r="http://schemas.openxmlformats.org/officeDocument/2006/relationships" xmlns:p="http://schemas.openxmlformats.org/presentationml/2006/main">
+  <p:cSld>
+    <p:spTree>
+      <p:nvGrpSpPr>
+        <p:cNvPr id="1" name=""/>
+        <p:cNvGrpSpPr/>
+        <p:nvPr/>
+      </p:nvGrpSpPr>
+      <p:grpSpPr>
+        <a:xfrm>
+          <a:off x="0" y="0"/>
+          <a:ext cx="0" cy="0"/>
+          <a:chOff x="0" y="0"/>
+          <a:chExt cx="0" cy="0"/>
+        </a:xfrm>
+      </p:grpSpPr>
+      <p:sp>
+        <p:nvSpPr>
+          <p:cNvPr id="2" name="Title 1">
+            <a:extLst>
+              <a:ext uri="{FF2B5EF4-FFF2-40B4-BE49-F238E27FC236}">
+                <a16:creationId xmlns:a16="http://schemas.microsoft.com/office/drawing/2014/main" id="{4123861A-F328-4BB9-8F10-4F9FB0F7E245}"/>
+              </a:ext>
+            </a:extLst>
+          </p:cNvPr>
+          <p:cNvSpPr>
+            <a:spLocks noGrp="1"/>
+          </p:cNvSpPr>
+          <p:nvPr>
+            <p:ph type="title"/>
+          </p:nvPr>
+        </p:nvSpPr>
+        <p:spPr>
+          <a:xfrm>
+            <a:off x="287020" y="182438"/>
+            <a:ext cx="11617960" cy="860848"/>
+          </a:xfrm>
+        </p:spPr>
+        <p:txBody>
+          <a:bodyPr>
+            <a:normAutofit/>
+          </a:bodyPr>
+          <a:lstStyle/>
+          <a:p>
+            <a:r>
+              <a:rPr lang="en-US" b="1" dirty="0"/>
               <a:t>Multiple decisions? Use p:choose</a:t>
             </a:r>
             <a:endParaRPr lang="en-NL" b="1" dirty="0"/>
@@ -33543,7 +33955,7 @@
 </p:sld>
 </file>
 
-<file path=ppt/slides/slide56.xml><?xml version="1.0" encoding="utf-8"?>
+<file path=ppt/slides/slide57.xml><?xml version="1.0" encoding="utf-8"?>
 <p:sld xmlns:a="http://schemas.openxmlformats.org/drawingml/2006/main" xmlns:r="http://schemas.openxmlformats.org/officeDocument/2006/relationships" xmlns:p="http://schemas.openxmlformats.org/presentationml/2006/main">
   <p:cSld>
     <p:spTree>
@@ -34066,7 +34478,7 @@
 </p:sld>
 </file>
 
-<file path=ppt/slides/slide57.xml><?xml version="1.0" encoding="utf-8"?>
+<file path=ppt/slides/slide58.xml><?xml version="1.0" encoding="utf-8"?>
 <p:sld xmlns:a="http://schemas.openxmlformats.org/drawingml/2006/main" xmlns:r="http://schemas.openxmlformats.org/officeDocument/2006/relationships" xmlns:p="http://schemas.openxmlformats.org/presentationml/2006/main">
   <p:cSld>
     <p:spTree>
@@ -34840,7 +35252,7 @@
 </p:sld>
 </file>
 
-<file path=ppt/slides/slide58.xml><?xml version="1.0" encoding="utf-8"?>
+<file path=ppt/slides/slide59.xml><?xml version="1.0" encoding="utf-8"?>
 <p:sld xmlns:a="http://schemas.openxmlformats.org/drawingml/2006/main" xmlns:r="http://schemas.openxmlformats.org/officeDocument/2006/relationships" xmlns:p="http://schemas.openxmlformats.org/presentationml/2006/main">
   <p:cSld>
     <p:spTree>
@@ -35144,7 +35556,167 @@
 </p:sld>
 </file>
 
-<file path=ppt/slides/slide59.xml><?xml version="1.0" encoding="utf-8"?>
+<file path=ppt/slides/slide6.xml><?xml version="1.0" encoding="utf-8"?>
+<p:sld xmlns:a="http://schemas.openxmlformats.org/drawingml/2006/main" xmlns:r="http://schemas.openxmlformats.org/officeDocument/2006/relationships" xmlns:p="http://schemas.openxmlformats.org/presentationml/2006/main">
+  <p:cSld>
+    <p:spTree>
+      <p:nvGrpSpPr>
+        <p:cNvPr id="1" name=""/>
+        <p:cNvGrpSpPr/>
+        <p:nvPr/>
+      </p:nvGrpSpPr>
+      <p:grpSpPr>
+        <a:xfrm>
+          <a:off x="0" y="0"/>
+          <a:ext cx="0" cy="0"/>
+          <a:chOff x="0" y="0"/>
+          <a:chExt cx="0" cy="0"/>
+        </a:xfrm>
+      </p:grpSpPr>
+      <p:sp>
+        <p:nvSpPr>
+          <p:cNvPr id="2" name="Titel 1">
+            <a:extLst>
+              <a:ext uri="{FF2B5EF4-FFF2-40B4-BE49-F238E27FC236}">
+                <a16:creationId xmlns:a16="http://schemas.microsoft.com/office/drawing/2014/main" id="{D0EC415A-1753-49AB-AFDB-461D38140CEF}"/>
+              </a:ext>
+            </a:extLst>
+          </p:cNvPr>
+          <p:cNvSpPr>
+            <a:spLocks noGrp="1"/>
+          </p:cNvSpPr>
+          <p:nvPr>
+            <p:ph type="title"/>
+          </p:nvPr>
+        </p:nvSpPr>
+        <p:spPr/>
+        <p:txBody>
+          <a:bodyPr>
+            <a:normAutofit/>
+          </a:bodyPr>
+          <a:lstStyle/>
+          <a:p>
+            <a:r>
+              <a:rPr lang="en-US" sz="5400" b="1" dirty="0"/>
+              <a:t>XProc fundamentals</a:t>
+            </a:r>
+          </a:p>
+        </p:txBody>
+      </p:sp>
+      <p:sp>
+        <p:nvSpPr>
+          <p:cNvPr id="3" name="Speech Bubble: Oval 2">
+            <a:extLst>
+              <a:ext uri="{FF2B5EF4-FFF2-40B4-BE49-F238E27FC236}">
+                <a16:creationId xmlns:a16="http://schemas.microsoft.com/office/drawing/2014/main" id="{267C7A55-D10E-4B31-8EA1-A2862C5A74A4}"/>
+              </a:ext>
+            </a:extLst>
+          </p:cNvPr>
+          <p:cNvSpPr/>
+          <p:nvPr/>
+        </p:nvSpPr>
+        <p:spPr>
+          <a:xfrm>
+            <a:off x="4443307" y="4016587"/>
+            <a:ext cx="6570133" cy="1463040"/>
+          </a:xfrm>
+          <a:prstGeom prst="wedgeEllipseCallout">
+            <a:avLst>
+              <a:gd name="adj1" fmla="val 58136"/>
+              <a:gd name="adj2" fmla="val 125000"/>
+            </a:avLst>
+          </a:prstGeom>
+        </p:spPr>
+        <p:style>
+          <a:lnRef idx="2">
+            <a:schemeClr val="accent1">
+              <a:shade val="50000"/>
+            </a:schemeClr>
+          </a:lnRef>
+          <a:fillRef idx="1">
+            <a:schemeClr val="accent1"/>
+          </a:fillRef>
+          <a:effectRef idx="0">
+            <a:schemeClr val="accent1"/>
+          </a:effectRef>
+          <a:fontRef idx="minor">
+            <a:schemeClr val="lt1"/>
+          </a:fontRef>
+        </p:style>
+        <p:txBody>
+          <a:bodyPr rtlCol="0" anchor="ctr"/>
+          <a:lstStyle/>
+          <a:p>
+            <a:pPr algn="ctr"/>
+            <a:r>
+              <a:rPr lang="en-US" sz="2800" b="1" dirty="0"/>
+              <a:t>You need to understand this!</a:t>
+            </a:r>
+            <a:endParaRPr lang="en-NL" sz="2800" b="1" dirty="0"/>
+          </a:p>
+        </p:txBody>
+      </p:sp>
+      <p:pic>
+        <p:nvPicPr>
+          <p:cNvPr id="1026" name="Picture 2">
+            <a:extLst>
+              <a:ext uri="{FF2B5EF4-FFF2-40B4-BE49-F238E27FC236}">
+                <a16:creationId xmlns:a16="http://schemas.microsoft.com/office/drawing/2014/main" id="{8E4F4E14-D642-436F-BCD7-8C86DCC1E5E3}"/>
+              </a:ext>
+            </a:extLst>
+          </p:cNvPr>
+          <p:cNvPicPr>
+            <a:picLocks noChangeAspect="1" noChangeArrowheads="1"/>
+          </p:cNvPicPr>
+          <p:nvPr/>
+        </p:nvPicPr>
+        <p:blipFill>
+          <a:blip r:embed="rId2">
+            <a:extLst>
+              <a:ext uri="{28A0092B-C50C-407E-A947-70E740481C1C}">
+                <a14:useLocalDpi xmlns:a14="http://schemas.microsoft.com/office/drawing/2010/main" val="0"/>
+              </a:ext>
+            </a:extLst>
+          </a:blip>
+          <a:srcRect/>
+          <a:stretch>
+            <a:fillRect/>
+          </a:stretch>
+        </p:blipFill>
+        <p:spPr bwMode="auto">
+          <a:xfrm>
+            <a:off x="897562" y="1901681"/>
+            <a:ext cx="2857500" cy="2476500"/>
+          </a:xfrm>
+          <a:prstGeom prst="rect">
+            <a:avLst/>
+          </a:prstGeom>
+          <a:noFill/>
+          <a:extLst>
+            <a:ext uri="{909E8E84-426E-40DD-AFC4-6F175D3DCCD1}">
+              <a14:hiddenFill xmlns:a14="http://schemas.microsoft.com/office/drawing/2010/main">
+                <a:solidFill>
+                  <a:srgbClr val="FFFFFF"/>
+                </a:solidFill>
+              </a14:hiddenFill>
+            </a:ext>
+          </a:extLst>
+        </p:spPr>
+      </p:pic>
+    </p:spTree>
+    <p:extLst>
+      <p:ext uri="{BB962C8B-B14F-4D97-AF65-F5344CB8AC3E}">
+        <p14:creationId xmlns:p14="http://schemas.microsoft.com/office/powerpoint/2010/main" val="2516102687"/>
+      </p:ext>
+    </p:extLst>
+  </p:cSld>
+  <p:clrMapOvr>
+    <a:masterClrMapping/>
+  </p:clrMapOvr>
+</p:sld>
+</file>
+
+<file path=ppt/slides/slide60.xml><?xml version="1.0" encoding="utf-8"?>
 <p:sld xmlns:a="http://schemas.openxmlformats.org/drawingml/2006/main" xmlns:r="http://schemas.openxmlformats.org/officeDocument/2006/relationships" xmlns:p="http://schemas.openxmlformats.org/presentationml/2006/main">
   <p:cSld>
     <p:spTree>
@@ -35818,167 +36390,7 @@
 </p:sld>
 </file>
 
-<file path=ppt/slides/slide6.xml><?xml version="1.0" encoding="utf-8"?>
-<p:sld xmlns:a="http://schemas.openxmlformats.org/drawingml/2006/main" xmlns:r="http://schemas.openxmlformats.org/officeDocument/2006/relationships" xmlns:p="http://schemas.openxmlformats.org/presentationml/2006/main">
-  <p:cSld>
-    <p:spTree>
-      <p:nvGrpSpPr>
-        <p:cNvPr id="1" name=""/>
-        <p:cNvGrpSpPr/>
-        <p:nvPr/>
-      </p:nvGrpSpPr>
-      <p:grpSpPr>
-        <a:xfrm>
-          <a:off x="0" y="0"/>
-          <a:ext cx="0" cy="0"/>
-          <a:chOff x="0" y="0"/>
-          <a:chExt cx="0" cy="0"/>
-        </a:xfrm>
-      </p:grpSpPr>
-      <p:sp>
-        <p:nvSpPr>
-          <p:cNvPr id="2" name="Titel 1">
-            <a:extLst>
-              <a:ext uri="{FF2B5EF4-FFF2-40B4-BE49-F238E27FC236}">
-                <a16:creationId xmlns:a16="http://schemas.microsoft.com/office/drawing/2014/main" id="{D0EC415A-1753-49AB-AFDB-461D38140CEF}"/>
-              </a:ext>
-            </a:extLst>
-          </p:cNvPr>
-          <p:cNvSpPr>
-            <a:spLocks noGrp="1"/>
-          </p:cNvSpPr>
-          <p:nvPr>
-            <p:ph type="title"/>
-          </p:nvPr>
-        </p:nvSpPr>
-        <p:spPr/>
-        <p:txBody>
-          <a:bodyPr>
-            <a:normAutofit/>
-          </a:bodyPr>
-          <a:lstStyle/>
-          <a:p>
-            <a:r>
-              <a:rPr lang="en-US" sz="5400" b="1" dirty="0"/>
-              <a:t>XProc fundamentals</a:t>
-            </a:r>
-          </a:p>
-        </p:txBody>
-      </p:sp>
-      <p:sp>
-        <p:nvSpPr>
-          <p:cNvPr id="3" name="Speech Bubble: Oval 2">
-            <a:extLst>
-              <a:ext uri="{FF2B5EF4-FFF2-40B4-BE49-F238E27FC236}">
-                <a16:creationId xmlns:a16="http://schemas.microsoft.com/office/drawing/2014/main" id="{267C7A55-D10E-4B31-8EA1-A2862C5A74A4}"/>
-              </a:ext>
-            </a:extLst>
-          </p:cNvPr>
-          <p:cNvSpPr/>
-          <p:nvPr/>
-        </p:nvSpPr>
-        <p:spPr>
-          <a:xfrm>
-            <a:off x="4443307" y="4016587"/>
-            <a:ext cx="6570133" cy="1463040"/>
-          </a:xfrm>
-          <a:prstGeom prst="wedgeEllipseCallout">
-            <a:avLst>
-              <a:gd name="adj1" fmla="val 58136"/>
-              <a:gd name="adj2" fmla="val 125000"/>
-            </a:avLst>
-          </a:prstGeom>
-        </p:spPr>
-        <p:style>
-          <a:lnRef idx="2">
-            <a:schemeClr val="accent1">
-              <a:shade val="50000"/>
-            </a:schemeClr>
-          </a:lnRef>
-          <a:fillRef idx="1">
-            <a:schemeClr val="accent1"/>
-          </a:fillRef>
-          <a:effectRef idx="0">
-            <a:schemeClr val="accent1"/>
-          </a:effectRef>
-          <a:fontRef idx="minor">
-            <a:schemeClr val="lt1"/>
-          </a:fontRef>
-        </p:style>
-        <p:txBody>
-          <a:bodyPr rtlCol="0" anchor="ctr"/>
-          <a:lstStyle/>
-          <a:p>
-            <a:pPr algn="ctr"/>
-            <a:r>
-              <a:rPr lang="en-US" sz="2800" b="1" dirty="0"/>
-              <a:t>You need to understand this!</a:t>
-            </a:r>
-            <a:endParaRPr lang="en-NL" sz="2800" b="1" dirty="0"/>
-          </a:p>
-        </p:txBody>
-      </p:sp>
-      <p:pic>
-        <p:nvPicPr>
-          <p:cNvPr id="1026" name="Picture 2">
-            <a:extLst>
-              <a:ext uri="{FF2B5EF4-FFF2-40B4-BE49-F238E27FC236}">
-                <a16:creationId xmlns:a16="http://schemas.microsoft.com/office/drawing/2014/main" id="{8E4F4E14-D642-436F-BCD7-8C86DCC1E5E3}"/>
-              </a:ext>
-            </a:extLst>
-          </p:cNvPr>
-          <p:cNvPicPr>
-            <a:picLocks noChangeAspect="1" noChangeArrowheads="1"/>
-          </p:cNvPicPr>
-          <p:nvPr/>
-        </p:nvPicPr>
-        <p:blipFill>
-          <a:blip r:embed="rId2">
-            <a:extLst>
-              <a:ext uri="{28A0092B-C50C-407E-A947-70E740481C1C}">
-                <a14:useLocalDpi xmlns:a14="http://schemas.microsoft.com/office/drawing/2010/main" val="0"/>
-              </a:ext>
-            </a:extLst>
-          </a:blip>
-          <a:srcRect/>
-          <a:stretch>
-            <a:fillRect/>
-          </a:stretch>
-        </p:blipFill>
-        <p:spPr bwMode="auto">
-          <a:xfrm>
-            <a:off x="897562" y="1901681"/>
-            <a:ext cx="2857500" cy="2476500"/>
-          </a:xfrm>
-          <a:prstGeom prst="rect">
-            <a:avLst/>
-          </a:prstGeom>
-          <a:noFill/>
-          <a:extLst>
-            <a:ext uri="{909E8E84-426E-40DD-AFC4-6F175D3DCCD1}">
-              <a14:hiddenFill xmlns:a14="http://schemas.microsoft.com/office/drawing/2010/main">
-                <a:solidFill>
-                  <a:srgbClr val="FFFFFF"/>
-                </a:solidFill>
-              </a14:hiddenFill>
-            </a:ext>
-          </a:extLst>
-        </p:spPr>
-      </p:pic>
-    </p:spTree>
-    <p:extLst>
-      <p:ext uri="{BB962C8B-B14F-4D97-AF65-F5344CB8AC3E}">
-        <p14:creationId xmlns:p14="http://schemas.microsoft.com/office/powerpoint/2010/main" val="2516102687"/>
-      </p:ext>
-    </p:extLst>
-  </p:cSld>
-  <p:clrMapOvr>
-    <a:masterClrMapping/>
-  </p:clrMapOvr>
-</p:sld>
-</file>
-
-<file path=ppt/slides/slide60.xml><?xml version="1.0" encoding="utf-8"?>
+<file path=ppt/slides/slide61.xml><?xml version="1.0" encoding="utf-8"?>
 <p:sld xmlns:a="http://schemas.openxmlformats.org/drawingml/2006/main" xmlns:r="http://schemas.openxmlformats.org/officeDocument/2006/relationships" xmlns:p="http://schemas.openxmlformats.org/presentationml/2006/main">
   <p:cSld>
     <p:spTree>
@@ -37206,7 +37618,7 @@
 </p:sld>
 </file>
 
-<file path=ppt/slides/slide61.xml><?xml version="1.0" encoding="utf-8"?>
+<file path=ppt/slides/slide62.xml><?xml version="1.0" encoding="utf-8"?>
 <p:sld xmlns:a="http://schemas.openxmlformats.org/drawingml/2006/main" xmlns:r="http://schemas.openxmlformats.org/officeDocument/2006/relationships" xmlns:p="http://schemas.openxmlformats.org/presentationml/2006/main">
   <p:cSld>
     <p:spTree>
@@ -37442,7 +37854,7 @@
 </p:sld>
 </file>
 
-<file path=ppt/slides/slide62.xml><?xml version="1.0" encoding="utf-8"?>
+<file path=ppt/slides/slide63.xml><?xml version="1.0" encoding="utf-8"?>
 <p:sld xmlns:a="http://schemas.openxmlformats.org/drawingml/2006/main" xmlns:r="http://schemas.openxmlformats.org/officeDocument/2006/relationships" xmlns:p="http://schemas.openxmlformats.org/presentationml/2006/main">
   <p:cSld>
     <p:spTree>
@@ -37870,7 +38282,7 @@
 </p:sld>
 </file>
 
-<file path=ppt/slides/slide63.xml><?xml version="1.0" encoding="utf-8"?>
+<file path=ppt/slides/slide64.xml><?xml version="1.0" encoding="utf-8"?>
 <p:sld xmlns:a="http://schemas.openxmlformats.org/drawingml/2006/main" xmlns:r="http://schemas.openxmlformats.org/officeDocument/2006/relationships" xmlns:p="http://schemas.openxmlformats.org/presentationml/2006/main">
   <p:cSld>
     <p:spTree>
@@ -38323,301 +38735,6 @@
     <p:extLst>
       <p:ext uri="{BB962C8B-B14F-4D97-AF65-F5344CB8AC3E}">
         <p14:creationId xmlns:p14="http://schemas.microsoft.com/office/powerpoint/2010/main" val="333145356"/>
-      </p:ext>
-    </p:extLst>
-  </p:cSld>
-  <p:clrMapOvr>
-    <a:masterClrMapping/>
-  </p:clrMapOvr>
-  <p:timing>
-    <p:tnLst>
-      <p:par>
-        <p:cTn id="1" dur="indefinite" restart="never" nodeType="tmRoot">
-          <p:childTnLst>
-            <p:seq concurrent="1" nextAc="seek">
-              <p:cTn id="2" dur="indefinite" nodeType="mainSeq">
-                <p:childTnLst>
-                  <p:par>
-                    <p:cTn id="3" fill="hold">
-                      <p:stCondLst>
-                        <p:cond delay="indefinite"/>
-                      </p:stCondLst>
-                      <p:childTnLst>
-                        <p:par>
-                          <p:cTn id="4" fill="hold">
-                            <p:stCondLst>
-                              <p:cond delay="0"/>
-                            </p:stCondLst>
-                            <p:childTnLst>
-                              <p:par>
-                                <p:cTn id="5" presetID="1" presetClass="entr" presetSubtype="0" fill="hold" grpId="0" nodeType="clickEffect">
-                                  <p:stCondLst>
-                                    <p:cond delay="0"/>
-                                  </p:stCondLst>
-                                  <p:childTnLst>
-                                    <p:set>
-                                      <p:cBhvr>
-                                        <p:cTn id="6" dur="1" fill="hold">
-                                          <p:stCondLst>
-                                            <p:cond delay="0"/>
-                                          </p:stCondLst>
-                                        </p:cTn>
-                                        <p:tgtEl>
-                                          <p:spTgt spid="8"/>
-                                        </p:tgtEl>
-                                        <p:attrNameLst>
-                                          <p:attrName>style.visibility</p:attrName>
-                                        </p:attrNameLst>
-                                      </p:cBhvr>
-                                      <p:to>
-                                        <p:strVal val="visible"/>
-                                      </p:to>
-                                    </p:set>
-                                  </p:childTnLst>
-                                </p:cTn>
-                              </p:par>
-                            </p:childTnLst>
-                          </p:cTn>
-                        </p:par>
-                      </p:childTnLst>
-                    </p:cTn>
-                  </p:par>
-                </p:childTnLst>
-              </p:cTn>
-              <p:prevCondLst>
-                <p:cond evt="onPrev" delay="0">
-                  <p:tgtEl>
-                    <p:sldTgt/>
-                  </p:tgtEl>
-                </p:cond>
-              </p:prevCondLst>
-              <p:nextCondLst>
-                <p:cond evt="onNext" delay="0">
-                  <p:tgtEl>
-                    <p:sldTgt/>
-                  </p:tgtEl>
-                </p:cond>
-              </p:nextCondLst>
-            </p:seq>
-          </p:childTnLst>
-        </p:cTn>
-      </p:par>
-    </p:tnLst>
-    <p:bldLst>
-      <p:bldP spid="8" grpId="0" animBg="1"/>
-    </p:bldLst>
-  </p:timing>
-</p:sld>
-</file>
-
-<file path=ppt/slides/slide64.xml><?xml version="1.0" encoding="utf-8"?>
-<p:sld xmlns:a="http://schemas.openxmlformats.org/drawingml/2006/main" xmlns:r="http://schemas.openxmlformats.org/officeDocument/2006/relationships" xmlns:p="http://schemas.openxmlformats.org/presentationml/2006/main">
-  <p:cSld>
-    <p:spTree>
-      <p:nvGrpSpPr>
-        <p:cNvPr id="1" name=""/>
-        <p:cNvGrpSpPr/>
-        <p:nvPr/>
-      </p:nvGrpSpPr>
-      <p:grpSpPr>
-        <a:xfrm>
-          <a:off x="0" y="0"/>
-          <a:ext cx="0" cy="0"/>
-          <a:chOff x="0" y="0"/>
-          <a:chExt cx="0" cy="0"/>
-        </a:xfrm>
-      </p:grpSpPr>
-      <p:sp>
-        <p:nvSpPr>
-          <p:cNvPr id="2" name="Title 1">
-            <a:extLst>
-              <a:ext uri="{FF2B5EF4-FFF2-40B4-BE49-F238E27FC236}">
-                <a16:creationId xmlns:a16="http://schemas.microsoft.com/office/drawing/2014/main" id="{4123861A-F328-4BB9-8F10-4F9FB0F7E245}"/>
-              </a:ext>
-            </a:extLst>
-          </p:cNvPr>
-          <p:cNvSpPr>
-            <a:spLocks noGrp="1"/>
-          </p:cNvSpPr>
-          <p:nvPr>
-            <p:ph type="title"/>
-          </p:nvPr>
-        </p:nvSpPr>
-        <p:spPr>
-          <a:xfrm>
-            <a:off x="287020" y="182438"/>
-            <a:ext cx="11617960" cy="860848"/>
-          </a:xfrm>
-        </p:spPr>
-        <p:txBody>
-          <a:bodyPr>
-            <a:normAutofit/>
-          </a:bodyPr>
-          <a:lstStyle/>
-          <a:p>
-            <a:r>
-              <a:rPr lang="en-US" b="1" dirty="0"/>
-              <a:t>p:viewport</a:t>
-            </a:r>
-            <a:endParaRPr lang="en-NL" b="1" dirty="0"/>
-          </a:p>
-        </p:txBody>
-      </p:sp>
-      <p:sp>
-        <p:nvSpPr>
-          <p:cNvPr id="4" name="TextBox 3">
-            <a:extLst>
-              <a:ext uri="{FF2B5EF4-FFF2-40B4-BE49-F238E27FC236}">
-                <a16:creationId xmlns:a16="http://schemas.microsoft.com/office/drawing/2014/main" id="{E614C84A-45C6-4C95-859B-4E28BD47CA0C}"/>
-              </a:ext>
-            </a:extLst>
-          </p:cNvPr>
-          <p:cNvSpPr txBox="1"/>
-          <p:nvPr/>
-        </p:nvSpPr>
-        <p:spPr>
-          <a:xfrm>
-            <a:off x="432910" y="1645173"/>
-            <a:ext cx="4097209" cy="1477328"/>
-          </a:xfrm>
-          <a:prstGeom prst="rect">
-            <a:avLst/>
-          </a:prstGeom>
-          <a:solidFill>
-            <a:schemeClr val="bg1">
-              <a:lumMod val="85000"/>
-            </a:schemeClr>
-          </a:solidFill>
-        </p:spPr>
-        <p:txBody>
-          <a:bodyPr wrap="square" rtlCol="0">
-            <a:spAutoFit/>
-          </a:bodyPr>
-          <a:lstStyle/>
-          <a:p>
-            <a:r>
-              <a:rPr lang="nl-NL" b="1" dirty="0">
-                <a:latin typeface="Courier New" panose="02070309020205020404" pitchFamily="49" charset="0"/>
-                <a:cs typeface="Courier New" panose="02070309020205020404" pitchFamily="49" charset="0"/>
-              </a:rPr>
-              <a:t>&lt;</a:t>
-            </a:r>
-            <a:r>
-              <a:rPr lang="nl-NL" b="1" dirty="0" err="1">
-                <a:latin typeface="Courier New" panose="02070309020205020404" pitchFamily="49" charset="0"/>
-                <a:cs typeface="Courier New" panose="02070309020205020404" pitchFamily="49" charset="0"/>
-              </a:rPr>
-              <a:t>p:viewport</a:t>
-            </a:r>
-            <a:r>
-              <a:rPr lang="nl-NL" b="1" dirty="0">
-                <a:latin typeface="Courier New" panose="02070309020205020404" pitchFamily="49" charset="0"/>
-                <a:cs typeface="Courier New" panose="02070309020205020404" pitchFamily="49" charset="0"/>
-              </a:rPr>
-              <a:t> match="…"&gt;</a:t>
-            </a:r>
-          </a:p>
-          <a:p>
-            <a:endParaRPr lang="nl-NL" b="1" dirty="0">
-              <a:latin typeface="Courier New" panose="02070309020205020404" pitchFamily="49" charset="0"/>
-              <a:cs typeface="Courier New" panose="02070309020205020404" pitchFamily="49" charset="0"/>
-            </a:endParaRPr>
-          </a:p>
-          <a:p>
-            <a:endParaRPr lang="nl-NL" b="1" dirty="0">
-              <a:latin typeface="Courier New" panose="02070309020205020404" pitchFamily="49" charset="0"/>
-              <a:cs typeface="Courier New" panose="02070309020205020404" pitchFamily="49" charset="0"/>
-            </a:endParaRPr>
-          </a:p>
-          <a:p>
-            <a:endParaRPr lang="nl-NL" b="1" dirty="0">
-              <a:latin typeface="Courier New" panose="02070309020205020404" pitchFamily="49" charset="0"/>
-              <a:cs typeface="Courier New" panose="02070309020205020404" pitchFamily="49" charset="0"/>
-            </a:endParaRPr>
-          </a:p>
-          <a:p>
-            <a:r>
-              <a:rPr lang="nl-NL" b="1" dirty="0">
-                <a:latin typeface="Courier New" panose="02070309020205020404" pitchFamily="49" charset="0"/>
-                <a:cs typeface="Courier New" panose="02070309020205020404" pitchFamily="49" charset="0"/>
-              </a:rPr>
-              <a:t>&lt;/</a:t>
-            </a:r>
-            <a:r>
-              <a:rPr lang="nl-NL" b="1" dirty="0" err="1">
-                <a:latin typeface="Courier New" panose="02070309020205020404" pitchFamily="49" charset="0"/>
-                <a:cs typeface="Courier New" panose="02070309020205020404" pitchFamily="49" charset="0"/>
-              </a:rPr>
-              <a:t>p:viewport</a:t>
-            </a:r>
-            <a:r>
-              <a:rPr lang="nl-NL" b="1" dirty="0">
-                <a:latin typeface="Courier New" panose="02070309020205020404" pitchFamily="49" charset="0"/>
-                <a:cs typeface="Courier New" panose="02070309020205020404" pitchFamily="49" charset="0"/>
-              </a:rPr>
-              <a:t>&gt;</a:t>
-            </a:r>
-          </a:p>
-        </p:txBody>
-      </p:sp>
-      <p:sp>
-        <p:nvSpPr>
-          <p:cNvPr id="8" name="Speech Bubble: Rectangle with Corners Rounded 7">
-            <a:extLst>
-              <a:ext uri="{FF2B5EF4-FFF2-40B4-BE49-F238E27FC236}">
-                <a16:creationId xmlns:a16="http://schemas.microsoft.com/office/drawing/2014/main" id="{3AEEC5B8-E8AA-4B9B-A99C-2D140DDFCBEE}"/>
-              </a:ext>
-            </a:extLst>
-          </p:cNvPr>
-          <p:cNvSpPr/>
-          <p:nvPr/>
-        </p:nvSpPr>
-        <p:spPr>
-          <a:xfrm>
-            <a:off x="6654406" y="1645173"/>
-            <a:ext cx="3753001" cy="818535"/>
-          </a:xfrm>
-          <a:prstGeom prst="wedgeRoundRectCallout">
-            <a:avLst>
-              <a:gd name="adj1" fmla="val -139504"/>
-              <a:gd name="adj2" fmla="val 13465"/>
-              <a:gd name="adj3" fmla="val 16667"/>
-            </a:avLst>
-          </a:prstGeom>
-        </p:spPr>
-        <p:style>
-          <a:lnRef idx="2">
-            <a:schemeClr val="accent1">
-              <a:shade val="50000"/>
-            </a:schemeClr>
-          </a:lnRef>
-          <a:fillRef idx="1">
-            <a:schemeClr val="accent1"/>
-          </a:fillRef>
-          <a:effectRef idx="0">
-            <a:schemeClr val="accent1"/>
-          </a:effectRef>
-          <a:fontRef idx="minor">
-            <a:schemeClr val="lt1"/>
-          </a:fontRef>
-        </p:style>
-        <p:txBody>
-          <a:bodyPr rtlCol="0" anchor="ctr"/>
-          <a:lstStyle/>
-          <a:p>
-            <a:pPr algn="ctr"/>
-            <a:r>
-              <a:rPr lang="en-US" sz="1600" b="1" dirty="0"/>
-              <a:t>Replace the matched nodes with you produce in here</a:t>
-            </a:r>
-            <a:endParaRPr lang="en-NL" sz="1600" b="1" dirty="0"/>
-          </a:p>
-        </p:txBody>
-      </p:sp>
-    </p:spTree>
-    <p:extLst>
-      <p:ext uri="{BB962C8B-B14F-4D97-AF65-F5344CB8AC3E}">
-        <p14:creationId xmlns:p14="http://schemas.microsoft.com/office/powerpoint/2010/main" val="3019053051"/>
       </p:ext>
     </p:extLst>
   </p:cSld>
@@ -38724,6 +38841,301 @@
       </p:grpSpPr>
       <p:sp>
         <p:nvSpPr>
+          <p:cNvPr id="2" name="Title 1">
+            <a:extLst>
+              <a:ext uri="{FF2B5EF4-FFF2-40B4-BE49-F238E27FC236}">
+                <a16:creationId xmlns:a16="http://schemas.microsoft.com/office/drawing/2014/main" id="{4123861A-F328-4BB9-8F10-4F9FB0F7E245}"/>
+              </a:ext>
+            </a:extLst>
+          </p:cNvPr>
+          <p:cNvSpPr>
+            <a:spLocks noGrp="1"/>
+          </p:cNvSpPr>
+          <p:nvPr>
+            <p:ph type="title"/>
+          </p:nvPr>
+        </p:nvSpPr>
+        <p:spPr>
+          <a:xfrm>
+            <a:off x="287020" y="182438"/>
+            <a:ext cx="11617960" cy="860848"/>
+          </a:xfrm>
+        </p:spPr>
+        <p:txBody>
+          <a:bodyPr>
+            <a:normAutofit/>
+          </a:bodyPr>
+          <a:lstStyle/>
+          <a:p>
+            <a:r>
+              <a:rPr lang="en-US" b="1" dirty="0"/>
+              <a:t>p:viewport</a:t>
+            </a:r>
+            <a:endParaRPr lang="en-NL" b="1" dirty="0"/>
+          </a:p>
+        </p:txBody>
+      </p:sp>
+      <p:sp>
+        <p:nvSpPr>
+          <p:cNvPr id="4" name="TextBox 3">
+            <a:extLst>
+              <a:ext uri="{FF2B5EF4-FFF2-40B4-BE49-F238E27FC236}">
+                <a16:creationId xmlns:a16="http://schemas.microsoft.com/office/drawing/2014/main" id="{E614C84A-45C6-4C95-859B-4E28BD47CA0C}"/>
+              </a:ext>
+            </a:extLst>
+          </p:cNvPr>
+          <p:cNvSpPr txBox="1"/>
+          <p:nvPr/>
+        </p:nvSpPr>
+        <p:spPr>
+          <a:xfrm>
+            <a:off x="432910" y="1645173"/>
+            <a:ext cx="4097209" cy="1477328"/>
+          </a:xfrm>
+          <a:prstGeom prst="rect">
+            <a:avLst/>
+          </a:prstGeom>
+          <a:solidFill>
+            <a:schemeClr val="bg1">
+              <a:lumMod val="85000"/>
+            </a:schemeClr>
+          </a:solidFill>
+        </p:spPr>
+        <p:txBody>
+          <a:bodyPr wrap="square" rtlCol="0">
+            <a:spAutoFit/>
+          </a:bodyPr>
+          <a:lstStyle/>
+          <a:p>
+            <a:r>
+              <a:rPr lang="nl-NL" b="1" dirty="0">
+                <a:latin typeface="Courier New" panose="02070309020205020404" pitchFamily="49" charset="0"/>
+                <a:cs typeface="Courier New" panose="02070309020205020404" pitchFamily="49" charset="0"/>
+              </a:rPr>
+              <a:t>&lt;</a:t>
+            </a:r>
+            <a:r>
+              <a:rPr lang="nl-NL" b="1" dirty="0" err="1">
+                <a:latin typeface="Courier New" panose="02070309020205020404" pitchFamily="49" charset="0"/>
+                <a:cs typeface="Courier New" panose="02070309020205020404" pitchFamily="49" charset="0"/>
+              </a:rPr>
+              <a:t>p:viewport</a:t>
+            </a:r>
+            <a:r>
+              <a:rPr lang="nl-NL" b="1" dirty="0">
+                <a:latin typeface="Courier New" panose="02070309020205020404" pitchFamily="49" charset="0"/>
+                <a:cs typeface="Courier New" panose="02070309020205020404" pitchFamily="49" charset="0"/>
+              </a:rPr>
+              <a:t> match="…"&gt;</a:t>
+            </a:r>
+          </a:p>
+          <a:p>
+            <a:endParaRPr lang="nl-NL" b="1" dirty="0">
+              <a:latin typeface="Courier New" panose="02070309020205020404" pitchFamily="49" charset="0"/>
+              <a:cs typeface="Courier New" panose="02070309020205020404" pitchFamily="49" charset="0"/>
+            </a:endParaRPr>
+          </a:p>
+          <a:p>
+            <a:endParaRPr lang="nl-NL" b="1" dirty="0">
+              <a:latin typeface="Courier New" panose="02070309020205020404" pitchFamily="49" charset="0"/>
+              <a:cs typeface="Courier New" panose="02070309020205020404" pitchFamily="49" charset="0"/>
+            </a:endParaRPr>
+          </a:p>
+          <a:p>
+            <a:endParaRPr lang="nl-NL" b="1" dirty="0">
+              <a:latin typeface="Courier New" panose="02070309020205020404" pitchFamily="49" charset="0"/>
+              <a:cs typeface="Courier New" panose="02070309020205020404" pitchFamily="49" charset="0"/>
+            </a:endParaRPr>
+          </a:p>
+          <a:p>
+            <a:r>
+              <a:rPr lang="nl-NL" b="1" dirty="0">
+                <a:latin typeface="Courier New" panose="02070309020205020404" pitchFamily="49" charset="0"/>
+                <a:cs typeface="Courier New" panose="02070309020205020404" pitchFamily="49" charset="0"/>
+              </a:rPr>
+              <a:t>&lt;/</a:t>
+            </a:r>
+            <a:r>
+              <a:rPr lang="nl-NL" b="1" dirty="0" err="1">
+                <a:latin typeface="Courier New" panose="02070309020205020404" pitchFamily="49" charset="0"/>
+                <a:cs typeface="Courier New" panose="02070309020205020404" pitchFamily="49" charset="0"/>
+              </a:rPr>
+              <a:t>p:viewport</a:t>
+            </a:r>
+            <a:r>
+              <a:rPr lang="nl-NL" b="1" dirty="0">
+                <a:latin typeface="Courier New" panose="02070309020205020404" pitchFamily="49" charset="0"/>
+                <a:cs typeface="Courier New" panose="02070309020205020404" pitchFamily="49" charset="0"/>
+              </a:rPr>
+              <a:t>&gt;</a:t>
+            </a:r>
+          </a:p>
+        </p:txBody>
+      </p:sp>
+      <p:sp>
+        <p:nvSpPr>
+          <p:cNvPr id="8" name="Speech Bubble: Rectangle with Corners Rounded 7">
+            <a:extLst>
+              <a:ext uri="{FF2B5EF4-FFF2-40B4-BE49-F238E27FC236}">
+                <a16:creationId xmlns:a16="http://schemas.microsoft.com/office/drawing/2014/main" id="{3AEEC5B8-E8AA-4B9B-A99C-2D140DDFCBEE}"/>
+              </a:ext>
+            </a:extLst>
+          </p:cNvPr>
+          <p:cNvSpPr/>
+          <p:nvPr/>
+        </p:nvSpPr>
+        <p:spPr>
+          <a:xfrm>
+            <a:off x="6654406" y="1645173"/>
+            <a:ext cx="3753001" cy="818535"/>
+          </a:xfrm>
+          <a:prstGeom prst="wedgeRoundRectCallout">
+            <a:avLst>
+              <a:gd name="adj1" fmla="val -139504"/>
+              <a:gd name="adj2" fmla="val 13465"/>
+              <a:gd name="adj3" fmla="val 16667"/>
+            </a:avLst>
+          </a:prstGeom>
+        </p:spPr>
+        <p:style>
+          <a:lnRef idx="2">
+            <a:schemeClr val="accent1">
+              <a:shade val="50000"/>
+            </a:schemeClr>
+          </a:lnRef>
+          <a:fillRef idx="1">
+            <a:schemeClr val="accent1"/>
+          </a:fillRef>
+          <a:effectRef idx="0">
+            <a:schemeClr val="accent1"/>
+          </a:effectRef>
+          <a:fontRef idx="minor">
+            <a:schemeClr val="lt1"/>
+          </a:fontRef>
+        </p:style>
+        <p:txBody>
+          <a:bodyPr rtlCol="0" anchor="ctr"/>
+          <a:lstStyle/>
+          <a:p>
+            <a:pPr algn="ctr"/>
+            <a:r>
+              <a:rPr lang="en-US" sz="1600" b="1" dirty="0"/>
+              <a:t>Replace the matched nodes with you produce in here</a:t>
+            </a:r>
+            <a:endParaRPr lang="en-NL" sz="1600" b="1" dirty="0"/>
+          </a:p>
+        </p:txBody>
+      </p:sp>
+    </p:spTree>
+    <p:extLst>
+      <p:ext uri="{BB962C8B-B14F-4D97-AF65-F5344CB8AC3E}">
+        <p14:creationId xmlns:p14="http://schemas.microsoft.com/office/powerpoint/2010/main" val="3019053051"/>
+      </p:ext>
+    </p:extLst>
+  </p:cSld>
+  <p:clrMapOvr>
+    <a:masterClrMapping/>
+  </p:clrMapOvr>
+  <p:timing>
+    <p:tnLst>
+      <p:par>
+        <p:cTn id="1" dur="indefinite" restart="never" nodeType="tmRoot">
+          <p:childTnLst>
+            <p:seq concurrent="1" nextAc="seek">
+              <p:cTn id="2" dur="indefinite" nodeType="mainSeq">
+                <p:childTnLst>
+                  <p:par>
+                    <p:cTn id="3" fill="hold">
+                      <p:stCondLst>
+                        <p:cond delay="indefinite"/>
+                      </p:stCondLst>
+                      <p:childTnLst>
+                        <p:par>
+                          <p:cTn id="4" fill="hold">
+                            <p:stCondLst>
+                              <p:cond delay="0"/>
+                            </p:stCondLst>
+                            <p:childTnLst>
+                              <p:par>
+                                <p:cTn id="5" presetID="1" presetClass="entr" presetSubtype="0" fill="hold" grpId="0" nodeType="clickEffect">
+                                  <p:stCondLst>
+                                    <p:cond delay="0"/>
+                                  </p:stCondLst>
+                                  <p:childTnLst>
+                                    <p:set>
+                                      <p:cBhvr>
+                                        <p:cTn id="6" dur="1" fill="hold">
+                                          <p:stCondLst>
+                                            <p:cond delay="0"/>
+                                          </p:stCondLst>
+                                        </p:cTn>
+                                        <p:tgtEl>
+                                          <p:spTgt spid="8"/>
+                                        </p:tgtEl>
+                                        <p:attrNameLst>
+                                          <p:attrName>style.visibility</p:attrName>
+                                        </p:attrNameLst>
+                                      </p:cBhvr>
+                                      <p:to>
+                                        <p:strVal val="visible"/>
+                                      </p:to>
+                                    </p:set>
+                                  </p:childTnLst>
+                                </p:cTn>
+                              </p:par>
+                            </p:childTnLst>
+                          </p:cTn>
+                        </p:par>
+                      </p:childTnLst>
+                    </p:cTn>
+                  </p:par>
+                </p:childTnLst>
+              </p:cTn>
+              <p:prevCondLst>
+                <p:cond evt="onPrev" delay="0">
+                  <p:tgtEl>
+                    <p:sldTgt/>
+                  </p:tgtEl>
+                </p:cond>
+              </p:prevCondLst>
+              <p:nextCondLst>
+                <p:cond evt="onNext" delay="0">
+                  <p:tgtEl>
+                    <p:sldTgt/>
+                  </p:tgtEl>
+                </p:cond>
+              </p:nextCondLst>
+            </p:seq>
+          </p:childTnLst>
+        </p:cTn>
+      </p:par>
+    </p:tnLst>
+    <p:bldLst>
+      <p:bldP spid="8" grpId="0" animBg="1"/>
+    </p:bldLst>
+  </p:timing>
+</p:sld>
+</file>
+
+<file path=ppt/slides/slide66.xml><?xml version="1.0" encoding="utf-8"?>
+<p:sld xmlns:a="http://schemas.openxmlformats.org/drawingml/2006/main" xmlns:r="http://schemas.openxmlformats.org/officeDocument/2006/relationships" xmlns:p="http://schemas.openxmlformats.org/presentationml/2006/main">
+  <p:cSld>
+    <p:spTree>
+      <p:nvGrpSpPr>
+        <p:cNvPr id="1" name=""/>
+        <p:cNvGrpSpPr/>
+        <p:nvPr/>
+      </p:nvGrpSpPr>
+      <p:grpSpPr>
+        <a:xfrm>
+          <a:off x="0" y="0"/>
+          <a:ext cx="0" cy="0"/>
+          <a:chOff x="0" y="0"/>
+          <a:chExt cx="0" cy="0"/>
+        </a:xfrm>
+      </p:grpSpPr>
+      <p:sp>
+        <p:nvSpPr>
           <p:cNvPr id="2" name="Titel 1">
             <a:extLst>
               <a:ext uri="{FF2B5EF4-FFF2-40B4-BE49-F238E27FC236}">
@@ -39130,7 +39542,7 @@
 </p:sld>
 </file>
 
-<file path=ppt/slides/slide66.xml><?xml version="1.0" encoding="utf-8"?>
+<file path=ppt/slides/slide67.xml><?xml version="1.0" encoding="utf-8"?>
 <p:sld xmlns:a="http://schemas.openxmlformats.org/drawingml/2006/main" xmlns:r="http://schemas.openxmlformats.org/officeDocument/2006/relationships" xmlns:p="http://schemas.openxmlformats.org/presentationml/2006/main">
   <p:cSld>
     <p:spTree>
@@ -39381,7 +39793,7 @@
 </p:sld>
 </file>
 
-<file path=ppt/slides/slide67.xml><?xml version="1.0" encoding="utf-8"?>
+<file path=ppt/slides/slide68.xml><?xml version="1.0" encoding="utf-8"?>
 <p:sld xmlns:a="http://schemas.openxmlformats.org/drawingml/2006/main" xmlns:r="http://schemas.openxmlformats.org/officeDocument/2006/relationships" xmlns:p="http://schemas.openxmlformats.org/presentationml/2006/main">
   <p:cSld>
     <p:spTree>
@@ -39968,7 +40380,7 @@
 </p:sld>
 </file>
 
-<file path=ppt/slides/slide68.xml><?xml version="1.0" encoding="utf-8"?>
+<file path=ppt/slides/slide69.xml><?xml version="1.0" encoding="utf-8"?>
 <p:sld xmlns:a="http://schemas.openxmlformats.org/drawingml/2006/main" xmlns:r="http://schemas.openxmlformats.org/officeDocument/2006/relationships" xmlns:p="http://schemas.openxmlformats.org/presentationml/2006/main">
   <p:cSld>
     <p:spTree>
@@ -40340,7 +40752,218 @@
 </p:sld>
 </file>
 
-<file path=ppt/slides/slide69.xml><?xml version="1.0" encoding="utf-8"?>
+<file path=ppt/slides/slide7.xml><?xml version="1.0" encoding="utf-8"?>
+<p:sld xmlns:a="http://schemas.openxmlformats.org/drawingml/2006/main" xmlns:r="http://schemas.openxmlformats.org/officeDocument/2006/relationships" xmlns:p="http://schemas.openxmlformats.org/presentationml/2006/main">
+  <p:cSld>
+    <p:spTree>
+      <p:nvGrpSpPr>
+        <p:cNvPr id="1" name=""/>
+        <p:cNvGrpSpPr/>
+        <p:nvPr/>
+      </p:nvGrpSpPr>
+      <p:grpSpPr>
+        <a:xfrm>
+          <a:off x="0" y="0"/>
+          <a:ext cx="0" cy="0"/>
+          <a:chOff x="0" y="0"/>
+          <a:chExt cx="0" cy="0"/>
+        </a:xfrm>
+      </p:grpSpPr>
+      <p:sp>
+        <p:nvSpPr>
+          <p:cNvPr id="2" name="Titel 1">
+            <a:extLst>
+              <a:ext uri="{FF2B5EF4-FFF2-40B4-BE49-F238E27FC236}">
+                <a16:creationId xmlns:a16="http://schemas.microsoft.com/office/drawing/2014/main" id="{25F01D3E-9B58-4C53-836D-EEC985D263CA}"/>
+              </a:ext>
+            </a:extLst>
+          </p:cNvPr>
+          <p:cNvSpPr>
+            <a:spLocks noGrp="1"/>
+          </p:cNvSpPr>
+          <p:nvPr>
+            <p:ph type="title"/>
+          </p:nvPr>
+        </p:nvSpPr>
+        <p:spPr>
+          <a:xfrm>
+            <a:off x="339441" y="98907"/>
+            <a:ext cx="10515600" cy="1325563"/>
+          </a:xfrm>
+        </p:spPr>
+        <p:txBody>
+          <a:bodyPr/>
+          <a:lstStyle/>
+          <a:p>
+            <a:r>
+              <a:rPr lang="en-US" dirty="0"/>
+              <a:t>Pipelines, steps</a:t>
+            </a:r>
+          </a:p>
+        </p:txBody>
+      </p:sp>
+      <p:pic>
+        <p:nvPicPr>
+          <p:cNvPr id="5" name="Afbeelding 4">
+            <a:extLst>
+              <a:ext uri="{FF2B5EF4-FFF2-40B4-BE49-F238E27FC236}">
+                <a16:creationId xmlns:a16="http://schemas.microsoft.com/office/drawing/2014/main" id="{EDC6CD82-D952-433F-AEE5-6CE27B3AC174}"/>
+              </a:ext>
+            </a:extLst>
+          </p:cNvPr>
+          <p:cNvPicPr>
+            <a:picLocks noChangeAspect="1"/>
+          </p:cNvPicPr>
+          <p:nvPr/>
+        </p:nvPicPr>
+        <p:blipFill>
+          <a:blip r:embed="rId2">
+            <a:extLst>
+              <a:ext uri="{28A0092B-C50C-407E-A947-70E740481C1C}">
+                <a14:useLocalDpi xmlns:a14="http://schemas.microsoft.com/office/drawing/2010/main" val="0"/>
+              </a:ext>
+            </a:extLst>
+          </a:blip>
+          <a:stretch>
+            <a:fillRect/>
+          </a:stretch>
+        </p:blipFill>
+        <p:spPr>
+          <a:xfrm>
+            <a:off x="1033354" y="1773478"/>
+            <a:ext cx="8095243" cy="3561144"/>
+          </a:xfrm>
+          <a:prstGeom prst="rect">
+            <a:avLst/>
+          </a:prstGeom>
+        </p:spPr>
+      </p:pic>
+      <p:sp>
+        <p:nvSpPr>
+          <p:cNvPr id="6" name="Tekstvak 5">
+            <a:extLst>
+              <a:ext uri="{FF2B5EF4-FFF2-40B4-BE49-F238E27FC236}">
+                <a16:creationId xmlns:a16="http://schemas.microsoft.com/office/drawing/2014/main" id="{1F46E14B-CD14-450C-A38D-FCC280DF5F23}"/>
+              </a:ext>
+            </a:extLst>
+          </p:cNvPr>
+          <p:cNvSpPr txBox="1"/>
+          <p:nvPr/>
+        </p:nvSpPr>
+        <p:spPr>
+          <a:xfrm>
+            <a:off x="5161368" y="761688"/>
+            <a:ext cx="7143721" cy="1384995"/>
+          </a:xfrm>
+          <a:prstGeom prst="rect">
+            <a:avLst/>
+          </a:prstGeom>
+          <a:noFill/>
+        </p:spPr>
+        <p:txBody>
+          <a:bodyPr wrap="square" rtlCol="0">
+            <a:spAutoFit/>
+          </a:bodyPr>
+          <a:lstStyle/>
+          <a:p>
+            <a:pPr marL="285750" indent="-285750">
+              <a:buFont typeface="Arial" panose="020B0604020202020204" pitchFamily="34" charset="0"/>
+              <a:buChar char="•"/>
+            </a:pPr>
+            <a:r>
+              <a:rPr lang="en-US" sz="2800" dirty="0"/>
+              <a:t>Document(s) as input</a:t>
+            </a:r>
+          </a:p>
+          <a:p>
+            <a:pPr marL="285750" indent="-285750">
+              <a:buFont typeface="Arial" panose="020B0604020202020204" pitchFamily="34" charset="0"/>
+              <a:buChar char="•"/>
+            </a:pPr>
+            <a:r>
+              <a:rPr lang="en-US" sz="2800" dirty="0"/>
+              <a:t>Process the data flowing through using steps</a:t>
+            </a:r>
+          </a:p>
+          <a:p>
+            <a:pPr marL="285750" indent="-285750">
+              <a:buFont typeface="Arial" panose="020B0604020202020204" pitchFamily="34" charset="0"/>
+              <a:buChar char="•"/>
+            </a:pPr>
+            <a:r>
+              <a:rPr lang="en-US" sz="2800" dirty="0"/>
+              <a:t>Produce output(s)</a:t>
+            </a:r>
+          </a:p>
+        </p:txBody>
+      </p:sp>
+      <p:sp>
+        <p:nvSpPr>
+          <p:cNvPr id="7" name="Speech Bubble: Oval 6">
+            <a:extLst>
+              <a:ext uri="{FF2B5EF4-FFF2-40B4-BE49-F238E27FC236}">
+                <a16:creationId xmlns:a16="http://schemas.microsoft.com/office/drawing/2014/main" id="{53DF9EDA-9C82-44FF-9505-8E5C36E8D839}"/>
+              </a:ext>
+            </a:extLst>
+          </p:cNvPr>
+          <p:cNvSpPr/>
+          <p:nvPr/>
+        </p:nvSpPr>
+        <p:spPr>
+          <a:xfrm>
+            <a:off x="8589461" y="4702010"/>
+            <a:ext cx="3149600" cy="1463040"/>
+          </a:xfrm>
+          <a:prstGeom prst="wedgeEllipseCallout">
+            <a:avLst>
+              <a:gd name="adj1" fmla="val 44650"/>
+              <a:gd name="adj2" fmla="val 80645"/>
+            </a:avLst>
+          </a:prstGeom>
+        </p:spPr>
+        <p:style>
+          <a:lnRef idx="2">
+            <a:schemeClr val="accent1">
+              <a:shade val="50000"/>
+            </a:schemeClr>
+          </a:lnRef>
+          <a:fillRef idx="1">
+            <a:schemeClr val="accent1"/>
+          </a:fillRef>
+          <a:effectRef idx="0">
+            <a:schemeClr val="accent1"/>
+          </a:effectRef>
+          <a:fontRef idx="minor">
+            <a:schemeClr val="lt1"/>
+          </a:fontRef>
+        </p:style>
+        <p:txBody>
+          <a:bodyPr rtlCol="0" anchor="ctr"/>
+          <a:lstStyle/>
+          <a:p>
+            <a:pPr algn="ctr"/>
+            <a:r>
+              <a:rPr lang="en-US" b="1" dirty="0"/>
+              <a:t>Documents can be of any type, not just XML!</a:t>
+            </a:r>
+            <a:endParaRPr lang="en-NL" b="1" dirty="0"/>
+          </a:p>
+        </p:txBody>
+      </p:sp>
+    </p:spTree>
+    <p:extLst>
+      <p:ext uri="{BB962C8B-B14F-4D97-AF65-F5344CB8AC3E}">
+        <p14:creationId xmlns:p14="http://schemas.microsoft.com/office/powerpoint/2010/main" val="1980104863"/>
+      </p:ext>
+    </p:extLst>
+  </p:cSld>
+  <p:clrMapOvr>
+    <a:masterClrMapping/>
+  </p:clrMapOvr>
+</p:sld>
+</file>
+
+<file path=ppt/slides/slide70.xml><?xml version="1.0" encoding="utf-8"?>
 <p:sld xmlns:a="http://schemas.openxmlformats.org/drawingml/2006/main" xmlns:r="http://schemas.openxmlformats.org/officeDocument/2006/relationships" xmlns:p="http://schemas.openxmlformats.org/presentationml/2006/main">
   <p:cSld>
     <p:spTree>
@@ -41166,217 +41789,6 @@
       <p:bldP spid="4" grpId="0" animBg="1"/>
     </p:bldLst>
   </p:timing>
-</p:sld>
-</file>
-
-<file path=ppt/slides/slide7.xml><?xml version="1.0" encoding="utf-8"?>
-<p:sld xmlns:a="http://schemas.openxmlformats.org/drawingml/2006/main" xmlns:r="http://schemas.openxmlformats.org/officeDocument/2006/relationships" xmlns:p="http://schemas.openxmlformats.org/presentationml/2006/main">
-  <p:cSld>
-    <p:spTree>
-      <p:nvGrpSpPr>
-        <p:cNvPr id="1" name=""/>
-        <p:cNvGrpSpPr/>
-        <p:nvPr/>
-      </p:nvGrpSpPr>
-      <p:grpSpPr>
-        <a:xfrm>
-          <a:off x="0" y="0"/>
-          <a:ext cx="0" cy="0"/>
-          <a:chOff x="0" y="0"/>
-          <a:chExt cx="0" cy="0"/>
-        </a:xfrm>
-      </p:grpSpPr>
-      <p:sp>
-        <p:nvSpPr>
-          <p:cNvPr id="2" name="Titel 1">
-            <a:extLst>
-              <a:ext uri="{FF2B5EF4-FFF2-40B4-BE49-F238E27FC236}">
-                <a16:creationId xmlns:a16="http://schemas.microsoft.com/office/drawing/2014/main" id="{25F01D3E-9B58-4C53-836D-EEC985D263CA}"/>
-              </a:ext>
-            </a:extLst>
-          </p:cNvPr>
-          <p:cNvSpPr>
-            <a:spLocks noGrp="1"/>
-          </p:cNvSpPr>
-          <p:nvPr>
-            <p:ph type="title"/>
-          </p:nvPr>
-        </p:nvSpPr>
-        <p:spPr>
-          <a:xfrm>
-            <a:off x="339441" y="98907"/>
-            <a:ext cx="10515600" cy="1325563"/>
-          </a:xfrm>
-        </p:spPr>
-        <p:txBody>
-          <a:bodyPr/>
-          <a:lstStyle/>
-          <a:p>
-            <a:r>
-              <a:rPr lang="en-US" dirty="0"/>
-              <a:t>Pipelines, steps</a:t>
-            </a:r>
-          </a:p>
-        </p:txBody>
-      </p:sp>
-      <p:pic>
-        <p:nvPicPr>
-          <p:cNvPr id="5" name="Afbeelding 4">
-            <a:extLst>
-              <a:ext uri="{FF2B5EF4-FFF2-40B4-BE49-F238E27FC236}">
-                <a16:creationId xmlns:a16="http://schemas.microsoft.com/office/drawing/2014/main" id="{EDC6CD82-D952-433F-AEE5-6CE27B3AC174}"/>
-              </a:ext>
-            </a:extLst>
-          </p:cNvPr>
-          <p:cNvPicPr>
-            <a:picLocks noChangeAspect="1"/>
-          </p:cNvPicPr>
-          <p:nvPr/>
-        </p:nvPicPr>
-        <p:blipFill>
-          <a:blip r:embed="rId2">
-            <a:extLst>
-              <a:ext uri="{28A0092B-C50C-407E-A947-70E740481C1C}">
-                <a14:useLocalDpi xmlns:a14="http://schemas.microsoft.com/office/drawing/2010/main" val="0"/>
-              </a:ext>
-            </a:extLst>
-          </a:blip>
-          <a:stretch>
-            <a:fillRect/>
-          </a:stretch>
-        </p:blipFill>
-        <p:spPr>
-          <a:xfrm>
-            <a:off x="1033354" y="1773478"/>
-            <a:ext cx="8095243" cy="3561144"/>
-          </a:xfrm>
-          <a:prstGeom prst="rect">
-            <a:avLst/>
-          </a:prstGeom>
-        </p:spPr>
-      </p:pic>
-      <p:sp>
-        <p:nvSpPr>
-          <p:cNvPr id="6" name="Tekstvak 5">
-            <a:extLst>
-              <a:ext uri="{FF2B5EF4-FFF2-40B4-BE49-F238E27FC236}">
-                <a16:creationId xmlns:a16="http://schemas.microsoft.com/office/drawing/2014/main" id="{1F46E14B-CD14-450C-A38D-FCC280DF5F23}"/>
-              </a:ext>
-            </a:extLst>
-          </p:cNvPr>
-          <p:cNvSpPr txBox="1"/>
-          <p:nvPr/>
-        </p:nvSpPr>
-        <p:spPr>
-          <a:xfrm>
-            <a:off x="5161368" y="761688"/>
-            <a:ext cx="7143721" cy="1384995"/>
-          </a:xfrm>
-          <a:prstGeom prst="rect">
-            <a:avLst/>
-          </a:prstGeom>
-          <a:noFill/>
-        </p:spPr>
-        <p:txBody>
-          <a:bodyPr wrap="square" rtlCol="0">
-            <a:spAutoFit/>
-          </a:bodyPr>
-          <a:lstStyle/>
-          <a:p>
-            <a:pPr marL="285750" indent="-285750">
-              <a:buFont typeface="Arial" panose="020B0604020202020204" pitchFamily="34" charset="0"/>
-              <a:buChar char="•"/>
-            </a:pPr>
-            <a:r>
-              <a:rPr lang="en-US" sz="2800" dirty="0"/>
-              <a:t>Document(s) as input</a:t>
-            </a:r>
-          </a:p>
-          <a:p>
-            <a:pPr marL="285750" indent="-285750">
-              <a:buFont typeface="Arial" panose="020B0604020202020204" pitchFamily="34" charset="0"/>
-              <a:buChar char="•"/>
-            </a:pPr>
-            <a:r>
-              <a:rPr lang="en-US" sz="2800" dirty="0"/>
-              <a:t>Process the data flowing through using steps</a:t>
-            </a:r>
-          </a:p>
-          <a:p>
-            <a:pPr marL="285750" indent="-285750">
-              <a:buFont typeface="Arial" panose="020B0604020202020204" pitchFamily="34" charset="0"/>
-              <a:buChar char="•"/>
-            </a:pPr>
-            <a:r>
-              <a:rPr lang="en-US" sz="2800" dirty="0"/>
-              <a:t>Produce output(s)</a:t>
-            </a:r>
-          </a:p>
-        </p:txBody>
-      </p:sp>
-      <p:sp>
-        <p:nvSpPr>
-          <p:cNvPr id="7" name="Speech Bubble: Oval 6">
-            <a:extLst>
-              <a:ext uri="{FF2B5EF4-FFF2-40B4-BE49-F238E27FC236}">
-                <a16:creationId xmlns:a16="http://schemas.microsoft.com/office/drawing/2014/main" id="{53DF9EDA-9C82-44FF-9505-8E5C36E8D839}"/>
-              </a:ext>
-            </a:extLst>
-          </p:cNvPr>
-          <p:cNvSpPr/>
-          <p:nvPr/>
-        </p:nvSpPr>
-        <p:spPr>
-          <a:xfrm>
-            <a:off x="8589461" y="4702010"/>
-            <a:ext cx="3149600" cy="1463040"/>
-          </a:xfrm>
-          <a:prstGeom prst="wedgeEllipseCallout">
-            <a:avLst>
-              <a:gd name="adj1" fmla="val 44650"/>
-              <a:gd name="adj2" fmla="val 80645"/>
-            </a:avLst>
-          </a:prstGeom>
-        </p:spPr>
-        <p:style>
-          <a:lnRef idx="2">
-            <a:schemeClr val="accent1">
-              <a:shade val="50000"/>
-            </a:schemeClr>
-          </a:lnRef>
-          <a:fillRef idx="1">
-            <a:schemeClr val="accent1"/>
-          </a:fillRef>
-          <a:effectRef idx="0">
-            <a:schemeClr val="accent1"/>
-          </a:effectRef>
-          <a:fontRef idx="minor">
-            <a:schemeClr val="lt1"/>
-          </a:fontRef>
-        </p:style>
-        <p:txBody>
-          <a:bodyPr rtlCol="0" anchor="ctr"/>
-          <a:lstStyle/>
-          <a:p>
-            <a:pPr algn="ctr"/>
-            <a:r>
-              <a:rPr lang="en-US" b="1" dirty="0"/>
-              <a:t>Documents can be of any type, not just XML!</a:t>
-            </a:r>
-            <a:endParaRPr lang="en-NL" b="1" dirty="0"/>
-          </a:p>
-        </p:txBody>
-      </p:sp>
-    </p:spTree>
-    <p:extLst>
-      <p:ext uri="{BB962C8B-B14F-4D97-AF65-F5344CB8AC3E}">
-        <p14:creationId xmlns:p14="http://schemas.microsoft.com/office/powerpoint/2010/main" val="1980104863"/>
-      </p:ext>
-    </p:extLst>
-  </p:cSld>
-  <p:clrMapOvr>
-    <a:masterClrMapping/>
-  </p:clrMapOvr>
 </p:sld>
 </file>
 
